--- a/David-wang.pptx
+++ b/David-wang.pptx
@@ -34,7 +34,7 @@
       </p:grpSpPr>
       <p:sp>
         <p:nvSpPr>
-          <p:cNvPr id="39" name="PlaceHolder 1"/>
+          <p:cNvPr id="38" name="PlaceHolder 1"/>
           <p:cNvSpPr>
             <a:spLocks noGrp="1"/>
           </p:cNvSpPr>
@@ -56,225 +56,22 @@
             <a:noAutofit/>
           </a:bodyPr>
           <a:p>
-            <a:r>
-              <a:rPr b="0" lang="en-US" sz="2280" spc="-1" strike="noStrike">
-                <a:solidFill>
-                  <a:srgbClr val="000000"/>
-                </a:solidFill>
-                <a:latin typeface="Times New Roman"/>
-              </a:rPr>
-              <a:t>C</a:t>
-            </a:r>
-            <a:r>
-              <a:rPr b="0" lang="en-US" sz="2280" spc="-1" strike="noStrike">
-                <a:solidFill>
-                  <a:srgbClr val="000000"/>
-                </a:solidFill>
-                <a:latin typeface="Times New Roman"/>
-              </a:rPr>
-              <a:t>l</a:t>
-            </a:r>
-            <a:r>
-              <a:rPr b="0" lang="en-US" sz="2280" spc="-1" strike="noStrike">
-                <a:solidFill>
-                  <a:srgbClr val="000000"/>
-                </a:solidFill>
-                <a:latin typeface="Times New Roman"/>
-              </a:rPr>
-              <a:t>i</a:t>
-            </a:r>
-            <a:r>
-              <a:rPr b="0" lang="en-US" sz="2280" spc="-1" strike="noStrike">
-                <a:solidFill>
-                  <a:srgbClr val="000000"/>
-                </a:solidFill>
-                <a:latin typeface="Times New Roman"/>
-              </a:rPr>
-              <a:t>c</a:t>
-            </a:r>
-            <a:r>
-              <a:rPr b="0" lang="en-US" sz="2280" spc="-1" strike="noStrike">
-                <a:solidFill>
-                  <a:srgbClr val="000000"/>
-                </a:solidFill>
-                <a:latin typeface="Times New Roman"/>
-              </a:rPr>
-              <a:t>k</a:t>
-            </a:r>
-            <a:r>
-              <a:rPr b="0" lang="en-US" sz="2280" spc="-1" strike="noStrike">
-                <a:solidFill>
-                  <a:srgbClr val="000000"/>
-                </a:solidFill>
-                <a:latin typeface="Times New Roman"/>
-              </a:rPr>
-              <a:t> </a:t>
-            </a:r>
-            <a:r>
-              <a:rPr b="0" lang="en-US" sz="2280" spc="-1" strike="noStrike">
-                <a:solidFill>
-                  <a:srgbClr val="000000"/>
-                </a:solidFill>
-                <a:latin typeface="Times New Roman"/>
-              </a:rPr>
-              <a:t>t</a:t>
-            </a:r>
-            <a:r>
-              <a:rPr b="0" lang="en-US" sz="2280" spc="-1" strike="noStrike">
-                <a:solidFill>
-                  <a:srgbClr val="000000"/>
-                </a:solidFill>
-                <a:latin typeface="Times New Roman"/>
-              </a:rPr>
-              <a:t>o</a:t>
-            </a:r>
-            <a:r>
-              <a:rPr b="0" lang="en-US" sz="2280" spc="-1" strike="noStrike">
-                <a:solidFill>
-                  <a:srgbClr val="000000"/>
-                </a:solidFill>
-                <a:latin typeface="Times New Roman"/>
-              </a:rPr>
-              <a:t> </a:t>
-            </a:r>
-            <a:r>
-              <a:rPr b="0" lang="en-US" sz="2280" spc="-1" strike="noStrike">
-                <a:solidFill>
-                  <a:srgbClr val="000000"/>
-                </a:solidFill>
-                <a:latin typeface="Times New Roman"/>
-              </a:rPr>
-              <a:t>m</a:t>
-            </a:r>
-            <a:r>
-              <a:rPr b="0" lang="en-US" sz="2280" spc="-1" strike="noStrike">
-                <a:solidFill>
-                  <a:srgbClr val="000000"/>
-                </a:solidFill>
-                <a:latin typeface="Times New Roman"/>
-              </a:rPr>
-              <a:t>o</a:t>
-            </a:r>
-            <a:r>
-              <a:rPr b="0" lang="en-US" sz="2280" spc="-1" strike="noStrike">
-                <a:solidFill>
-                  <a:srgbClr val="000000"/>
-                </a:solidFill>
-                <a:latin typeface="Times New Roman"/>
-              </a:rPr>
-              <a:t>v</a:t>
-            </a:r>
-            <a:r>
-              <a:rPr b="0" lang="en-US" sz="2280" spc="-1" strike="noStrike">
-                <a:solidFill>
-                  <a:srgbClr val="000000"/>
-                </a:solidFill>
-                <a:latin typeface="Times New Roman"/>
-              </a:rPr>
-              <a:t>e</a:t>
-            </a:r>
-            <a:r>
-              <a:rPr b="0" lang="en-US" sz="2280" spc="-1" strike="noStrike">
-                <a:solidFill>
-                  <a:srgbClr val="000000"/>
-                </a:solidFill>
-                <a:latin typeface="Times New Roman"/>
-              </a:rPr>
-              <a:t> </a:t>
-            </a:r>
-            <a:r>
-              <a:rPr b="0" lang="en-US" sz="2280" spc="-1" strike="noStrike">
-                <a:solidFill>
-                  <a:srgbClr val="000000"/>
-                </a:solidFill>
-                <a:latin typeface="Times New Roman"/>
-              </a:rPr>
-              <a:t>t</a:t>
-            </a:r>
-            <a:r>
-              <a:rPr b="0" lang="en-US" sz="2280" spc="-1" strike="noStrike">
-                <a:solidFill>
-                  <a:srgbClr val="000000"/>
-                </a:solidFill>
-                <a:latin typeface="Times New Roman"/>
-              </a:rPr>
-              <a:t>h</a:t>
-            </a:r>
-            <a:r>
-              <a:rPr b="0" lang="en-US" sz="2280" spc="-1" strike="noStrike">
-                <a:solidFill>
-                  <a:srgbClr val="000000"/>
-                </a:solidFill>
-                <a:latin typeface="Times New Roman"/>
-              </a:rPr>
-              <a:t>e</a:t>
-            </a:r>
-            <a:r>
-              <a:rPr b="0" lang="en-US" sz="2280" spc="-1" strike="noStrike">
-                <a:solidFill>
-                  <a:srgbClr val="000000"/>
-                </a:solidFill>
-                <a:latin typeface="Times New Roman"/>
-              </a:rPr>
-              <a:t> </a:t>
-            </a:r>
-            <a:r>
-              <a:rPr b="0" lang="en-US" sz="2280" spc="-1" strike="noStrike">
-                <a:solidFill>
-                  <a:srgbClr val="000000"/>
-                </a:solidFill>
-                <a:latin typeface="Times New Roman"/>
-              </a:rPr>
-              <a:t>s</a:t>
-            </a:r>
-            <a:r>
-              <a:rPr b="0" lang="en-US" sz="2280" spc="-1" strike="noStrike">
-                <a:solidFill>
-                  <a:srgbClr val="000000"/>
-                </a:solidFill>
-                <a:latin typeface="Times New Roman"/>
-              </a:rPr>
-              <a:t>l</a:t>
-            </a:r>
-            <a:r>
-              <a:rPr b="0" lang="en-US" sz="2280" spc="-1" strike="noStrike">
-                <a:solidFill>
-                  <a:srgbClr val="000000"/>
-                </a:solidFill>
-                <a:latin typeface="Times New Roman"/>
-              </a:rPr>
-              <a:t>i</a:t>
-            </a:r>
-            <a:r>
-              <a:rPr b="0" lang="en-US" sz="2280" spc="-1" strike="noStrike">
-                <a:solidFill>
-                  <a:srgbClr val="000000"/>
-                </a:solidFill>
-                <a:latin typeface="Times New Roman"/>
-              </a:rPr>
-              <a:t>d</a:t>
-            </a:r>
-            <a:r>
-              <a:rPr b="0" lang="en-US" sz="2280" spc="-1" strike="noStrike">
-                <a:solidFill>
-                  <a:srgbClr val="000000"/>
-                </a:solidFill>
-                <a:latin typeface="Times New Roman"/>
-              </a:rPr>
-              <a:t>e</a:t>
-            </a:r>
-            <a:endParaRPr b="0" lang="en-US" sz="2280" spc="-1" strike="noStrike">
-              <a:solidFill>
-                <a:srgbClr val="000000"/>
-              </a:solidFill>
-              <a:latin typeface="Times New Roman"/>
-            </a:endParaRPr>
-          </a:p>
-        </p:txBody>
-      </p:sp>
-      <p:sp>
-        <p:nvSpPr>
-          <p:cNvPr id="40" name="PlaceHolder 2"/>
+            <a:pPr algn="ctr"/>
+            <a:r>
+              <a:rPr b="0" lang="en-US" sz="4400" spc="-1" strike="noStrike">
+                <a:latin typeface="Arial"/>
+              </a:rPr>
+              <a:t>Click to move the slide</a:t>
+            </a:r>
+            <a:endParaRPr b="0" lang="en-US" sz="4400" spc="-1" strike="noStrike">
+              <a:latin typeface="Arial"/>
+            </a:endParaRPr>
+          </a:p>
+        </p:txBody>
+      </p:sp>
+      <p:sp>
+        <p:nvSpPr>
+          <p:cNvPr id="39" name="PlaceHolder 2"/>
           <p:cNvSpPr>
             <a:spLocks noGrp="1"/>
           </p:cNvSpPr>
@@ -300,181 +97,7 @@
               <a:rPr b="0" lang="en-US" sz="2000" spc="-1" strike="noStrike">
                 <a:latin typeface="Arial"/>
               </a:rPr>
-              <a:t>C</a:t>
-            </a:r>
-            <a:r>
-              <a:rPr b="0" lang="en-US" sz="2000" spc="-1" strike="noStrike">
-                <a:latin typeface="Arial"/>
-              </a:rPr>
-              <a:t>l</a:t>
-            </a:r>
-            <a:r>
-              <a:rPr b="0" lang="en-US" sz="2000" spc="-1" strike="noStrike">
-                <a:latin typeface="Arial"/>
-              </a:rPr>
-              <a:t>i</a:t>
-            </a:r>
-            <a:r>
-              <a:rPr b="0" lang="en-US" sz="2000" spc="-1" strike="noStrike">
-                <a:latin typeface="Arial"/>
-              </a:rPr>
-              <a:t>c</a:t>
-            </a:r>
-            <a:r>
-              <a:rPr b="0" lang="en-US" sz="2000" spc="-1" strike="noStrike">
-                <a:latin typeface="Arial"/>
-              </a:rPr>
-              <a:t>k</a:t>
-            </a:r>
-            <a:r>
-              <a:rPr b="0" lang="en-US" sz="2000" spc="-1" strike="noStrike">
-                <a:latin typeface="Arial"/>
-              </a:rPr>
-              <a:t> </a:t>
-            </a:r>
-            <a:r>
-              <a:rPr b="0" lang="en-US" sz="2000" spc="-1" strike="noStrike">
-                <a:latin typeface="Arial"/>
-              </a:rPr>
-              <a:t>t</a:t>
-            </a:r>
-            <a:r>
-              <a:rPr b="0" lang="en-US" sz="2000" spc="-1" strike="noStrike">
-                <a:latin typeface="Arial"/>
-              </a:rPr>
-              <a:t>o</a:t>
-            </a:r>
-            <a:r>
-              <a:rPr b="0" lang="en-US" sz="2000" spc="-1" strike="noStrike">
-                <a:latin typeface="Arial"/>
-              </a:rPr>
-              <a:t> </a:t>
-            </a:r>
-            <a:r>
-              <a:rPr b="0" lang="en-US" sz="2000" spc="-1" strike="noStrike">
-                <a:latin typeface="Arial"/>
-              </a:rPr>
-              <a:t>e</a:t>
-            </a:r>
-            <a:r>
-              <a:rPr b="0" lang="en-US" sz="2000" spc="-1" strike="noStrike">
-                <a:latin typeface="Arial"/>
-              </a:rPr>
-              <a:t>d</a:t>
-            </a:r>
-            <a:r>
-              <a:rPr b="0" lang="en-US" sz="2000" spc="-1" strike="noStrike">
-                <a:latin typeface="Arial"/>
-              </a:rPr>
-              <a:t>i</a:t>
-            </a:r>
-            <a:r>
-              <a:rPr b="0" lang="en-US" sz="2000" spc="-1" strike="noStrike">
-                <a:latin typeface="Arial"/>
-              </a:rPr>
-              <a:t>t</a:t>
-            </a:r>
-            <a:r>
-              <a:rPr b="0" lang="en-US" sz="2000" spc="-1" strike="noStrike">
-                <a:latin typeface="Arial"/>
-              </a:rPr>
-              <a:t> </a:t>
-            </a:r>
-            <a:r>
-              <a:rPr b="0" lang="en-US" sz="2000" spc="-1" strike="noStrike">
-                <a:latin typeface="Arial"/>
-              </a:rPr>
-              <a:t>t</a:t>
-            </a:r>
-            <a:r>
-              <a:rPr b="0" lang="en-US" sz="2000" spc="-1" strike="noStrike">
-                <a:latin typeface="Arial"/>
-              </a:rPr>
-              <a:t>h</a:t>
-            </a:r>
-            <a:r>
-              <a:rPr b="0" lang="en-US" sz="2000" spc="-1" strike="noStrike">
-                <a:latin typeface="Arial"/>
-              </a:rPr>
-              <a:t>e</a:t>
-            </a:r>
-            <a:r>
-              <a:rPr b="0" lang="en-US" sz="2000" spc="-1" strike="noStrike">
-                <a:latin typeface="Arial"/>
-              </a:rPr>
-              <a:t> </a:t>
-            </a:r>
-            <a:r>
-              <a:rPr b="0" lang="en-US" sz="2000" spc="-1" strike="noStrike">
-                <a:latin typeface="Arial"/>
-              </a:rPr>
-              <a:t>n</a:t>
-            </a:r>
-            <a:r>
-              <a:rPr b="0" lang="en-US" sz="2000" spc="-1" strike="noStrike">
-                <a:latin typeface="Arial"/>
-              </a:rPr>
-              <a:t>o</a:t>
-            </a:r>
-            <a:r>
-              <a:rPr b="0" lang="en-US" sz="2000" spc="-1" strike="noStrike">
-                <a:latin typeface="Arial"/>
-              </a:rPr>
-              <a:t>t</a:t>
-            </a:r>
-            <a:r>
-              <a:rPr b="0" lang="en-US" sz="2000" spc="-1" strike="noStrike">
-                <a:latin typeface="Arial"/>
-              </a:rPr>
-              <a:t>e</a:t>
-            </a:r>
-            <a:r>
-              <a:rPr b="0" lang="en-US" sz="2000" spc="-1" strike="noStrike">
-                <a:latin typeface="Arial"/>
-              </a:rPr>
-              <a:t>s</a:t>
-            </a:r>
-            <a:r>
-              <a:rPr b="0" lang="en-US" sz="2000" spc="-1" strike="noStrike">
-                <a:latin typeface="Arial"/>
-              </a:rPr>
-              <a:t> </a:t>
-            </a:r>
-            <a:r>
-              <a:rPr b="0" lang="en-US" sz="2000" spc="-1" strike="noStrike">
-                <a:latin typeface="Arial"/>
-              </a:rPr>
-              <a:t>f</a:t>
-            </a:r>
-            <a:r>
-              <a:rPr b="0" lang="en-US" sz="2000" spc="-1" strike="noStrike">
-                <a:latin typeface="Arial"/>
-              </a:rPr>
-              <a:t>o</a:t>
-            </a:r>
-            <a:r>
-              <a:rPr b="0" lang="en-US" sz="2000" spc="-1" strike="noStrike">
-                <a:latin typeface="Arial"/>
-              </a:rPr>
-              <a:t>r</a:t>
-            </a:r>
-            <a:r>
-              <a:rPr b="0" lang="en-US" sz="2000" spc="-1" strike="noStrike">
-                <a:latin typeface="Arial"/>
-              </a:rPr>
-              <a:t>m</a:t>
-            </a:r>
-            <a:r>
-              <a:rPr b="0" lang="en-US" sz="2000" spc="-1" strike="noStrike">
-                <a:latin typeface="Arial"/>
-              </a:rPr>
-              <a:t>a</a:t>
-            </a:r>
-            <a:r>
-              <a:rPr b="0" lang="en-US" sz="2000" spc="-1" strike="noStrike">
-                <a:latin typeface="Arial"/>
-              </a:rPr>
-              <a:t>t</a:t>
+              <a:t>Click to edit the notes format</a:t>
             </a:r>
             <a:endParaRPr b="0" lang="en-US" sz="2000" spc="-1" strike="noStrike">
               <a:latin typeface="Arial"/>
@@ -484,7 +107,7 @@
       </p:sp>
       <p:sp>
         <p:nvSpPr>
-          <p:cNvPr id="41" name="PlaceHolder 3"/>
+          <p:cNvPr id="40" name="PlaceHolder 3"/>
           <p:cNvSpPr>
             <a:spLocks noGrp="1"/>
           </p:cNvSpPr>
@@ -520,7 +143,7 @@
       </p:sp>
       <p:sp>
         <p:nvSpPr>
-          <p:cNvPr id="42" name="PlaceHolder 4"/>
+          <p:cNvPr id="41" name="PlaceHolder 4"/>
           <p:cNvSpPr>
             <a:spLocks noGrp="1"/>
           </p:cNvSpPr>
@@ -557,7 +180,7 @@
       </p:sp>
       <p:sp>
         <p:nvSpPr>
-          <p:cNvPr id="43" name="PlaceHolder 5"/>
+          <p:cNvPr id="42" name="PlaceHolder 5"/>
           <p:cNvSpPr>
             <a:spLocks noGrp="1"/>
           </p:cNvSpPr>
@@ -593,7 +216,7 @@
       </p:sp>
       <p:sp>
         <p:nvSpPr>
-          <p:cNvPr id="44" name="PlaceHolder 6"/>
+          <p:cNvPr id="43" name="PlaceHolder 6"/>
           <p:cNvSpPr>
             <a:spLocks noGrp="1"/>
           </p:cNvSpPr>
@@ -616,7 +239,7 @@
           </a:bodyPr>
           <a:p>
             <a:pPr algn="r"/>
-            <a:fld id="{32027A56-94CC-45FA-A687-5B7479C0E96F}" type="slidenum">
+            <a:fld id="{FAD922C0-9D9A-4D10-984F-47E912A97E27}" type="slidenum">
               <a:rPr b="0" lang="en-US" sz="1400" spc="-1" strike="noStrike">
                 <a:latin typeface="Times New Roman"/>
               </a:rPr>
@@ -653,14 +276,14 @@
       </p:grpSpPr>
       <p:sp>
         <p:nvSpPr>
-          <p:cNvPr id="74" name="TextShape 1"/>
-          <p:cNvSpPr txBox="1"/>
+          <p:cNvPr id="96" name="CustomShape 1"/>
+          <p:cNvSpPr/>
           <p:nvPr/>
         </p:nvSpPr>
         <p:spPr>
           <a:xfrm>
             <a:off x="3886200" y="8686800"/>
-            <a:ext cx="2971440" cy="456840"/>
+            <a:ext cx="2971080" cy="456480"/>
           </a:xfrm>
           <a:prstGeom prst="rect">
             <a:avLst/>
@@ -670,8 +293,14 @@
             <a:noFill/>
           </a:ln>
         </p:spPr>
-        <p:txBody>
-          <a:bodyPr anchor="b">
+        <p:style>
+          <a:lnRef idx="0"/>
+          <a:fillRef idx="0"/>
+          <a:effectRef idx="0"/>
+          <a:fontRef idx="minor"/>
+        </p:style>
+        <p:txBody>
+          <a:bodyPr lIns="90000" rIns="90000" tIns="45000" bIns="45000" anchor="b">
             <a:noAutofit/>
           </a:bodyPr>
           <a:p>
@@ -680,22 +309,22 @@
                 <a:spcPct val="100000"/>
               </a:lnSpc>
             </a:pPr>
-            <a:fld id="{CA05AC50-196B-485E-8DE6-F3625BA4FA27}" type="slidenum">
+            <a:fld id="{8FB45074-14F2-443B-A065-9657F73E3A39}" type="slidenum">
               <a:rPr b="0" lang="en-US" sz="1200" spc="-1" strike="noStrike">
                 <a:latin typeface="Times New Roman"/>
                 <a:ea typeface="ヒラギノ明朝 ProN W3"/>
               </a:rPr>
-              <a:t>1</a:t>
+              <a:t>&lt;number&gt;</a:t>
             </a:fld>
             <a:endParaRPr b="0" lang="en-US" sz="1200" spc="-1" strike="noStrike">
-              <a:latin typeface="Times New Roman"/>
-            </a:endParaRPr>
-          </a:p>
-        </p:txBody>
-      </p:sp>
-      <p:sp>
-        <p:nvSpPr>
-          <p:cNvPr id="75" name="PlaceHolder 2"/>
+              <a:latin typeface="Arial"/>
+            </a:endParaRPr>
+          </a:p>
+        </p:txBody>
+      </p:sp>
+      <p:sp>
+        <p:nvSpPr>
+          <p:cNvPr id="97" name="PlaceHolder 2"/>
           <p:cNvSpPr>
             <a:spLocks noGrp="1"/>
           </p:cNvSpPr>
@@ -706,16 +335,16 @@
         <p:spPr>
           <a:xfrm>
             <a:off x="2143080" y="685800"/>
-            <a:ext cx="2571480" cy="3428640"/>
-          </a:xfrm>
-          <a:prstGeom prst="rect">
-            <a:avLst/>
-          </a:prstGeom>
-        </p:spPr>
-      </p:sp>
-      <p:sp>
-        <p:nvSpPr>
-          <p:cNvPr id="76" name="PlaceHolder 3"/>
+            <a:ext cx="2571120" cy="3428280"/>
+          </a:xfrm>
+          <a:prstGeom prst="rect">
+            <a:avLst/>
+          </a:prstGeom>
+        </p:spPr>
+      </p:sp>
+      <p:sp>
+        <p:nvSpPr>
+          <p:cNvPr id="98" name="PlaceHolder 3"/>
           <p:cNvSpPr>
             <a:spLocks noGrp="1"/>
           </p:cNvSpPr>
@@ -726,14 +355,14 @@
         <p:spPr>
           <a:xfrm>
             <a:off x="914400" y="4343400"/>
-            <a:ext cx="5028840" cy="4114440"/>
-          </a:xfrm>
-          <a:prstGeom prst="rect">
-            <a:avLst/>
-          </a:prstGeom>
-        </p:spPr>
-        <p:txBody>
-          <a:bodyPr>
+            <a:ext cx="5028480" cy="4114080"/>
+          </a:xfrm>
+          <a:prstGeom prst="rect">
+            <a:avLst/>
+          </a:prstGeom>
+        </p:spPr>
+        <p:txBody>
+          <a:bodyPr lIns="0" rIns="0" tIns="0" bIns="0">
             <a:noAutofit/>
           </a:bodyPr>
           <a:p>
@@ -789,7 +418,7 @@
       </p:grpSpPr>
       <p:sp>
         <p:nvSpPr>
-          <p:cNvPr id="24" name="PlaceHolder 1"/>
+          <p:cNvPr id="23" name="PlaceHolder 1"/>
           <p:cNvSpPr>
             <a:spLocks noGrp="1"/>
           </p:cNvSpPr>
@@ -799,8 +428,8 @@
         </p:nvSpPr>
         <p:spPr>
           <a:xfrm>
-            <a:off x="2344320" y="2318040"/>
-            <a:ext cx="26583480" cy="9727560"/>
+            <a:off x="1563480" y="1663560"/>
+            <a:ext cx="28144440" cy="6962760"/>
           </a:xfrm>
           <a:prstGeom prst="rect">
             <a:avLst/>
@@ -811,18 +440,16 @@
             <a:spAutoFit/>
           </a:bodyPr>
           <a:p>
-            <a:endParaRPr b="0" lang="en-US" sz="2280" spc="-1" strike="noStrike">
-              <a:solidFill>
-                <a:srgbClr val="000000"/>
-              </a:solidFill>
-              <a:latin typeface="Times New Roman"/>
-            </a:endParaRPr>
-          </a:p>
-        </p:txBody>
-      </p:sp>
-      <p:sp>
-        <p:nvSpPr>
-          <p:cNvPr id="25" name="PlaceHolder 2"/>
+            <a:pPr algn="ctr"/>
+            <a:endParaRPr b="0" lang="en-US" sz="4400" spc="-1" strike="noStrike">
+              <a:latin typeface="Arial"/>
+            </a:endParaRPr>
+          </a:p>
+        </p:txBody>
+      </p:sp>
+      <p:sp>
+        <p:nvSpPr>
+          <p:cNvPr id="24" name="PlaceHolder 2"/>
           <p:cNvSpPr>
             <a:spLocks noGrp="1"/>
           </p:cNvSpPr>
@@ -832,8 +459,8 @@
         </p:nvSpPr>
         <p:spPr>
           <a:xfrm>
-            <a:off x="2344320" y="12045960"/>
-            <a:ext cx="26583480" cy="14143320"/>
+            <a:off x="1563480" y="9757080"/>
+            <a:ext cx="28144440" cy="11535480"/>
           </a:xfrm>
           <a:prstGeom prst="rect">
             <a:avLst/>
@@ -844,18 +471,15 @@
             <a:normAutofit/>
           </a:bodyPr>
           <a:p>
-            <a:endParaRPr b="0" lang="en-US" sz="8750" spc="-1" strike="noStrike">
-              <a:solidFill>
-                <a:srgbClr val="000000"/>
-              </a:solidFill>
-              <a:latin typeface="Times New Roman"/>
-            </a:endParaRPr>
-          </a:p>
-        </p:txBody>
-      </p:sp>
-      <p:sp>
-        <p:nvSpPr>
-          <p:cNvPr id="26" name="PlaceHolder 3"/>
+            <a:endParaRPr b="0" lang="en-US" sz="3200" spc="-1" strike="noStrike">
+              <a:latin typeface="Arial"/>
+            </a:endParaRPr>
+          </a:p>
+        </p:txBody>
+      </p:sp>
+      <p:sp>
+        <p:nvSpPr>
+          <p:cNvPr id="25" name="PlaceHolder 3"/>
           <p:cNvSpPr>
             <a:spLocks noGrp="1"/>
           </p:cNvSpPr>
@@ -865,8 +489,8 @@
         </p:nvSpPr>
         <p:spPr>
           <a:xfrm>
-            <a:off x="2344320" y="27533160"/>
-            <a:ext cx="26583480" cy="14143320"/>
+            <a:off x="1563480" y="22388760"/>
+            <a:ext cx="28144440" cy="11535480"/>
           </a:xfrm>
           <a:prstGeom prst="rect">
             <a:avLst/>
@@ -877,11 +501,8 @@
             <a:normAutofit/>
           </a:bodyPr>
           <a:p>
-            <a:endParaRPr b="0" lang="en-US" sz="8750" spc="-1" strike="noStrike">
-              <a:solidFill>
-                <a:srgbClr val="000000"/>
-              </a:solidFill>
-              <a:latin typeface="Times New Roman"/>
+            <a:endParaRPr b="0" lang="en-US" sz="3200" spc="-1" strike="noStrike">
+              <a:latin typeface="Arial"/>
             </a:endParaRPr>
           </a:p>
         </p:txBody>
@@ -910,7 +531,7 @@
       </p:grpSpPr>
       <p:sp>
         <p:nvSpPr>
-          <p:cNvPr id="27" name="PlaceHolder 1"/>
+          <p:cNvPr id="26" name="PlaceHolder 1"/>
           <p:cNvSpPr>
             <a:spLocks noGrp="1"/>
           </p:cNvSpPr>
@@ -920,8 +541,8 @@
         </p:nvSpPr>
         <p:spPr>
           <a:xfrm>
-            <a:off x="2344320" y="2318040"/>
-            <a:ext cx="26583480" cy="9727560"/>
+            <a:off x="1563480" y="1663560"/>
+            <a:ext cx="28144440" cy="6962760"/>
           </a:xfrm>
           <a:prstGeom prst="rect">
             <a:avLst/>
@@ -932,18 +553,16 @@
             <a:spAutoFit/>
           </a:bodyPr>
           <a:p>
-            <a:endParaRPr b="0" lang="en-US" sz="2280" spc="-1" strike="noStrike">
-              <a:solidFill>
-                <a:srgbClr val="000000"/>
-              </a:solidFill>
-              <a:latin typeface="Times New Roman"/>
-            </a:endParaRPr>
-          </a:p>
-        </p:txBody>
-      </p:sp>
-      <p:sp>
-        <p:nvSpPr>
-          <p:cNvPr id="28" name="PlaceHolder 2"/>
+            <a:pPr algn="ctr"/>
+            <a:endParaRPr b="0" lang="en-US" sz="4400" spc="-1" strike="noStrike">
+              <a:latin typeface="Arial"/>
+            </a:endParaRPr>
+          </a:p>
+        </p:txBody>
+      </p:sp>
+      <p:sp>
+        <p:nvSpPr>
+          <p:cNvPr id="27" name="PlaceHolder 2"/>
           <p:cNvSpPr>
             <a:spLocks noGrp="1"/>
           </p:cNvSpPr>
@@ -953,8 +572,8 @@
         </p:nvSpPr>
         <p:spPr>
           <a:xfrm>
-            <a:off x="2344320" y="12045960"/>
-            <a:ext cx="12972600" cy="14143320"/>
+            <a:off x="1563480" y="9757080"/>
+            <a:ext cx="13734360" cy="11535480"/>
           </a:xfrm>
           <a:prstGeom prst="rect">
             <a:avLst/>
@@ -965,18 +584,15 @@
             <a:normAutofit/>
           </a:bodyPr>
           <a:p>
-            <a:endParaRPr b="0" lang="en-US" sz="8750" spc="-1" strike="noStrike">
-              <a:solidFill>
-                <a:srgbClr val="000000"/>
-              </a:solidFill>
-              <a:latin typeface="Times New Roman"/>
-            </a:endParaRPr>
-          </a:p>
-        </p:txBody>
-      </p:sp>
-      <p:sp>
-        <p:nvSpPr>
-          <p:cNvPr id="29" name="PlaceHolder 3"/>
+            <a:endParaRPr b="0" lang="en-US" sz="3200" spc="-1" strike="noStrike">
+              <a:latin typeface="Arial"/>
+            </a:endParaRPr>
+          </a:p>
+        </p:txBody>
+      </p:sp>
+      <p:sp>
+        <p:nvSpPr>
+          <p:cNvPr id="28" name="PlaceHolder 3"/>
           <p:cNvSpPr>
             <a:spLocks noGrp="1"/>
           </p:cNvSpPr>
@@ -986,8 +602,8 @@
         </p:nvSpPr>
         <p:spPr>
           <a:xfrm>
-            <a:off x="15966000" y="12045960"/>
-            <a:ext cx="12972600" cy="14143320"/>
+            <a:off x="15985080" y="9757080"/>
+            <a:ext cx="13734360" cy="11535480"/>
           </a:xfrm>
           <a:prstGeom prst="rect">
             <a:avLst/>
@@ -998,18 +614,15 @@
             <a:normAutofit/>
           </a:bodyPr>
           <a:p>
-            <a:endParaRPr b="0" lang="en-US" sz="8750" spc="-1" strike="noStrike">
-              <a:solidFill>
-                <a:srgbClr val="000000"/>
-              </a:solidFill>
-              <a:latin typeface="Times New Roman"/>
-            </a:endParaRPr>
-          </a:p>
-        </p:txBody>
-      </p:sp>
-      <p:sp>
-        <p:nvSpPr>
-          <p:cNvPr id="30" name="PlaceHolder 4"/>
+            <a:endParaRPr b="0" lang="en-US" sz="3200" spc="-1" strike="noStrike">
+              <a:latin typeface="Arial"/>
+            </a:endParaRPr>
+          </a:p>
+        </p:txBody>
+      </p:sp>
+      <p:sp>
+        <p:nvSpPr>
+          <p:cNvPr id="29" name="PlaceHolder 4"/>
           <p:cNvSpPr>
             <a:spLocks noGrp="1"/>
           </p:cNvSpPr>
@@ -1019,8 +632,8 @@
         </p:nvSpPr>
         <p:spPr>
           <a:xfrm>
-            <a:off x="2344320" y="27533160"/>
-            <a:ext cx="12972600" cy="14143320"/>
+            <a:off x="1563480" y="22388760"/>
+            <a:ext cx="13734360" cy="11535480"/>
           </a:xfrm>
           <a:prstGeom prst="rect">
             <a:avLst/>
@@ -1031,18 +644,15 @@
             <a:normAutofit/>
           </a:bodyPr>
           <a:p>
-            <a:endParaRPr b="0" lang="en-US" sz="8750" spc="-1" strike="noStrike">
-              <a:solidFill>
-                <a:srgbClr val="000000"/>
-              </a:solidFill>
-              <a:latin typeface="Times New Roman"/>
-            </a:endParaRPr>
-          </a:p>
-        </p:txBody>
-      </p:sp>
-      <p:sp>
-        <p:nvSpPr>
-          <p:cNvPr id="31" name="PlaceHolder 5"/>
+            <a:endParaRPr b="0" lang="en-US" sz="3200" spc="-1" strike="noStrike">
+              <a:latin typeface="Arial"/>
+            </a:endParaRPr>
+          </a:p>
+        </p:txBody>
+      </p:sp>
+      <p:sp>
+        <p:nvSpPr>
+          <p:cNvPr id="30" name="PlaceHolder 5"/>
           <p:cNvSpPr>
             <a:spLocks noGrp="1"/>
           </p:cNvSpPr>
@@ -1052,8 +662,8 @@
         </p:nvSpPr>
         <p:spPr>
           <a:xfrm>
-            <a:off x="15966000" y="27533160"/>
-            <a:ext cx="12972600" cy="14143320"/>
+            <a:off x="15985080" y="22388760"/>
+            <a:ext cx="13734360" cy="11535480"/>
           </a:xfrm>
           <a:prstGeom prst="rect">
             <a:avLst/>
@@ -1064,11 +674,8 @@
             <a:normAutofit/>
           </a:bodyPr>
           <a:p>
-            <a:endParaRPr b="0" lang="en-US" sz="8750" spc="-1" strike="noStrike">
-              <a:solidFill>
-                <a:srgbClr val="000000"/>
-              </a:solidFill>
-              <a:latin typeface="Times New Roman"/>
+            <a:endParaRPr b="0" lang="en-US" sz="3200" spc="-1" strike="noStrike">
+              <a:latin typeface="Arial"/>
             </a:endParaRPr>
           </a:p>
         </p:txBody>
@@ -1097,7 +704,7 @@
       </p:grpSpPr>
       <p:sp>
         <p:nvSpPr>
-          <p:cNvPr id="32" name="PlaceHolder 1"/>
+          <p:cNvPr id="31" name="PlaceHolder 1"/>
           <p:cNvSpPr>
             <a:spLocks noGrp="1"/>
           </p:cNvSpPr>
@@ -1107,8 +714,8 @@
         </p:nvSpPr>
         <p:spPr>
           <a:xfrm>
-            <a:off x="2344320" y="2318040"/>
-            <a:ext cx="26583480" cy="9727560"/>
+            <a:off x="1563480" y="1663560"/>
+            <a:ext cx="28144440" cy="6962760"/>
           </a:xfrm>
           <a:prstGeom prst="rect">
             <a:avLst/>
@@ -1119,18 +726,16 @@
             <a:spAutoFit/>
           </a:bodyPr>
           <a:p>
-            <a:endParaRPr b="0" lang="en-US" sz="2280" spc="-1" strike="noStrike">
-              <a:solidFill>
-                <a:srgbClr val="000000"/>
-              </a:solidFill>
-              <a:latin typeface="Times New Roman"/>
-            </a:endParaRPr>
-          </a:p>
-        </p:txBody>
-      </p:sp>
-      <p:sp>
-        <p:nvSpPr>
-          <p:cNvPr id="33" name="PlaceHolder 2"/>
+            <a:pPr algn="ctr"/>
+            <a:endParaRPr b="0" lang="en-US" sz="4400" spc="-1" strike="noStrike">
+              <a:latin typeface="Arial"/>
+            </a:endParaRPr>
+          </a:p>
+        </p:txBody>
+      </p:sp>
+      <p:sp>
+        <p:nvSpPr>
+          <p:cNvPr id="32" name="PlaceHolder 2"/>
           <p:cNvSpPr>
             <a:spLocks noGrp="1"/>
           </p:cNvSpPr>
@@ -1140,8 +745,8 @@
         </p:nvSpPr>
         <p:spPr>
           <a:xfrm>
-            <a:off x="2344320" y="12045960"/>
-            <a:ext cx="8559720" cy="14143320"/>
+            <a:off x="1563480" y="9757080"/>
+            <a:ext cx="9062280" cy="11535480"/>
           </a:xfrm>
           <a:prstGeom prst="rect">
             <a:avLst/>
@@ -1152,18 +757,15 @@
             <a:normAutofit/>
           </a:bodyPr>
           <a:p>
-            <a:endParaRPr b="0" lang="en-US" sz="8750" spc="-1" strike="noStrike">
-              <a:solidFill>
-                <a:srgbClr val="000000"/>
-              </a:solidFill>
-              <a:latin typeface="Times New Roman"/>
-            </a:endParaRPr>
-          </a:p>
-        </p:txBody>
-      </p:sp>
-      <p:sp>
-        <p:nvSpPr>
-          <p:cNvPr id="34" name="PlaceHolder 3"/>
+            <a:endParaRPr b="0" lang="en-US" sz="3200" spc="-1" strike="noStrike">
+              <a:latin typeface="Arial"/>
+            </a:endParaRPr>
+          </a:p>
+        </p:txBody>
+      </p:sp>
+      <p:sp>
+        <p:nvSpPr>
+          <p:cNvPr id="33" name="PlaceHolder 3"/>
           <p:cNvSpPr>
             <a:spLocks noGrp="1"/>
           </p:cNvSpPr>
@@ -1173,8 +775,8 @@
         </p:nvSpPr>
         <p:spPr>
           <a:xfrm>
-            <a:off x="11332440" y="12045960"/>
-            <a:ext cx="8559720" cy="14143320"/>
+            <a:off x="11079360" y="9757080"/>
+            <a:ext cx="9062280" cy="11535480"/>
           </a:xfrm>
           <a:prstGeom prst="rect">
             <a:avLst/>
@@ -1185,18 +787,15 @@
             <a:normAutofit/>
           </a:bodyPr>
           <a:p>
-            <a:endParaRPr b="0" lang="en-US" sz="8750" spc="-1" strike="noStrike">
-              <a:solidFill>
-                <a:srgbClr val="000000"/>
-              </a:solidFill>
-              <a:latin typeface="Times New Roman"/>
-            </a:endParaRPr>
-          </a:p>
-        </p:txBody>
-      </p:sp>
-      <p:sp>
-        <p:nvSpPr>
-          <p:cNvPr id="35" name="PlaceHolder 4"/>
+            <a:endParaRPr b="0" lang="en-US" sz="3200" spc="-1" strike="noStrike">
+              <a:latin typeface="Arial"/>
+            </a:endParaRPr>
+          </a:p>
+        </p:txBody>
+      </p:sp>
+      <p:sp>
+        <p:nvSpPr>
+          <p:cNvPr id="34" name="PlaceHolder 4"/>
           <p:cNvSpPr>
             <a:spLocks noGrp="1"/>
           </p:cNvSpPr>
@@ -1206,8 +805,8 @@
         </p:nvSpPr>
         <p:spPr>
           <a:xfrm>
-            <a:off x="20320560" y="12045960"/>
-            <a:ext cx="8559720" cy="14143320"/>
+            <a:off x="20594880" y="9757080"/>
+            <a:ext cx="9062280" cy="11535480"/>
           </a:xfrm>
           <a:prstGeom prst="rect">
             <a:avLst/>
@@ -1218,18 +817,15 @@
             <a:normAutofit/>
           </a:bodyPr>
           <a:p>
-            <a:endParaRPr b="0" lang="en-US" sz="8750" spc="-1" strike="noStrike">
-              <a:solidFill>
-                <a:srgbClr val="000000"/>
-              </a:solidFill>
-              <a:latin typeface="Times New Roman"/>
-            </a:endParaRPr>
-          </a:p>
-        </p:txBody>
-      </p:sp>
-      <p:sp>
-        <p:nvSpPr>
-          <p:cNvPr id="36" name="PlaceHolder 5"/>
+            <a:endParaRPr b="0" lang="en-US" sz="3200" spc="-1" strike="noStrike">
+              <a:latin typeface="Arial"/>
+            </a:endParaRPr>
+          </a:p>
+        </p:txBody>
+      </p:sp>
+      <p:sp>
+        <p:nvSpPr>
+          <p:cNvPr id="35" name="PlaceHolder 5"/>
           <p:cNvSpPr>
             <a:spLocks noGrp="1"/>
           </p:cNvSpPr>
@@ -1239,8 +835,8 @@
         </p:nvSpPr>
         <p:spPr>
           <a:xfrm>
-            <a:off x="2344320" y="27533160"/>
-            <a:ext cx="8559720" cy="14143320"/>
+            <a:off x="1563480" y="22388760"/>
+            <a:ext cx="9062280" cy="11535480"/>
           </a:xfrm>
           <a:prstGeom prst="rect">
             <a:avLst/>
@@ -1251,18 +847,15 @@
             <a:normAutofit/>
           </a:bodyPr>
           <a:p>
-            <a:endParaRPr b="0" lang="en-US" sz="8750" spc="-1" strike="noStrike">
-              <a:solidFill>
-                <a:srgbClr val="000000"/>
-              </a:solidFill>
-              <a:latin typeface="Times New Roman"/>
-            </a:endParaRPr>
-          </a:p>
-        </p:txBody>
-      </p:sp>
-      <p:sp>
-        <p:nvSpPr>
-          <p:cNvPr id="37" name="PlaceHolder 6"/>
+            <a:endParaRPr b="0" lang="en-US" sz="3200" spc="-1" strike="noStrike">
+              <a:latin typeface="Arial"/>
+            </a:endParaRPr>
+          </a:p>
+        </p:txBody>
+      </p:sp>
+      <p:sp>
+        <p:nvSpPr>
+          <p:cNvPr id="36" name="PlaceHolder 6"/>
           <p:cNvSpPr>
             <a:spLocks noGrp="1"/>
           </p:cNvSpPr>
@@ -1272,8 +865,8 @@
         </p:nvSpPr>
         <p:spPr>
           <a:xfrm>
-            <a:off x="11332440" y="27533160"/>
-            <a:ext cx="8559720" cy="14143320"/>
+            <a:off x="11079360" y="22388760"/>
+            <a:ext cx="9062280" cy="11535480"/>
           </a:xfrm>
           <a:prstGeom prst="rect">
             <a:avLst/>
@@ -1284,18 +877,15 @@
             <a:normAutofit/>
           </a:bodyPr>
           <a:p>
-            <a:endParaRPr b="0" lang="en-US" sz="8750" spc="-1" strike="noStrike">
-              <a:solidFill>
-                <a:srgbClr val="000000"/>
-              </a:solidFill>
-              <a:latin typeface="Times New Roman"/>
-            </a:endParaRPr>
-          </a:p>
-        </p:txBody>
-      </p:sp>
-      <p:sp>
-        <p:nvSpPr>
-          <p:cNvPr id="38" name="PlaceHolder 7"/>
+            <a:endParaRPr b="0" lang="en-US" sz="3200" spc="-1" strike="noStrike">
+              <a:latin typeface="Arial"/>
+            </a:endParaRPr>
+          </a:p>
+        </p:txBody>
+      </p:sp>
+      <p:sp>
+        <p:nvSpPr>
+          <p:cNvPr id="37" name="PlaceHolder 7"/>
           <p:cNvSpPr>
             <a:spLocks noGrp="1"/>
           </p:cNvSpPr>
@@ -1305,8 +895,8 @@
         </p:nvSpPr>
         <p:spPr>
           <a:xfrm>
-            <a:off x="20320560" y="27533160"/>
-            <a:ext cx="8559720" cy="14143320"/>
+            <a:off x="20594880" y="22388760"/>
+            <a:ext cx="9062280" cy="11535480"/>
           </a:xfrm>
           <a:prstGeom prst="rect">
             <a:avLst/>
@@ -1317,11 +907,8 @@
             <a:normAutofit/>
           </a:bodyPr>
           <a:p>
-            <a:endParaRPr b="0" lang="en-US" sz="8750" spc="-1" strike="noStrike">
-              <a:solidFill>
-                <a:srgbClr val="000000"/>
-              </a:solidFill>
-              <a:latin typeface="Times New Roman"/>
+            <a:endParaRPr b="0" lang="en-US" sz="3200" spc="-1" strike="noStrike">
+              <a:latin typeface="Arial"/>
             </a:endParaRPr>
           </a:p>
         </p:txBody>
@@ -1350,7 +937,7 @@
       </p:grpSpPr>
       <p:sp>
         <p:nvSpPr>
-          <p:cNvPr id="3" name="PlaceHolder 1"/>
+          <p:cNvPr id="2" name="PlaceHolder 1"/>
           <p:cNvSpPr>
             <a:spLocks noGrp="1"/>
           </p:cNvSpPr>
@@ -1360,8 +947,8 @@
         </p:nvSpPr>
         <p:spPr>
           <a:xfrm>
-            <a:off x="2344320" y="2318040"/>
-            <a:ext cx="26583480" cy="9727560"/>
+            <a:off x="1563480" y="1663560"/>
+            <a:ext cx="28144440" cy="6962760"/>
           </a:xfrm>
           <a:prstGeom prst="rect">
             <a:avLst/>
@@ -1372,18 +959,16 @@
             <a:spAutoFit/>
           </a:bodyPr>
           <a:p>
-            <a:endParaRPr b="0" lang="en-US" sz="2280" spc="-1" strike="noStrike">
-              <a:solidFill>
-                <a:srgbClr val="000000"/>
-              </a:solidFill>
-              <a:latin typeface="Times New Roman"/>
-            </a:endParaRPr>
-          </a:p>
-        </p:txBody>
-      </p:sp>
-      <p:sp>
-        <p:nvSpPr>
-          <p:cNvPr id="4" name="PlaceHolder 2"/>
+            <a:pPr algn="ctr"/>
+            <a:endParaRPr b="0" lang="en-US" sz="4400" spc="-1" strike="noStrike">
+              <a:latin typeface="Arial"/>
+            </a:endParaRPr>
+          </a:p>
+        </p:txBody>
+      </p:sp>
+      <p:sp>
+        <p:nvSpPr>
+          <p:cNvPr id="3" name="PlaceHolder 2"/>
           <p:cNvSpPr>
             <a:spLocks noGrp="1"/>
           </p:cNvSpPr>
@@ -1393,8 +978,8 @@
         </p:nvSpPr>
         <p:spPr>
           <a:xfrm>
-            <a:off x="2344320" y="12045960"/>
-            <a:ext cx="26583480" cy="29651040"/>
+            <a:off x="1563480" y="9757080"/>
+            <a:ext cx="28144440" cy="24184080"/>
           </a:xfrm>
           <a:prstGeom prst="rect">
             <a:avLst/>
@@ -1436,7 +1021,7 @@
       </p:grpSpPr>
       <p:sp>
         <p:nvSpPr>
-          <p:cNvPr id="5" name="PlaceHolder 1"/>
+          <p:cNvPr id="4" name="PlaceHolder 1"/>
           <p:cNvSpPr>
             <a:spLocks noGrp="1"/>
           </p:cNvSpPr>
@@ -1446,8 +1031,8 @@
         </p:nvSpPr>
         <p:spPr>
           <a:xfrm>
-            <a:off x="2344320" y="2318040"/>
-            <a:ext cx="26583480" cy="9727560"/>
+            <a:off x="1563480" y="1663560"/>
+            <a:ext cx="28144440" cy="6962760"/>
           </a:xfrm>
           <a:prstGeom prst="rect">
             <a:avLst/>
@@ -1458,18 +1043,16 @@
             <a:spAutoFit/>
           </a:bodyPr>
           <a:p>
-            <a:endParaRPr b="0" lang="en-US" sz="2280" spc="-1" strike="noStrike">
-              <a:solidFill>
-                <a:srgbClr val="000000"/>
-              </a:solidFill>
-              <a:latin typeface="Times New Roman"/>
-            </a:endParaRPr>
-          </a:p>
-        </p:txBody>
-      </p:sp>
-      <p:sp>
-        <p:nvSpPr>
-          <p:cNvPr id="6" name="PlaceHolder 2"/>
+            <a:pPr algn="ctr"/>
+            <a:endParaRPr b="0" lang="en-US" sz="4400" spc="-1" strike="noStrike">
+              <a:latin typeface="Arial"/>
+            </a:endParaRPr>
+          </a:p>
+        </p:txBody>
+      </p:sp>
+      <p:sp>
+        <p:nvSpPr>
+          <p:cNvPr id="5" name="PlaceHolder 2"/>
           <p:cNvSpPr>
             <a:spLocks noGrp="1"/>
           </p:cNvSpPr>
@@ -1479,8 +1062,8 @@
         </p:nvSpPr>
         <p:spPr>
           <a:xfrm>
-            <a:off x="2344320" y="12045960"/>
-            <a:ext cx="26583480" cy="29651040"/>
+            <a:off x="1563480" y="9757080"/>
+            <a:ext cx="28144440" cy="24184080"/>
           </a:xfrm>
           <a:prstGeom prst="rect">
             <a:avLst/>
@@ -1491,11 +1074,8 @@
             <a:normAutofit/>
           </a:bodyPr>
           <a:p>
-            <a:endParaRPr b="0" lang="en-US" sz="8750" spc="-1" strike="noStrike">
-              <a:solidFill>
-                <a:srgbClr val="000000"/>
-              </a:solidFill>
-              <a:latin typeface="Times New Roman"/>
+            <a:endParaRPr b="0" lang="en-US" sz="3200" spc="-1" strike="noStrike">
+              <a:latin typeface="Arial"/>
             </a:endParaRPr>
           </a:p>
         </p:txBody>
@@ -1524,7 +1104,7 @@
       </p:grpSpPr>
       <p:sp>
         <p:nvSpPr>
-          <p:cNvPr id="7" name="PlaceHolder 1"/>
+          <p:cNvPr id="6" name="PlaceHolder 1"/>
           <p:cNvSpPr>
             <a:spLocks noGrp="1"/>
           </p:cNvSpPr>
@@ -1534,8 +1114,8 @@
         </p:nvSpPr>
         <p:spPr>
           <a:xfrm>
-            <a:off x="2344320" y="2318040"/>
-            <a:ext cx="26583480" cy="9727560"/>
+            <a:off x="1563480" y="1663560"/>
+            <a:ext cx="28144440" cy="6962760"/>
           </a:xfrm>
           <a:prstGeom prst="rect">
             <a:avLst/>
@@ -1546,18 +1126,16 @@
             <a:spAutoFit/>
           </a:bodyPr>
           <a:p>
-            <a:endParaRPr b="0" lang="en-US" sz="2280" spc="-1" strike="noStrike">
-              <a:solidFill>
-                <a:srgbClr val="000000"/>
-              </a:solidFill>
-              <a:latin typeface="Times New Roman"/>
-            </a:endParaRPr>
-          </a:p>
-        </p:txBody>
-      </p:sp>
-      <p:sp>
-        <p:nvSpPr>
-          <p:cNvPr id="8" name="PlaceHolder 2"/>
+            <a:pPr algn="ctr"/>
+            <a:endParaRPr b="0" lang="en-US" sz="4400" spc="-1" strike="noStrike">
+              <a:latin typeface="Arial"/>
+            </a:endParaRPr>
+          </a:p>
+        </p:txBody>
+      </p:sp>
+      <p:sp>
+        <p:nvSpPr>
+          <p:cNvPr id="7" name="PlaceHolder 2"/>
           <p:cNvSpPr>
             <a:spLocks noGrp="1"/>
           </p:cNvSpPr>
@@ -1567,8 +1145,8 @@
         </p:nvSpPr>
         <p:spPr>
           <a:xfrm>
-            <a:off x="2344320" y="12045960"/>
-            <a:ext cx="12972600" cy="29651040"/>
+            <a:off x="1563480" y="9757080"/>
+            <a:ext cx="13734360" cy="24184080"/>
           </a:xfrm>
           <a:prstGeom prst="rect">
             <a:avLst/>
@@ -1579,18 +1157,15 @@
             <a:normAutofit/>
           </a:bodyPr>
           <a:p>
-            <a:endParaRPr b="0" lang="en-US" sz="8750" spc="-1" strike="noStrike">
-              <a:solidFill>
-                <a:srgbClr val="000000"/>
-              </a:solidFill>
-              <a:latin typeface="Times New Roman"/>
-            </a:endParaRPr>
-          </a:p>
-        </p:txBody>
-      </p:sp>
-      <p:sp>
-        <p:nvSpPr>
-          <p:cNvPr id="9" name="PlaceHolder 3"/>
+            <a:endParaRPr b="0" lang="en-US" sz="3200" spc="-1" strike="noStrike">
+              <a:latin typeface="Arial"/>
+            </a:endParaRPr>
+          </a:p>
+        </p:txBody>
+      </p:sp>
+      <p:sp>
+        <p:nvSpPr>
+          <p:cNvPr id="8" name="PlaceHolder 3"/>
           <p:cNvSpPr>
             <a:spLocks noGrp="1"/>
           </p:cNvSpPr>
@@ -1600,8 +1175,8 @@
         </p:nvSpPr>
         <p:spPr>
           <a:xfrm>
-            <a:off x="15966000" y="12045960"/>
-            <a:ext cx="12972600" cy="29651040"/>
+            <a:off x="15985080" y="9757080"/>
+            <a:ext cx="13734360" cy="24184080"/>
           </a:xfrm>
           <a:prstGeom prst="rect">
             <a:avLst/>
@@ -1612,11 +1187,8 @@
             <a:normAutofit/>
           </a:bodyPr>
           <a:p>
-            <a:endParaRPr b="0" lang="en-US" sz="8750" spc="-1" strike="noStrike">
-              <a:solidFill>
-                <a:srgbClr val="000000"/>
-              </a:solidFill>
-              <a:latin typeface="Times New Roman"/>
+            <a:endParaRPr b="0" lang="en-US" sz="3200" spc="-1" strike="noStrike">
+              <a:latin typeface="Arial"/>
             </a:endParaRPr>
           </a:p>
         </p:txBody>
@@ -1645,7 +1217,7 @@
       </p:grpSpPr>
       <p:sp>
         <p:nvSpPr>
-          <p:cNvPr id="10" name="PlaceHolder 1"/>
+          <p:cNvPr id="9" name="PlaceHolder 1"/>
           <p:cNvSpPr>
             <a:spLocks noGrp="1"/>
           </p:cNvSpPr>
@@ -1655,8 +1227,8 @@
         </p:nvSpPr>
         <p:spPr>
           <a:xfrm>
-            <a:off x="2344320" y="2318040"/>
-            <a:ext cx="26583480" cy="9727560"/>
+            <a:off x="1563480" y="1663560"/>
+            <a:ext cx="28144440" cy="6962760"/>
           </a:xfrm>
           <a:prstGeom prst="rect">
             <a:avLst/>
@@ -1667,11 +1239,9 @@
             <a:spAutoFit/>
           </a:bodyPr>
           <a:p>
-            <a:endParaRPr b="0" lang="en-US" sz="2280" spc="-1" strike="noStrike">
-              <a:solidFill>
-                <a:srgbClr val="000000"/>
-              </a:solidFill>
-              <a:latin typeface="Times New Roman"/>
+            <a:pPr algn="ctr"/>
+            <a:endParaRPr b="0" lang="en-US" sz="4400" spc="-1" strike="noStrike">
+              <a:latin typeface="Arial"/>
             </a:endParaRPr>
           </a:p>
         </p:txBody>
@@ -1700,7 +1270,7 @@
       </p:grpSpPr>
       <p:sp>
         <p:nvSpPr>
-          <p:cNvPr id="11" name="PlaceHolder 1"/>
+          <p:cNvPr id="10" name="PlaceHolder 1"/>
           <p:cNvSpPr>
             <a:spLocks noGrp="1"/>
           </p:cNvSpPr>
@@ -1710,8 +1280,8 @@
         </p:nvSpPr>
         <p:spPr>
           <a:xfrm>
-            <a:off x="2344320" y="2318040"/>
-            <a:ext cx="26583480" cy="45092520"/>
+            <a:off x="1563480" y="1663560"/>
+            <a:ext cx="28144440" cy="32276520"/>
           </a:xfrm>
           <a:prstGeom prst="rect">
             <a:avLst/>
@@ -1753,7 +1323,7 @@
       </p:grpSpPr>
       <p:sp>
         <p:nvSpPr>
-          <p:cNvPr id="12" name="PlaceHolder 1"/>
+          <p:cNvPr id="11" name="PlaceHolder 1"/>
           <p:cNvSpPr>
             <a:spLocks noGrp="1"/>
           </p:cNvSpPr>
@@ -1763,8 +1333,8 @@
         </p:nvSpPr>
         <p:spPr>
           <a:xfrm>
-            <a:off x="2344320" y="2318040"/>
-            <a:ext cx="26583480" cy="9727560"/>
+            <a:off x="1563480" y="1663560"/>
+            <a:ext cx="28144440" cy="6962760"/>
           </a:xfrm>
           <a:prstGeom prst="rect">
             <a:avLst/>
@@ -1775,18 +1345,16 @@
             <a:spAutoFit/>
           </a:bodyPr>
           <a:p>
-            <a:endParaRPr b="0" lang="en-US" sz="2280" spc="-1" strike="noStrike">
-              <a:solidFill>
-                <a:srgbClr val="000000"/>
-              </a:solidFill>
-              <a:latin typeface="Times New Roman"/>
-            </a:endParaRPr>
-          </a:p>
-        </p:txBody>
-      </p:sp>
-      <p:sp>
-        <p:nvSpPr>
-          <p:cNvPr id="13" name="PlaceHolder 2"/>
+            <a:pPr algn="ctr"/>
+            <a:endParaRPr b="0" lang="en-US" sz="4400" spc="-1" strike="noStrike">
+              <a:latin typeface="Arial"/>
+            </a:endParaRPr>
+          </a:p>
+        </p:txBody>
+      </p:sp>
+      <p:sp>
+        <p:nvSpPr>
+          <p:cNvPr id="12" name="PlaceHolder 2"/>
           <p:cNvSpPr>
             <a:spLocks noGrp="1"/>
           </p:cNvSpPr>
@@ -1796,8 +1364,8 @@
         </p:nvSpPr>
         <p:spPr>
           <a:xfrm>
-            <a:off x="2344320" y="12045960"/>
-            <a:ext cx="12972600" cy="14143320"/>
+            <a:off x="1563480" y="9757080"/>
+            <a:ext cx="13734360" cy="11535480"/>
           </a:xfrm>
           <a:prstGeom prst="rect">
             <a:avLst/>
@@ -1808,18 +1376,15 @@
             <a:normAutofit/>
           </a:bodyPr>
           <a:p>
-            <a:endParaRPr b="0" lang="en-US" sz="8750" spc="-1" strike="noStrike">
-              <a:solidFill>
-                <a:srgbClr val="000000"/>
-              </a:solidFill>
-              <a:latin typeface="Times New Roman"/>
-            </a:endParaRPr>
-          </a:p>
-        </p:txBody>
-      </p:sp>
-      <p:sp>
-        <p:nvSpPr>
-          <p:cNvPr id="14" name="PlaceHolder 3"/>
+            <a:endParaRPr b="0" lang="en-US" sz="3200" spc="-1" strike="noStrike">
+              <a:latin typeface="Arial"/>
+            </a:endParaRPr>
+          </a:p>
+        </p:txBody>
+      </p:sp>
+      <p:sp>
+        <p:nvSpPr>
+          <p:cNvPr id="13" name="PlaceHolder 3"/>
           <p:cNvSpPr>
             <a:spLocks noGrp="1"/>
           </p:cNvSpPr>
@@ -1829,8 +1394,8 @@
         </p:nvSpPr>
         <p:spPr>
           <a:xfrm>
-            <a:off x="15966000" y="12045960"/>
-            <a:ext cx="12972600" cy="29651040"/>
+            <a:off x="15985080" y="9757080"/>
+            <a:ext cx="13734360" cy="24184080"/>
           </a:xfrm>
           <a:prstGeom prst="rect">
             <a:avLst/>
@@ -1841,18 +1406,15 @@
             <a:normAutofit/>
           </a:bodyPr>
           <a:p>
-            <a:endParaRPr b="0" lang="en-US" sz="8750" spc="-1" strike="noStrike">
-              <a:solidFill>
-                <a:srgbClr val="000000"/>
-              </a:solidFill>
-              <a:latin typeface="Times New Roman"/>
-            </a:endParaRPr>
-          </a:p>
-        </p:txBody>
-      </p:sp>
-      <p:sp>
-        <p:nvSpPr>
-          <p:cNvPr id="15" name="PlaceHolder 4"/>
+            <a:endParaRPr b="0" lang="en-US" sz="3200" spc="-1" strike="noStrike">
+              <a:latin typeface="Arial"/>
+            </a:endParaRPr>
+          </a:p>
+        </p:txBody>
+      </p:sp>
+      <p:sp>
+        <p:nvSpPr>
+          <p:cNvPr id="14" name="PlaceHolder 4"/>
           <p:cNvSpPr>
             <a:spLocks noGrp="1"/>
           </p:cNvSpPr>
@@ -1862,8 +1424,8 @@
         </p:nvSpPr>
         <p:spPr>
           <a:xfrm>
-            <a:off x="2344320" y="27533160"/>
-            <a:ext cx="12972600" cy="14143320"/>
+            <a:off x="1563480" y="22388760"/>
+            <a:ext cx="13734360" cy="11535480"/>
           </a:xfrm>
           <a:prstGeom prst="rect">
             <a:avLst/>
@@ -1874,11 +1436,8 @@
             <a:normAutofit/>
           </a:bodyPr>
           <a:p>
-            <a:endParaRPr b="0" lang="en-US" sz="8750" spc="-1" strike="noStrike">
-              <a:solidFill>
-                <a:srgbClr val="000000"/>
-              </a:solidFill>
-              <a:latin typeface="Times New Roman"/>
+            <a:endParaRPr b="0" lang="en-US" sz="3200" spc="-1" strike="noStrike">
+              <a:latin typeface="Arial"/>
             </a:endParaRPr>
           </a:p>
         </p:txBody>
@@ -1907,7 +1466,7 @@
       </p:grpSpPr>
       <p:sp>
         <p:nvSpPr>
-          <p:cNvPr id="16" name="PlaceHolder 1"/>
+          <p:cNvPr id="15" name="PlaceHolder 1"/>
           <p:cNvSpPr>
             <a:spLocks noGrp="1"/>
           </p:cNvSpPr>
@@ -1917,8 +1476,8 @@
         </p:nvSpPr>
         <p:spPr>
           <a:xfrm>
-            <a:off x="2344320" y="2318040"/>
-            <a:ext cx="26583480" cy="9727560"/>
+            <a:off x="1563480" y="1663560"/>
+            <a:ext cx="28144440" cy="6962760"/>
           </a:xfrm>
           <a:prstGeom prst="rect">
             <a:avLst/>
@@ -1929,18 +1488,16 @@
             <a:spAutoFit/>
           </a:bodyPr>
           <a:p>
-            <a:endParaRPr b="0" lang="en-US" sz="2280" spc="-1" strike="noStrike">
-              <a:solidFill>
-                <a:srgbClr val="000000"/>
-              </a:solidFill>
-              <a:latin typeface="Times New Roman"/>
-            </a:endParaRPr>
-          </a:p>
-        </p:txBody>
-      </p:sp>
-      <p:sp>
-        <p:nvSpPr>
-          <p:cNvPr id="17" name="PlaceHolder 2"/>
+            <a:pPr algn="ctr"/>
+            <a:endParaRPr b="0" lang="en-US" sz="4400" spc="-1" strike="noStrike">
+              <a:latin typeface="Arial"/>
+            </a:endParaRPr>
+          </a:p>
+        </p:txBody>
+      </p:sp>
+      <p:sp>
+        <p:nvSpPr>
+          <p:cNvPr id="16" name="PlaceHolder 2"/>
           <p:cNvSpPr>
             <a:spLocks noGrp="1"/>
           </p:cNvSpPr>
@@ -1950,8 +1507,8 @@
         </p:nvSpPr>
         <p:spPr>
           <a:xfrm>
-            <a:off x="2344320" y="12045960"/>
-            <a:ext cx="12972600" cy="29651040"/>
+            <a:off x="1563480" y="9757080"/>
+            <a:ext cx="13734360" cy="24184080"/>
           </a:xfrm>
           <a:prstGeom prst="rect">
             <a:avLst/>
@@ -1962,18 +1519,15 @@
             <a:normAutofit/>
           </a:bodyPr>
           <a:p>
-            <a:endParaRPr b="0" lang="en-US" sz="8750" spc="-1" strike="noStrike">
-              <a:solidFill>
-                <a:srgbClr val="000000"/>
-              </a:solidFill>
-              <a:latin typeface="Times New Roman"/>
-            </a:endParaRPr>
-          </a:p>
-        </p:txBody>
-      </p:sp>
-      <p:sp>
-        <p:nvSpPr>
-          <p:cNvPr id="18" name="PlaceHolder 3"/>
+            <a:endParaRPr b="0" lang="en-US" sz="3200" spc="-1" strike="noStrike">
+              <a:latin typeface="Arial"/>
+            </a:endParaRPr>
+          </a:p>
+        </p:txBody>
+      </p:sp>
+      <p:sp>
+        <p:nvSpPr>
+          <p:cNvPr id="17" name="PlaceHolder 3"/>
           <p:cNvSpPr>
             <a:spLocks noGrp="1"/>
           </p:cNvSpPr>
@@ -1983,8 +1537,8 @@
         </p:nvSpPr>
         <p:spPr>
           <a:xfrm>
-            <a:off x="15966000" y="12045960"/>
-            <a:ext cx="12972600" cy="14143320"/>
+            <a:off x="15985080" y="9757080"/>
+            <a:ext cx="13734360" cy="11535480"/>
           </a:xfrm>
           <a:prstGeom prst="rect">
             <a:avLst/>
@@ -1995,18 +1549,15 @@
             <a:normAutofit/>
           </a:bodyPr>
           <a:p>
-            <a:endParaRPr b="0" lang="en-US" sz="8750" spc="-1" strike="noStrike">
-              <a:solidFill>
-                <a:srgbClr val="000000"/>
-              </a:solidFill>
-              <a:latin typeface="Times New Roman"/>
-            </a:endParaRPr>
-          </a:p>
-        </p:txBody>
-      </p:sp>
-      <p:sp>
-        <p:nvSpPr>
-          <p:cNvPr id="19" name="PlaceHolder 4"/>
+            <a:endParaRPr b="0" lang="en-US" sz="3200" spc="-1" strike="noStrike">
+              <a:latin typeface="Arial"/>
+            </a:endParaRPr>
+          </a:p>
+        </p:txBody>
+      </p:sp>
+      <p:sp>
+        <p:nvSpPr>
+          <p:cNvPr id="18" name="PlaceHolder 4"/>
           <p:cNvSpPr>
             <a:spLocks noGrp="1"/>
           </p:cNvSpPr>
@@ -2016,8 +1567,8 @@
         </p:nvSpPr>
         <p:spPr>
           <a:xfrm>
-            <a:off x="15966000" y="27533160"/>
-            <a:ext cx="12972600" cy="14143320"/>
+            <a:off x="15985080" y="22388760"/>
+            <a:ext cx="13734360" cy="11535480"/>
           </a:xfrm>
           <a:prstGeom prst="rect">
             <a:avLst/>
@@ -2028,11 +1579,8 @@
             <a:normAutofit/>
           </a:bodyPr>
           <a:p>
-            <a:endParaRPr b="0" lang="en-US" sz="8750" spc="-1" strike="noStrike">
-              <a:solidFill>
-                <a:srgbClr val="000000"/>
-              </a:solidFill>
-              <a:latin typeface="Times New Roman"/>
+            <a:endParaRPr b="0" lang="en-US" sz="3200" spc="-1" strike="noStrike">
+              <a:latin typeface="Arial"/>
             </a:endParaRPr>
           </a:p>
         </p:txBody>
@@ -2061,7 +1609,7 @@
       </p:grpSpPr>
       <p:sp>
         <p:nvSpPr>
-          <p:cNvPr id="20" name="PlaceHolder 1"/>
+          <p:cNvPr id="19" name="PlaceHolder 1"/>
           <p:cNvSpPr>
             <a:spLocks noGrp="1"/>
           </p:cNvSpPr>
@@ -2071,8 +1619,8 @@
         </p:nvSpPr>
         <p:spPr>
           <a:xfrm>
-            <a:off x="2344320" y="2318040"/>
-            <a:ext cx="26583480" cy="9727560"/>
+            <a:off x="1563480" y="1663560"/>
+            <a:ext cx="28144440" cy="6962760"/>
           </a:xfrm>
           <a:prstGeom prst="rect">
             <a:avLst/>
@@ -2083,18 +1631,16 @@
             <a:spAutoFit/>
           </a:bodyPr>
           <a:p>
-            <a:endParaRPr b="0" lang="en-US" sz="2280" spc="-1" strike="noStrike">
-              <a:solidFill>
-                <a:srgbClr val="000000"/>
-              </a:solidFill>
-              <a:latin typeface="Times New Roman"/>
-            </a:endParaRPr>
-          </a:p>
-        </p:txBody>
-      </p:sp>
-      <p:sp>
-        <p:nvSpPr>
-          <p:cNvPr id="21" name="PlaceHolder 2"/>
+            <a:pPr algn="ctr"/>
+            <a:endParaRPr b="0" lang="en-US" sz="4400" spc="-1" strike="noStrike">
+              <a:latin typeface="Arial"/>
+            </a:endParaRPr>
+          </a:p>
+        </p:txBody>
+      </p:sp>
+      <p:sp>
+        <p:nvSpPr>
+          <p:cNvPr id="20" name="PlaceHolder 2"/>
           <p:cNvSpPr>
             <a:spLocks noGrp="1"/>
           </p:cNvSpPr>
@@ -2104,8 +1650,8 @@
         </p:nvSpPr>
         <p:spPr>
           <a:xfrm>
-            <a:off x="2344320" y="12045960"/>
-            <a:ext cx="12972600" cy="14143320"/>
+            <a:off x="1563480" y="9757080"/>
+            <a:ext cx="13734360" cy="11535480"/>
           </a:xfrm>
           <a:prstGeom prst="rect">
             <a:avLst/>
@@ -2116,18 +1662,15 @@
             <a:normAutofit/>
           </a:bodyPr>
           <a:p>
-            <a:endParaRPr b="0" lang="en-US" sz="8750" spc="-1" strike="noStrike">
-              <a:solidFill>
-                <a:srgbClr val="000000"/>
-              </a:solidFill>
-              <a:latin typeface="Times New Roman"/>
-            </a:endParaRPr>
-          </a:p>
-        </p:txBody>
-      </p:sp>
-      <p:sp>
-        <p:nvSpPr>
-          <p:cNvPr id="22" name="PlaceHolder 3"/>
+            <a:endParaRPr b="0" lang="en-US" sz="3200" spc="-1" strike="noStrike">
+              <a:latin typeface="Arial"/>
+            </a:endParaRPr>
+          </a:p>
+        </p:txBody>
+      </p:sp>
+      <p:sp>
+        <p:nvSpPr>
+          <p:cNvPr id="21" name="PlaceHolder 3"/>
           <p:cNvSpPr>
             <a:spLocks noGrp="1"/>
           </p:cNvSpPr>
@@ -2137,8 +1680,8 @@
         </p:nvSpPr>
         <p:spPr>
           <a:xfrm>
-            <a:off x="15966000" y="12045960"/>
-            <a:ext cx="12972600" cy="14143320"/>
+            <a:off x="15985080" y="9757080"/>
+            <a:ext cx="13734360" cy="11535480"/>
           </a:xfrm>
           <a:prstGeom prst="rect">
             <a:avLst/>
@@ -2149,18 +1692,15 @@
             <a:normAutofit/>
           </a:bodyPr>
           <a:p>
-            <a:endParaRPr b="0" lang="en-US" sz="8750" spc="-1" strike="noStrike">
-              <a:solidFill>
-                <a:srgbClr val="000000"/>
-              </a:solidFill>
-              <a:latin typeface="Times New Roman"/>
-            </a:endParaRPr>
-          </a:p>
-        </p:txBody>
-      </p:sp>
-      <p:sp>
-        <p:nvSpPr>
-          <p:cNvPr id="23" name="PlaceHolder 4"/>
+            <a:endParaRPr b="0" lang="en-US" sz="3200" spc="-1" strike="noStrike">
+              <a:latin typeface="Arial"/>
+            </a:endParaRPr>
+          </a:p>
+        </p:txBody>
+      </p:sp>
+      <p:sp>
+        <p:nvSpPr>
+          <p:cNvPr id="22" name="PlaceHolder 4"/>
           <p:cNvSpPr>
             <a:spLocks noGrp="1"/>
           </p:cNvSpPr>
@@ -2170,8 +1710,8 @@
         </p:nvSpPr>
         <p:spPr>
           <a:xfrm>
-            <a:off x="2344320" y="27533160"/>
-            <a:ext cx="26583480" cy="14143320"/>
+            <a:off x="1563480" y="22388760"/>
+            <a:ext cx="28144440" cy="11535480"/>
           </a:xfrm>
           <a:prstGeom prst="rect">
             <a:avLst/>
@@ -2182,11 +1722,8 @@
             <a:normAutofit/>
           </a:bodyPr>
           <a:p>
-            <a:endParaRPr b="0" lang="en-US" sz="8750" spc="-1" strike="noStrike">
-              <a:solidFill>
-                <a:srgbClr val="000000"/>
-              </a:solidFill>
-              <a:latin typeface="Times New Roman"/>
+            <a:endParaRPr b="0" lang="en-US" sz="3200" spc="-1" strike="noStrike">
+              <a:latin typeface="Arial"/>
             </a:endParaRPr>
           </a:p>
         </p:txBody>
@@ -2232,348 +1769,27 @@
         </p:nvSpPr>
         <p:spPr>
           <a:xfrm>
-            <a:off x="2344320" y="2318040"/>
-            <a:ext cx="26583480" cy="9727560"/>
-          </a:xfrm>
-          <a:prstGeom prst="rect">
-            <a:avLst/>
-          </a:prstGeom>
-        </p:spPr>
-        <p:txBody>
-          <a:bodyPr lIns="248760" rIns="506880" tIns="248760" bIns="248760" anchor="ctr">
+            <a:off x="1563480" y="1663560"/>
+            <a:ext cx="28144440" cy="6962760"/>
+          </a:xfrm>
+          <a:prstGeom prst="rect">
+            <a:avLst/>
+          </a:prstGeom>
+        </p:spPr>
+        <p:txBody>
+          <a:bodyPr lIns="0" rIns="0" tIns="0" bIns="0" anchor="ctr">
             <a:noAutofit/>
           </a:bodyPr>
           <a:p>
-            <a:pPr marL="3600" indent="-3240" algn="ctr">
-              <a:lnSpc>
-                <a:spcPct val="100000"/>
-              </a:lnSpc>
-            </a:pPr>
-            <a:r>
-              <a:rPr b="0" lang="en-US" sz="12110" spc="-1" strike="noStrike">
-                <a:solidFill>
-                  <a:srgbClr val="000000"/>
-                </a:solidFill>
-                <a:latin typeface="Times New Roman"/>
-                <a:ea typeface="ヒラギノ明朝 ProN W3"/>
-              </a:rPr>
-              <a:t>C</a:t>
-            </a:r>
-            <a:r>
-              <a:rPr b="0" lang="en-US" sz="12110" spc="-1" strike="noStrike">
-                <a:solidFill>
-                  <a:srgbClr val="000000"/>
-                </a:solidFill>
-                <a:latin typeface="Times New Roman"/>
-                <a:ea typeface="ヒラギノ明朝 ProN W3"/>
-              </a:rPr>
-              <a:t>l</a:t>
-            </a:r>
-            <a:r>
-              <a:rPr b="0" lang="en-US" sz="12110" spc="-1" strike="noStrike">
-                <a:solidFill>
-                  <a:srgbClr val="000000"/>
-                </a:solidFill>
-                <a:latin typeface="Times New Roman"/>
-                <a:ea typeface="ヒラギノ明朝 ProN W3"/>
-              </a:rPr>
-              <a:t>i</a:t>
-            </a:r>
-            <a:r>
-              <a:rPr b="0" lang="en-US" sz="12110" spc="-1" strike="noStrike">
-                <a:solidFill>
-                  <a:srgbClr val="000000"/>
-                </a:solidFill>
-                <a:latin typeface="Times New Roman"/>
-                <a:ea typeface="ヒラギノ明朝 ProN W3"/>
-              </a:rPr>
-              <a:t>c</a:t>
-            </a:r>
-            <a:r>
-              <a:rPr b="0" lang="en-US" sz="12110" spc="-1" strike="noStrike">
-                <a:solidFill>
-                  <a:srgbClr val="000000"/>
-                </a:solidFill>
-                <a:latin typeface="Times New Roman"/>
-                <a:ea typeface="ヒラギノ明朝 ProN W3"/>
-              </a:rPr>
-              <a:t>k</a:t>
-            </a:r>
-            <a:r>
-              <a:rPr b="0" lang="en-US" sz="12110" spc="-1" strike="noStrike">
-                <a:solidFill>
-                  <a:srgbClr val="000000"/>
-                </a:solidFill>
-                <a:latin typeface="Times New Roman"/>
-                <a:ea typeface="ヒラギノ明朝 ProN W3"/>
-              </a:rPr>
-              <a:t> </a:t>
-            </a:r>
-            <a:r>
-              <a:rPr b="0" lang="en-US" sz="12110" spc="-1" strike="noStrike">
-                <a:solidFill>
-                  <a:srgbClr val="000000"/>
-                </a:solidFill>
-                <a:latin typeface="Times New Roman"/>
-                <a:ea typeface="ヒラギノ明朝 ProN W3"/>
-              </a:rPr>
-              <a:t>t</a:t>
-            </a:r>
-            <a:r>
-              <a:rPr b="0" lang="en-US" sz="12110" spc="-1" strike="noStrike">
-                <a:solidFill>
-                  <a:srgbClr val="000000"/>
-                </a:solidFill>
-                <a:latin typeface="Times New Roman"/>
-                <a:ea typeface="ヒラギノ明朝 ProN W3"/>
-              </a:rPr>
-              <a:t>o</a:t>
-            </a:r>
-            <a:r>
-              <a:rPr b="0" lang="en-US" sz="12110" spc="-1" strike="noStrike">
-                <a:solidFill>
-                  <a:srgbClr val="000000"/>
-                </a:solidFill>
-                <a:latin typeface="Times New Roman"/>
-                <a:ea typeface="ヒラギノ明朝 ProN W3"/>
-              </a:rPr>
-              <a:t> </a:t>
-            </a:r>
-            <a:r>
-              <a:rPr b="0" lang="en-US" sz="12110" spc="-1" strike="noStrike">
-                <a:solidFill>
-                  <a:srgbClr val="000000"/>
-                </a:solidFill>
-                <a:latin typeface="Times New Roman"/>
-                <a:ea typeface="ヒラギノ明朝 ProN W3"/>
-              </a:rPr>
-              <a:t>e</a:t>
-            </a:r>
-            <a:r>
-              <a:rPr b="0" lang="en-US" sz="12110" spc="-1" strike="noStrike">
-                <a:solidFill>
-                  <a:srgbClr val="000000"/>
-                </a:solidFill>
-                <a:latin typeface="Times New Roman"/>
-                <a:ea typeface="ヒラギノ明朝 ProN W3"/>
-              </a:rPr>
-              <a:t>d</a:t>
-            </a:r>
-            <a:r>
-              <a:rPr b="0" lang="en-US" sz="12110" spc="-1" strike="noStrike">
-                <a:solidFill>
-                  <a:srgbClr val="000000"/>
-                </a:solidFill>
-                <a:latin typeface="Times New Roman"/>
-                <a:ea typeface="ヒラギノ明朝 ProN W3"/>
-              </a:rPr>
-              <a:t>i</a:t>
-            </a:r>
-            <a:r>
-              <a:rPr b="0" lang="en-US" sz="12110" spc="-1" strike="noStrike">
-                <a:solidFill>
-                  <a:srgbClr val="000000"/>
-                </a:solidFill>
-                <a:latin typeface="Times New Roman"/>
-                <a:ea typeface="ヒラギノ明朝 ProN W3"/>
-              </a:rPr>
-              <a:t>t</a:t>
-            </a:r>
-            <a:r>
-              <a:rPr b="0" lang="en-US" sz="12110" spc="-1" strike="noStrike">
-                <a:solidFill>
-                  <a:srgbClr val="000000"/>
-                </a:solidFill>
-                <a:latin typeface="Times New Roman"/>
-                <a:ea typeface="ヒラギノ明朝 ProN W3"/>
-              </a:rPr>
-              <a:t> </a:t>
-            </a:r>
-            <a:r>
-              <a:rPr b="0" lang="en-US" sz="12110" spc="-1" strike="noStrike">
-                <a:solidFill>
-                  <a:srgbClr val="000000"/>
-                </a:solidFill>
-                <a:latin typeface="Times New Roman"/>
-                <a:ea typeface="ヒラギノ明朝 ProN W3"/>
-              </a:rPr>
-              <a:t>M</a:t>
-            </a:r>
-            <a:r>
-              <a:rPr b="0" lang="en-US" sz="12110" spc="-1" strike="noStrike">
-                <a:solidFill>
-                  <a:srgbClr val="000000"/>
-                </a:solidFill>
-                <a:latin typeface="Times New Roman"/>
-                <a:ea typeface="ヒラギノ明朝 ProN W3"/>
-              </a:rPr>
-              <a:t>a</a:t>
-            </a:r>
-            <a:r>
-              <a:rPr b="0" lang="en-US" sz="12110" spc="-1" strike="noStrike">
-                <a:solidFill>
-                  <a:srgbClr val="000000"/>
-                </a:solidFill>
-                <a:latin typeface="Times New Roman"/>
-                <a:ea typeface="ヒラギノ明朝 ProN W3"/>
-              </a:rPr>
-              <a:t>s</a:t>
-            </a:r>
-            <a:r>
-              <a:rPr b="0" lang="en-US" sz="12110" spc="-1" strike="noStrike">
-                <a:solidFill>
-                  <a:srgbClr val="000000"/>
-                </a:solidFill>
-                <a:latin typeface="Times New Roman"/>
-                <a:ea typeface="ヒラギノ明朝 ProN W3"/>
-              </a:rPr>
-              <a:t>t</a:t>
-            </a:r>
-            <a:r>
-              <a:rPr b="0" lang="en-US" sz="12110" spc="-1" strike="noStrike">
-                <a:solidFill>
-                  <a:srgbClr val="000000"/>
-                </a:solidFill>
-                <a:latin typeface="Times New Roman"/>
-                <a:ea typeface="ヒラギノ明朝 ProN W3"/>
-              </a:rPr>
-              <a:t>e</a:t>
-            </a:r>
-            <a:r>
-              <a:rPr b="0" lang="en-US" sz="12110" spc="-1" strike="noStrike">
-                <a:solidFill>
-                  <a:srgbClr val="000000"/>
-                </a:solidFill>
-                <a:latin typeface="Times New Roman"/>
-                <a:ea typeface="ヒラギノ明朝 ProN W3"/>
-              </a:rPr>
-              <a:t>r</a:t>
-            </a:r>
-            <a:r>
-              <a:rPr b="0" lang="en-US" sz="12110" spc="-1" strike="noStrike">
-                <a:solidFill>
-                  <a:srgbClr val="000000"/>
-                </a:solidFill>
-                <a:latin typeface="Times New Roman"/>
-                <a:ea typeface="ヒラギノ明朝 ProN W3"/>
-              </a:rPr>
-              <a:t> </a:t>
-            </a:r>
-            <a:r>
-              <a:rPr b="0" lang="en-US" sz="12110" spc="-1" strike="noStrike">
-                <a:solidFill>
-                  <a:srgbClr val="000000"/>
-                </a:solidFill>
-                <a:latin typeface="Times New Roman"/>
-                <a:ea typeface="ヒラギノ明朝 ProN W3"/>
-              </a:rPr>
-              <a:t>t</a:t>
-            </a:r>
-            <a:r>
-              <a:rPr b="0" lang="en-US" sz="12110" spc="-1" strike="noStrike">
-                <a:solidFill>
-                  <a:srgbClr val="000000"/>
-                </a:solidFill>
-                <a:latin typeface="Times New Roman"/>
-                <a:ea typeface="ヒラギノ明朝 ProN W3"/>
-              </a:rPr>
-              <a:t>i</a:t>
-            </a:r>
-            <a:r>
-              <a:rPr b="0" lang="en-US" sz="12110" spc="-1" strike="noStrike">
-                <a:solidFill>
-                  <a:srgbClr val="000000"/>
-                </a:solidFill>
-                <a:latin typeface="Times New Roman"/>
-                <a:ea typeface="ヒラギノ明朝 ProN W3"/>
-              </a:rPr>
-              <a:t>t</a:t>
-            </a:r>
-            <a:r>
-              <a:rPr b="0" lang="en-US" sz="12110" spc="-1" strike="noStrike">
-                <a:solidFill>
-                  <a:srgbClr val="000000"/>
-                </a:solidFill>
-                <a:latin typeface="Times New Roman"/>
-                <a:ea typeface="ヒラギノ明朝 ProN W3"/>
-              </a:rPr>
-              <a:t>l</a:t>
-            </a:r>
-            <a:r>
-              <a:rPr b="0" lang="en-US" sz="12110" spc="-1" strike="noStrike">
-                <a:solidFill>
-                  <a:srgbClr val="000000"/>
-                </a:solidFill>
-                <a:latin typeface="Times New Roman"/>
-                <a:ea typeface="ヒラギノ明朝 ProN W3"/>
-              </a:rPr>
-              <a:t>e</a:t>
-            </a:r>
-            <a:r>
-              <a:rPr b="0" lang="en-US" sz="12110" spc="-1" strike="noStrike">
-                <a:solidFill>
-                  <a:srgbClr val="000000"/>
-                </a:solidFill>
-                <a:latin typeface="Times New Roman"/>
-                <a:ea typeface="ヒラギノ明朝 ProN W3"/>
-              </a:rPr>
-              <a:t> </a:t>
-            </a:r>
-            <a:r>
-              <a:rPr b="0" lang="en-US" sz="12110" spc="-1" strike="noStrike">
-                <a:solidFill>
-                  <a:srgbClr val="000000"/>
-                </a:solidFill>
-                <a:latin typeface="Times New Roman"/>
-                <a:ea typeface="ヒラギノ明朝 ProN W3"/>
-              </a:rPr>
-              <a:t>s</a:t>
-            </a:r>
-            <a:r>
-              <a:rPr b="0" lang="en-US" sz="12110" spc="-1" strike="noStrike">
-                <a:solidFill>
-                  <a:srgbClr val="000000"/>
-                </a:solidFill>
-                <a:latin typeface="Times New Roman"/>
-                <a:ea typeface="ヒラギノ明朝 ProN W3"/>
-              </a:rPr>
-              <a:t>t</a:t>
-            </a:r>
-            <a:r>
-              <a:rPr b="0" lang="en-US" sz="12110" spc="-1" strike="noStrike">
-                <a:solidFill>
-                  <a:srgbClr val="000000"/>
-                </a:solidFill>
-                <a:latin typeface="Times New Roman"/>
-                <a:ea typeface="ヒラギノ明朝 ProN W3"/>
-              </a:rPr>
-              <a:t>y</a:t>
-            </a:r>
-            <a:r>
-              <a:rPr b="0" lang="en-US" sz="12110" spc="-1" strike="noStrike">
-                <a:solidFill>
-                  <a:srgbClr val="000000"/>
-                </a:solidFill>
-                <a:latin typeface="Times New Roman"/>
-                <a:ea typeface="ヒラギノ明朝 ProN W3"/>
-              </a:rPr>
-              <a:t>l</a:t>
-            </a:r>
-            <a:r>
-              <a:rPr b="0" lang="en-US" sz="12110" spc="-1" strike="noStrike">
-                <a:solidFill>
-                  <a:srgbClr val="000000"/>
-                </a:solidFill>
-                <a:latin typeface="Times New Roman"/>
-                <a:ea typeface="ヒラギノ明朝 ProN W3"/>
-              </a:rPr>
-              <a:t>e</a:t>
-            </a:r>
-            <a:endParaRPr b="0" lang="en-US" sz="12110" spc="-1" strike="noStrike">
-              <a:solidFill>
-                <a:srgbClr val="000000"/>
-              </a:solidFill>
-              <a:latin typeface="Times New Roman"/>
+            <a:pPr algn="ctr"/>
+            <a:r>
+              <a:rPr b="0" lang="en-US" sz="4400" spc="-1" strike="noStrike">
+                <a:latin typeface="Arial"/>
+              </a:rPr>
+              <a:t>Click to edit the title text format</a:t>
+            </a:r>
+            <a:endParaRPr b="0" lang="en-US" sz="4400" spc="-1" strike="noStrike">
+              <a:latin typeface="Arial"/>
             </a:endParaRPr>
           </a:p>
         </p:txBody>
@@ -2590,215 +1806,169 @@
         </p:nvSpPr>
         <p:spPr>
           <a:xfrm>
-            <a:off x="2344320" y="12045960"/>
-            <a:ext cx="26583480" cy="29651040"/>
-          </a:xfrm>
-          <a:prstGeom prst="rect">
-            <a:avLst/>
-          </a:prstGeom>
-        </p:spPr>
-        <p:txBody>
-          <a:bodyPr lIns="248760" rIns="506880" tIns="248760" bIns="248760">
-            <a:noAutofit/>
-          </a:bodyPr>
-          <a:p>
-            <a:pPr marL="943920" indent="-938880">
-              <a:lnSpc>
-                <a:spcPct val="100000"/>
-              </a:lnSpc>
+            <a:off x="1563480" y="9757080"/>
+            <a:ext cx="28144440" cy="24184080"/>
+          </a:xfrm>
+          <a:prstGeom prst="rect">
+            <a:avLst/>
+          </a:prstGeom>
+        </p:spPr>
+        <p:txBody>
+          <a:bodyPr lIns="0" rIns="0" tIns="0" bIns="0">
+            <a:normAutofit/>
+          </a:bodyPr>
+          <a:p>
+            <a:pPr marL="432000" indent="-324000">
               <a:spcBef>
-                <a:spcPts val="2120"/>
+                <a:spcPts val="1417"/>
               </a:spcBef>
               <a:buClr>
                 <a:srgbClr val="000000"/>
               </a:buClr>
-              <a:buFont typeface="Times"/>
-              <a:buChar char="•"/>
+              <a:buSzPct val="45000"/>
+              <a:buFont typeface="Wingdings" charset="2"/>
+              <a:buChar char=""/>
             </a:pPr>
             <a:r>
-              <a:rPr b="0" lang="en-US" sz="8750" spc="-1" strike="noStrike">
-                <a:solidFill>
-                  <a:srgbClr val="000000"/>
-                </a:solidFill>
-                <a:latin typeface="Times New Roman"/>
-                <a:ea typeface="ヒラギノ明朝 ProN W3"/>
-              </a:rPr>
-              <a:t>Click to edit Master text styles</a:t>
-            </a:r>
-            <a:endParaRPr b="0" lang="en-US" sz="8750" spc="-1" strike="noStrike">
-              <a:solidFill>
-                <a:srgbClr val="000000"/>
-              </a:solidFill>
-              <a:latin typeface="Times New Roman"/>
-            </a:endParaRPr>
-          </a:p>
-          <a:p>
-            <a:pPr lvl="1" marL="2039760" indent="-781560">
-              <a:lnSpc>
-                <a:spcPct val="100000"/>
-              </a:lnSpc>
+              <a:rPr b="0" lang="en-US" sz="3200" spc="-1" strike="noStrike">
+                <a:latin typeface="Arial"/>
+              </a:rPr>
+              <a:t>Click to edit the outline text format</a:t>
+            </a:r>
+            <a:endParaRPr b="0" lang="en-US" sz="3200" spc="-1" strike="noStrike">
+              <a:latin typeface="Arial"/>
+            </a:endParaRPr>
+          </a:p>
+          <a:p>
+            <a:pPr lvl="1" marL="864000" indent="-324000">
               <a:spcBef>
-                <a:spcPts val="1848"/>
+                <a:spcPts val="1134"/>
               </a:spcBef>
               <a:buClr>
                 <a:srgbClr val="000000"/>
               </a:buClr>
-              <a:buFont typeface="Times"/>
-              <a:buChar char="–"/>
+              <a:buSzPct val="75000"/>
+              <a:buFont typeface="Symbol" charset="2"/>
+              <a:buChar char=""/>
             </a:pPr>
             <a:r>
-              <a:rPr b="0" lang="en-US" sz="7610" spc="-1" strike="noStrike">
-                <a:solidFill>
-                  <a:srgbClr val="000000"/>
-                </a:solidFill>
-                <a:latin typeface="Times New Roman"/>
-                <a:ea typeface="ヒラギノ明朝 ProN W3"/>
-              </a:rPr>
-              <a:t>Second level</a:t>
-            </a:r>
-            <a:endParaRPr b="0" lang="en-US" sz="7610" spc="-1" strike="noStrike">
-              <a:solidFill>
-                <a:srgbClr val="000000"/>
-              </a:solidFill>
-              <a:latin typeface="Times New Roman"/>
-            </a:endParaRPr>
-          </a:p>
-          <a:p>
-            <a:pPr lvl="2" marL="3135960" indent="-625680">
-              <a:lnSpc>
-                <a:spcPct val="100000"/>
-              </a:lnSpc>
+              <a:rPr b="0" lang="en-US" sz="2800" spc="-1" strike="noStrike">
+                <a:latin typeface="Arial"/>
+              </a:rPr>
+              <a:t>Second Outline Level</a:t>
+            </a:r>
+            <a:endParaRPr b="0" lang="en-US" sz="2800" spc="-1" strike="noStrike">
+              <a:latin typeface="Arial"/>
+            </a:endParaRPr>
+          </a:p>
+          <a:p>
+            <a:pPr lvl="2" marL="1296000" indent="-288000">
               <a:spcBef>
-                <a:spcPts val="1568"/>
+                <a:spcPts val="850"/>
               </a:spcBef>
               <a:buClr>
                 <a:srgbClr val="000000"/>
               </a:buClr>
-              <a:buFont typeface="Times"/>
-              <a:buChar char="•"/>
+              <a:buSzPct val="45000"/>
+              <a:buFont typeface="Wingdings" charset="2"/>
+              <a:buChar char=""/>
             </a:pPr>
             <a:r>
-              <a:rPr b="0" lang="en-US" sz="6630" spc="-1" strike="noStrike">
-                <a:solidFill>
-                  <a:srgbClr val="000000"/>
-                </a:solidFill>
-                <a:latin typeface="Times New Roman"/>
-                <a:ea typeface="ヒラギノ明朝 ProN W3"/>
-              </a:rPr>
-              <a:t>Third level</a:t>
-            </a:r>
-            <a:endParaRPr b="0" lang="en-US" sz="6630" spc="-1" strike="noStrike">
-              <a:solidFill>
-                <a:srgbClr val="000000"/>
-              </a:solidFill>
-              <a:latin typeface="Times New Roman"/>
-            </a:endParaRPr>
-          </a:p>
-          <a:p>
-            <a:pPr lvl="3" marL="4388760" indent="-624960">
-              <a:lnSpc>
-                <a:spcPct val="100000"/>
-              </a:lnSpc>
+              <a:rPr b="0" lang="en-US" sz="2400" spc="-1" strike="noStrike">
+                <a:latin typeface="Arial"/>
+              </a:rPr>
+              <a:t>Third Outline Level</a:t>
+            </a:r>
+            <a:endParaRPr b="0" lang="en-US" sz="2400" spc="-1" strike="noStrike">
+              <a:latin typeface="Arial"/>
+            </a:endParaRPr>
+          </a:p>
+          <a:p>
+            <a:pPr lvl="3" marL="1728000" indent="-216000">
               <a:spcBef>
-                <a:spcPts val="1341"/>
+                <a:spcPts val="567"/>
               </a:spcBef>
               <a:buClr>
                 <a:srgbClr val="000000"/>
               </a:buClr>
-              <a:buFont typeface="Times"/>
-              <a:buChar char="–"/>
+              <a:buSzPct val="75000"/>
+              <a:buFont typeface="Symbol" charset="2"/>
+              <a:buChar char=""/>
             </a:pPr>
             <a:r>
-              <a:rPr b="0" lang="en-US" sz="5440" spc="-1" strike="noStrike">
-                <a:solidFill>
-                  <a:srgbClr val="000000"/>
-                </a:solidFill>
-                <a:latin typeface="Times New Roman"/>
-                <a:ea typeface="ヒラギノ明朝 ProN W3"/>
-              </a:rPr>
-              <a:t>Fourth level</a:t>
-            </a:r>
-            <a:endParaRPr b="0" lang="en-US" sz="5440" spc="-1" strike="noStrike">
-              <a:solidFill>
-                <a:srgbClr val="000000"/>
-              </a:solidFill>
-              <a:latin typeface="Times New Roman"/>
-            </a:endParaRPr>
-          </a:p>
-          <a:p>
-            <a:pPr lvl="4" marL="5642280" indent="-625680">
-              <a:lnSpc>
-                <a:spcPct val="100000"/>
-              </a:lnSpc>
+              <a:rPr b="0" lang="en-US" sz="2000" spc="-1" strike="noStrike">
+                <a:latin typeface="Arial"/>
+              </a:rPr>
+              <a:t>Fourth Outline Level</a:t>
+            </a:r>
+            <a:endParaRPr b="0" lang="en-US" sz="2000" spc="-1" strike="noStrike">
+              <a:latin typeface="Arial"/>
+            </a:endParaRPr>
+          </a:p>
+          <a:p>
+            <a:pPr lvl="4" marL="2160000" indent="-216000">
               <a:spcBef>
-                <a:spcPts val="1341"/>
+                <a:spcPts val="283"/>
               </a:spcBef>
               <a:buClr>
                 <a:srgbClr val="000000"/>
               </a:buClr>
-              <a:buFont typeface="Times"/>
-              <a:buChar char="»"/>
+              <a:buSzPct val="45000"/>
+              <a:buFont typeface="Wingdings" charset="2"/>
+              <a:buChar char=""/>
             </a:pPr>
             <a:r>
-              <a:rPr b="0" lang="en-US" sz="5440" spc="-1" strike="noStrike">
-                <a:solidFill>
-                  <a:srgbClr val="000000"/>
-                </a:solidFill>
-                <a:latin typeface="Times New Roman"/>
-                <a:ea typeface="ヒラギノ明朝 ProN W3"/>
-              </a:rPr>
-              <a:t>Fifth level</a:t>
-            </a:r>
-            <a:endParaRPr b="0" lang="en-US" sz="5440" spc="-1" strike="noStrike">
-              <a:solidFill>
+              <a:rPr b="0" lang="en-US" sz="2000" spc="-1" strike="noStrike">
+                <a:latin typeface="Arial"/>
+              </a:rPr>
+              <a:t>Fifth Outline Level</a:t>
+            </a:r>
+            <a:endParaRPr b="0" lang="en-US" sz="2000" spc="-1" strike="noStrike">
+              <a:latin typeface="Arial"/>
+            </a:endParaRPr>
+          </a:p>
+          <a:p>
+            <a:pPr lvl="5" marL="2592000" indent="-216000">
+              <a:spcBef>
+                <a:spcPts val="283"/>
+              </a:spcBef>
+              <a:buClr>
                 <a:srgbClr val="000000"/>
-              </a:solidFill>
-              <a:latin typeface="Times New Roman"/>
-            </a:endParaRPr>
-          </a:p>
-        </p:txBody>
-      </p:sp>
-      <p:sp>
-        <p:nvSpPr>
-          <p:cNvPr id="2" name="PlaceHolder 3"/>
-          <p:cNvSpPr>
-            <a:spLocks noGrp="1"/>
-          </p:cNvSpPr>
-          <p:nvPr>
-            <p:ph type="sldNum"/>
-          </p:nvPr>
-        </p:nvSpPr>
-        <p:spPr>
-          <a:xfrm>
-            <a:off x="25099920" y="37989360"/>
-            <a:ext cx="1139760" cy="1959120"/>
-          </a:xfrm>
-          <a:prstGeom prst="rect">
-            <a:avLst/>
-          </a:prstGeom>
-        </p:spPr>
-        <p:txBody>
-          <a:bodyPr lIns="85320" rIns="85320" tIns="42840" bIns="42840">
-            <a:noAutofit/>
-          </a:bodyPr>
-          <a:p>
-            <a:pPr algn="ctr">
-              <a:lnSpc>
-                <a:spcPct val="100000"/>
-              </a:lnSpc>
+              </a:buClr>
+              <a:buSzPct val="45000"/>
+              <a:buFont typeface="Wingdings" charset="2"/>
+              <a:buChar char=""/>
             </a:pPr>
-            <a:fld id="{64B95A24-F1F3-4057-BD0B-20F15C590DDF}" type="slidenum">
-              <a:rPr b="0" lang="en-US" sz="3809" spc="-1" strike="noStrike">
-                <a:solidFill>
-                  <a:srgbClr val="000000"/>
-                </a:solidFill>
-                <a:latin typeface="Times New Roman"/>
-                <a:ea typeface="Times New Roman"/>
-              </a:rPr>
-              <a:t>1</a:t>
-            </a:fld>
-            <a:endParaRPr b="0" lang="en-US" sz="3809" spc="-1" strike="noStrike">
-              <a:latin typeface="Times New Roman"/>
+            <a:r>
+              <a:rPr b="0" lang="en-US" sz="2000" spc="-1" strike="noStrike">
+                <a:latin typeface="Arial"/>
+              </a:rPr>
+              <a:t>Sixth Outline Level</a:t>
+            </a:r>
+            <a:endParaRPr b="0" lang="en-US" sz="2000" spc="-1" strike="noStrike">
+              <a:latin typeface="Arial"/>
+            </a:endParaRPr>
+          </a:p>
+          <a:p>
+            <a:pPr lvl="6" marL="3024000" indent="-216000">
+              <a:spcBef>
+                <a:spcPts val="283"/>
+              </a:spcBef>
+              <a:buClr>
+                <a:srgbClr val="000000"/>
+              </a:buClr>
+              <a:buSzPct val="45000"/>
+              <a:buFont typeface="Wingdings" charset="2"/>
+              <a:buChar char=""/>
+            </a:pPr>
+            <a:r>
+              <a:rPr b="0" lang="en-US" sz="2000" spc="-1" strike="noStrike">
+                <a:latin typeface="Arial"/>
+              </a:rPr>
+              <a:t>Seventh Outline Level</a:t>
+            </a:r>
+            <a:endParaRPr b="0" lang="en-US" sz="2000" spc="-1" strike="noStrike">
+              <a:latin typeface="Arial"/>
             </a:endParaRPr>
           </a:p>
         </p:txBody>
@@ -2842,28 +2012,28 @@
       </p:grpSpPr>
       <p:grpSp>
         <p:nvGrpSpPr>
-          <p:cNvPr id="45" name="Group 1"/>
+          <p:cNvPr id="44" name="Group 1"/>
           <p:cNvGrpSpPr/>
           <p:nvPr/>
         </p:nvGrpSpPr>
         <p:grpSpPr>
           <a:xfrm>
             <a:off x="640800" y="4199400"/>
-            <a:ext cx="9417600" cy="11064960"/>
+            <a:ext cx="9417240" cy="10852560"/>
             <a:chOff x="640800" y="4199400"/>
-            <a:chExt cx="9417600" cy="11064960"/>
+            <a:chExt cx="9417240" cy="10852560"/>
           </a:xfrm>
         </p:grpSpPr>
         <p:sp>
           <p:nvSpPr>
-            <p:cNvPr id="46" name="CustomShape 2"/>
+            <p:cNvPr id="45" name="CustomShape 2"/>
             <p:cNvSpPr/>
             <p:nvPr/>
           </p:nvSpPr>
           <p:spPr>
             <a:xfrm>
               <a:off x="644760" y="4938480"/>
-              <a:ext cx="9413640" cy="10325880"/>
+              <a:ext cx="9413280" cy="10113480"/>
             </a:xfrm>
             <a:prstGeom prst="rect">
               <a:avLst/>
@@ -2947,17 +2117,7 @@
                   <a:latin typeface="Arial"/>
                   <a:ea typeface="ヒラギノ明朝 ProN W3"/>
                 </a:rPr>
-                <a:t>This data-set is provided by </a:t>
-              </a:r>
-              <a:r>
-                <a:rPr b="0" lang="en-US" sz="3200" spc="-1" strike="noStrike">
-                  <a:solidFill>
-                    <a:srgbClr val="000000"/>
-                  </a:solidFill>
-                  <a:latin typeface="Arial"/>
-                  <a:ea typeface="ヒラギノ明朝 ProN W3"/>
-                </a:rPr>
-                <a:t>the Bureau of economic research(BEA), QR code to the data-set is available at the bottom of the poster.</a:t>
+                <a:t>This data-set is provided by the Bureau of economic research(BEA), QR code to the data-set is available at the bottom of the poster.</a:t>
               </a:r>
               <a:endParaRPr b="0" lang="en-US" sz="3200" spc="-1" strike="noStrike">
                 <a:latin typeface="Arial"/>
@@ -3017,17 +2177,7 @@
                   <a:latin typeface="Arial"/>
                   <a:ea typeface="ヒラギノ明朝 ProN W3"/>
                 </a:rPr>
-                <a:t>2) With the second model we want too see if we can predict </a:t>
-              </a:r>
-              <a:r>
-                <a:rPr b="0" lang="en-US" sz="3200" spc="-1" strike="noStrike">
-                  <a:solidFill>
-                    <a:srgbClr val="000000"/>
-                  </a:solidFill>
-                  <a:latin typeface="Arial"/>
-                  <a:ea typeface="ヒラギノ明朝 ProN W3"/>
-                </a:rPr>
-                <a:t>dividend paid, using relationships between tax paid per industry, compensation per industry, and Undistributed Corporate Profits per Industry.</a:t>
+                <a:t>2) With the second model we want too see if we can predict dividend paid, using relationships between tax paid per industry, compensation per industry, and Undistributed Corporate Profits per Industry.</a:t>
               </a:r>
               <a:endParaRPr b="0" lang="en-US" sz="3200" spc="-1" strike="noStrike">
                 <a:latin typeface="Arial"/>
@@ -3047,20 +2197,20 @@
         </p:sp>
         <p:sp>
           <p:nvSpPr>
-            <p:cNvPr id="47" name="CustomShape 3"/>
+            <p:cNvPr id="46" name="CustomShape 3"/>
             <p:cNvSpPr/>
             <p:nvPr/>
           </p:nvSpPr>
           <p:spPr>
             <a:xfrm>
               <a:off x="640800" y="4199400"/>
-              <a:ext cx="9413640" cy="776880"/>
+              <a:ext cx="9413280" cy="776520"/>
             </a:xfrm>
             <a:prstGeom prst="rect">
               <a:avLst/>
             </a:prstGeom>
             <a:solidFill>
-              <a:schemeClr val="accent1"/>
+              <a:srgbClr val="bbe0e3"/>
             </a:solidFill>
             <a:ln w="12600">
               <a:noFill/>
@@ -3101,14 +2251,14 @@
       </p:grpSp>
       <p:sp>
         <p:nvSpPr>
-          <p:cNvPr id="48" name="CustomShape 4"/>
+          <p:cNvPr id="47" name="CustomShape 4"/>
           <p:cNvSpPr/>
           <p:nvPr/>
         </p:nvSpPr>
         <p:spPr>
           <a:xfrm>
             <a:off x="3609360" y="849960"/>
-            <a:ext cx="23041440" cy="2959920"/>
+            <a:ext cx="23041080" cy="2959560"/>
           </a:xfrm>
           <a:prstGeom prst="rect">
             <a:avLst/>
@@ -3247,7 +2397,7 @@
       </p:sp>
       <p:pic>
         <p:nvPicPr>
-          <p:cNvPr id="49" name="Picture 48" descr=""/>
+          <p:cNvPr id="48" name="Picture 48" descr=""/>
           <p:cNvPicPr/>
           <p:nvPr/>
         </p:nvPicPr>
@@ -3258,7 +2408,7 @@
         <p:spPr>
           <a:xfrm>
             <a:off x="713520" y="551160"/>
-            <a:ext cx="4435200" cy="2223360"/>
+            <a:ext cx="4434840" cy="2223000"/>
           </a:xfrm>
           <a:prstGeom prst="rect">
             <a:avLst/>
@@ -3270,20 +2420,20 @@
       </p:pic>
       <p:sp>
         <p:nvSpPr>
-          <p:cNvPr id="50" name="CustomShape 5"/>
+          <p:cNvPr id="49" name="CustomShape 5"/>
           <p:cNvSpPr/>
           <p:nvPr/>
         </p:nvSpPr>
         <p:spPr>
           <a:xfrm>
             <a:off x="480240" y="38313360"/>
-            <a:ext cx="14782320" cy="3032640"/>
+            <a:ext cx="14781960" cy="3032280"/>
           </a:xfrm>
           <a:prstGeom prst="rect">
             <a:avLst/>
           </a:prstGeom>
           <a:solidFill>
-            <a:schemeClr val="accent1"/>
+            <a:srgbClr val="bbe0e3"/>
           </a:solidFill>
           <a:ln w="12600">
             <a:noFill/>
@@ -3453,7 +2603,7 @@
       </p:sp>
       <p:pic>
         <p:nvPicPr>
-          <p:cNvPr id="51" name="Picture 17" descr=""/>
+          <p:cNvPr id="50" name="Picture 17" descr=""/>
           <p:cNvPicPr/>
           <p:nvPr/>
         </p:nvPicPr>
@@ -3464,7 +2614,7 @@
         <p:spPr>
           <a:xfrm>
             <a:off x="844920" y="3019320"/>
-            <a:ext cx="3754800" cy="703800"/>
+            <a:ext cx="3754440" cy="703440"/>
           </a:xfrm>
           <a:prstGeom prst="rect">
             <a:avLst/>
@@ -3476,28 +2626,28 @@
       </p:pic>
       <p:grpSp>
         <p:nvGrpSpPr>
-          <p:cNvPr id="52" name="Group 6"/>
+          <p:cNvPr id="51" name="Group 6"/>
           <p:cNvGrpSpPr/>
           <p:nvPr/>
         </p:nvGrpSpPr>
         <p:grpSpPr>
           <a:xfrm>
             <a:off x="-360" y="0"/>
-            <a:ext cx="31272120" cy="41697000"/>
+            <a:ext cx="31271760" cy="41696640"/>
             <a:chOff x="-360" y="0"/>
-            <a:chExt cx="31272120" cy="41697000"/>
+            <a:chExt cx="31271760" cy="41696640"/>
           </a:xfrm>
         </p:grpSpPr>
         <p:sp>
           <p:nvSpPr>
-            <p:cNvPr id="53" name="CustomShape 7"/>
+            <p:cNvPr id="52" name="CustomShape 7"/>
             <p:cNvSpPr/>
             <p:nvPr/>
           </p:nvSpPr>
           <p:spPr>
             <a:xfrm>
               <a:off x="0" y="0"/>
-              <a:ext cx="273960" cy="41696280"/>
+              <a:ext cx="273600" cy="41695920"/>
             </a:xfrm>
             <a:prstGeom prst="rect">
               <a:avLst/>
@@ -3518,14 +2668,14 @@
         </p:sp>
         <p:sp>
           <p:nvSpPr>
-            <p:cNvPr id="54" name="CustomShape 8"/>
+            <p:cNvPr id="53" name="CustomShape 8"/>
             <p:cNvSpPr/>
             <p:nvPr/>
           </p:nvSpPr>
           <p:spPr>
             <a:xfrm>
               <a:off x="-360" y="0"/>
-              <a:ext cx="31272120" cy="273960"/>
+              <a:ext cx="31271760" cy="273600"/>
             </a:xfrm>
             <a:prstGeom prst="rect">
               <a:avLst/>
@@ -3546,14 +2696,14 @@
         </p:sp>
         <p:sp>
           <p:nvSpPr>
-            <p:cNvPr id="55" name="CustomShape 9"/>
+            <p:cNvPr id="54" name="CustomShape 9"/>
             <p:cNvSpPr/>
             <p:nvPr/>
           </p:nvSpPr>
           <p:spPr>
             <a:xfrm>
               <a:off x="-360" y="41423040"/>
-              <a:ext cx="31272120" cy="273960"/>
+              <a:ext cx="31271760" cy="273600"/>
             </a:xfrm>
             <a:prstGeom prst="rect">
               <a:avLst/>
@@ -3574,14 +2724,14 @@
         </p:sp>
         <p:sp>
           <p:nvSpPr>
-            <p:cNvPr id="56" name="CustomShape 10"/>
+            <p:cNvPr id="55" name="CustomShape 10"/>
             <p:cNvSpPr/>
             <p:nvPr/>
           </p:nvSpPr>
           <p:spPr>
             <a:xfrm>
               <a:off x="30997800" y="720"/>
-              <a:ext cx="273960" cy="41696280"/>
+              <a:ext cx="273600" cy="41695920"/>
             </a:xfrm>
             <a:prstGeom prst="rect">
               <a:avLst/>
@@ -3603,14 +2753,14 @@
       </p:grpSp>
       <p:sp>
         <p:nvSpPr>
-          <p:cNvPr id="57" name="CustomShape 11"/>
+          <p:cNvPr id="56" name="CustomShape 11"/>
           <p:cNvSpPr/>
           <p:nvPr/>
         </p:nvSpPr>
         <p:spPr>
           <a:xfrm>
-            <a:off x="17888400" y="26460000"/>
-            <a:ext cx="183960" cy="426600"/>
+            <a:off x="17889480" y="26281440"/>
+            <a:ext cx="181080" cy="783360"/>
           </a:xfrm>
           <a:prstGeom prst="rect">
             <a:avLst/>
@@ -3627,7 +2777,7 @@
           <a:fontRef idx="minor"/>
         </p:style>
         <p:txBody>
-          <a:bodyPr wrap="none" anchor="ctr">
+          <a:bodyPr wrap="none" lIns="90000" rIns="90000" tIns="45000" bIns="45000" anchor="ctr">
             <a:spAutoFit/>
           </a:bodyPr>
           <a:p>
@@ -3637,22 +2787,22 @@
               </a:lnSpc>
             </a:pPr>
             <a:br/>
-            <a:endParaRPr b="0" lang="en-US" sz="2280" spc="-1" strike="noStrike">
-              <a:latin typeface="Arial"/>
-            </a:endParaRPr>
-          </a:p>
-        </p:txBody>
-      </p:sp>
-      <p:sp>
-        <p:nvSpPr>
-          <p:cNvPr id="58" name="CustomShape 12"/>
+            <a:endParaRPr b="0" lang="en-US" sz="1800" spc="-1" strike="noStrike">
+              <a:latin typeface="Arial"/>
+            </a:endParaRPr>
+          </a:p>
+        </p:txBody>
+      </p:sp>
+      <p:sp>
+        <p:nvSpPr>
+          <p:cNvPr id="57" name="CustomShape 12"/>
           <p:cNvSpPr/>
           <p:nvPr/>
         </p:nvSpPr>
         <p:spPr>
           <a:xfrm>
-            <a:off x="17888400" y="26460000"/>
-            <a:ext cx="183960" cy="426600"/>
+            <a:off x="17889480" y="26281440"/>
+            <a:ext cx="181080" cy="783360"/>
           </a:xfrm>
           <a:prstGeom prst="rect">
             <a:avLst/>
@@ -3669,7 +2819,7 @@
           <a:fontRef idx="minor"/>
         </p:style>
         <p:txBody>
-          <a:bodyPr wrap="none" anchor="ctr">
+          <a:bodyPr wrap="none" lIns="90000" rIns="90000" tIns="45000" bIns="45000" anchor="ctr">
             <a:spAutoFit/>
           </a:bodyPr>
           <a:p>
@@ -3679,22 +2829,22 @@
               </a:lnSpc>
             </a:pPr>
             <a:br/>
-            <a:endParaRPr b="0" lang="en-US" sz="2280" spc="-1" strike="noStrike">
-              <a:latin typeface="Arial"/>
-            </a:endParaRPr>
-          </a:p>
-        </p:txBody>
-      </p:sp>
-      <p:sp>
-        <p:nvSpPr>
-          <p:cNvPr id="59" name="CustomShape 13"/>
+            <a:endParaRPr b="0" lang="en-US" sz="1800" spc="-1" strike="noStrike">
+              <a:latin typeface="Arial"/>
+            </a:endParaRPr>
+          </a:p>
+        </p:txBody>
+      </p:sp>
+      <p:sp>
+        <p:nvSpPr>
+          <p:cNvPr id="58" name="CustomShape 13"/>
           <p:cNvSpPr/>
           <p:nvPr/>
         </p:nvSpPr>
         <p:spPr>
           <a:xfrm>
             <a:off x="21096720" y="26062920"/>
-            <a:ext cx="9596520" cy="461160"/>
+            <a:ext cx="9596160" cy="460800"/>
           </a:xfrm>
           <a:prstGeom prst="rect">
             <a:avLst/>
@@ -3713,28 +2863,28 @@
       </p:sp>
       <p:grpSp>
         <p:nvGrpSpPr>
-          <p:cNvPr id="60" name="Group 14"/>
+          <p:cNvPr id="59" name="Group 14"/>
           <p:cNvGrpSpPr/>
           <p:nvPr/>
         </p:nvGrpSpPr>
         <p:grpSpPr>
           <a:xfrm>
             <a:off x="640080" y="31970520"/>
-            <a:ext cx="9418320" cy="5702760"/>
+            <a:ext cx="9417960" cy="5490360"/>
             <a:chOff x="640080" y="31970520"/>
-            <a:chExt cx="9418320" cy="5702760"/>
+            <a:chExt cx="9417960" cy="5490360"/>
           </a:xfrm>
         </p:grpSpPr>
         <p:sp>
           <p:nvSpPr>
-            <p:cNvPr id="61" name="CustomShape 15"/>
+            <p:cNvPr id="60" name="CustomShape 15"/>
             <p:cNvSpPr/>
             <p:nvPr/>
           </p:nvSpPr>
           <p:spPr>
             <a:xfrm>
               <a:off x="644400" y="32709240"/>
-              <a:ext cx="9414000" cy="4964040"/>
+              <a:ext cx="9413640" cy="4751640"/>
             </a:xfrm>
             <a:prstGeom prst="rect">
               <a:avLst/>
@@ -3818,20 +2968,20 @@
         </p:sp>
         <p:sp>
           <p:nvSpPr>
-            <p:cNvPr id="62" name="CustomShape 16"/>
+            <p:cNvPr id="61" name="CustomShape 16"/>
             <p:cNvSpPr/>
             <p:nvPr/>
           </p:nvSpPr>
           <p:spPr>
             <a:xfrm>
               <a:off x="640080" y="31970520"/>
-              <a:ext cx="9414000" cy="776880"/>
+              <a:ext cx="9413640" cy="776520"/>
             </a:xfrm>
             <a:prstGeom prst="rect">
               <a:avLst/>
             </a:prstGeom>
             <a:solidFill>
-              <a:schemeClr val="accent1"/>
+              <a:srgbClr val="bbe0e3"/>
             </a:solidFill>
             <a:ln w="12600">
               <a:noFill/>
@@ -3872,34 +3022,34 @@
       </p:grpSp>
       <p:grpSp>
         <p:nvGrpSpPr>
-          <p:cNvPr id="63" name="Group 17"/>
+          <p:cNvPr id="62" name="Group 17"/>
           <p:cNvGrpSpPr/>
           <p:nvPr/>
         </p:nvGrpSpPr>
         <p:grpSpPr>
           <a:xfrm>
             <a:off x="10972800" y="4206240"/>
-            <a:ext cx="19394280" cy="776880"/>
+            <a:ext cx="19393920" cy="776520"/>
             <a:chOff x="10972800" y="4206240"/>
-            <a:chExt cx="19394280" cy="776880"/>
+            <a:chExt cx="19393920" cy="776520"/>
           </a:xfrm>
         </p:grpSpPr>
         <p:sp>
           <p:nvSpPr>
-            <p:cNvPr id="64" name="CustomShape 18"/>
+            <p:cNvPr id="63" name="CustomShape 18"/>
             <p:cNvSpPr/>
             <p:nvPr/>
           </p:nvSpPr>
           <p:spPr>
             <a:xfrm>
               <a:off x="10972800" y="4206240"/>
-              <a:ext cx="19394280" cy="776880"/>
+              <a:ext cx="19393920" cy="776520"/>
             </a:xfrm>
             <a:prstGeom prst="rect">
               <a:avLst/>
             </a:prstGeom>
             <a:solidFill>
-              <a:schemeClr val="accent1"/>
+              <a:srgbClr val="bbe0e3"/>
             </a:solidFill>
             <a:ln w="12600">
               <a:noFill/>
@@ -3940,7 +3090,7 @@
       </p:grpSp>
       <p:pic>
         <p:nvPicPr>
-          <p:cNvPr id="65" name="Picture 75" descr=""/>
+          <p:cNvPr id="64" name="Picture 75" descr=""/>
           <p:cNvPicPr/>
           <p:nvPr/>
         </p:nvPicPr>
@@ -3951,7 +3101,7 @@
         <p:spPr>
           <a:xfrm>
             <a:off x="26441280" y="2722320"/>
-            <a:ext cx="3060360" cy="990360"/>
+            <a:ext cx="3060000" cy="990000"/>
           </a:xfrm>
           <a:prstGeom prst="rect">
             <a:avLst/>
@@ -3963,7 +3113,7 @@
       </p:pic>
       <p:pic>
         <p:nvPicPr>
-          <p:cNvPr id="66" name="Picture 76" descr=""/>
+          <p:cNvPr id="65" name="Picture 76" descr=""/>
           <p:cNvPicPr/>
           <p:nvPr/>
         </p:nvPicPr>
@@ -3974,7 +3124,7 @@
         <p:spPr>
           <a:xfrm>
             <a:off x="26018280" y="814680"/>
-            <a:ext cx="4248720" cy="1206720"/>
+            <a:ext cx="4248360" cy="1206360"/>
           </a:xfrm>
           <a:prstGeom prst="rect">
             <a:avLst/>
@@ -3986,7 +3136,7 @@
       </p:pic>
       <p:pic>
         <p:nvPicPr>
-          <p:cNvPr id="67" name="Picture 92" descr=""/>
+          <p:cNvPr id="66" name="Picture 92" descr=""/>
           <p:cNvPicPr/>
           <p:nvPr/>
         </p:nvPicPr>
@@ -3997,7 +3147,7 @@
         <p:spPr>
           <a:xfrm>
             <a:off x="4878000" y="1757520"/>
-            <a:ext cx="4248720" cy="2134080"/>
+            <a:ext cx="4248360" cy="2133720"/>
           </a:xfrm>
           <a:prstGeom prst="rect">
             <a:avLst/>
@@ -4009,28 +3159,28 @@
       </p:pic>
       <p:grpSp>
         <p:nvGrpSpPr>
-          <p:cNvPr id="68" name="Group 19"/>
+          <p:cNvPr id="67" name="Group 19"/>
           <p:cNvGrpSpPr/>
           <p:nvPr/>
         </p:nvGrpSpPr>
         <p:grpSpPr>
           <a:xfrm>
             <a:off x="584280" y="14962320"/>
-            <a:ext cx="9474120" cy="17889120"/>
+            <a:ext cx="9473760" cy="17676720"/>
             <a:chOff x="584280" y="14962320"/>
-            <a:chExt cx="9474120" cy="17889120"/>
+            <a:chExt cx="9473760" cy="17676720"/>
           </a:xfrm>
         </p:grpSpPr>
         <p:sp>
           <p:nvSpPr>
-            <p:cNvPr id="69" name="CustomShape 20"/>
+            <p:cNvPr id="68" name="CustomShape 20"/>
             <p:cNvSpPr/>
             <p:nvPr/>
           </p:nvSpPr>
           <p:spPr>
             <a:xfrm>
               <a:off x="588240" y="15701400"/>
-              <a:ext cx="9470160" cy="17150040"/>
+              <a:ext cx="9469800" cy="16937640"/>
             </a:xfrm>
             <a:prstGeom prst="rect">
               <a:avLst/>
@@ -4074,27 +3224,7 @@
                   <a:latin typeface="Arial"/>
                   <a:ea typeface="ヒラギノ明朝 ProN W3"/>
                 </a:rPr>
-                <a:t>The data-set provided by BEA spans across 60 </a:t>
-              </a:r>
-              <a:r>
-                <a:rPr b="0" lang="en-US" sz="3200" spc="-1" strike="noStrike">
-                  <a:solidFill>
-                    <a:srgbClr val="000000"/>
-                  </a:solidFill>
-                  <a:latin typeface="Arial"/>
-                  <a:ea typeface="ヒラギノ明朝 ProN W3"/>
-                </a:rPr>
-                <a:t>unique industries and provides data from 1929 to the </a:t>
-              </a:r>
-              <a:r>
-                <a:rPr b="0" lang="en-US" sz="3200" spc="-1" strike="noStrike">
-                  <a:solidFill>
-                    <a:srgbClr val="000000"/>
-                  </a:solidFill>
-                  <a:latin typeface="Arial"/>
-                  <a:ea typeface="ヒラギノ明朝 ProN W3"/>
-                </a:rPr>
-                <a:t>present. </a:t>
+                <a:t>The data-set provided by BEA spans across 60 unique industries and provides data from 1929 to the present. </a:t>
               </a:r>
               <a:endParaRPr b="0" lang="en-US" sz="3200" spc="-1" strike="noStrike">
                 <a:latin typeface="Arial"/>
@@ -4124,17 +3254,7 @@
                   <a:latin typeface="Arial"/>
                   <a:ea typeface="ヒラギノ明朝 ProN W3"/>
                 </a:rPr>
-                <a:t>Before the data-set can be used we require some </a:t>
-              </a:r>
-              <a:r>
-                <a:rPr b="0" lang="en-US" sz="3200" spc="-1" strike="noStrike">
-                  <a:solidFill>
-                    <a:srgbClr val="000000"/>
-                  </a:solidFill>
-                  <a:latin typeface="Arial"/>
-                  <a:ea typeface="ヒラギノ明朝 ProN W3"/>
-                </a:rPr>
-                <a:t>data wrangling. </a:t>
+                <a:t>Before the data-set can be used we require some data wrangling. </a:t>
               </a:r>
               <a:endParaRPr b="0" lang="en-US" sz="3200" spc="-1" strike="noStrike">
                 <a:latin typeface="Arial"/>
@@ -4164,77 +3284,7 @@
                   <a:latin typeface="Arial"/>
                   <a:ea typeface="ヒラギノ明朝 ProN W3"/>
                 </a:rPr>
-                <a:t>As we move from decade to decade new industries </a:t>
-              </a:r>
-              <a:r>
-                <a:rPr b="0" lang="en-US" sz="3200" spc="-1" strike="noStrike">
-                  <a:solidFill>
-                    <a:srgbClr val="000000"/>
-                  </a:solidFill>
-                  <a:latin typeface="Arial"/>
-                  <a:ea typeface="ヒラギノ明朝 ProN W3"/>
-                </a:rPr>
-                <a:t>pop up and and old industry gets merged with others. </a:t>
-              </a:r>
-              <a:r>
-                <a:rPr b="0" lang="en-US" sz="3200" spc="-1" strike="noStrike">
-                  <a:solidFill>
-                    <a:srgbClr val="000000"/>
-                  </a:solidFill>
-                  <a:latin typeface="Arial"/>
-                  <a:ea typeface="ヒラギノ明朝 ProN W3"/>
-                </a:rPr>
-                <a:t>For example from 1929 to 1948 the coal mining </a:t>
-              </a:r>
-              <a:r>
-                <a:rPr b="0" lang="en-US" sz="3200" spc="-1" strike="noStrike">
-                  <a:solidFill>
-                    <a:srgbClr val="000000"/>
-                  </a:solidFill>
-                  <a:latin typeface="Arial"/>
-                  <a:ea typeface="ヒラギノ明朝 ProN W3"/>
-                </a:rPr>
-                <a:t>industry was split into two separate categories </a:t>
-              </a:r>
-              <a:r>
-                <a:rPr b="0" lang="en-US" sz="3200" spc="-1" strike="noStrike">
-                  <a:solidFill>
-                    <a:srgbClr val="000000"/>
-                  </a:solidFill>
-                  <a:latin typeface="Arial"/>
-                  <a:ea typeface="ヒラギノ明朝 ProN W3"/>
-                </a:rPr>
-                <a:t>Anthracite mining and Bituminous / soft coal mining, </a:t>
-              </a:r>
-              <a:r>
-                <a:rPr b="0" lang="en-US" sz="3200" spc="-1" strike="noStrike">
-                  <a:solidFill>
-                    <a:srgbClr val="000000"/>
-                  </a:solidFill>
-                  <a:latin typeface="Arial"/>
-                  <a:ea typeface="ヒラギノ明朝 ProN W3"/>
-                </a:rPr>
-                <a:t>after 1948 the two industry was merged into one, </a:t>
-              </a:r>
-              <a:r>
-                <a:rPr b="0" lang="en-US" sz="3200" spc="-1" strike="noStrike">
-                  <a:solidFill>
-                    <a:srgbClr val="000000"/>
-                  </a:solidFill>
-                  <a:latin typeface="Arial"/>
-                  <a:ea typeface="ヒラギノ明朝 ProN W3"/>
-                </a:rPr>
-                <a:t>thus we first need to standardize the industries </a:t>
-              </a:r>
-              <a:r>
-                <a:rPr b="0" lang="en-US" sz="3200" spc="-1" strike="noStrike">
-                  <a:solidFill>
-                    <a:srgbClr val="000000"/>
-                  </a:solidFill>
-                  <a:latin typeface="Arial"/>
-                  <a:ea typeface="ヒラギノ明朝 ProN W3"/>
-                </a:rPr>
-                <a:t>across the 89 years available to us. </a:t>
+                <a:t>As we move from decade to decade new industries pop up and and old industry gets merged with others. For example from 1929 to 1948 the coal mining industry was split into two separate categories Anthracite mining and Bituminous / soft coal mining, after 1948 the two industry was merged into one, thus we first need to standardize the industries across the 89 years available to us. </a:t>
               </a:r>
               <a:endParaRPr b="0" lang="en-US" sz="3200" spc="-1" strike="noStrike">
                 <a:latin typeface="Arial"/>
@@ -4264,107 +3314,7 @@
                   <a:latin typeface="Arial"/>
                   <a:ea typeface="ヒラギノ明朝 ProN W3"/>
                 </a:rPr>
-                <a:t>Second the fiscal data provided does not account for </a:t>
-              </a:r>
-              <a:r>
-                <a:rPr b="0" lang="en-US" sz="3200" spc="-1" strike="noStrike">
-                  <a:solidFill>
-                    <a:srgbClr val="000000"/>
-                  </a:solidFill>
-                  <a:latin typeface="Arial"/>
-                  <a:ea typeface="ヒラギノ明朝 ProN W3"/>
-                </a:rPr>
-                <a:t>inflation, thus if we want to evaluate the fiscal data </a:t>
-              </a:r>
-              <a:r>
-                <a:rPr b="0" lang="en-US" sz="3200" spc="-1" strike="noStrike">
-                  <a:solidFill>
-                    <a:srgbClr val="000000"/>
-                  </a:solidFill>
-                  <a:latin typeface="Arial"/>
-                  <a:ea typeface="ヒラギノ明朝 ProN W3"/>
-                </a:rPr>
-                <a:t>on the same scale, we would need to manually </a:t>
-              </a:r>
-              <a:r>
-                <a:rPr b="0" lang="en-US" sz="3200" spc="-1" strike="noStrike">
-                  <a:solidFill>
-                    <a:srgbClr val="000000"/>
-                  </a:solidFill>
-                  <a:latin typeface="Arial"/>
-                  <a:ea typeface="ヒラギノ明朝 ProN W3"/>
-                </a:rPr>
-                <a:t>adjust for inflation. To adjust for inflation we can use </a:t>
-              </a:r>
-              <a:r>
-                <a:rPr b="0" lang="en-US" sz="3200" spc="-1" strike="noStrike">
-                  <a:solidFill>
-                    <a:srgbClr val="000000"/>
-                  </a:solidFill>
-                  <a:latin typeface="Arial"/>
-                  <a:ea typeface="ヒラギノ明朝 ProN W3"/>
-                </a:rPr>
-                <a:t>the Consumer Price Index (CPI) provided in the data-</a:t>
-              </a:r>
-              <a:r>
-                <a:rPr b="0" lang="en-US" sz="3200" spc="-1" strike="noStrike">
-                  <a:solidFill>
-                    <a:srgbClr val="000000"/>
-                  </a:solidFill>
-                  <a:latin typeface="Arial"/>
-                  <a:ea typeface="ヒラギノ明朝 ProN W3"/>
-                </a:rPr>
-                <a:t>set, CPI is a measurement that examines the </a:t>
-              </a:r>
-              <a:r>
-                <a:rPr b="0" lang="en-US" sz="3200" spc="-1" strike="noStrike">
-                  <a:solidFill>
-                    <a:srgbClr val="000000"/>
-                  </a:solidFill>
-                  <a:latin typeface="Arial"/>
-                  <a:ea typeface="ヒラギノ明朝 ProN W3"/>
-                </a:rPr>
-                <a:t>weighted average of prices of a basket of consumer </a:t>
-              </a:r>
-              <a:r>
-                <a:rPr b="0" lang="en-US" sz="3200" spc="-1" strike="noStrike">
-                  <a:solidFill>
-                    <a:srgbClr val="000000"/>
-                  </a:solidFill>
-                  <a:latin typeface="Arial"/>
-                  <a:ea typeface="ヒラギノ明朝 ProN W3"/>
-                </a:rPr>
-                <a:t>goods and services (e.g  transportation, food, </a:t>
-              </a:r>
-              <a:r>
-                <a:rPr b="0" lang="en-US" sz="3200" spc="-1" strike="noStrike">
-                  <a:solidFill>
-                    <a:srgbClr val="000000"/>
-                  </a:solidFill>
-                  <a:latin typeface="Arial"/>
-                  <a:ea typeface="ヒラギノ明朝 ProN W3"/>
-                </a:rPr>
-                <a:t>medical care). We can use the following formula to </a:t>
-              </a:r>
-              <a:r>
-                <a:rPr b="0" lang="en-US" sz="3200" spc="-1" strike="noStrike">
-                  <a:solidFill>
-                    <a:srgbClr val="000000"/>
-                  </a:solidFill>
-                  <a:latin typeface="Arial"/>
-                  <a:ea typeface="ヒラギノ明朝 ProN W3"/>
-                </a:rPr>
-                <a:t>calculate the inflation multiplier ((B – A)/A) + 1, where </a:t>
-              </a:r>
-              <a:r>
-                <a:rPr b="0" lang="en-US" sz="3200" spc="-1" strike="noStrike">
-                  <a:solidFill>
-                    <a:srgbClr val="000000"/>
-                  </a:solidFill>
-                  <a:latin typeface="Arial"/>
-                  <a:ea typeface="ヒラギノ明朝 ProN W3"/>
-                </a:rPr>
-                <a:t>A is the starting CPI and B is the ending CPI.</a:t>
+                <a:t>Second the fiscal data provided does not account for inflation, thus if we want to evaluate the fiscal data on the same scale, we would need to manually adjust for inflation. To adjust for inflation we can use the Consumer Price Index (CPI) provided in the data-set, CPI is a measurement that examines the weighted average of prices of a basket of consumer goods and services (e.g  transportation, food, medical care). We can use the following formula to calculate the inflation multiplier ((B – A)/A) + 1, where A is the starting CPI and B is the ending CPI.</a:t>
               </a:r>
               <a:endParaRPr b="0" lang="en-US" sz="3200" spc="-1" strike="noStrike">
                 <a:latin typeface="Arial"/>
@@ -4384,37 +3334,7 @@
                   <a:latin typeface="Arial"/>
                   <a:ea typeface="ヒラギノ明朝 ProN W3"/>
                 </a:rPr>
-                <a:t>Using the above formula we can construct a matrix </a:t>
-              </a:r>
-              <a:r>
-                <a:rPr b="0" lang="en-US" sz="3200" spc="-1" strike="noStrike">
-                  <a:solidFill>
-                    <a:srgbClr val="000000"/>
-                  </a:solidFill>
-                  <a:latin typeface="Arial"/>
-                  <a:ea typeface="ヒラギノ明朝 ProN W3"/>
-                </a:rPr>
-                <a:t>of inflation multiplier. Multiplying our data with the </a:t>
-              </a:r>
-              <a:r>
-                <a:rPr b="0" lang="en-US" sz="3200" spc="-1" strike="noStrike">
-                  <a:solidFill>
-                    <a:srgbClr val="000000"/>
-                  </a:solidFill>
-                  <a:latin typeface="Arial"/>
-                  <a:ea typeface="ヒラギノ明朝 ProN W3"/>
-                </a:rPr>
-                <a:t>inflation matrix, we now have a inflation adjusted </a:t>
-              </a:r>
-              <a:r>
-                <a:rPr b="0" lang="en-US" sz="3200" spc="-1" strike="noStrike">
-                  <a:solidFill>
-                    <a:srgbClr val="000000"/>
-                  </a:solidFill>
-                  <a:latin typeface="Arial"/>
-                  <a:ea typeface="ヒラギノ明朝 ProN W3"/>
-                </a:rPr>
-                <a:t>data-set.</a:t>
+                <a:t>Using the above formula we can construct a matrix of inflation multiplier. Multiplying our data with the inflation matrix, we now have a inflation adjusted data-set.</a:t>
               </a:r>
               <a:endParaRPr b="0" lang="en-US" sz="3200" spc="-1" strike="noStrike">
                 <a:latin typeface="Arial"/>
@@ -4444,20 +3364,20 @@
         </p:sp>
         <p:sp>
           <p:nvSpPr>
-            <p:cNvPr id="70" name="CustomShape 21"/>
+            <p:cNvPr id="69" name="CustomShape 21"/>
             <p:cNvSpPr/>
             <p:nvPr/>
           </p:nvSpPr>
           <p:spPr>
             <a:xfrm>
               <a:off x="584280" y="14962320"/>
-              <a:ext cx="9470160" cy="776880"/>
+              <a:ext cx="9469800" cy="776520"/>
             </a:xfrm>
             <a:prstGeom prst="rect">
               <a:avLst/>
             </a:prstGeom>
             <a:solidFill>
-              <a:schemeClr val="accent1"/>
+              <a:srgbClr val="bbe0e3"/>
             </a:solidFill>
             <a:ln w="12600">
               <a:noFill/>
@@ -4487,27 +3407,7 @@
                   <a:latin typeface="Verdana"/>
                   <a:ea typeface="Verdana"/>
                 </a:rPr>
-                <a:t>Data </a:t>
-              </a:r>
-              <a:r>
-                <a:rPr b="1" lang="en-US" sz="4000" spc="-1" strike="noStrike">
-                  <a:solidFill>
-                    <a:srgbClr val="000000"/>
-                  </a:solidFill>
-                  <a:latin typeface="Verdana"/>
-                  <a:ea typeface="Verdana"/>
-                </a:rPr>
-                <a:t>Descriptio</a:t>
-              </a:r>
-              <a:r>
-                <a:rPr b="1" lang="en-US" sz="4000" spc="-1" strike="noStrike">
-                  <a:solidFill>
-                    <a:srgbClr val="000000"/>
-                  </a:solidFill>
-                  <a:latin typeface="Verdana"/>
-                  <a:ea typeface="Verdana"/>
-                </a:rPr>
-                <a:t>n </a:t>
+                <a:t>Data Description </a:t>
               </a:r>
               <a:endParaRPr b="0" lang="en-US" sz="4000" spc="-1" strike="noStrike">
                 <a:latin typeface="Arial"/>
@@ -4518,20 +3418,20 @@
       </p:grpSp>
       <p:sp>
         <p:nvSpPr>
-          <p:cNvPr id="71" name="CustomShape 22"/>
+          <p:cNvPr id="70" name="CustomShape 22"/>
           <p:cNvSpPr/>
           <p:nvPr/>
         </p:nvSpPr>
         <p:spPr>
           <a:xfrm>
             <a:off x="15515280" y="38311560"/>
-            <a:ext cx="15270480" cy="3032640"/>
+            <a:ext cx="15270120" cy="3032280"/>
           </a:xfrm>
           <a:prstGeom prst="rect">
             <a:avLst/>
           </a:prstGeom>
           <a:solidFill>
-            <a:schemeClr val="accent1"/>
+            <a:srgbClr val="bbe0e3"/>
           </a:solidFill>
           <a:ln w="12600">
             <a:noFill/>
@@ -4561,17 +3461,7 @@
                 <a:latin typeface="Verdana"/>
                 <a:ea typeface="Verdana"/>
               </a:rPr>
-              <a:t>Resour</a:t>
-            </a:r>
-            <a:r>
-              <a:rPr b="1" lang="en-US" sz="2400" spc="-1" strike="noStrike">
-                <a:solidFill>
-                  <a:srgbClr val="000000"/>
-                </a:solidFill>
-                <a:latin typeface="Verdana"/>
-                <a:ea typeface="Verdana"/>
-              </a:rPr>
-              <a:t>ces:</a:t>
+              <a:t>Resources:</a:t>
             </a:r>
             <a:endParaRPr b="0" lang="en-US" sz="2400" spc="-1" strike="noStrike">
               <a:latin typeface="Arial"/>
@@ -4591,33 +3481,14 @@
                 <a:latin typeface="Verdana"/>
                 <a:ea typeface="Verdana"/>
               </a:rPr>
-              <a:t>Regressi</a:t>
-            </a:r>
-            <a:r>
-              <a:rPr b="0" lang="en-US" sz="2300" spc="-1" strike="noStrike">
-                <a:solidFill>
-                  <a:srgbClr val="000000"/>
-                </a:solidFill>
-                <a:latin typeface="Verdana"/>
-                <a:ea typeface="Verdana"/>
-              </a:rPr>
-              <a:t>on </a:t>
-            </a:r>
-            <a:r>
-              <a:rPr b="0" lang="en-US" sz="2300" spc="-1" strike="noStrike">
-                <a:solidFill>
-                  <a:srgbClr val="000000"/>
-                </a:solidFill>
-                <a:latin typeface="Verdana"/>
-                <a:ea typeface="Verdana"/>
-              </a:rPr>
-              <a:t>trees: </a:t>
-            </a:r>
-            <a:r>
-              <a:rPr b="0" lang="en-US" sz="2300" spc="-1" strike="noStrike">
-                <a:solidFill>
-                  <a:srgbClr val="000000"/>
-                </a:solidFill>
+              <a:t>Regression trees: </a:t>
+            </a:r>
+            <a:r>
+              <a:rPr b="0" lang="en-US" sz="2300" spc="-1" strike="noStrike" u="sng">
+                <a:solidFill>
+                  <a:srgbClr val="009999"/>
+                </a:solidFill>
+                <a:uFillTx/>
                 <a:latin typeface="Verdana"/>
                 <a:ea typeface="Verdana"/>
                 <a:hlinkClick r:id="rId6"/>
@@ -4642,33 +3513,14 @@
                 <a:latin typeface="Verdana"/>
                 <a:ea typeface="Verdana"/>
               </a:rPr>
-              <a:t>Linear </a:t>
-            </a:r>
-            <a:r>
-              <a:rPr b="0" lang="en-US" sz="2300" spc="-1" strike="noStrike">
-                <a:solidFill>
-                  <a:srgbClr val="000000"/>
-                </a:solidFill>
-                <a:latin typeface="Verdana"/>
-                <a:ea typeface="Verdana"/>
-              </a:rPr>
-              <a:t>regressi</a:t>
-            </a:r>
-            <a:r>
-              <a:rPr b="0" lang="en-US" sz="2300" spc="-1" strike="noStrike">
-                <a:solidFill>
-                  <a:srgbClr val="000000"/>
-                </a:solidFill>
-                <a:latin typeface="Verdana"/>
-                <a:ea typeface="Verdana"/>
-              </a:rPr>
-              <a:t>on plot: </a:t>
-            </a:r>
-            <a:r>
-              <a:rPr b="0" lang="en-US" sz="2300" spc="-1" strike="noStrike">
-                <a:solidFill>
-                  <a:srgbClr val="000000"/>
-                </a:solidFill>
+              <a:t>Linear regression plot: </a:t>
+            </a:r>
+            <a:r>
+              <a:rPr b="0" lang="en-US" sz="2300" spc="-1" strike="noStrike" u="sng">
+                <a:solidFill>
+                  <a:srgbClr val="009999"/>
+                </a:solidFill>
+                <a:uFillTx/>
                 <a:latin typeface="Verdana"/>
                 <a:ea typeface="Verdana"/>
                 <a:hlinkClick r:id="rId7"/>
@@ -4713,27 +3565,7 @@
                 <a:latin typeface="Verdana"/>
                 <a:ea typeface="Verdana"/>
               </a:rPr>
-              <a:t>Data-</a:t>
-            </a:r>
-            <a:r>
-              <a:rPr b="0" lang="en-US" sz="2300" spc="-1" strike="noStrike">
-                <a:solidFill>
-                  <a:srgbClr val="000000"/>
-                </a:solidFill>
-                <a:latin typeface="Verdana"/>
-                <a:ea typeface="Verdana"/>
-              </a:rPr>
-              <a:t>set QR </a:t>
-            </a:r>
-            <a:r>
-              <a:rPr b="0" lang="en-US" sz="2300" spc="-1" strike="noStrike">
-                <a:solidFill>
-                  <a:srgbClr val="000000"/>
-                </a:solidFill>
-                <a:latin typeface="Verdana"/>
-                <a:ea typeface="Verdana"/>
-              </a:rPr>
-              <a:t>code:</a:t>
+              <a:t>Data-set QR code:</a:t>
             </a:r>
             <a:endParaRPr b="0" lang="en-US" sz="2300" spc="-1" strike="noStrike">
               <a:latin typeface="Arial"/>
@@ -4743,7 +3575,7 @@
       </p:sp>
       <p:pic>
         <p:nvPicPr>
-          <p:cNvPr id="72" name="" descr=""/>
+          <p:cNvPr id="71" name="" descr=""/>
           <p:cNvPicPr/>
           <p:nvPr/>
         </p:nvPicPr>
@@ -4754,7 +3586,7 @@
         <p:spPr>
           <a:xfrm>
             <a:off x="18288000" y="39712320"/>
-            <a:ext cx="1554480" cy="1554480"/>
+            <a:ext cx="1554120" cy="1554120"/>
           </a:xfrm>
           <a:prstGeom prst="rect">
             <a:avLst/>
@@ -4766,14 +3598,14 @@
       </p:pic>
       <p:sp>
         <p:nvSpPr>
-          <p:cNvPr id="73" name="TextShape 23"/>
-          <p:cNvSpPr txBox="1"/>
+          <p:cNvPr id="72" name="CustomShape 23"/>
+          <p:cNvSpPr/>
           <p:nvPr/>
         </p:nvSpPr>
         <p:spPr>
           <a:xfrm>
-            <a:off x="10972800" y="5486400"/>
-            <a:ext cx="19202400" cy="1257840"/>
+            <a:off x="10972800" y="5213880"/>
+            <a:ext cx="19202040" cy="1065240"/>
           </a:xfrm>
           <a:prstGeom prst="rect">
             <a:avLst/>
@@ -4783,11 +3615,108 @@
             <a:noFill/>
           </a:ln>
         </p:spPr>
+        <p:style>
+          <a:lnRef idx="0"/>
+          <a:fillRef idx="0"/>
+          <a:effectRef idx="0"/>
+          <a:fontRef idx="minor"/>
+        </p:style>
         <p:txBody>
           <a:bodyPr lIns="90000" rIns="90000" tIns="45000" bIns="45000">
             <a:spAutoFit/>
           </a:bodyPr>
           <a:p>
+            <a:pPr>
+              <a:lnSpc>
+                <a:spcPct val="100000"/>
+              </a:lnSpc>
+            </a:pPr>
+            <a:endParaRPr b="0" lang="en-US" sz="1800" spc="-1" strike="noStrike">
+              <a:latin typeface="Arial"/>
+            </a:endParaRPr>
+          </a:p>
+          <a:p>
+            <a:pPr>
+              <a:lnSpc>
+                <a:spcPct val="100000"/>
+              </a:lnSpc>
+            </a:pPr>
+            <a:endParaRPr b="0" lang="en-US" sz="1800" spc="-1" strike="noStrike">
+              <a:latin typeface="Arial"/>
+            </a:endParaRPr>
+          </a:p>
+        </p:txBody>
+      </p:sp>
+      <p:pic>
+        <p:nvPicPr>
+          <p:cNvPr id="73" name="" descr=""/>
+          <p:cNvPicPr/>
+          <p:nvPr/>
+        </p:nvPicPr>
+        <p:blipFill>
+          <a:blip r:embed="rId9"/>
+          <a:stretch/>
+        </p:blipFill>
+        <p:spPr>
+          <a:xfrm>
+            <a:off x="10972800" y="5760720"/>
+            <a:ext cx="8046720" cy="2927520"/>
+          </a:xfrm>
+          <a:prstGeom prst="rect">
+            <a:avLst/>
+          </a:prstGeom>
+          <a:ln>
+            <a:noFill/>
+          </a:ln>
+        </p:spPr>
+      </p:pic>
+      <p:pic>
+        <p:nvPicPr>
+          <p:cNvPr id="74" name="" descr=""/>
+          <p:cNvPicPr/>
+          <p:nvPr/>
+        </p:nvPicPr>
+        <p:blipFill>
+          <a:blip r:embed="rId10"/>
+          <a:stretch/>
+        </p:blipFill>
+        <p:spPr>
+          <a:xfrm>
+            <a:off x="10972800" y="8688240"/>
+            <a:ext cx="8197200" cy="2927520"/>
+          </a:xfrm>
+          <a:prstGeom prst="rect">
+            <a:avLst/>
+          </a:prstGeom>
+          <a:ln>
+            <a:noFill/>
+          </a:ln>
+        </p:spPr>
+      </p:pic>
+      <p:sp>
+        <p:nvSpPr>
+          <p:cNvPr id="75" name="TextShape 24"/>
+          <p:cNvSpPr txBox="1"/>
+          <p:nvPr/>
+        </p:nvSpPr>
+        <p:spPr>
+          <a:xfrm>
+            <a:off x="20116800" y="5783400"/>
+            <a:ext cx="9966960" cy="6926760"/>
+          </a:xfrm>
+          <a:prstGeom prst="rect">
+            <a:avLst/>
+          </a:prstGeom>
+          <a:noFill/>
+          <a:ln>
+            <a:noFill/>
+          </a:ln>
+        </p:spPr>
+        <p:txBody>
+          <a:bodyPr lIns="90000" rIns="90000" tIns="45000" bIns="45000">
+            <a:spAutoFit/>
+          </a:bodyPr>
+          <a:p>
             <a:r>
               <a:rPr b="0" lang="en-US" sz="3200" spc="-1" strike="noStrike">
                 <a:solidFill>
@@ -4796,7 +3725,7 @@
                 <a:latin typeface="Arial"/>
                 <a:ea typeface="ヒラギノ明朝 ProN W3"/>
               </a:rPr>
-              <a:t>This poster attempts to identify and model </a:t>
+              <a:t>	</a:t>
             </a:r>
             <a:r>
               <a:rPr b="0" lang="en-US" sz="3200" spc="-1" strike="noStrike">
@@ -4806,8 +3735,13 @@
                 <a:latin typeface="Arial"/>
                 <a:ea typeface="ヒラギノ明朝 ProN W3"/>
               </a:rPr>
-              <a:t>relationships between tax paid per industry, </a:t>
-            </a:r>
+              <a:t>The graphs on the left shows the tax rate for a selected group of industries, the dotted line indicates the average tax rate across all industries.</a:t>
+            </a:r>
+            <a:endParaRPr b="0" lang="en-US" sz="3200" spc="-1" strike="noStrike">
+              <a:latin typeface="Arial"/>
+            </a:endParaRPr>
+          </a:p>
+          <a:p>
             <a:r>
               <a:rPr b="0" lang="en-US" sz="3200" spc="-1" strike="noStrike">
                 <a:solidFill>
@@ -4816,7 +3750,7 @@
                 <a:latin typeface="Arial"/>
                 <a:ea typeface="ヒラギノ明朝 ProN W3"/>
               </a:rPr>
-              <a:t>compensation per industry, dividend paid per </a:t>
+              <a:t>	</a:t>
             </a:r>
             <a:r>
               <a:rPr b="0" lang="en-US" sz="3200" spc="-1" strike="noStrike">
@@ -4826,8 +3760,13 @@
                 <a:latin typeface="Arial"/>
                 <a:ea typeface="ヒラギノ明朝 ProN W3"/>
               </a:rPr>
-              <a:t>industry and Undistributed Corporate Profits per </a:t>
-            </a:r>
+              <a:t>Something to note is that since the turn of the century the highest level tax rates has remained consistently low at around 35%.</a:t>
+            </a:r>
+            <a:endParaRPr b="0" lang="en-US" sz="3200" spc="-1" strike="noStrike">
+              <a:latin typeface="Arial"/>
+            </a:endParaRPr>
+          </a:p>
+          <a:p>
             <a:r>
               <a:rPr b="0" lang="en-US" sz="3200" spc="-1" strike="noStrike">
                 <a:solidFill>
@@ -4836,19 +3775,1055 @@
                 <a:latin typeface="Arial"/>
                 <a:ea typeface="ヒラギノ明朝 ProN W3"/>
               </a:rPr>
-              <a:t>Industry.</a:t>
+              <a:t>	</a:t>
+            </a:r>
+            <a:r>
+              <a:rPr b="0" lang="en-US" sz="3200" spc="-1" strike="noStrike">
+                <a:solidFill>
+                  <a:srgbClr val="000000"/>
+                </a:solidFill>
+                <a:latin typeface="Arial"/>
+                <a:ea typeface="ヒラギノ明朝 ProN W3"/>
+              </a:rPr>
+              <a:t>The spikes in tax rates can be explain by a couple things, for example during the 1930 depression era, top level taxes saw a drastic increase from 25% to 63%. There was also the Revenue Act of 1936, which imposed an additional taxes of up to 15% on undistributed profits.</a:t>
             </a:r>
             <a:endParaRPr b="0" lang="en-US" sz="3200" spc="-1" strike="noStrike">
               <a:latin typeface="Arial"/>
             </a:endParaRPr>
           </a:p>
           <a:p>
+            <a:r>
+              <a:rPr b="0" lang="en-US" sz="3200" spc="-1" strike="noStrike">
+                <a:solidFill>
+                  <a:srgbClr val="000000"/>
+                </a:solidFill>
+                <a:latin typeface="Arial"/>
+                <a:ea typeface="ヒラギノ明朝 ProN W3"/>
+              </a:rPr>
+              <a:t>	</a:t>
+            </a:r>
+            <a:r>
+              <a:rPr b="0" lang="en-US" sz="3200" spc="-1" strike="noStrike">
+                <a:solidFill>
+                  <a:srgbClr val="000000"/>
+                </a:solidFill>
+                <a:latin typeface="Arial"/>
+                <a:ea typeface="ヒラギノ明朝 ProN W3"/>
+              </a:rPr>
+              <a:t>In the 1970’s and 80’s we saw the energy crisis and oil glut, where prices of oil saw a drastic rise and dip.</a:t>
+            </a:r>
             <a:endParaRPr b="0" lang="en-US" sz="3200" spc="-1" strike="noStrike">
               <a:latin typeface="Arial"/>
             </a:endParaRPr>
           </a:p>
-        </p:txBody>
-      </p:sp>
+          <a:p>
+            <a:endParaRPr b="0" lang="en-US" sz="3200" spc="-1" strike="noStrike">
+              <a:latin typeface="Arial"/>
+            </a:endParaRPr>
+          </a:p>
+        </p:txBody>
+      </p:sp>
+      <p:grpSp>
+        <p:nvGrpSpPr>
+          <p:cNvPr id="76" name="Group 25"/>
+          <p:cNvGrpSpPr/>
+          <p:nvPr/>
+        </p:nvGrpSpPr>
+        <p:grpSpPr>
+          <a:xfrm>
+            <a:off x="10972800" y="5228280"/>
+            <a:ext cx="19393920" cy="441000"/>
+            <a:chOff x="10972800" y="5228280"/>
+            <a:chExt cx="19393920" cy="441000"/>
+          </a:xfrm>
+        </p:grpSpPr>
+        <p:sp>
+          <p:nvSpPr>
+            <p:cNvPr id="77" name="CustomShape 26"/>
+            <p:cNvSpPr/>
+            <p:nvPr/>
+          </p:nvSpPr>
+          <p:spPr>
+            <a:xfrm>
+              <a:off x="10972800" y="5228280"/>
+              <a:ext cx="19393920" cy="441000"/>
+            </a:xfrm>
+            <a:prstGeom prst="rect">
+              <a:avLst/>
+            </a:prstGeom>
+            <a:solidFill>
+              <a:srgbClr val="bbe0e3"/>
+            </a:solidFill>
+            <a:ln w="12600">
+              <a:noFill/>
+            </a:ln>
+          </p:spPr>
+          <p:style>
+            <a:lnRef idx="0"/>
+            <a:fillRef idx="0"/>
+            <a:effectRef idx="0"/>
+            <a:fontRef idx="minor"/>
+          </p:style>
+          <p:txBody>
+            <a:bodyPr lIns="0" rIns="0" tIns="0" bIns="0" anchor="ctr">
+              <a:noAutofit/>
+            </a:bodyPr>
+            <a:p>
+              <a:pPr algn="ctr">
+                <a:lnSpc>
+                  <a:spcPct val="110000"/>
+                </a:lnSpc>
+              </a:pPr>
+              <a:r>
+                <a:rPr b="1" lang="en-US" sz="2600" spc="-1" strike="noStrike">
+                  <a:solidFill>
+                    <a:srgbClr val="000000"/>
+                  </a:solidFill>
+                  <a:latin typeface="Verdana"/>
+                  <a:ea typeface="Verdana"/>
+                </a:rPr>
+                <a:t>Tax rate data</a:t>
+              </a:r>
+              <a:endParaRPr b="0" lang="en-US" sz="2600" spc="-1" strike="noStrike">
+                <a:latin typeface="Arial"/>
+              </a:endParaRPr>
+            </a:p>
+          </p:txBody>
+        </p:sp>
+      </p:grpSp>
+      <p:grpSp>
+        <p:nvGrpSpPr>
+          <p:cNvPr id="78" name="Group 27"/>
+          <p:cNvGrpSpPr/>
+          <p:nvPr/>
+        </p:nvGrpSpPr>
+        <p:grpSpPr>
+          <a:xfrm>
+            <a:off x="11055600" y="12269160"/>
+            <a:ext cx="19393920" cy="441000"/>
+            <a:chOff x="11055600" y="12269160"/>
+            <a:chExt cx="19393920" cy="441000"/>
+          </a:xfrm>
+        </p:grpSpPr>
+        <p:sp>
+          <p:nvSpPr>
+            <p:cNvPr id="79" name="CustomShape 28"/>
+            <p:cNvSpPr/>
+            <p:nvPr/>
+          </p:nvSpPr>
+          <p:spPr>
+            <a:xfrm>
+              <a:off x="11055600" y="12269160"/>
+              <a:ext cx="19393920" cy="441000"/>
+            </a:xfrm>
+            <a:prstGeom prst="rect">
+              <a:avLst/>
+            </a:prstGeom>
+            <a:solidFill>
+              <a:srgbClr val="bbe0e3"/>
+            </a:solidFill>
+            <a:ln w="12600">
+              <a:noFill/>
+            </a:ln>
+          </p:spPr>
+          <p:style>
+            <a:lnRef idx="0"/>
+            <a:fillRef idx="0"/>
+            <a:effectRef idx="0"/>
+            <a:fontRef idx="minor"/>
+          </p:style>
+          <p:txBody>
+            <a:bodyPr lIns="0" rIns="0" tIns="0" bIns="0" anchor="ctr">
+              <a:noAutofit/>
+            </a:bodyPr>
+            <a:p>
+              <a:pPr algn="ctr">
+                <a:lnSpc>
+                  <a:spcPct val="110000"/>
+                </a:lnSpc>
+              </a:pPr>
+              <a:r>
+                <a:rPr b="1" lang="en-US" sz="2600" spc="-1" strike="noStrike">
+                  <a:solidFill>
+                    <a:srgbClr val="000000"/>
+                  </a:solidFill>
+                  <a:latin typeface="Verdana"/>
+                  <a:ea typeface="Verdana"/>
+                </a:rPr>
+                <a:t>Employee wage data</a:t>
+              </a:r>
+              <a:endParaRPr b="0" lang="en-US" sz="2600" spc="-1" strike="noStrike">
+                <a:latin typeface="Arial"/>
+              </a:endParaRPr>
+            </a:p>
+          </p:txBody>
+        </p:sp>
+      </p:grpSp>
+      <p:pic>
+        <p:nvPicPr>
+          <p:cNvPr id="80" name="" descr=""/>
+          <p:cNvPicPr/>
+          <p:nvPr/>
+        </p:nvPicPr>
+        <p:blipFill>
+          <a:blip r:embed="rId11"/>
+          <a:stretch/>
+        </p:blipFill>
+        <p:spPr>
+          <a:xfrm>
+            <a:off x="11055600" y="12814200"/>
+            <a:ext cx="8146800" cy="3273120"/>
+          </a:xfrm>
+          <a:prstGeom prst="rect">
+            <a:avLst/>
+          </a:prstGeom>
+          <a:ln>
+            <a:noFill/>
+          </a:ln>
+        </p:spPr>
+      </p:pic>
+      <p:pic>
+        <p:nvPicPr>
+          <p:cNvPr id="81" name="" descr=""/>
+          <p:cNvPicPr/>
+          <p:nvPr/>
+        </p:nvPicPr>
+        <p:blipFill>
+          <a:blip r:embed="rId12"/>
+          <a:stretch/>
+        </p:blipFill>
+        <p:spPr>
+          <a:xfrm>
+            <a:off x="10972800" y="16087320"/>
+            <a:ext cx="8197200" cy="3293280"/>
+          </a:xfrm>
+          <a:prstGeom prst="rect">
+            <a:avLst/>
+          </a:prstGeom>
+          <a:ln>
+            <a:noFill/>
+          </a:ln>
+        </p:spPr>
+      </p:pic>
+      <p:sp>
+        <p:nvSpPr>
+          <p:cNvPr id="82" name="TextShape 29"/>
+          <p:cNvSpPr txBox="1"/>
+          <p:nvPr/>
+        </p:nvSpPr>
+        <p:spPr>
+          <a:xfrm>
+            <a:off x="20116800" y="12824280"/>
+            <a:ext cx="9966960" cy="8749800"/>
+          </a:xfrm>
+          <a:prstGeom prst="rect">
+            <a:avLst/>
+          </a:prstGeom>
+          <a:noFill/>
+          <a:ln>
+            <a:noFill/>
+          </a:ln>
+        </p:spPr>
+        <p:txBody>
+          <a:bodyPr lIns="90000" rIns="90000" tIns="45000" bIns="45000">
+            <a:noAutofit/>
+          </a:bodyPr>
+          <a:p>
+            <a:r>
+              <a:rPr b="0" lang="en-US" sz="3200" spc="-1" strike="noStrike">
+                <a:solidFill>
+                  <a:srgbClr val="000000"/>
+                </a:solidFill>
+                <a:latin typeface="Arial"/>
+                <a:ea typeface="ヒラギノ明朝 ProN W3"/>
+              </a:rPr>
+              <a:t>	</a:t>
+            </a:r>
+            <a:r>
+              <a:rPr b="0" lang="en-US" sz="3200" spc="-1" strike="noStrike">
+                <a:solidFill>
+                  <a:srgbClr val="000000"/>
+                </a:solidFill>
+                <a:latin typeface="Arial"/>
+                <a:ea typeface="ヒラギノ明朝 ProN W3"/>
+              </a:rPr>
+              <a:t>On the left we show the inflation adjusted employee wages for a selected set of industries, the dotted line again indicates the average tax rate across all industries.</a:t>
+            </a:r>
+            <a:endParaRPr b="0" lang="en-US" sz="3200" spc="-1" strike="noStrike">
+              <a:latin typeface="Arial"/>
+            </a:endParaRPr>
+          </a:p>
+          <a:p>
+            <a:r>
+              <a:rPr b="0" lang="en-US" sz="3200" spc="-1" strike="noStrike">
+                <a:solidFill>
+                  <a:srgbClr val="000000"/>
+                </a:solidFill>
+                <a:latin typeface="Arial"/>
+                <a:ea typeface="ヒラギノ明朝 ProN W3"/>
+              </a:rPr>
+              <a:t>	</a:t>
+            </a:r>
+            <a:r>
+              <a:rPr b="0" lang="en-US" sz="3200" spc="-1" strike="noStrike">
+                <a:solidFill>
+                  <a:srgbClr val="000000"/>
+                </a:solidFill>
+                <a:latin typeface="Arial"/>
+                <a:ea typeface="ヒラギノ明朝 ProN W3"/>
+              </a:rPr>
+              <a:t>From the end of WW2 we see a steady increase of wages through out the 60’s, 70’s, 80’s and peaking around the late 90’s, with the turn of the century we see a drastic decline in purchasing power.</a:t>
+            </a:r>
+            <a:endParaRPr b="0" lang="en-US" sz="3200" spc="-1" strike="noStrike">
+              <a:latin typeface="Arial"/>
+            </a:endParaRPr>
+          </a:p>
+          <a:p>
+            <a:r>
+              <a:rPr b="0" lang="en-US" sz="3200" spc="-1" strike="noStrike">
+                <a:solidFill>
+                  <a:srgbClr val="000000"/>
+                </a:solidFill>
+                <a:latin typeface="Arial"/>
+                <a:ea typeface="ヒラギノ明朝 ProN W3"/>
+              </a:rPr>
+              <a:t>	</a:t>
+            </a:r>
+            <a:r>
+              <a:rPr b="0" lang="en-US" sz="3200" spc="-1" strike="noStrike">
+                <a:solidFill>
+                  <a:srgbClr val="000000"/>
+                </a:solidFill>
+                <a:latin typeface="Arial"/>
+                <a:ea typeface="ヒラギノ明朝 ProN W3"/>
+              </a:rPr>
+              <a:t>At first this seems like an error in calculation, but after further research this does appear to be the case, In fact, hourly wages peaked during the late 60’s and early 70’s. In 1973 the recorded $4.03 per hour average wage has the same purchasing power of $23.68 today.</a:t>
+            </a:r>
+            <a:endParaRPr b="0" lang="en-US" sz="3200" spc="-1" strike="noStrike">
+              <a:latin typeface="Arial"/>
+            </a:endParaRPr>
+          </a:p>
+          <a:p>
+            <a:pPr>
+              <a:lnSpc>
+                <a:spcPct val="100000"/>
+              </a:lnSpc>
+            </a:pPr>
+            <a:r>
+              <a:rPr b="0" lang="en-US" sz="3200" spc="-1" strike="noStrike">
+                <a:solidFill>
+                  <a:srgbClr val="000000"/>
+                </a:solidFill>
+                <a:latin typeface="Arial"/>
+                <a:ea typeface="ヒラギノ明朝 ProN W3"/>
+              </a:rPr>
+              <a:t>	</a:t>
+            </a:r>
+            <a:r>
+              <a:rPr b="0" lang="en-US" sz="3200" spc="-1" strike="noStrike">
+                <a:solidFill>
+                  <a:srgbClr val="000000"/>
+                </a:solidFill>
+                <a:latin typeface="Arial"/>
+                <a:ea typeface="ヒラギノ明朝 ProN W3"/>
+              </a:rPr>
+              <a:t>The QR code on the right takes you,</a:t>
+            </a:r>
+            <a:endParaRPr b="0" lang="en-US" sz="3200" spc="-1" strike="noStrike">
+              <a:latin typeface="Arial"/>
+            </a:endParaRPr>
+          </a:p>
+          <a:p>
+            <a:pPr>
+              <a:lnSpc>
+                <a:spcPct val="100000"/>
+              </a:lnSpc>
+            </a:pPr>
+            <a:r>
+              <a:rPr b="0" lang="en-US" sz="3200" spc="-1" strike="noStrike">
+                <a:solidFill>
+                  <a:srgbClr val="000000"/>
+                </a:solidFill>
+                <a:latin typeface="Arial"/>
+                <a:ea typeface="ヒラギノ明朝 ProN W3"/>
+              </a:rPr>
+              <a:t>you to a pew research article that further</a:t>
+            </a:r>
+            <a:endParaRPr b="0" lang="en-US" sz="3200" spc="-1" strike="noStrike">
+              <a:latin typeface="Arial"/>
+            </a:endParaRPr>
+          </a:p>
+          <a:p>
+            <a:r>
+              <a:rPr b="0" lang="en-US" sz="3200" spc="-1" strike="noStrike">
+                <a:solidFill>
+                  <a:srgbClr val="000000"/>
+                </a:solidFill>
+                <a:latin typeface="Arial"/>
+                <a:ea typeface="ヒラギノ明朝 ProN W3"/>
+              </a:rPr>
+              <a:t>describes the trend</a:t>
+            </a:r>
+            <a:endParaRPr b="0" lang="en-US" sz="3200" spc="-1" strike="noStrike">
+              <a:latin typeface="Arial"/>
+            </a:endParaRPr>
+          </a:p>
+          <a:p>
+            <a:r>
+              <a:rPr b="0" lang="en-US" sz="3200" spc="-1" strike="noStrike">
+                <a:solidFill>
+                  <a:srgbClr val="000000"/>
+                </a:solidFill>
+                <a:latin typeface="Arial"/>
+                <a:ea typeface="ヒラギノ明朝 ProN W3"/>
+              </a:rPr>
+              <a:t>	</a:t>
+            </a:r>
+            <a:endParaRPr b="0" lang="en-US" sz="3200" spc="-1" strike="noStrike">
+              <a:latin typeface="Arial"/>
+            </a:endParaRPr>
+          </a:p>
+          <a:p>
+            <a:r>
+              <a:rPr b="0" lang="en-US" sz="3200" spc="-1" strike="noStrike">
+                <a:solidFill>
+                  <a:srgbClr val="000000"/>
+                </a:solidFill>
+                <a:latin typeface="Arial"/>
+                <a:ea typeface="ヒラギノ明朝 ProN W3"/>
+              </a:rPr>
+              <a:t>	</a:t>
+            </a:r>
+            <a:r>
+              <a:rPr b="0" lang="en-US" sz="3200" spc="-1" strike="noStrike">
+                <a:solidFill>
+                  <a:srgbClr val="000000"/>
+                </a:solidFill>
+                <a:latin typeface="Arial"/>
+                <a:ea typeface="ヒラギノ明朝 ProN W3"/>
+              </a:rPr>
+              <a:t> </a:t>
+            </a:r>
+            <a:endParaRPr b="0" lang="en-US" sz="3200" spc="-1" strike="noStrike">
+              <a:latin typeface="Arial"/>
+            </a:endParaRPr>
+          </a:p>
+          <a:p>
+            <a:r>
+              <a:rPr b="0" lang="en-US" sz="3200" spc="-1" strike="noStrike">
+                <a:solidFill>
+                  <a:srgbClr val="000000"/>
+                </a:solidFill>
+                <a:latin typeface="Arial"/>
+                <a:ea typeface="ヒラギノ明朝 ProN W3"/>
+              </a:rPr>
+              <a:t>	</a:t>
+            </a:r>
+            <a:endParaRPr b="0" lang="en-US" sz="3200" spc="-1" strike="noStrike">
+              <a:latin typeface="Arial"/>
+            </a:endParaRPr>
+          </a:p>
+          <a:p>
+            <a:endParaRPr b="0" lang="en-US" sz="3200" spc="-1" strike="noStrike">
+              <a:latin typeface="Arial"/>
+            </a:endParaRPr>
+          </a:p>
+        </p:txBody>
+      </p:sp>
+      <p:pic>
+        <p:nvPicPr>
+          <p:cNvPr id="83" name="" descr=""/>
+          <p:cNvPicPr/>
+          <p:nvPr/>
+        </p:nvPicPr>
+        <p:blipFill>
+          <a:blip r:embed="rId13"/>
+          <a:stretch/>
+        </p:blipFill>
+        <p:spPr>
+          <a:xfrm>
+            <a:off x="27825120" y="18852120"/>
+            <a:ext cx="1904760" cy="1904760"/>
+          </a:xfrm>
+          <a:prstGeom prst="rect">
+            <a:avLst/>
+          </a:prstGeom>
+          <a:ln>
+            <a:noFill/>
+          </a:ln>
+        </p:spPr>
+      </p:pic>
+      <p:grpSp>
+        <p:nvGrpSpPr>
+          <p:cNvPr id="84" name="Group 30"/>
+          <p:cNvGrpSpPr/>
+          <p:nvPr/>
+        </p:nvGrpSpPr>
+        <p:grpSpPr>
+          <a:xfrm>
+            <a:off x="11055600" y="12270600"/>
+            <a:ext cx="19393920" cy="441000"/>
+            <a:chOff x="11055600" y="12270600"/>
+            <a:chExt cx="19393920" cy="441000"/>
+          </a:xfrm>
+        </p:grpSpPr>
+        <p:sp>
+          <p:nvSpPr>
+            <p:cNvPr id="85" name="CustomShape 31"/>
+            <p:cNvSpPr/>
+            <p:nvPr/>
+          </p:nvSpPr>
+          <p:spPr>
+            <a:xfrm>
+              <a:off x="11055600" y="12270600"/>
+              <a:ext cx="19393920" cy="441000"/>
+            </a:xfrm>
+            <a:prstGeom prst="rect">
+              <a:avLst/>
+            </a:prstGeom>
+            <a:solidFill>
+              <a:srgbClr val="bbe0e3"/>
+            </a:solidFill>
+            <a:ln w="12600">
+              <a:noFill/>
+            </a:ln>
+          </p:spPr>
+          <p:style>
+            <a:lnRef idx="0"/>
+            <a:fillRef idx="0"/>
+            <a:effectRef idx="0"/>
+            <a:fontRef idx="minor"/>
+          </p:style>
+          <p:txBody>
+            <a:bodyPr lIns="0" rIns="0" tIns="0" bIns="0" anchor="ctr">
+              <a:noAutofit/>
+            </a:bodyPr>
+            <a:p>
+              <a:pPr algn="ctr">
+                <a:lnSpc>
+                  <a:spcPct val="110000"/>
+                </a:lnSpc>
+              </a:pPr>
+              <a:r>
+                <a:rPr b="1" lang="en-US" sz="2600" spc="-1" strike="noStrike">
+                  <a:solidFill>
+                    <a:srgbClr val="000000"/>
+                  </a:solidFill>
+                  <a:latin typeface="Verdana"/>
+                  <a:ea typeface="Verdana"/>
+                </a:rPr>
+                <a:t>Employee wage data</a:t>
+              </a:r>
+              <a:endParaRPr b="0" lang="en-US" sz="2600" spc="-1" strike="noStrike">
+                <a:latin typeface="Arial"/>
+              </a:endParaRPr>
+            </a:p>
+          </p:txBody>
+        </p:sp>
+      </p:grpSp>
+      <p:grpSp>
+        <p:nvGrpSpPr>
+          <p:cNvPr id="86" name="Group 32"/>
+          <p:cNvGrpSpPr/>
+          <p:nvPr/>
+        </p:nvGrpSpPr>
+        <p:grpSpPr>
+          <a:xfrm>
+            <a:off x="10946520" y="20674440"/>
+            <a:ext cx="19393920" cy="441000"/>
+            <a:chOff x="10946520" y="20674440"/>
+            <a:chExt cx="19393920" cy="441000"/>
+          </a:xfrm>
+        </p:grpSpPr>
+        <p:sp>
+          <p:nvSpPr>
+            <p:cNvPr id="87" name="CustomShape 33"/>
+            <p:cNvSpPr/>
+            <p:nvPr/>
+          </p:nvSpPr>
+          <p:spPr>
+            <a:xfrm>
+              <a:off x="10946520" y="20674440"/>
+              <a:ext cx="19393920" cy="441000"/>
+            </a:xfrm>
+            <a:prstGeom prst="rect">
+              <a:avLst/>
+            </a:prstGeom>
+            <a:solidFill>
+              <a:srgbClr val="bbe0e3"/>
+            </a:solidFill>
+            <a:ln w="12600">
+              <a:noFill/>
+            </a:ln>
+          </p:spPr>
+          <p:style>
+            <a:lnRef idx="0"/>
+            <a:fillRef idx="0"/>
+            <a:effectRef idx="0"/>
+            <a:fontRef idx="minor"/>
+          </p:style>
+          <p:txBody>
+            <a:bodyPr lIns="0" rIns="0" tIns="0" bIns="0" anchor="ctr">
+              <a:noAutofit/>
+            </a:bodyPr>
+            <a:p>
+              <a:pPr algn="ctr">
+                <a:lnSpc>
+                  <a:spcPct val="110000"/>
+                </a:lnSpc>
+              </a:pPr>
+              <a:r>
+                <a:rPr b="1" lang="en-US" sz="2600" spc="-1" strike="noStrike">
+                  <a:solidFill>
+                    <a:srgbClr val="000000"/>
+                  </a:solidFill>
+                  <a:latin typeface="Verdana"/>
+                  <a:ea typeface="Verdana"/>
+                </a:rPr>
+                <a:t>Linear regression of tax rate and Employee wages</a:t>
+              </a:r>
+              <a:endParaRPr b="0" lang="en-US" sz="2600" spc="-1" strike="noStrike">
+                <a:latin typeface="Arial"/>
+              </a:endParaRPr>
+            </a:p>
+          </p:txBody>
+        </p:sp>
+      </p:grpSp>
+      <p:pic>
+        <p:nvPicPr>
+          <p:cNvPr id="88" name="" descr=""/>
+          <p:cNvPicPr/>
+          <p:nvPr/>
+        </p:nvPicPr>
+        <p:blipFill>
+          <a:blip r:embed="rId14"/>
+          <a:stretch/>
+        </p:blipFill>
+        <p:spPr>
+          <a:xfrm>
+            <a:off x="11019600" y="21135240"/>
+            <a:ext cx="5713920" cy="4285080"/>
+          </a:xfrm>
+          <a:prstGeom prst="rect">
+            <a:avLst/>
+          </a:prstGeom>
+          <a:ln>
+            <a:noFill/>
+          </a:ln>
+        </p:spPr>
+      </p:pic>
+      <p:pic>
+        <p:nvPicPr>
+          <p:cNvPr id="89" name="" descr=""/>
+          <p:cNvPicPr/>
+          <p:nvPr/>
+        </p:nvPicPr>
+        <p:blipFill>
+          <a:blip r:embed="rId15"/>
+          <a:stretch/>
+        </p:blipFill>
+        <p:spPr>
+          <a:xfrm>
+            <a:off x="17603280" y="21115440"/>
+            <a:ext cx="5713920" cy="4285080"/>
+          </a:xfrm>
+          <a:prstGeom prst="rect">
+            <a:avLst/>
+          </a:prstGeom>
+          <a:ln>
+            <a:noFill/>
+          </a:ln>
+        </p:spPr>
+      </p:pic>
+      <p:pic>
+        <p:nvPicPr>
+          <p:cNvPr id="90" name="" descr=""/>
+          <p:cNvPicPr/>
+          <p:nvPr/>
+        </p:nvPicPr>
+        <p:blipFill>
+          <a:blip r:embed="rId16"/>
+          <a:stretch/>
+        </p:blipFill>
+        <p:spPr>
+          <a:xfrm>
+            <a:off x="24369840" y="21135240"/>
+            <a:ext cx="5713920" cy="4285080"/>
+          </a:xfrm>
+          <a:prstGeom prst="rect">
+            <a:avLst/>
+          </a:prstGeom>
+          <a:ln>
+            <a:noFill/>
+          </a:ln>
+        </p:spPr>
+      </p:pic>
+      <p:sp>
+        <p:nvSpPr>
+          <p:cNvPr id="91" name="TextShape 34"/>
+          <p:cNvSpPr txBox="1"/>
+          <p:nvPr/>
+        </p:nvSpPr>
+        <p:spPr>
+          <a:xfrm>
+            <a:off x="10972800" y="25603200"/>
+            <a:ext cx="19202400" cy="5559480"/>
+          </a:xfrm>
+          <a:prstGeom prst="rect">
+            <a:avLst/>
+          </a:prstGeom>
+          <a:noFill/>
+          <a:ln>
+            <a:noFill/>
+          </a:ln>
+        </p:spPr>
+        <p:txBody>
+          <a:bodyPr lIns="90000" rIns="90000" tIns="45000" bIns="45000">
+            <a:spAutoFit/>
+          </a:bodyPr>
+          <a:p>
+            <a:r>
+              <a:rPr b="0" lang="en-US" sz="3200" spc="-1" strike="noStrike">
+                <a:solidFill>
+                  <a:srgbClr val="000000"/>
+                </a:solidFill>
+                <a:latin typeface="Arial"/>
+                <a:ea typeface="ヒラギノ明朝 ProN W3"/>
+              </a:rPr>
+              <a:t>	</a:t>
+            </a:r>
+            <a:r>
+              <a:rPr b="0" lang="en-US" sz="3200" spc="-1" strike="noStrike">
+                <a:solidFill>
+                  <a:srgbClr val="000000"/>
+                </a:solidFill>
+                <a:latin typeface="Arial"/>
+                <a:ea typeface="ヒラギノ明朝 ProN W3"/>
+              </a:rPr>
+              <a:t>The leftmost graph shows a scatter plot of the average tax rates and their corresponding wages, </a:t>
+            </a:r>
+            <a:r>
+              <a:rPr b="0" lang="en-US" sz="3200" spc="-1" strike="noStrike">
+                <a:solidFill>
+                  <a:srgbClr val="000000"/>
+                </a:solidFill>
+                <a:latin typeface="Arial"/>
+                <a:ea typeface="ヒラギノ明朝 ProN W3"/>
+              </a:rPr>
+              <a:t>besides a couple outliers, there does appear to be a strong linear relationship between the two factors, </a:t>
+            </a:r>
+            <a:r>
+              <a:rPr b="0" lang="en-US" sz="3200" spc="-1" strike="noStrike">
+                <a:solidFill>
+                  <a:srgbClr val="000000"/>
+                </a:solidFill>
+                <a:latin typeface="Arial"/>
+                <a:ea typeface="ヒラギノ明朝 ProN W3"/>
+              </a:rPr>
+              <a:t>this linear regression model has a small p-value of 8.11e-8 suggesting strong evidence to reject the null </a:t>
+            </a:r>
+            <a:r>
+              <a:rPr b="0" lang="en-US" sz="3200" spc="-1" strike="noStrike">
+                <a:solidFill>
+                  <a:srgbClr val="000000"/>
+                </a:solidFill>
+                <a:latin typeface="Arial"/>
+                <a:ea typeface="ヒラギノ明朝 ProN W3"/>
+              </a:rPr>
+              <a:t>hypothesis.</a:t>
+            </a:r>
+            <a:endParaRPr b="0" lang="en-US" sz="3200" spc="-1" strike="noStrike">
+              <a:latin typeface="Arial"/>
+            </a:endParaRPr>
+          </a:p>
+          <a:p>
+            <a:r>
+              <a:rPr b="0" lang="en-US" sz="3200" spc="-1" strike="noStrike">
+                <a:solidFill>
+                  <a:srgbClr val="000000"/>
+                </a:solidFill>
+                <a:latin typeface="Arial"/>
+                <a:ea typeface="ヒラギノ明朝 ProN W3"/>
+              </a:rPr>
+              <a:t>	</a:t>
+            </a:r>
+            <a:r>
+              <a:rPr b="0" lang="en-US" sz="3200" spc="-1" strike="noStrike">
+                <a:solidFill>
+                  <a:srgbClr val="000000"/>
+                </a:solidFill>
+                <a:latin typeface="Arial"/>
+                <a:ea typeface="ヒラギノ明朝 ProN W3"/>
+              </a:rPr>
+              <a:t>The strength of the linear relationship described above vary across the industries, but there are some </a:t>
+            </a:r>
+            <a:r>
+              <a:rPr b="0" lang="en-US" sz="3200" spc="-1" strike="noStrike">
+                <a:solidFill>
+                  <a:srgbClr val="000000"/>
+                </a:solidFill>
+                <a:latin typeface="Arial"/>
+                <a:ea typeface="ヒラギノ明朝 ProN W3"/>
+              </a:rPr>
+              <a:t>outlier industries where this linear relationship breaks down.  For example the middle graph and right </a:t>
+            </a:r>
+            <a:r>
+              <a:rPr b="0" lang="en-US" sz="3200" spc="-1" strike="noStrike">
+                <a:solidFill>
+                  <a:srgbClr val="000000"/>
+                </a:solidFill>
+                <a:latin typeface="Arial"/>
+                <a:ea typeface="ヒラギノ明朝 ProN W3"/>
+              </a:rPr>
+              <a:t>graph shows the construction industry and security &amp; commodity industry, for these two industries it would </a:t>
+            </a:r>
+            <a:r>
+              <a:rPr b="0" lang="en-US" sz="3200" spc="-1" strike="noStrike">
+                <a:solidFill>
+                  <a:srgbClr val="000000"/>
+                </a:solidFill>
+                <a:latin typeface="Arial"/>
+                <a:ea typeface="ヒラギノ明朝 ProN W3"/>
+              </a:rPr>
+              <a:t>seem that wages are not affect as tax rates varies. The average wage for the construction industry hovers </a:t>
+            </a:r>
+            <a:r>
+              <a:rPr b="0" lang="en-US" sz="3200" spc="-1" strike="noStrike">
+                <a:solidFill>
+                  <a:srgbClr val="000000"/>
+                </a:solidFill>
+                <a:latin typeface="Arial"/>
+                <a:ea typeface="ヒラギノ明朝 ProN W3"/>
+              </a:rPr>
+              <a:t>around the 70 to 75k mark as tax rates increase and decrease. The security and commodity industry </a:t>
+            </a:r>
+            <a:r>
+              <a:rPr b="0" lang="en-US" sz="3200" spc="-1" strike="noStrike">
+                <a:solidFill>
+                  <a:srgbClr val="000000"/>
+                </a:solidFill>
+                <a:latin typeface="Arial"/>
+                <a:ea typeface="ヒラギノ明朝 ProN W3"/>
+              </a:rPr>
+              <a:t>displays consistent low tax rates and high variance in wages, this can possible be explained by being a </a:t>
+            </a:r>
+            <a:r>
+              <a:rPr b="0" lang="en-US" sz="3200" spc="-1" strike="noStrike">
+                <a:solidFill>
+                  <a:srgbClr val="000000"/>
+                </a:solidFill>
+                <a:latin typeface="Arial"/>
+                <a:ea typeface="ヒラギノ明朝 ProN W3"/>
+              </a:rPr>
+              <a:t>commission based industry and tax advantages such as carried-interest, where profits can be taxed as </a:t>
+            </a:r>
+            <a:r>
+              <a:rPr b="0" lang="en-US" sz="3200" spc="-1" strike="noStrike">
+                <a:solidFill>
+                  <a:srgbClr val="000000"/>
+                </a:solidFill>
+                <a:latin typeface="Arial"/>
+                <a:ea typeface="ヒラギノ明朝 ProN W3"/>
+              </a:rPr>
+              <a:t>capital gains instead.</a:t>
+            </a:r>
+            <a:endParaRPr b="0" lang="en-US" sz="3200" spc="-1" strike="noStrike">
+              <a:latin typeface="Arial"/>
+            </a:endParaRPr>
+          </a:p>
+        </p:txBody>
+      </p:sp>
+      <p:grpSp>
+        <p:nvGrpSpPr>
+          <p:cNvPr id="92" name="Group 35"/>
+          <p:cNvGrpSpPr/>
+          <p:nvPr/>
+        </p:nvGrpSpPr>
+        <p:grpSpPr>
+          <a:xfrm>
+            <a:off x="10972800" y="31162680"/>
+            <a:ext cx="19393920" cy="6856560"/>
+            <a:chOff x="10972800" y="31162680"/>
+            <a:chExt cx="19393920" cy="6856560"/>
+          </a:xfrm>
+        </p:grpSpPr>
+        <p:sp>
+          <p:nvSpPr>
+            <p:cNvPr id="93" name="CustomShape 36"/>
+            <p:cNvSpPr/>
+            <p:nvPr/>
+          </p:nvSpPr>
+          <p:spPr>
+            <a:xfrm>
+              <a:off x="10972800" y="31162680"/>
+              <a:ext cx="19393920" cy="441000"/>
+            </a:xfrm>
+            <a:prstGeom prst="rect">
+              <a:avLst/>
+            </a:prstGeom>
+            <a:solidFill>
+              <a:srgbClr val="bbe0e3"/>
+            </a:solidFill>
+            <a:ln w="12600">
+              <a:noFill/>
+            </a:ln>
+          </p:spPr>
+          <p:style>
+            <a:lnRef idx="0"/>
+            <a:fillRef idx="0"/>
+            <a:effectRef idx="0"/>
+            <a:fontRef idx="minor"/>
+          </p:style>
+          <p:txBody>
+            <a:bodyPr lIns="0" rIns="0" tIns="0" bIns="0" anchor="ctr">
+              <a:noAutofit/>
+            </a:bodyPr>
+            <a:p>
+              <a:pPr algn="ctr">
+                <a:lnSpc>
+                  <a:spcPct val="110000"/>
+                </a:lnSpc>
+              </a:pPr>
+              <a:r>
+                <a:rPr b="1" lang="en-US" sz="2600" spc="-1" strike="noStrike">
+                  <a:solidFill>
+                    <a:srgbClr val="000000"/>
+                  </a:solidFill>
+                  <a:latin typeface="Verdana"/>
+                  <a:ea typeface="Verdana"/>
+                </a:rPr>
+                <a:t>Regression Tree</a:t>
+              </a:r>
+              <a:endParaRPr b="0" lang="en-US" sz="2600" spc="-1" strike="noStrike">
+                <a:latin typeface="Arial"/>
+              </a:endParaRPr>
+            </a:p>
+          </p:txBody>
+        </p:sp>
+        <p:pic>
+          <p:nvPicPr>
+            <p:cNvPr id="94" name="" descr=""/>
+            <p:cNvPicPr/>
+            <p:nvPr/>
+          </p:nvPicPr>
+          <p:blipFill>
+            <a:blip r:embed="rId17"/>
+            <a:stretch/>
+          </p:blipFill>
+          <p:spPr>
+            <a:xfrm>
+              <a:off x="10981440" y="32051520"/>
+              <a:ext cx="8427960" cy="5713200"/>
+            </a:xfrm>
+            <a:prstGeom prst="rect">
+              <a:avLst/>
+            </a:prstGeom>
+            <a:ln>
+              <a:noFill/>
+            </a:ln>
+          </p:spPr>
+        </p:pic>
+        <p:sp>
+          <p:nvSpPr>
+            <p:cNvPr id="95" name="TextShape 37"/>
+            <p:cNvSpPr txBox="1"/>
+            <p:nvPr/>
+          </p:nvSpPr>
+          <p:spPr>
+            <a:xfrm>
+              <a:off x="20574000" y="32004000"/>
+              <a:ext cx="9509760" cy="6015240"/>
+            </a:xfrm>
+            <a:prstGeom prst="rect">
+              <a:avLst/>
+            </a:prstGeom>
+            <a:noFill/>
+            <a:ln>
+              <a:noFill/>
+            </a:ln>
+          </p:spPr>
+          <p:txBody>
+            <a:bodyPr lIns="90000" rIns="90000" tIns="45000" bIns="45000">
+              <a:spAutoFit/>
+            </a:bodyPr>
+            <a:p>
+              <a:r>
+                <a:rPr b="0" lang="en-US" sz="3200" spc="-1" strike="noStrike">
+                  <a:solidFill>
+                    <a:srgbClr val="000000"/>
+                  </a:solidFill>
+                  <a:latin typeface="Arial"/>
+                  <a:ea typeface="ヒラギノ明朝 ProN W3"/>
+                </a:rPr>
+                <a:t>	</a:t>
+              </a:r>
+              <a:r>
+                <a:rPr b="0" lang="en-US" sz="3200" spc="-1" strike="noStrike">
+                  <a:solidFill>
+                    <a:srgbClr val="000000"/>
+                  </a:solidFill>
+                  <a:latin typeface="Arial"/>
+                  <a:ea typeface="ヒラギノ明朝 ProN W3"/>
+                </a:rPr>
+                <a:t>Using tax paid per industry, compensation per industry, and Undistributed Corporate Profits per Industry as decision variables we construct a regression tree with 10-fold validation with the objective to predict dividend paid per industry.</a:t>
+              </a:r>
+              <a:endParaRPr b="0" lang="en-US" sz="3200" spc="-1" strike="noStrike">
+                <a:latin typeface="Arial"/>
+              </a:endParaRPr>
+            </a:p>
+            <a:p>
+              <a:r>
+                <a:rPr b="0" lang="en-US" sz="3200" spc="-1" strike="noStrike">
+                  <a:solidFill>
+                    <a:srgbClr val="000000"/>
+                  </a:solidFill>
+                  <a:latin typeface="Arial"/>
+                  <a:ea typeface="ヒラギノ明朝 ProN W3"/>
+                </a:rPr>
+                <a:t>	</a:t>
+              </a:r>
+              <a:r>
+                <a:rPr b="0" lang="en-US" sz="3200" spc="-1" strike="noStrike">
+                  <a:solidFill>
+                    <a:srgbClr val="000000"/>
+                  </a:solidFill>
+                  <a:latin typeface="Arial"/>
+                  <a:ea typeface="ヒラギノ明朝 ProN W3"/>
+                </a:rPr>
+                <a:t>From the generated tree to the right, we see that the biggest decision factor is undistributed corporate profits,  with tax paid per industry playing no role in the decision tree. </a:t>
+              </a:r>
+              <a:endParaRPr b="0" lang="en-US" sz="3200" spc="-1" strike="noStrike">
+                <a:latin typeface="Arial"/>
+              </a:endParaRPr>
+            </a:p>
+            <a:p>
+              <a:r>
+                <a:rPr b="0" lang="en-US" sz="3200" spc="-1" strike="noStrike">
+                  <a:solidFill>
+                    <a:srgbClr val="000000"/>
+                  </a:solidFill>
+                  <a:latin typeface="Arial"/>
+                  <a:ea typeface="ヒラギノ明朝 ProN W3"/>
+                </a:rPr>
+                <a:t>	</a:t>
+              </a:r>
+              <a:r>
+                <a:rPr b="0" lang="en-US" sz="3200" spc="-1" strike="noStrike">
+                  <a:solidFill>
+                    <a:srgbClr val="000000"/>
+                  </a:solidFill>
+                  <a:latin typeface="Arial"/>
+                  <a:ea typeface="ヒラギノ明朝 ProN W3"/>
+                </a:rPr>
+                <a:t>With  the data split into 70/30 training and testing data, the model returns a 30.82% accuracy level, which would suggest that the factor used are not good predictors for dividend paid per industry</a:t>
+              </a:r>
+              <a:endParaRPr b="0" lang="en-US" sz="3200" spc="-1" strike="noStrike">
+                <a:latin typeface="Arial"/>
+              </a:endParaRPr>
+            </a:p>
+          </p:txBody>
+        </p:sp>
+      </p:grpSp>
     </p:spTree>
   </p:cSld>
   <mc:AlternateContent>
@@ -4873,34 +4848,34 @@
         <a:sysClr val="window" lastClr="FFFFFF"/>
       </a:lt1>
       <a:dk2>
-        <a:srgbClr val="000000"/>
+        <a:srgbClr val="1f497d"/>
       </a:dk2>
       <a:lt2>
-        <a:srgbClr val="808080"/>
+        <a:srgbClr val="eeece1"/>
       </a:lt2>
       <a:accent1>
-        <a:srgbClr val="bbe0e3"/>
+        <a:srgbClr val="4f81bd"/>
       </a:accent1>
       <a:accent2>
-        <a:srgbClr val="333399"/>
+        <a:srgbClr val="c0504d"/>
       </a:accent2>
       <a:accent3>
-        <a:srgbClr val="ffffff"/>
+        <a:srgbClr val="9bbb59"/>
       </a:accent3>
       <a:accent4>
-        <a:srgbClr val="000000"/>
+        <a:srgbClr val="8064a2"/>
       </a:accent4>
       <a:accent5>
-        <a:srgbClr val="daedef"/>
+        <a:srgbClr val="4bacc6"/>
       </a:accent5>
       <a:accent6>
-        <a:srgbClr val="2d2d8a"/>
+        <a:srgbClr val="f79646"/>
       </a:accent6>
       <a:hlink>
-        <a:srgbClr val="009999"/>
+        <a:srgbClr val="0000ff"/>
       </a:hlink>
       <a:folHlink>
-        <a:srgbClr val="99cc00"/>
+        <a:srgbClr val="800080"/>
       </a:folHlink>
     </a:clrScheme>
     <a:fontScheme name="Office">
@@ -5096,34 +5071,34 @@
         <a:sysClr val="window" lastClr="FFFFFF"/>
       </a:lt1>
       <a:dk2>
-        <a:srgbClr val="000000"/>
+        <a:srgbClr val="1f497d"/>
       </a:dk2>
       <a:lt2>
-        <a:srgbClr val="808080"/>
+        <a:srgbClr val="eeece1"/>
       </a:lt2>
       <a:accent1>
-        <a:srgbClr val="bbe0e3"/>
+        <a:srgbClr val="4f81bd"/>
       </a:accent1>
       <a:accent2>
-        <a:srgbClr val="333399"/>
+        <a:srgbClr val="c0504d"/>
       </a:accent2>
       <a:accent3>
-        <a:srgbClr val="ffffff"/>
+        <a:srgbClr val="9bbb59"/>
       </a:accent3>
       <a:accent4>
-        <a:srgbClr val="000000"/>
+        <a:srgbClr val="8064a2"/>
       </a:accent4>
       <a:accent5>
-        <a:srgbClr val="daedef"/>
+        <a:srgbClr val="4bacc6"/>
       </a:accent5>
       <a:accent6>
-        <a:srgbClr val="2d2d8a"/>
+        <a:srgbClr val="f79646"/>
       </a:accent6>
       <a:hlink>
-        <a:srgbClr val="009999"/>
+        <a:srgbClr val="0000ff"/>
       </a:hlink>
       <a:folHlink>
-        <a:srgbClr val="99cc00"/>
+        <a:srgbClr val="800080"/>
       </a:folHlink>
     </a:clrScheme>
     <a:fontScheme name="Office">

--- a/David-wang.pptx
+++ b/David-wang.pptx
@@ -239,7 +239,7 @@
           </a:bodyPr>
           <a:p>
             <a:pPr algn="r"/>
-            <a:fld id="{FAD922C0-9D9A-4D10-984F-47E912A97E27}" type="slidenum">
+            <a:fld id="{ACF16915-12D4-4C45-91FE-52DD6F532A53}" type="slidenum">
               <a:rPr b="0" lang="en-US" sz="1400" spc="-1" strike="noStrike">
                 <a:latin typeface="Times New Roman"/>
               </a:rPr>
@@ -276,14 +276,14 @@
       </p:grpSpPr>
       <p:sp>
         <p:nvSpPr>
-          <p:cNvPr id="96" name="CustomShape 1"/>
+          <p:cNvPr id="105" name="CustomShape 1"/>
           <p:cNvSpPr/>
           <p:nvPr/>
         </p:nvSpPr>
         <p:spPr>
           <a:xfrm>
             <a:off x="3886200" y="8686800"/>
-            <a:ext cx="2971080" cy="456480"/>
+            <a:ext cx="2970720" cy="456120"/>
           </a:xfrm>
           <a:prstGeom prst="rect">
             <a:avLst/>
@@ -309,8 +309,11 @@
                 <a:spcPct val="100000"/>
               </a:lnSpc>
             </a:pPr>
-            <a:fld id="{8FB45074-14F2-443B-A065-9657F73E3A39}" type="slidenum">
+            <a:fld id="{F58BEA85-8BD0-4977-98B1-75F2DD0980C4}" type="slidenum">
               <a:rPr b="0" lang="en-US" sz="1200" spc="-1" strike="noStrike">
+                <a:solidFill>
+                  <a:srgbClr val="000000"/>
+                </a:solidFill>
                 <a:latin typeface="Times New Roman"/>
                 <a:ea typeface="ヒラギノ明朝 ProN W3"/>
               </a:rPr>
@@ -324,7 +327,7 @@
       </p:sp>
       <p:sp>
         <p:nvSpPr>
-          <p:cNvPr id="97" name="PlaceHolder 2"/>
+          <p:cNvPr id="106" name="PlaceHolder 2"/>
           <p:cNvSpPr>
             <a:spLocks noGrp="1"/>
           </p:cNvSpPr>
@@ -335,7 +338,7 @@
         <p:spPr>
           <a:xfrm>
             <a:off x="2143080" y="685800"/>
-            <a:ext cx="2571120" cy="3428280"/>
+            <a:ext cx="2570760" cy="3427920"/>
           </a:xfrm>
           <a:prstGeom prst="rect">
             <a:avLst/>
@@ -344,7 +347,7 @@
       </p:sp>
       <p:sp>
         <p:nvSpPr>
-          <p:cNvPr id="98" name="PlaceHolder 3"/>
+          <p:cNvPr id="107" name="PlaceHolder 3"/>
           <p:cNvSpPr>
             <a:spLocks noGrp="1"/>
           </p:cNvSpPr>
@@ -355,7 +358,7 @@
         <p:spPr>
           <a:xfrm>
             <a:off x="914400" y="4343400"/>
-            <a:ext cx="5028480" cy="4114080"/>
+            <a:ext cx="5028120" cy="4113720"/>
           </a:xfrm>
           <a:prstGeom prst="rect">
             <a:avLst/>
@@ -428,8 +431,8 @@
         </p:nvSpPr>
         <p:spPr>
           <a:xfrm>
-            <a:off x="1563480" y="1663560"/>
-            <a:ext cx="28144440" cy="6962760"/>
+            <a:off x="1563480" y="1663200"/>
+            <a:ext cx="28144080" cy="6963120"/>
           </a:xfrm>
           <a:prstGeom prst="rect">
             <a:avLst/>
@@ -541,8 +544,8 @@
         </p:nvSpPr>
         <p:spPr>
           <a:xfrm>
-            <a:off x="1563480" y="1663560"/>
-            <a:ext cx="28144440" cy="6962760"/>
+            <a:off x="1563480" y="1663200"/>
+            <a:ext cx="28144080" cy="6963120"/>
           </a:xfrm>
           <a:prstGeom prst="rect">
             <a:avLst/>
@@ -714,8 +717,8 @@
         </p:nvSpPr>
         <p:spPr>
           <a:xfrm>
-            <a:off x="1563480" y="1663560"/>
-            <a:ext cx="28144440" cy="6962760"/>
+            <a:off x="1563480" y="1663200"/>
+            <a:ext cx="28144080" cy="6963120"/>
           </a:xfrm>
           <a:prstGeom prst="rect">
             <a:avLst/>
@@ -947,8 +950,8 @@
         </p:nvSpPr>
         <p:spPr>
           <a:xfrm>
-            <a:off x="1563480" y="1663560"/>
-            <a:ext cx="28144440" cy="6962760"/>
+            <a:off x="1563480" y="1663200"/>
+            <a:ext cx="28144080" cy="6963120"/>
           </a:xfrm>
           <a:prstGeom prst="rect">
             <a:avLst/>
@@ -1031,8 +1034,8 @@
         </p:nvSpPr>
         <p:spPr>
           <a:xfrm>
-            <a:off x="1563480" y="1663560"/>
-            <a:ext cx="28144440" cy="6962760"/>
+            <a:off x="1563480" y="1663200"/>
+            <a:ext cx="28144080" cy="6963120"/>
           </a:xfrm>
           <a:prstGeom prst="rect">
             <a:avLst/>
@@ -1114,8 +1117,8 @@
         </p:nvSpPr>
         <p:spPr>
           <a:xfrm>
-            <a:off x="1563480" y="1663560"/>
-            <a:ext cx="28144440" cy="6962760"/>
+            <a:off x="1563480" y="1663200"/>
+            <a:ext cx="28144080" cy="6963120"/>
           </a:xfrm>
           <a:prstGeom prst="rect">
             <a:avLst/>
@@ -1227,8 +1230,8 @@
         </p:nvSpPr>
         <p:spPr>
           <a:xfrm>
-            <a:off x="1563480" y="1663560"/>
-            <a:ext cx="28144440" cy="6962760"/>
+            <a:off x="1563480" y="1663200"/>
+            <a:ext cx="28144080" cy="6963120"/>
           </a:xfrm>
           <a:prstGeom prst="rect">
             <a:avLst/>
@@ -1280,8 +1283,8 @@
         </p:nvSpPr>
         <p:spPr>
           <a:xfrm>
-            <a:off x="1563480" y="1663560"/>
-            <a:ext cx="28144440" cy="32276520"/>
+            <a:off x="1563480" y="1663200"/>
+            <a:ext cx="28144080" cy="32278320"/>
           </a:xfrm>
           <a:prstGeom prst="rect">
             <a:avLst/>
@@ -1333,8 +1336,8 @@
         </p:nvSpPr>
         <p:spPr>
           <a:xfrm>
-            <a:off x="1563480" y="1663560"/>
-            <a:ext cx="28144440" cy="6962760"/>
+            <a:off x="1563480" y="1663200"/>
+            <a:ext cx="28144080" cy="6963120"/>
           </a:xfrm>
           <a:prstGeom prst="rect">
             <a:avLst/>
@@ -1476,8 +1479,8 @@
         </p:nvSpPr>
         <p:spPr>
           <a:xfrm>
-            <a:off x="1563480" y="1663560"/>
-            <a:ext cx="28144440" cy="6962760"/>
+            <a:off x="1563480" y="1663200"/>
+            <a:ext cx="28144080" cy="6963120"/>
           </a:xfrm>
           <a:prstGeom prst="rect">
             <a:avLst/>
@@ -1619,8 +1622,8 @@
         </p:nvSpPr>
         <p:spPr>
           <a:xfrm>
-            <a:off x="1563480" y="1663560"/>
-            <a:ext cx="28144440" cy="6962760"/>
+            <a:off x="1563480" y="1663200"/>
+            <a:ext cx="28144080" cy="6963120"/>
           </a:xfrm>
           <a:prstGeom prst="rect">
             <a:avLst/>
@@ -1769,8 +1772,8 @@
         </p:nvSpPr>
         <p:spPr>
           <a:xfrm>
-            <a:off x="1563480" y="1663560"/>
-            <a:ext cx="28144440" cy="6962760"/>
+            <a:off x="1563480" y="1663200"/>
+            <a:ext cx="28144080" cy="6963120"/>
           </a:xfrm>
           <a:prstGeom prst="rect">
             <a:avLst/>
@@ -1778,17 +1781,220 @@
         </p:spPr>
         <p:txBody>
           <a:bodyPr lIns="0" rIns="0" tIns="0" bIns="0" anchor="ctr">
-            <a:noAutofit/>
+            <a:spAutoFit/>
           </a:bodyPr>
           <a:p>
-            <a:pPr algn="ctr"/>
-            <a:r>
-              <a:rPr b="0" lang="en-US" sz="4400" spc="-1" strike="noStrike">
-                <a:latin typeface="Arial"/>
-              </a:rPr>
-              <a:t>Click to edit the title text format</a:t>
-            </a:r>
-            <a:endParaRPr b="0" lang="en-US" sz="4400" spc="-1" strike="noStrike">
+            <a:r>
+              <a:rPr b="0" lang="en-US" sz="1800" spc="-1" strike="noStrike">
+                <a:latin typeface="Arial"/>
+              </a:rPr>
+              <a:t>C</a:t>
+            </a:r>
+            <a:r>
+              <a:rPr b="0" lang="en-US" sz="1800" spc="-1" strike="noStrike">
+                <a:latin typeface="Arial"/>
+              </a:rPr>
+              <a:t>l</a:t>
+            </a:r>
+            <a:r>
+              <a:rPr b="0" lang="en-US" sz="1800" spc="-1" strike="noStrike">
+                <a:latin typeface="Arial"/>
+              </a:rPr>
+              <a:t>i</a:t>
+            </a:r>
+            <a:r>
+              <a:rPr b="0" lang="en-US" sz="1800" spc="-1" strike="noStrike">
+                <a:latin typeface="Arial"/>
+              </a:rPr>
+              <a:t>c</a:t>
+            </a:r>
+            <a:r>
+              <a:rPr b="0" lang="en-US" sz="1800" spc="-1" strike="noStrike">
+                <a:latin typeface="Arial"/>
+              </a:rPr>
+              <a:t>k</a:t>
+            </a:r>
+            <a:r>
+              <a:rPr b="0" lang="en-US" sz="1800" spc="-1" strike="noStrike">
+                <a:latin typeface="Arial"/>
+              </a:rPr>
+              <a:t> </a:t>
+            </a:r>
+            <a:r>
+              <a:rPr b="0" lang="en-US" sz="1800" spc="-1" strike="noStrike">
+                <a:latin typeface="Arial"/>
+              </a:rPr>
+              <a:t>t</a:t>
+            </a:r>
+            <a:r>
+              <a:rPr b="0" lang="en-US" sz="1800" spc="-1" strike="noStrike">
+                <a:latin typeface="Arial"/>
+              </a:rPr>
+              <a:t>o</a:t>
+            </a:r>
+            <a:r>
+              <a:rPr b="0" lang="en-US" sz="1800" spc="-1" strike="noStrike">
+                <a:latin typeface="Arial"/>
+              </a:rPr>
+              <a:t> </a:t>
+            </a:r>
+            <a:r>
+              <a:rPr b="0" lang="en-US" sz="1800" spc="-1" strike="noStrike">
+                <a:latin typeface="Arial"/>
+              </a:rPr>
+              <a:t>e</a:t>
+            </a:r>
+            <a:r>
+              <a:rPr b="0" lang="en-US" sz="1800" spc="-1" strike="noStrike">
+                <a:latin typeface="Arial"/>
+              </a:rPr>
+              <a:t>d</a:t>
+            </a:r>
+            <a:r>
+              <a:rPr b="0" lang="en-US" sz="1800" spc="-1" strike="noStrike">
+                <a:latin typeface="Arial"/>
+              </a:rPr>
+              <a:t>i</a:t>
+            </a:r>
+            <a:r>
+              <a:rPr b="0" lang="en-US" sz="1800" spc="-1" strike="noStrike">
+                <a:latin typeface="Arial"/>
+              </a:rPr>
+              <a:t>t</a:t>
+            </a:r>
+            <a:r>
+              <a:rPr b="0" lang="en-US" sz="1800" spc="-1" strike="noStrike">
+                <a:latin typeface="Arial"/>
+              </a:rPr>
+              <a:t> </a:t>
+            </a:r>
+            <a:r>
+              <a:rPr b="0" lang="en-US" sz="1800" spc="-1" strike="noStrike">
+                <a:latin typeface="Arial"/>
+              </a:rPr>
+              <a:t>t</a:t>
+            </a:r>
+            <a:r>
+              <a:rPr b="0" lang="en-US" sz="1800" spc="-1" strike="noStrike">
+                <a:latin typeface="Arial"/>
+              </a:rPr>
+              <a:t>h</a:t>
+            </a:r>
+            <a:r>
+              <a:rPr b="0" lang="en-US" sz="1800" spc="-1" strike="noStrike">
+                <a:latin typeface="Arial"/>
+              </a:rPr>
+              <a:t>e</a:t>
+            </a:r>
+            <a:r>
+              <a:rPr b="0" lang="en-US" sz="1800" spc="-1" strike="noStrike">
+                <a:latin typeface="Arial"/>
+              </a:rPr>
+              <a:t> </a:t>
+            </a:r>
+            <a:r>
+              <a:rPr b="0" lang="en-US" sz="1800" spc="-1" strike="noStrike">
+                <a:latin typeface="Arial"/>
+              </a:rPr>
+              <a:t>t</a:t>
+            </a:r>
+            <a:r>
+              <a:rPr b="0" lang="en-US" sz="1800" spc="-1" strike="noStrike">
+                <a:latin typeface="Arial"/>
+              </a:rPr>
+              <a:t>i</a:t>
+            </a:r>
+            <a:r>
+              <a:rPr b="0" lang="en-US" sz="1800" spc="-1" strike="noStrike">
+                <a:latin typeface="Arial"/>
+              </a:rPr>
+              <a:t>t</a:t>
+            </a:r>
+            <a:r>
+              <a:rPr b="0" lang="en-US" sz="1800" spc="-1" strike="noStrike">
+                <a:latin typeface="Arial"/>
+              </a:rPr>
+              <a:t>l</a:t>
+            </a:r>
+            <a:r>
+              <a:rPr b="0" lang="en-US" sz="1800" spc="-1" strike="noStrike">
+                <a:latin typeface="Arial"/>
+              </a:rPr>
+              <a:t>e</a:t>
+            </a:r>
+            <a:r>
+              <a:rPr b="0" lang="en-US" sz="1800" spc="-1" strike="noStrike">
+                <a:latin typeface="Arial"/>
+              </a:rPr>
+              <a:t> </a:t>
+            </a:r>
+            <a:r>
+              <a:rPr b="0" lang="en-US" sz="1800" spc="-1" strike="noStrike">
+                <a:latin typeface="Arial"/>
+              </a:rPr>
+              <a:t>t</a:t>
+            </a:r>
+            <a:r>
+              <a:rPr b="0" lang="en-US" sz="1800" spc="-1" strike="noStrike">
+                <a:latin typeface="Arial"/>
+              </a:rPr>
+              <a:t>e</a:t>
+            </a:r>
+            <a:r>
+              <a:rPr b="0" lang="en-US" sz="1800" spc="-1" strike="noStrike">
+                <a:latin typeface="Arial"/>
+              </a:rPr>
+              <a:t>x</a:t>
+            </a:r>
+            <a:r>
+              <a:rPr b="0" lang="en-US" sz="1800" spc="-1" strike="noStrike">
+                <a:latin typeface="Arial"/>
+              </a:rPr>
+              <a:t>t</a:t>
+            </a:r>
+            <a:r>
+              <a:rPr b="0" lang="en-US" sz="1800" spc="-1" strike="noStrike">
+                <a:latin typeface="Arial"/>
+              </a:rPr>
+              <a:t> </a:t>
+            </a:r>
+            <a:r>
+              <a:rPr b="0" lang="en-US" sz="1800" spc="-1" strike="noStrike">
+                <a:latin typeface="Arial"/>
+              </a:rPr>
+              <a:t>f</a:t>
+            </a:r>
+            <a:r>
+              <a:rPr b="0" lang="en-US" sz="1800" spc="-1" strike="noStrike">
+                <a:latin typeface="Arial"/>
+              </a:rPr>
+              <a:t>o</a:t>
+            </a:r>
+            <a:r>
+              <a:rPr b="0" lang="en-US" sz="1800" spc="-1" strike="noStrike">
+                <a:latin typeface="Arial"/>
+              </a:rPr>
+              <a:t>r</a:t>
+            </a:r>
+            <a:r>
+              <a:rPr b="0" lang="en-US" sz="1800" spc="-1" strike="noStrike">
+                <a:latin typeface="Arial"/>
+              </a:rPr>
+              <a:t>m</a:t>
+            </a:r>
+            <a:r>
+              <a:rPr b="0" lang="en-US" sz="1800" spc="-1" strike="noStrike">
+                <a:latin typeface="Arial"/>
+              </a:rPr>
+              <a:t>a</a:t>
+            </a:r>
+            <a:r>
+              <a:rPr b="0" lang="en-US" sz="1800" spc="-1" strike="noStrike">
+                <a:latin typeface="Arial"/>
+              </a:rPr>
+              <a:t>t</a:t>
+            </a:r>
+            <a:endParaRPr b="0" lang="en-US" sz="1800" spc="-1" strike="noStrike">
               <a:latin typeface="Arial"/>
             </a:endParaRPr>
           </a:p>
@@ -2018,10 +2224,10 @@
         </p:nvGrpSpPr>
         <p:grpSpPr>
           <a:xfrm>
-            <a:off x="640800" y="4199400"/>
-            <a:ext cx="9417240" cy="10852560"/>
-            <a:chOff x="640800" y="4199400"/>
-            <a:chExt cx="9417240" cy="10852560"/>
+            <a:off x="713160" y="3715920"/>
+            <a:ext cx="9416880" cy="8902800"/>
+            <a:chOff x="713160" y="3715920"/>
+            <a:chExt cx="9416880" cy="8902800"/>
           </a:xfrm>
         </p:grpSpPr>
         <p:sp>
@@ -2032,8 +2238,8 @@
           </p:nvSpPr>
           <p:spPr>
             <a:xfrm>
-              <a:off x="644760" y="4938480"/>
-              <a:ext cx="9413280" cy="10113480"/>
+              <a:off x="717120" y="4455000"/>
+              <a:ext cx="9412920" cy="8163720"/>
             </a:xfrm>
             <a:prstGeom prst="rect">
               <a:avLst/>
@@ -2077,7 +2283,7 @@
                   <a:latin typeface="Arial"/>
                   <a:ea typeface="ヒラギノ明朝 ProN W3"/>
                 </a:rPr>
-                <a:t>This poster attempts to identify and model relationships between tax paid per industry, compensation per industry, dividend paid per industry and Undistributed Corporate Profits per Industry.</a:t>
+                <a:t>This poster attempts to identify and model relationships between tax paid per industry, compensation per industry, dividend paid per industry and Undistributed Corporate Profits per Industry. This data-set is provided by the Bureau of economic research(BEA), QR code to the data-set is available at the bottom of the poster.</a:t>
               </a:r>
               <a:endParaRPr b="0" lang="en-US" sz="3200" spc="-1" strike="noStrike">
                 <a:latin typeface="Arial"/>
@@ -2097,68 +2303,8 @@
                   <a:latin typeface="Arial"/>
                   <a:ea typeface="ヒラギノ明朝 ProN W3"/>
                 </a:rPr>
-                <a:t> </a:t>
-              </a:r>
-              <a:endParaRPr b="0" lang="en-US" sz="3200" spc="-1" strike="noStrike">
-                <a:latin typeface="Arial"/>
-              </a:endParaRPr>
-            </a:p>
-            <a:p>
-              <a:pPr>
-                <a:lnSpc>
-                  <a:spcPct val="100000"/>
-                </a:lnSpc>
-              </a:pPr>
-              <a:r>
-                <a:rPr b="0" lang="en-US" sz="3200" spc="-1" strike="noStrike">
-                  <a:solidFill>
-                    <a:srgbClr val="000000"/>
-                  </a:solidFill>
-                  <a:latin typeface="Arial"/>
-                  <a:ea typeface="ヒラギノ明朝 ProN W3"/>
-                </a:rPr>
-                <a:t>This data-set is provided by the Bureau of economic research(BEA), QR code to the data-set is available at the bottom of the poster.</a:t>
-              </a:r>
-              <a:endParaRPr b="0" lang="en-US" sz="3200" spc="-1" strike="noStrike">
-                <a:latin typeface="Arial"/>
-              </a:endParaRPr>
-            </a:p>
-            <a:p>
-              <a:pPr>
-                <a:lnSpc>
-                  <a:spcPct val="100000"/>
-                </a:lnSpc>
-              </a:pPr>
-              <a:endParaRPr b="0" lang="en-US" sz="3200" spc="-1" strike="noStrike">
-                <a:latin typeface="Arial"/>
-              </a:endParaRPr>
-            </a:p>
-            <a:p>
-              <a:pPr>
-                <a:lnSpc>
-                  <a:spcPct val="100000"/>
-                </a:lnSpc>
-              </a:pPr>
-              <a:r>
-                <a:rPr b="0" lang="en-US" sz="3200" spc="-1" strike="noStrike">
-                  <a:solidFill>
-                    <a:srgbClr val="000000"/>
-                  </a:solidFill>
-                  <a:latin typeface="Arial"/>
-                  <a:ea typeface="ヒラギノ明朝 ProN W3"/>
-                </a:rPr>
                 <a:t>1) The first relationship we wish to examine and model is between tax paid per industry and employee compensation. </a:t>
               </a:r>
-              <a:endParaRPr b="0" lang="en-US" sz="3200" spc="-1" strike="noStrike">
-                <a:latin typeface="Arial"/>
-              </a:endParaRPr>
-            </a:p>
-            <a:p>
-              <a:pPr>
-                <a:lnSpc>
-                  <a:spcPct val="100000"/>
-                </a:lnSpc>
-              </a:pPr>
               <a:endParaRPr b="0" lang="en-US" sz="3200" spc="-1" strike="noStrike">
                 <a:latin typeface="Arial"/>
               </a:endParaRPr>
@@ -2203,8 +2349,8 @@
           </p:nvSpPr>
           <p:spPr>
             <a:xfrm>
-              <a:off x="640800" y="4199400"/>
-              <a:ext cx="9413280" cy="776520"/>
+              <a:off x="713160" y="3715920"/>
+              <a:ext cx="9412920" cy="776160"/>
             </a:xfrm>
             <a:prstGeom prst="rect">
               <a:avLst/>
@@ -2258,7 +2404,7 @@
         <p:spPr>
           <a:xfrm>
             <a:off x="3609360" y="849960"/>
-            <a:ext cx="23041080" cy="2959560"/>
+            <a:ext cx="23040720" cy="2959200"/>
           </a:xfrm>
           <a:prstGeom prst="rect">
             <a:avLst/>
@@ -2408,7 +2554,7 @@
         <p:spPr>
           <a:xfrm>
             <a:off x="713520" y="551160"/>
-            <a:ext cx="4434840" cy="2223000"/>
+            <a:ext cx="4434480" cy="2222640"/>
           </a:xfrm>
           <a:prstGeom prst="rect">
             <a:avLst/>
@@ -2426,8 +2572,8 @@
         </p:nvSpPr>
         <p:spPr>
           <a:xfrm>
-            <a:off x="480240" y="38313360"/>
-            <a:ext cx="14781960" cy="3032280"/>
+            <a:off x="480240" y="38679120"/>
+            <a:ext cx="14781600" cy="2666160"/>
           </a:xfrm>
           <a:prstGeom prst="rect">
             <a:avLst/>
@@ -2613,8 +2759,8 @@
         </p:blipFill>
         <p:spPr>
           <a:xfrm>
-            <a:off x="844920" y="3019320"/>
-            <a:ext cx="3754440" cy="703440"/>
+            <a:off x="5029200" y="2834640"/>
+            <a:ext cx="3754080" cy="703080"/>
           </a:xfrm>
           <a:prstGeom prst="rect">
             <a:avLst/>
@@ -2633,9 +2779,9 @@
         <p:grpSpPr>
           <a:xfrm>
             <a:off x="-360" y="0"/>
-            <a:ext cx="31271760" cy="41696640"/>
+            <a:ext cx="31271400" cy="41696280"/>
             <a:chOff x="-360" y="0"/>
-            <a:chExt cx="31271760" cy="41696640"/>
+            <a:chExt cx="31271400" cy="41696280"/>
           </a:xfrm>
         </p:grpSpPr>
         <p:sp>
@@ -2647,7 +2793,7 @@
           <p:spPr>
             <a:xfrm>
               <a:off x="0" y="0"/>
-              <a:ext cx="273600" cy="41695920"/>
+              <a:ext cx="273240" cy="41695560"/>
             </a:xfrm>
             <a:prstGeom prst="rect">
               <a:avLst/>
@@ -2675,7 +2821,7 @@
           <p:spPr>
             <a:xfrm>
               <a:off x="-360" y="0"/>
-              <a:ext cx="31271760" cy="273600"/>
+              <a:ext cx="31271400" cy="273240"/>
             </a:xfrm>
             <a:prstGeom prst="rect">
               <a:avLst/>
@@ -2703,7 +2849,7 @@
           <p:spPr>
             <a:xfrm>
               <a:off x="-360" y="41423040"/>
-              <a:ext cx="31271760" cy="273600"/>
+              <a:ext cx="31271400" cy="273240"/>
             </a:xfrm>
             <a:prstGeom prst="rect">
               <a:avLst/>
@@ -2731,7 +2877,7 @@
           <p:spPr>
             <a:xfrm>
               <a:off x="30997800" y="720"/>
-              <a:ext cx="273600" cy="41695920"/>
+              <a:ext cx="273240" cy="41695560"/>
             </a:xfrm>
             <a:prstGeom prst="rect">
               <a:avLst/>
@@ -2759,8 +2905,8 @@
         </p:nvSpPr>
         <p:spPr>
           <a:xfrm>
-            <a:off x="17889480" y="26281440"/>
-            <a:ext cx="181080" cy="783360"/>
+            <a:off x="17889480" y="26353080"/>
+            <a:ext cx="180720" cy="639360"/>
           </a:xfrm>
           <a:prstGeom prst="rect">
             <a:avLst/>
@@ -2801,8 +2947,8 @@
         </p:nvSpPr>
         <p:spPr>
           <a:xfrm>
-            <a:off x="17889480" y="26281440"/>
-            <a:ext cx="181080" cy="783360"/>
+            <a:off x="17889480" y="26353080"/>
+            <a:ext cx="180720" cy="639360"/>
           </a:xfrm>
           <a:prstGeom prst="rect">
             <a:avLst/>
@@ -2844,7 +2990,7 @@
         <p:spPr>
           <a:xfrm>
             <a:off x="21096720" y="26062920"/>
-            <a:ext cx="9596160" cy="460800"/>
+            <a:ext cx="9595800" cy="460440"/>
           </a:xfrm>
           <a:prstGeom prst="rect">
             <a:avLst/>
@@ -2869,10 +3015,10 @@
         </p:nvGrpSpPr>
         <p:grpSpPr>
           <a:xfrm>
-            <a:off x="640080" y="31970520"/>
-            <a:ext cx="9417960" cy="5490360"/>
-            <a:chOff x="640080" y="31970520"/>
-            <a:chExt cx="9417960" cy="5490360"/>
+            <a:off x="663120" y="26426160"/>
+            <a:ext cx="9417600" cy="5002920"/>
+            <a:chOff x="663120" y="26426160"/>
+            <a:chExt cx="9417600" cy="5002920"/>
           </a:xfrm>
         </p:grpSpPr>
         <p:sp>
@@ -2883,8 +3029,8 @@
           </p:nvSpPr>
           <p:spPr>
             <a:xfrm>
-              <a:off x="644400" y="32709240"/>
-              <a:ext cx="9413640" cy="4751640"/>
+              <a:off x="667440" y="27164880"/>
+              <a:ext cx="9413280" cy="4264200"/>
             </a:xfrm>
             <a:prstGeom prst="rect">
               <a:avLst/>
@@ -2940,16 +3086,6 @@
                   <a:spcPct val="100000"/>
                 </a:lnSpc>
               </a:pPr>
-              <a:endParaRPr b="0" lang="en-US" sz="3200" spc="-1" strike="noStrike">
-                <a:latin typeface="Arial"/>
-              </a:endParaRPr>
-            </a:p>
-            <a:p>
-              <a:pPr>
-                <a:lnSpc>
-                  <a:spcPct val="100000"/>
-                </a:lnSpc>
-              </a:pPr>
               <a:r>
                 <a:rPr b="0" lang="en-US" sz="3200" spc="-1" strike="noStrike">
                   <a:solidFill>
@@ -2974,8 +3110,8 @@
           </p:nvSpPr>
           <p:spPr>
             <a:xfrm>
-              <a:off x="640080" y="31970520"/>
-              <a:ext cx="9413640" cy="776520"/>
+              <a:off x="663120" y="26426160"/>
+              <a:ext cx="9413280" cy="776160"/>
             </a:xfrm>
             <a:prstGeom prst="rect">
               <a:avLst/>
@@ -3028,10 +3164,10 @@
         </p:nvGrpSpPr>
         <p:grpSpPr>
           <a:xfrm>
-            <a:off x="10972800" y="4206240"/>
-            <a:ext cx="19393920" cy="776520"/>
-            <a:chOff x="10972800" y="4206240"/>
-            <a:chExt cx="19393920" cy="776520"/>
+            <a:off x="10945800" y="3704400"/>
+            <a:ext cx="19393560" cy="776160"/>
+            <a:chOff x="10945800" y="3704400"/>
+            <a:chExt cx="19393560" cy="776160"/>
           </a:xfrm>
         </p:grpSpPr>
         <p:sp>
@@ -3042,8 +3178,8 @@
           </p:nvSpPr>
           <p:spPr>
             <a:xfrm>
-              <a:off x="10972800" y="4206240"/>
-              <a:ext cx="19393920" cy="776520"/>
+              <a:off x="10945800" y="3704400"/>
+              <a:ext cx="19393560" cy="776160"/>
             </a:xfrm>
             <a:prstGeom prst="rect">
               <a:avLst/>
@@ -3100,8 +3236,8 @@
         </p:blipFill>
         <p:spPr>
           <a:xfrm>
-            <a:off x="26441280" y="2722320"/>
-            <a:ext cx="3060000" cy="990000"/>
+            <a:off x="26658360" y="2011680"/>
+            <a:ext cx="3059640" cy="989640"/>
           </a:xfrm>
           <a:prstGeom prst="rect">
             <a:avLst/>
@@ -3123,8 +3259,8 @@
         </p:blipFill>
         <p:spPr>
           <a:xfrm>
-            <a:off x="26018280" y="814680"/>
-            <a:ext cx="4248360" cy="1206360"/>
+            <a:off x="25968960" y="531360"/>
+            <a:ext cx="4248000" cy="1206000"/>
           </a:xfrm>
           <a:prstGeom prst="rect">
             <a:avLst/>
@@ -3146,8 +3282,8 @@
         </p:blipFill>
         <p:spPr>
           <a:xfrm>
-            <a:off x="4878000" y="1757520"/>
-            <a:ext cx="4248360" cy="2133720"/>
+            <a:off x="23225760" y="1737360"/>
+            <a:ext cx="3291840" cy="1653120"/>
           </a:xfrm>
           <a:prstGeom prst="rect">
             <a:avLst/>
@@ -3165,10 +3301,10 @@
         </p:nvGrpSpPr>
         <p:grpSpPr>
           <a:xfrm>
-            <a:off x="584280" y="14962320"/>
-            <a:ext cx="9473760" cy="17676720"/>
-            <a:chOff x="584280" y="14962320"/>
-            <a:chExt cx="9473760" cy="17676720"/>
+            <a:off x="606960" y="12121200"/>
+            <a:ext cx="9473400" cy="15202080"/>
+            <a:chOff x="606960" y="12121200"/>
+            <a:chExt cx="9473400" cy="15202080"/>
           </a:xfrm>
         </p:grpSpPr>
         <p:sp>
@@ -3179,8 +3315,8 @@
           </p:nvSpPr>
           <p:spPr>
             <a:xfrm>
-              <a:off x="588240" y="15701400"/>
-              <a:ext cx="9469800" cy="16937640"/>
+              <a:off x="610920" y="12822840"/>
+              <a:ext cx="9469440" cy="14500440"/>
             </a:xfrm>
             <a:prstGeom prst="rect">
               <a:avLst/>
@@ -3224,7 +3360,7 @@
                   <a:latin typeface="Arial"/>
                   <a:ea typeface="ヒラギノ明朝 ProN W3"/>
                 </a:rPr>
-                <a:t>The data-set provided by BEA spans across 60 unique industries and provides data from 1929 to the present. </a:t>
+                <a:t>The data-set provided by BEA spans across 60 unique industries and provides data from 1929 to the present. Before the data-set can be used we require some data wrangling. </a:t>
               </a:r>
               <a:endParaRPr b="0" lang="en-US" sz="3200" spc="-1" strike="noStrike">
                 <a:latin typeface="Arial"/>
@@ -3236,6 +3372,16 @@
                   <a:spcPct val="100000"/>
                 </a:lnSpc>
               </a:pPr>
+              <a:r>
+                <a:rPr b="0" lang="en-US" sz="3200" spc="-1" strike="noStrike">
+                  <a:solidFill>
+                    <a:srgbClr val="000000"/>
+                  </a:solidFill>
+                  <a:latin typeface="Arial"/>
+                  <a:ea typeface="ヒラギノ明朝 ProN W3"/>
+                </a:rPr>
+                <a:t>As we move from decade to decade new industries pop up and and old industry gets merged with others. For example from 1929 to 1948 the coal mining industry was split into two separate categories Anthracite mining and Bituminous / soft coal mining, after 1948 the two industry was merged into one, thus we first need to standardize the industries across the 89 years available to us. </a:t>
+              </a:r>
               <a:endParaRPr b="0" lang="en-US" sz="3200" spc="-1" strike="noStrike">
                 <a:latin typeface="Arial"/>
               </a:endParaRPr>
@@ -3254,87 +3400,7 @@
                   <a:latin typeface="Arial"/>
                   <a:ea typeface="ヒラギノ明朝 ProN W3"/>
                 </a:rPr>
-                <a:t>Before the data-set can be used we require some data wrangling. </a:t>
-              </a:r>
-              <a:endParaRPr b="0" lang="en-US" sz="3200" spc="-1" strike="noStrike">
-                <a:latin typeface="Arial"/>
-              </a:endParaRPr>
-            </a:p>
-            <a:p>
-              <a:pPr>
-                <a:lnSpc>
-                  <a:spcPct val="100000"/>
-                </a:lnSpc>
-              </a:pPr>
-              <a:endParaRPr b="0" lang="en-US" sz="3200" spc="-1" strike="noStrike">
-                <a:latin typeface="Arial"/>
-              </a:endParaRPr>
-            </a:p>
-            <a:p>
-              <a:pPr>
-                <a:lnSpc>
-                  <a:spcPct val="100000"/>
-                </a:lnSpc>
-              </a:pPr>
-              <a:r>
-                <a:rPr b="0" lang="en-US" sz="3200" spc="-1" strike="noStrike">
-                  <a:solidFill>
-                    <a:srgbClr val="000000"/>
-                  </a:solidFill>
-                  <a:latin typeface="Arial"/>
-                  <a:ea typeface="ヒラギノ明朝 ProN W3"/>
-                </a:rPr>
-                <a:t>As we move from decade to decade new industries pop up and and old industry gets merged with others. For example from 1929 to 1948 the coal mining industry was split into two separate categories Anthracite mining and Bituminous / soft coal mining, after 1948 the two industry was merged into one, thus we first need to standardize the industries across the 89 years available to us. </a:t>
-              </a:r>
-              <a:endParaRPr b="0" lang="en-US" sz="3200" spc="-1" strike="noStrike">
-                <a:latin typeface="Arial"/>
-              </a:endParaRPr>
-            </a:p>
-            <a:p>
-              <a:pPr>
-                <a:lnSpc>
-                  <a:spcPct val="100000"/>
-                </a:lnSpc>
-              </a:pPr>
-              <a:endParaRPr b="0" lang="en-US" sz="3200" spc="-1" strike="noStrike">
-                <a:latin typeface="Arial"/>
-              </a:endParaRPr>
-            </a:p>
-            <a:p>
-              <a:pPr>
-                <a:lnSpc>
-                  <a:spcPct val="100000"/>
-                </a:lnSpc>
-              </a:pPr>
-              <a:r>
-                <a:rPr b="0" lang="en-US" sz="3200" spc="-1" strike="noStrike">
-                  <a:solidFill>
-                    <a:srgbClr val="000000"/>
-                  </a:solidFill>
-                  <a:latin typeface="Arial"/>
-                  <a:ea typeface="ヒラギノ明朝 ProN W3"/>
-                </a:rPr>
-                <a:t>Second the fiscal data provided does not account for inflation, thus if we want to evaluate the fiscal data on the same scale, we would need to manually adjust for inflation. To adjust for inflation we can use the Consumer Price Index (CPI) provided in the data-set, CPI is a measurement that examines the weighted average of prices of a basket of consumer goods and services (e.g  transportation, food, medical care). We can use the following formula to calculate the inflation multiplier ((B – A)/A) + 1, where A is the starting CPI and B is the ending CPI.</a:t>
-              </a:r>
-              <a:endParaRPr b="0" lang="en-US" sz="3200" spc="-1" strike="noStrike">
-                <a:latin typeface="Arial"/>
-              </a:endParaRPr>
-            </a:p>
-            <a:p>
-              <a:pPr>
-                <a:lnSpc>
-                  <a:spcPct val="100000"/>
-                </a:lnSpc>
-              </a:pPr>
-              <a:r>
-                <a:rPr b="0" lang="en-US" sz="3200" spc="-1" strike="noStrike">
-                  <a:solidFill>
-                    <a:srgbClr val="000000"/>
-                  </a:solidFill>
-                  <a:latin typeface="Arial"/>
-                  <a:ea typeface="ヒラギノ明朝 ProN W3"/>
-                </a:rPr>
-                <a:t>Using the above formula we can construct a matrix of inflation multiplier. Multiplying our data with the inflation matrix, we now have a inflation adjusted data-set.</a:t>
+                <a:t>Second the fiscal data provided does not account for inflation, thus if we want to evaluate the fiscal data on the same scale, we would need to manually adjust for inflation. To adjust for inflation we can use the Consumer Price Index (CPI) provided in the data-set, CPI is a measurement that examines the weighted average of prices of a basket of consumer goods and services (e.g  transportation, food, medical care). We can use the following formula to calculate the inflation multiplier ((B – A)/A) + 1, where A is the starting CPI and B is the ending CPI. Using the above formula we can construct a matrix of inflation multiplier. Multiplying our data with the inflation matrix, we now have a inflation adjusted data-set.</a:t>
               </a:r>
               <a:endParaRPr b="0" lang="en-US" sz="3200" spc="-1" strike="noStrike">
                 <a:latin typeface="Arial"/>
@@ -3370,8 +3436,8 @@
           </p:nvSpPr>
           <p:spPr>
             <a:xfrm>
-              <a:off x="584280" y="14962320"/>
-              <a:ext cx="9469800" cy="776520"/>
+              <a:off x="606960" y="12121200"/>
+              <a:ext cx="9469440" cy="736920"/>
             </a:xfrm>
             <a:prstGeom prst="rect">
               <a:avLst/>
@@ -3424,8 +3490,8 @@
         </p:nvSpPr>
         <p:spPr>
           <a:xfrm>
-            <a:off x="15515280" y="38311560"/>
-            <a:ext cx="15270120" cy="3032280"/>
+            <a:off x="15515280" y="38679120"/>
+            <a:ext cx="15269760" cy="2664360"/>
           </a:xfrm>
           <a:prstGeom prst="rect">
             <a:avLst/>
@@ -3486,7 +3552,7 @@
             <a:r>
               <a:rPr b="0" lang="en-US" sz="2300" spc="-1" strike="noStrike" u="sng">
                 <a:solidFill>
-                  <a:srgbClr val="009999"/>
+                  <a:srgbClr val="0000ff"/>
                 </a:solidFill>
                 <a:uFillTx/>
                 <a:latin typeface="Verdana"/>
@@ -3518,7 +3584,7 @@
             <a:r>
               <a:rPr b="0" lang="en-US" sz="2300" spc="-1" strike="noStrike" u="sng">
                 <a:solidFill>
-                  <a:srgbClr val="009999"/>
+                  <a:srgbClr val="0000ff"/>
                 </a:solidFill>
                 <a:uFillTx/>
                 <a:latin typeface="Verdana"/>
@@ -3547,16 +3613,6 @@
                 <a:spcPct val="110000"/>
               </a:lnSpc>
             </a:pPr>
-            <a:endParaRPr b="0" lang="en-US" sz="2300" spc="-1" strike="noStrike">
-              <a:latin typeface="Arial"/>
-            </a:endParaRPr>
-          </a:p>
-          <a:p>
-            <a:pPr>
-              <a:lnSpc>
-                <a:spcPct val="110000"/>
-              </a:lnSpc>
-            </a:pPr>
             <a:r>
               <a:rPr b="0" lang="en-US" sz="2300" spc="-1" strike="noStrike">
                 <a:solidFill>
@@ -3585,8 +3641,8 @@
         </p:blipFill>
         <p:spPr>
           <a:xfrm>
-            <a:off x="18288000" y="39712320"/>
-            <a:ext cx="1554120" cy="1554120"/>
+            <a:off x="18288000" y="39985920"/>
+            <a:ext cx="1280160" cy="1280160"/>
           </a:xfrm>
           <a:prstGeom prst="rect">
             <a:avLst/>
@@ -3605,7 +3661,7 @@
         <p:spPr>
           <a:xfrm>
             <a:off x="10972800" y="5213880"/>
-            <a:ext cx="19202040" cy="1065240"/>
+            <a:ext cx="19201680" cy="639000"/>
           </a:xfrm>
           <a:prstGeom prst="rect">
             <a:avLst/>
@@ -3659,8 +3715,8 @@
         </p:blipFill>
         <p:spPr>
           <a:xfrm>
-            <a:off x="10972800" y="5760720"/>
-            <a:ext cx="8046720" cy="2927520"/>
+            <a:off x="10976400" y="4970880"/>
+            <a:ext cx="8957520" cy="3258720"/>
           </a:xfrm>
           <a:prstGeom prst="rect">
             <a:avLst/>
@@ -3682,8 +3738,8 @@
         </p:blipFill>
         <p:spPr>
           <a:xfrm>
-            <a:off x="10972800" y="8688240"/>
-            <a:ext cx="8197200" cy="2927520"/>
+            <a:off x="10964880" y="8503920"/>
+            <a:ext cx="8969040" cy="3202920"/>
           </a:xfrm>
           <a:prstGeom prst="rect">
             <a:avLst/>
@@ -3695,14 +3751,14 @@
       </p:pic>
       <p:sp>
         <p:nvSpPr>
-          <p:cNvPr id="75" name="TextShape 24"/>
-          <p:cNvSpPr txBox="1"/>
+          <p:cNvPr id="75" name="CustomShape 24"/>
+          <p:cNvSpPr/>
           <p:nvPr/>
         </p:nvSpPr>
         <p:spPr>
           <a:xfrm>
-            <a:off x="20116800" y="5783400"/>
-            <a:ext cx="9966960" cy="6926760"/>
+            <a:off x="20207880" y="5022000"/>
+            <a:ext cx="9966600" cy="7401240"/>
           </a:xfrm>
           <a:prstGeom prst="rect">
             <a:avLst/>
@@ -3712,11 +3768,22 @@
             <a:noFill/>
           </a:ln>
         </p:spPr>
+        <p:style>
+          <a:lnRef idx="0"/>
+          <a:fillRef idx="0"/>
+          <a:effectRef idx="0"/>
+          <a:fontRef idx="minor"/>
+        </p:style>
         <p:txBody>
           <a:bodyPr lIns="90000" rIns="90000" tIns="45000" bIns="45000">
             <a:spAutoFit/>
           </a:bodyPr>
           <a:p>
+            <a:pPr>
+              <a:lnSpc>
+                <a:spcPct val="100000"/>
+              </a:lnSpc>
+            </a:pPr>
             <a:r>
               <a:rPr b="0" lang="en-US" sz="3200" spc="-1" strike="noStrike">
                 <a:solidFill>
@@ -3742,6 +3809,11 @@
             </a:endParaRPr>
           </a:p>
           <a:p>
+            <a:pPr>
+              <a:lnSpc>
+                <a:spcPct val="100000"/>
+              </a:lnSpc>
+            </a:pPr>
             <a:r>
               <a:rPr b="0" lang="en-US" sz="3200" spc="-1" strike="noStrike">
                 <a:solidFill>
@@ -3767,6 +3839,11 @@
             </a:endParaRPr>
           </a:p>
           <a:p>
+            <a:pPr>
+              <a:lnSpc>
+                <a:spcPct val="100000"/>
+              </a:lnSpc>
+            </a:pPr>
             <a:r>
               <a:rPr b="0" lang="en-US" sz="3200" spc="-1" strike="noStrike">
                 <a:solidFill>
@@ -3792,6 +3869,11 @@
             </a:endParaRPr>
           </a:p>
           <a:p>
+            <a:pPr>
+              <a:lnSpc>
+                <a:spcPct val="100000"/>
+              </a:lnSpc>
+            </a:pPr>
             <a:r>
               <a:rPr b="0" lang="en-US" sz="3200" spc="-1" strike="noStrike">
                 <a:solidFill>
@@ -3817,6 +3899,11 @@
             </a:endParaRPr>
           </a:p>
           <a:p>
+            <a:pPr>
+              <a:lnSpc>
+                <a:spcPct val="100000"/>
+              </a:lnSpc>
+            </a:pPr>
             <a:endParaRPr b="0" lang="en-US" sz="3200" spc="-1" strike="noStrike">
               <a:latin typeface="Arial"/>
             </a:endParaRPr>
@@ -3831,10 +3918,10 @@
         </p:nvGrpSpPr>
         <p:grpSpPr>
           <a:xfrm>
-            <a:off x="10972800" y="5228280"/>
-            <a:ext cx="19393920" cy="441000"/>
-            <a:chOff x="10972800" y="5228280"/>
-            <a:chExt cx="19393920" cy="441000"/>
+            <a:off x="10945800" y="4497120"/>
+            <a:ext cx="19393560" cy="440640"/>
+            <a:chOff x="10945800" y="4497120"/>
+            <a:chExt cx="19393560" cy="440640"/>
           </a:xfrm>
         </p:grpSpPr>
         <p:sp>
@@ -3845,8 +3932,8 @@
           </p:nvSpPr>
           <p:spPr>
             <a:xfrm>
-              <a:off x="10972800" y="5228280"/>
-              <a:ext cx="19393920" cy="441000"/>
+              <a:off x="10945800" y="4497120"/>
+              <a:ext cx="19393560" cy="440640"/>
             </a:xfrm>
             <a:prstGeom prst="rect">
               <a:avLst/>
@@ -3891,30 +3978,370 @@
           </p:txBody>
         </p:sp>
       </p:grpSp>
+      <p:pic>
+        <p:nvPicPr>
+          <p:cNvPr id="78" name="" descr=""/>
+          <p:cNvPicPr/>
+          <p:nvPr/>
+        </p:nvPicPr>
+        <p:blipFill>
+          <a:blip r:embed="rId11"/>
+          <a:stretch/>
+        </p:blipFill>
+        <p:spPr>
+          <a:xfrm>
+            <a:off x="11055600" y="12502440"/>
+            <a:ext cx="8878320" cy="3566880"/>
+          </a:xfrm>
+          <a:prstGeom prst="rect">
+            <a:avLst/>
+          </a:prstGeom>
+          <a:ln>
+            <a:noFill/>
+          </a:ln>
+        </p:spPr>
+      </p:pic>
+      <p:pic>
+        <p:nvPicPr>
+          <p:cNvPr id="79" name="" descr=""/>
+          <p:cNvPicPr/>
+          <p:nvPr/>
+        </p:nvPicPr>
+        <p:blipFill>
+          <a:blip r:embed="rId12"/>
+          <a:stretch/>
+        </p:blipFill>
+        <p:spPr>
+          <a:xfrm>
+            <a:off x="11005560" y="16510320"/>
+            <a:ext cx="8977680" cy="3606480"/>
+          </a:xfrm>
+          <a:prstGeom prst="rect">
+            <a:avLst/>
+          </a:prstGeom>
+          <a:ln>
+            <a:noFill/>
+          </a:ln>
+        </p:spPr>
+      </p:pic>
+      <p:sp>
+        <p:nvSpPr>
+          <p:cNvPr id="80" name="CustomShape 27"/>
+          <p:cNvSpPr/>
+          <p:nvPr/>
+        </p:nvSpPr>
+        <p:spPr>
+          <a:xfrm>
+            <a:off x="20104200" y="12373200"/>
+            <a:ext cx="9966600" cy="8749440"/>
+          </a:xfrm>
+          <a:prstGeom prst="rect">
+            <a:avLst/>
+          </a:prstGeom>
+          <a:noFill/>
+          <a:ln>
+            <a:noFill/>
+          </a:ln>
+        </p:spPr>
+        <p:style>
+          <a:lnRef idx="0"/>
+          <a:fillRef idx="0"/>
+          <a:effectRef idx="0"/>
+          <a:fontRef idx="minor"/>
+        </p:style>
+        <p:txBody>
+          <a:bodyPr lIns="90000" rIns="90000" tIns="45000" bIns="45000">
+            <a:noAutofit/>
+          </a:bodyPr>
+          <a:p>
+            <a:pPr>
+              <a:lnSpc>
+                <a:spcPct val="100000"/>
+              </a:lnSpc>
+            </a:pPr>
+            <a:r>
+              <a:rPr b="0" lang="en-US" sz="3200" spc="-1" strike="noStrike">
+                <a:solidFill>
+                  <a:srgbClr val="000000"/>
+                </a:solidFill>
+                <a:latin typeface="Arial"/>
+                <a:ea typeface="ヒラギノ明朝 ProN W3"/>
+              </a:rPr>
+              <a:t>	</a:t>
+            </a:r>
+            <a:r>
+              <a:rPr b="0" lang="en-US" sz="3200" spc="-1" strike="noStrike">
+                <a:solidFill>
+                  <a:srgbClr val="000000"/>
+                </a:solidFill>
+                <a:latin typeface="Arial"/>
+                <a:ea typeface="ヒラギノ明朝 ProN W3"/>
+              </a:rPr>
+              <a:t>On the left we show the inflation adjusted employee wages for a selected set of industries, the dotted line again indicates the average tax rate across all industries.</a:t>
+            </a:r>
+            <a:endParaRPr b="0" lang="en-US" sz="3200" spc="-1" strike="noStrike">
+              <a:latin typeface="Arial"/>
+            </a:endParaRPr>
+          </a:p>
+          <a:p>
+            <a:pPr>
+              <a:lnSpc>
+                <a:spcPct val="100000"/>
+              </a:lnSpc>
+            </a:pPr>
+            <a:r>
+              <a:rPr b="0" lang="en-US" sz="3200" spc="-1" strike="noStrike">
+                <a:solidFill>
+                  <a:srgbClr val="000000"/>
+                </a:solidFill>
+                <a:latin typeface="Arial"/>
+                <a:ea typeface="ヒラギノ明朝 ProN W3"/>
+              </a:rPr>
+              <a:t>	</a:t>
+            </a:r>
+            <a:r>
+              <a:rPr b="0" lang="en-US" sz="3200" spc="-1" strike="noStrike">
+                <a:solidFill>
+                  <a:srgbClr val="000000"/>
+                </a:solidFill>
+                <a:latin typeface="Arial"/>
+                <a:ea typeface="ヒラギノ明朝 ProN W3"/>
+              </a:rPr>
+              <a:t>From the end of WW2 we see a steady increase of wages through out the 60’s, 70’s, 80’s and peaking around the late 90’s, with the turn of the century we see a drastic decline in purchasing power.</a:t>
+            </a:r>
+            <a:endParaRPr b="0" lang="en-US" sz="3200" spc="-1" strike="noStrike">
+              <a:latin typeface="Arial"/>
+            </a:endParaRPr>
+          </a:p>
+          <a:p>
+            <a:pPr>
+              <a:lnSpc>
+                <a:spcPct val="100000"/>
+              </a:lnSpc>
+            </a:pPr>
+            <a:r>
+              <a:rPr b="0" lang="en-US" sz="3200" spc="-1" strike="noStrike">
+                <a:solidFill>
+                  <a:srgbClr val="000000"/>
+                </a:solidFill>
+                <a:latin typeface="Arial"/>
+                <a:ea typeface="ヒラギノ明朝 ProN W3"/>
+              </a:rPr>
+              <a:t>	</a:t>
+            </a:r>
+            <a:r>
+              <a:rPr b="0" lang="en-US" sz="3200" spc="-1" strike="noStrike">
+                <a:solidFill>
+                  <a:srgbClr val="000000"/>
+                </a:solidFill>
+                <a:latin typeface="Arial"/>
+                <a:ea typeface="ヒラギノ明朝 ProN W3"/>
+              </a:rPr>
+              <a:t>At first this seems like an error in calculation, but after further research this does appear to be the case, In fact, hourly wages peaked during the late 60’s and early 70’s. In 1973 the recorded $4.03 per hour average wage has the same purchasing power of $23.68 today.</a:t>
+            </a:r>
+            <a:endParaRPr b="0" lang="en-US" sz="3200" spc="-1" strike="noStrike">
+              <a:latin typeface="Arial"/>
+            </a:endParaRPr>
+          </a:p>
+          <a:p>
+            <a:pPr>
+              <a:lnSpc>
+                <a:spcPct val="100000"/>
+              </a:lnSpc>
+            </a:pPr>
+            <a:r>
+              <a:rPr b="0" lang="en-US" sz="3200" spc="-1" strike="noStrike">
+                <a:solidFill>
+                  <a:srgbClr val="000000"/>
+                </a:solidFill>
+                <a:latin typeface="Arial"/>
+                <a:ea typeface="ヒラギノ明朝 ProN W3"/>
+              </a:rPr>
+              <a:t>	</a:t>
+            </a:r>
+            <a:r>
+              <a:rPr b="0" lang="en-US" sz="3200" spc="-1" strike="noStrike">
+                <a:solidFill>
+                  <a:srgbClr val="000000"/>
+                </a:solidFill>
+                <a:latin typeface="Arial"/>
+                <a:ea typeface="ヒラギノ明朝 ProN W3"/>
+              </a:rPr>
+              <a:t>The QR code on the right takes you,</a:t>
+            </a:r>
+            <a:endParaRPr b="0" lang="en-US" sz="3200" spc="-1" strike="noStrike">
+              <a:latin typeface="Arial"/>
+            </a:endParaRPr>
+          </a:p>
+          <a:p>
+            <a:pPr>
+              <a:lnSpc>
+                <a:spcPct val="100000"/>
+              </a:lnSpc>
+            </a:pPr>
+            <a:r>
+              <a:rPr b="0" lang="en-US" sz="3200" spc="-1" strike="noStrike">
+                <a:solidFill>
+                  <a:srgbClr val="000000"/>
+                </a:solidFill>
+                <a:latin typeface="Arial"/>
+                <a:ea typeface="ヒラギノ明朝 ProN W3"/>
+              </a:rPr>
+              <a:t>you to a pew research article that further</a:t>
+            </a:r>
+            <a:endParaRPr b="0" lang="en-US" sz="3200" spc="-1" strike="noStrike">
+              <a:latin typeface="Arial"/>
+            </a:endParaRPr>
+          </a:p>
+          <a:p>
+            <a:pPr>
+              <a:lnSpc>
+                <a:spcPct val="100000"/>
+              </a:lnSpc>
+            </a:pPr>
+            <a:r>
+              <a:rPr b="0" lang="en-US" sz="3200" spc="-1" strike="noStrike">
+                <a:solidFill>
+                  <a:srgbClr val="000000"/>
+                </a:solidFill>
+                <a:latin typeface="Arial"/>
+                <a:ea typeface="ヒラギノ明朝 ProN W3"/>
+              </a:rPr>
+              <a:t>describes the trend</a:t>
+            </a:r>
+            <a:endParaRPr b="0" lang="en-US" sz="3200" spc="-1" strike="noStrike">
+              <a:latin typeface="Arial"/>
+            </a:endParaRPr>
+          </a:p>
+          <a:p>
+            <a:pPr>
+              <a:lnSpc>
+                <a:spcPct val="100000"/>
+              </a:lnSpc>
+            </a:pPr>
+            <a:r>
+              <a:rPr b="0" lang="en-US" sz="3200" spc="-1" strike="noStrike">
+                <a:solidFill>
+                  <a:srgbClr val="000000"/>
+                </a:solidFill>
+                <a:latin typeface="Arial"/>
+                <a:ea typeface="ヒラギノ明朝 ProN W3"/>
+              </a:rPr>
+              <a:t>	</a:t>
+            </a:r>
+            <a:endParaRPr b="0" lang="en-US" sz="3200" spc="-1" strike="noStrike">
+              <a:latin typeface="Arial"/>
+            </a:endParaRPr>
+          </a:p>
+          <a:p>
+            <a:pPr>
+              <a:lnSpc>
+                <a:spcPct val="100000"/>
+              </a:lnSpc>
+            </a:pPr>
+            <a:r>
+              <a:rPr b="0" lang="en-US" sz="3200" spc="-1" strike="noStrike">
+                <a:solidFill>
+                  <a:srgbClr val="000000"/>
+                </a:solidFill>
+                <a:latin typeface="Arial"/>
+                <a:ea typeface="ヒラギノ明朝 ProN W3"/>
+              </a:rPr>
+              <a:t>	</a:t>
+            </a:r>
+            <a:r>
+              <a:rPr b="0" lang="en-US" sz="3200" spc="-1" strike="noStrike">
+                <a:solidFill>
+                  <a:srgbClr val="000000"/>
+                </a:solidFill>
+                <a:latin typeface="Arial"/>
+                <a:ea typeface="ヒラギノ明朝 ProN W3"/>
+              </a:rPr>
+              <a:t> </a:t>
+            </a:r>
+            <a:endParaRPr b="0" lang="en-US" sz="3200" spc="-1" strike="noStrike">
+              <a:latin typeface="Arial"/>
+            </a:endParaRPr>
+          </a:p>
+          <a:p>
+            <a:pPr>
+              <a:lnSpc>
+                <a:spcPct val="100000"/>
+              </a:lnSpc>
+            </a:pPr>
+            <a:r>
+              <a:rPr b="0" lang="en-US" sz="3200" spc="-1" strike="noStrike">
+                <a:solidFill>
+                  <a:srgbClr val="000000"/>
+                </a:solidFill>
+                <a:latin typeface="Arial"/>
+                <a:ea typeface="ヒラギノ明朝 ProN W3"/>
+              </a:rPr>
+              <a:t>	</a:t>
+            </a:r>
+            <a:endParaRPr b="0" lang="en-US" sz="3200" spc="-1" strike="noStrike">
+              <a:latin typeface="Arial"/>
+            </a:endParaRPr>
+          </a:p>
+          <a:p>
+            <a:pPr>
+              <a:lnSpc>
+                <a:spcPct val="100000"/>
+              </a:lnSpc>
+            </a:pPr>
+            <a:endParaRPr b="0" lang="en-US" sz="3200" spc="-1" strike="noStrike">
+              <a:latin typeface="Arial"/>
+            </a:endParaRPr>
+          </a:p>
+        </p:txBody>
+      </p:sp>
+      <p:pic>
+        <p:nvPicPr>
+          <p:cNvPr id="81" name="" descr=""/>
+          <p:cNvPicPr/>
+          <p:nvPr/>
+        </p:nvPicPr>
+        <p:blipFill>
+          <a:blip r:embed="rId13"/>
+          <a:stretch/>
+        </p:blipFill>
+        <p:spPr>
+          <a:xfrm>
+            <a:off x="27630720" y="18745200"/>
+            <a:ext cx="1904400" cy="1904400"/>
+          </a:xfrm>
+          <a:prstGeom prst="rect">
+            <a:avLst/>
+          </a:prstGeom>
+          <a:ln>
+            <a:noFill/>
+          </a:ln>
+        </p:spPr>
+      </p:pic>
       <p:grpSp>
         <p:nvGrpSpPr>
-          <p:cNvPr id="78" name="Group 27"/>
+          <p:cNvPr id="82" name="Group 28"/>
           <p:cNvGrpSpPr/>
           <p:nvPr/>
         </p:nvGrpSpPr>
         <p:grpSpPr>
           <a:xfrm>
-            <a:off x="11055600" y="12269160"/>
-            <a:ext cx="19393920" cy="441000"/>
-            <a:chOff x="11055600" y="12269160"/>
-            <a:chExt cx="19393920" cy="441000"/>
+            <a:off x="10972800" y="11978640"/>
+            <a:ext cx="19393560" cy="440640"/>
+            <a:chOff x="10972800" y="11978640"/>
+            <a:chExt cx="19393560" cy="440640"/>
           </a:xfrm>
         </p:grpSpPr>
         <p:sp>
           <p:nvSpPr>
-            <p:cNvPr id="79" name="CustomShape 28"/>
+            <p:cNvPr id="83" name="CustomShape 29"/>
             <p:cNvSpPr/>
             <p:nvPr/>
           </p:nvSpPr>
           <p:spPr>
             <a:xfrm>
-              <a:off x="11055600" y="12269160"/>
-              <a:ext cx="19393920" cy="441000"/>
+              <a:off x="10972800" y="11978640"/>
+              <a:ext cx="19393560" cy="440640"/>
             </a:xfrm>
             <a:prstGeom prst="rect">
               <a:avLst/>
@@ -3959,300 +4386,6 @@
           </p:txBody>
         </p:sp>
       </p:grpSp>
-      <p:pic>
-        <p:nvPicPr>
-          <p:cNvPr id="80" name="" descr=""/>
-          <p:cNvPicPr/>
-          <p:nvPr/>
-        </p:nvPicPr>
-        <p:blipFill>
-          <a:blip r:embed="rId11"/>
-          <a:stretch/>
-        </p:blipFill>
-        <p:spPr>
-          <a:xfrm>
-            <a:off x="11055600" y="12814200"/>
-            <a:ext cx="8146800" cy="3273120"/>
-          </a:xfrm>
-          <a:prstGeom prst="rect">
-            <a:avLst/>
-          </a:prstGeom>
-          <a:ln>
-            <a:noFill/>
-          </a:ln>
-        </p:spPr>
-      </p:pic>
-      <p:pic>
-        <p:nvPicPr>
-          <p:cNvPr id="81" name="" descr=""/>
-          <p:cNvPicPr/>
-          <p:nvPr/>
-        </p:nvPicPr>
-        <p:blipFill>
-          <a:blip r:embed="rId12"/>
-          <a:stretch/>
-        </p:blipFill>
-        <p:spPr>
-          <a:xfrm>
-            <a:off x="10972800" y="16087320"/>
-            <a:ext cx="8197200" cy="3293280"/>
-          </a:xfrm>
-          <a:prstGeom prst="rect">
-            <a:avLst/>
-          </a:prstGeom>
-          <a:ln>
-            <a:noFill/>
-          </a:ln>
-        </p:spPr>
-      </p:pic>
-      <p:sp>
-        <p:nvSpPr>
-          <p:cNvPr id="82" name="TextShape 29"/>
-          <p:cNvSpPr txBox="1"/>
-          <p:nvPr/>
-        </p:nvSpPr>
-        <p:spPr>
-          <a:xfrm>
-            <a:off x="20116800" y="12824280"/>
-            <a:ext cx="9966960" cy="8749800"/>
-          </a:xfrm>
-          <a:prstGeom prst="rect">
-            <a:avLst/>
-          </a:prstGeom>
-          <a:noFill/>
-          <a:ln>
-            <a:noFill/>
-          </a:ln>
-        </p:spPr>
-        <p:txBody>
-          <a:bodyPr lIns="90000" rIns="90000" tIns="45000" bIns="45000">
-            <a:noAutofit/>
-          </a:bodyPr>
-          <a:p>
-            <a:r>
-              <a:rPr b="0" lang="en-US" sz="3200" spc="-1" strike="noStrike">
-                <a:solidFill>
-                  <a:srgbClr val="000000"/>
-                </a:solidFill>
-                <a:latin typeface="Arial"/>
-                <a:ea typeface="ヒラギノ明朝 ProN W3"/>
-              </a:rPr>
-              <a:t>	</a:t>
-            </a:r>
-            <a:r>
-              <a:rPr b="0" lang="en-US" sz="3200" spc="-1" strike="noStrike">
-                <a:solidFill>
-                  <a:srgbClr val="000000"/>
-                </a:solidFill>
-                <a:latin typeface="Arial"/>
-                <a:ea typeface="ヒラギノ明朝 ProN W3"/>
-              </a:rPr>
-              <a:t>On the left we show the inflation adjusted employee wages for a selected set of industries, the dotted line again indicates the average tax rate across all industries.</a:t>
-            </a:r>
-            <a:endParaRPr b="0" lang="en-US" sz="3200" spc="-1" strike="noStrike">
-              <a:latin typeface="Arial"/>
-            </a:endParaRPr>
-          </a:p>
-          <a:p>
-            <a:r>
-              <a:rPr b="0" lang="en-US" sz="3200" spc="-1" strike="noStrike">
-                <a:solidFill>
-                  <a:srgbClr val="000000"/>
-                </a:solidFill>
-                <a:latin typeface="Arial"/>
-                <a:ea typeface="ヒラギノ明朝 ProN W3"/>
-              </a:rPr>
-              <a:t>	</a:t>
-            </a:r>
-            <a:r>
-              <a:rPr b="0" lang="en-US" sz="3200" spc="-1" strike="noStrike">
-                <a:solidFill>
-                  <a:srgbClr val="000000"/>
-                </a:solidFill>
-                <a:latin typeface="Arial"/>
-                <a:ea typeface="ヒラギノ明朝 ProN W3"/>
-              </a:rPr>
-              <a:t>From the end of WW2 we see a steady increase of wages through out the 60’s, 70’s, 80’s and peaking around the late 90’s, with the turn of the century we see a drastic decline in purchasing power.</a:t>
-            </a:r>
-            <a:endParaRPr b="0" lang="en-US" sz="3200" spc="-1" strike="noStrike">
-              <a:latin typeface="Arial"/>
-            </a:endParaRPr>
-          </a:p>
-          <a:p>
-            <a:r>
-              <a:rPr b="0" lang="en-US" sz="3200" spc="-1" strike="noStrike">
-                <a:solidFill>
-                  <a:srgbClr val="000000"/>
-                </a:solidFill>
-                <a:latin typeface="Arial"/>
-                <a:ea typeface="ヒラギノ明朝 ProN W3"/>
-              </a:rPr>
-              <a:t>	</a:t>
-            </a:r>
-            <a:r>
-              <a:rPr b="0" lang="en-US" sz="3200" spc="-1" strike="noStrike">
-                <a:solidFill>
-                  <a:srgbClr val="000000"/>
-                </a:solidFill>
-                <a:latin typeface="Arial"/>
-                <a:ea typeface="ヒラギノ明朝 ProN W3"/>
-              </a:rPr>
-              <a:t>At first this seems like an error in calculation, but after further research this does appear to be the case, In fact, hourly wages peaked during the late 60’s and early 70’s. In 1973 the recorded $4.03 per hour average wage has the same purchasing power of $23.68 today.</a:t>
-            </a:r>
-            <a:endParaRPr b="0" lang="en-US" sz="3200" spc="-1" strike="noStrike">
-              <a:latin typeface="Arial"/>
-            </a:endParaRPr>
-          </a:p>
-          <a:p>
-            <a:pPr>
-              <a:lnSpc>
-                <a:spcPct val="100000"/>
-              </a:lnSpc>
-            </a:pPr>
-            <a:r>
-              <a:rPr b="0" lang="en-US" sz="3200" spc="-1" strike="noStrike">
-                <a:solidFill>
-                  <a:srgbClr val="000000"/>
-                </a:solidFill>
-                <a:latin typeface="Arial"/>
-                <a:ea typeface="ヒラギノ明朝 ProN W3"/>
-              </a:rPr>
-              <a:t>	</a:t>
-            </a:r>
-            <a:r>
-              <a:rPr b="0" lang="en-US" sz="3200" spc="-1" strike="noStrike">
-                <a:solidFill>
-                  <a:srgbClr val="000000"/>
-                </a:solidFill>
-                <a:latin typeface="Arial"/>
-                <a:ea typeface="ヒラギノ明朝 ProN W3"/>
-              </a:rPr>
-              <a:t>The QR code on the right takes you,</a:t>
-            </a:r>
-            <a:endParaRPr b="0" lang="en-US" sz="3200" spc="-1" strike="noStrike">
-              <a:latin typeface="Arial"/>
-            </a:endParaRPr>
-          </a:p>
-          <a:p>
-            <a:pPr>
-              <a:lnSpc>
-                <a:spcPct val="100000"/>
-              </a:lnSpc>
-            </a:pPr>
-            <a:r>
-              <a:rPr b="0" lang="en-US" sz="3200" spc="-1" strike="noStrike">
-                <a:solidFill>
-                  <a:srgbClr val="000000"/>
-                </a:solidFill>
-                <a:latin typeface="Arial"/>
-                <a:ea typeface="ヒラギノ明朝 ProN W3"/>
-              </a:rPr>
-              <a:t>you to a pew research article that further</a:t>
-            </a:r>
-            <a:endParaRPr b="0" lang="en-US" sz="3200" spc="-1" strike="noStrike">
-              <a:latin typeface="Arial"/>
-            </a:endParaRPr>
-          </a:p>
-          <a:p>
-            <a:r>
-              <a:rPr b="0" lang="en-US" sz="3200" spc="-1" strike="noStrike">
-                <a:solidFill>
-                  <a:srgbClr val="000000"/>
-                </a:solidFill>
-                <a:latin typeface="Arial"/>
-                <a:ea typeface="ヒラギノ明朝 ProN W3"/>
-              </a:rPr>
-              <a:t>describes the trend</a:t>
-            </a:r>
-            <a:endParaRPr b="0" lang="en-US" sz="3200" spc="-1" strike="noStrike">
-              <a:latin typeface="Arial"/>
-            </a:endParaRPr>
-          </a:p>
-          <a:p>
-            <a:r>
-              <a:rPr b="0" lang="en-US" sz="3200" spc="-1" strike="noStrike">
-                <a:solidFill>
-                  <a:srgbClr val="000000"/>
-                </a:solidFill>
-                <a:latin typeface="Arial"/>
-                <a:ea typeface="ヒラギノ明朝 ProN W3"/>
-              </a:rPr>
-              <a:t>	</a:t>
-            </a:r>
-            <a:endParaRPr b="0" lang="en-US" sz="3200" spc="-1" strike="noStrike">
-              <a:latin typeface="Arial"/>
-            </a:endParaRPr>
-          </a:p>
-          <a:p>
-            <a:r>
-              <a:rPr b="0" lang="en-US" sz="3200" spc="-1" strike="noStrike">
-                <a:solidFill>
-                  <a:srgbClr val="000000"/>
-                </a:solidFill>
-                <a:latin typeface="Arial"/>
-                <a:ea typeface="ヒラギノ明朝 ProN W3"/>
-              </a:rPr>
-              <a:t>	</a:t>
-            </a:r>
-            <a:r>
-              <a:rPr b="0" lang="en-US" sz="3200" spc="-1" strike="noStrike">
-                <a:solidFill>
-                  <a:srgbClr val="000000"/>
-                </a:solidFill>
-                <a:latin typeface="Arial"/>
-                <a:ea typeface="ヒラギノ明朝 ProN W3"/>
-              </a:rPr>
-              <a:t> </a:t>
-            </a:r>
-            <a:endParaRPr b="0" lang="en-US" sz="3200" spc="-1" strike="noStrike">
-              <a:latin typeface="Arial"/>
-            </a:endParaRPr>
-          </a:p>
-          <a:p>
-            <a:r>
-              <a:rPr b="0" lang="en-US" sz="3200" spc="-1" strike="noStrike">
-                <a:solidFill>
-                  <a:srgbClr val="000000"/>
-                </a:solidFill>
-                <a:latin typeface="Arial"/>
-                <a:ea typeface="ヒラギノ明朝 ProN W3"/>
-              </a:rPr>
-              <a:t>	</a:t>
-            </a:r>
-            <a:endParaRPr b="0" lang="en-US" sz="3200" spc="-1" strike="noStrike">
-              <a:latin typeface="Arial"/>
-            </a:endParaRPr>
-          </a:p>
-          <a:p>
-            <a:endParaRPr b="0" lang="en-US" sz="3200" spc="-1" strike="noStrike">
-              <a:latin typeface="Arial"/>
-            </a:endParaRPr>
-          </a:p>
-        </p:txBody>
-      </p:sp>
-      <p:pic>
-        <p:nvPicPr>
-          <p:cNvPr id="83" name="" descr=""/>
-          <p:cNvPicPr/>
-          <p:nvPr/>
-        </p:nvPicPr>
-        <p:blipFill>
-          <a:blip r:embed="rId13"/>
-          <a:stretch/>
-        </p:blipFill>
-        <p:spPr>
-          <a:xfrm>
-            <a:off x="27825120" y="18852120"/>
-            <a:ext cx="1904760" cy="1904760"/>
-          </a:xfrm>
-          <a:prstGeom prst="rect">
-            <a:avLst/>
-          </a:prstGeom>
-          <a:ln>
-            <a:noFill/>
-          </a:ln>
-        </p:spPr>
-      </p:pic>
       <p:grpSp>
         <p:nvGrpSpPr>
           <p:cNvPr id="84" name="Group 30"/>
@@ -4261,10 +4394,10 @@
         </p:nvGrpSpPr>
         <p:grpSpPr>
           <a:xfrm>
-            <a:off x="11055600" y="12270600"/>
-            <a:ext cx="19393920" cy="441000"/>
-            <a:chOff x="11055600" y="12270600"/>
-            <a:chExt cx="19393920" cy="441000"/>
+            <a:off x="10946520" y="20674440"/>
+            <a:ext cx="19393560" cy="440640"/>
+            <a:chOff x="10946520" y="20674440"/>
+            <a:chExt cx="19393560" cy="440640"/>
           </a:xfrm>
         </p:grpSpPr>
         <p:sp>
@@ -4275,8 +4408,8 @@
           </p:nvSpPr>
           <p:spPr>
             <a:xfrm>
-              <a:off x="11055600" y="12270600"/>
-              <a:ext cx="19393920" cy="441000"/>
+              <a:off x="10946520" y="20674440"/>
+              <a:ext cx="19393560" cy="440640"/>
             </a:xfrm>
             <a:prstGeom prst="rect">
               <a:avLst/>
@@ -4312,7 +4445,7 @@
                   <a:latin typeface="Verdana"/>
                   <a:ea typeface="Verdana"/>
                 </a:rPr>
-                <a:t>Employee wage data</a:t>
+                <a:t>Linear regression of tax rate and Employee wages</a:t>
               </a:r>
               <a:endParaRPr b="0" lang="en-US" sz="2600" spc="-1" strike="noStrike">
                 <a:latin typeface="Arial"/>
@@ -4321,30 +4454,190 @@
           </p:txBody>
         </p:sp>
       </p:grpSp>
+      <p:pic>
+        <p:nvPicPr>
+          <p:cNvPr id="86" name="" descr=""/>
+          <p:cNvPicPr/>
+          <p:nvPr/>
+        </p:nvPicPr>
+        <p:blipFill>
+          <a:blip r:embed="rId14"/>
+          <a:stretch/>
+        </p:blipFill>
+        <p:spPr>
+          <a:xfrm>
+            <a:off x="11019600" y="21135240"/>
+            <a:ext cx="5713560" cy="4284720"/>
+          </a:xfrm>
+          <a:prstGeom prst="rect">
+            <a:avLst/>
+          </a:prstGeom>
+          <a:ln>
+            <a:noFill/>
+          </a:ln>
+        </p:spPr>
+      </p:pic>
+      <p:pic>
+        <p:nvPicPr>
+          <p:cNvPr id="87" name="" descr=""/>
+          <p:cNvPicPr/>
+          <p:nvPr/>
+        </p:nvPicPr>
+        <p:blipFill>
+          <a:blip r:embed="rId15"/>
+          <a:stretch/>
+        </p:blipFill>
+        <p:spPr>
+          <a:xfrm>
+            <a:off x="17603280" y="21115440"/>
+            <a:ext cx="5713560" cy="4284720"/>
+          </a:xfrm>
+          <a:prstGeom prst="rect">
+            <a:avLst/>
+          </a:prstGeom>
+          <a:ln>
+            <a:noFill/>
+          </a:ln>
+        </p:spPr>
+      </p:pic>
+      <p:pic>
+        <p:nvPicPr>
+          <p:cNvPr id="88" name="" descr=""/>
+          <p:cNvPicPr/>
+          <p:nvPr/>
+        </p:nvPicPr>
+        <p:blipFill>
+          <a:blip r:embed="rId16"/>
+          <a:stretch/>
+        </p:blipFill>
+        <p:spPr>
+          <a:xfrm>
+            <a:off x="24369840" y="21135240"/>
+            <a:ext cx="5713560" cy="4284720"/>
+          </a:xfrm>
+          <a:prstGeom prst="rect">
+            <a:avLst/>
+          </a:prstGeom>
+          <a:ln>
+            <a:noFill/>
+          </a:ln>
+        </p:spPr>
+      </p:pic>
+      <p:sp>
+        <p:nvSpPr>
+          <p:cNvPr id="89" name="CustomShape 32"/>
+          <p:cNvSpPr/>
+          <p:nvPr/>
+        </p:nvSpPr>
+        <p:spPr>
+          <a:xfrm>
+            <a:off x="11064600" y="25694640"/>
+            <a:ext cx="19202040" cy="5938920"/>
+          </a:xfrm>
+          <a:prstGeom prst="rect">
+            <a:avLst/>
+          </a:prstGeom>
+          <a:noFill/>
+          <a:ln>
+            <a:noFill/>
+          </a:ln>
+        </p:spPr>
+        <p:style>
+          <a:lnRef idx="0"/>
+          <a:fillRef idx="0"/>
+          <a:effectRef idx="0"/>
+          <a:fontRef idx="minor"/>
+        </p:style>
+        <p:txBody>
+          <a:bodyPr lIns="90000" rIns="90000" tIns="45000" bIns="45000">
+            <a:spAutoFit/>
+          </a:bodyPr>
+          <a:p>
+            <a:pPr>
+              <a:lnSpc>
+                <a:spcPct val="100000"/>
+              </a:lnSpc>
+            </a:pPr>
+            <a:r>
+              <a:rPr b="0" lang="en-US" sz="3200" spc="-1" strike="noStrike">
+                <a:solidFill>
+                  <a:srgbClr val="000000"/>
+                </a:solidFill>
+                <a:latin typeface="Arial"/>
+                <a:ea typeface="ヒラギノ明朝 ProN W3"/>
+              </a:rPr>
+              <a:t>	</a:t>
+            </a:r>
+            <a:r>
+              <a:rPr b="0" lang="en-US" sz="3200" spc="-1" strike="noStrike">
+                <a:solidFill>
+                  <a:srgbClr val="000000"/>
+                </a:solidFill>
+                <a:latin typeface="Arial"/>
+                <a:ea typeface="ヒラギノ明朝 ProN W3"/>
+              </a:rPr>
+              <a:t>The leftmost graph shows a scatter plot of the average tax rates and their corresponding wages, besides a couple outliers, there does appear to be a strong linear relationship between the two factors, this linear regression model has a small p-value of 8.11e-8 suggesting strong evidence to reject the null hypothesis.</a:t>
+            </a:r>
+            <a:endParaRPr b="0" lang="en-US" sz="3200" spc="-1" strike="noStrike">
+              <a:latin typeface="Arial"/>
+            </a:endParaRPr>
+          </a:p>
+          <a:p>
+            <a:pPr>
+              <a:lnSpc>
+                <a:spcPct val="100000"/>
+              </a:lnSpc>
+            </a:pPr>
+            <a:r>
+              <a:rPr b="0" lang="en-US" sz="3200" spc="-1" strike="noStrike">
+                <a:solidFill>
+                  <a:srgbClr val="000000"/>
+                </a:solidFill>
+                <a:latin typeface="Arial"/>
+                <a:ea typeface="ヒラギノ明朝 ProN W3"/>
+              </a:rPr>
+              <a:t>	</a:t>
+            </a:r>
+            <a:r>
+              <a:rPr b="0" lang="en-US" sz="3200" spc="-1" strike="noStrike">
+                <a:solidFill>
+                  <a:srgbClr val="000000"/>
+                </a:solidFill>
+                <a:latin typeface="Arial"/>
+                <a:ea typeface="ヒラギノ明朝 ProN W3"/>
+              </a:rPr>
+              <a:t>The strength of the linear relationship described above vary across the industries, but there are some outlier industries where this linear relationship breaks down.  For example the middle graph and right graph shows the construction industry and security &amp; commodity industry, for these two industries it would seem that wages are not affect as tax rates varies. The average wage for the construction industry hovers around the 70 to 75k mark as tax rates increase and decrease. The security and commodity industry displays consistent low tax rates and high variance in wages, this can possible be explained by being a commission based industry and tax advantages such as carried-interest, where profits can be taxed as capital gains instead.</a:t>
+            </a:r>
+            <a:endParaRPr b="0" lang="en-US" sz="3200" spc="-1" strike="noStrike">
+              <a:latin typeface="Arial"/>
+            </a:endParaRPr>
+          </a:p>
+        </p:txBody>
+      </p:sp>
       <p:grpSp>
         <p:nvGrpSpPr>
-          <p:cNvPr id="86" name="Group 32"/>
+          <p:cNvPr id="90" name="Group 33"/>
           <p:cNvGrpSpPr/>
           <p:nvPr/>
         </p:nvGrpSpPr>
         <p:grpSpPr>
           <a:xfrm>
-            <a:off x="10946520" y="20674440"/>
-            <a:ext cx="19393920" cy="441000"/>
-            <a:chOff x="10946520" y="20674440"/>
-            <a:chExt cx="19393920" cy="441000"/>
+            <a:off x="10992960" y="31706640"/>
+            <a:ext cx="19393560" cy="6972480"/>
+            <a:chOff x="10992960" y="31706640"/>
+            <a:chExt cx="19393560" cy="6972480"/>
           </a:xfrm>
         </p:grpSpPr>
         <p:sp>
           <p:nvSpPr>
-            <p:cNvPr id="87" name="CustomShape 33"/>
+            <p:cNvPr id="91" name="CustomShape 34"/>
             <p:cNvSpPr/>
             <p:nvPr/>
           </p:nvSpPr>
           <p:spPr>
             <a:xfrm>
-              <a:off x="10946520" y="20674440"/>
-              <a:ext cx="19393920" cy="441000"/>
+              <a:off x="10992960" y="31706640"/>
+              <a:ext cx="19393560" cy="424440"/>
             </a:xfrm>
             <a:prstGeom prst="rect">
               <a:avLst/>
@@ -4380,94 +4673,345 @@
                   <a:latin typeface="Verdana"/>
                   <a:ea typeface="Verdana"/>
                 </a:rPr>
-                <a:t>Linear regression of tax rate and Employee wages</a:t>
+                <a:t>Regression Tree</a:t>
               </a:r>
               <a:endParaRPr b="0" lang="en-US" sz="2600" spc="-1" strike="noStrike">
+                <a:latin typeface="Arial"/>
+              </a:endParaRPr>
+            </a:p>
+          </p:txBody>
+        </p:sp>
+        <p:pic>
+          <p:nvPicPr>
+            <p:cNvPr id="92" name="" descr=""/>
+            <p:cNvPicPr/>
+            <p:nvPr/>
+          </p:nvPicPr>
+          <p:blipFill>
+            <a:blip r:embed="rId17"/>
+            <a:stretch/>
+          </p:blipFill>
+          <p:spPr>
+            <a:xfrm>
+              <a:off x="11077560" y="32184720"/>
+              <a:ext cx="8427600" cy="5502960"/>
+            </a:xfrm>
+            <a:prstGeom prst="rect">
+              <a:avLst/>
+            </a:prstGeom>
+            <a:ln>
+              <a:noFill/>
+            </a:ln>
+          </p:spPr>
+        </p:pic>
+        <p:sp>
+          <p:nvSpPr>
+            <p:cNvPr id="93" name="CustomShape 35"/>
+            <p:cNvSpPr/>
+            <p:nvPr/>
+          </p:nvSpPr>
+          <p:spPr>
+            <a:xfrm>
+              <a:off x="20602440" y="32252760"/>
+              <a:ext cx="9509400" cy="6426360"/>
+            </a:xfrm>
+            <a:prstGeom prst="rect">
+              <a:avLst/>
+            </a:prstGeom>
+            <a:noFill/>
+            <a:ln>
+              <a:noFill/>
+            </a:ln>
+          </p:spPr>
+          <p:style>
+            <a:lnRef idx="0"/>
+            <a:fillRef idx="0"/>
+            <a:effectRef idx="0"/>
+            <a:fontRef idx="minor"/>
+          </p:style>
+          <p:txBody>
+            <a:bodyPr lIns="90000" rIns="90000" tIns="45000" bIns="45000">
+              <a:spAutoFit/>
+            </a:bodyPr>
+            <a:p>
+              <a:pPr>
+                <a:lnSpc>
+                  <a:spcPct val="100000"/>
+                </a:lnSpc>
+              </a:pPr>
+              <a:r>
+                <a:rPr b="0" lang="en-US" sz="3200" spc="-1" strike="noStrike">
+                  <a:solidFill>
+                    <a:srgbClr val="000000"/>
+                  </a:solidFill>
+                  <a:latin typeface="Arial"/>
+                  <a:ea typeface="ヒラギノ明朝 ProN W3"/>
+                </a:rPr>
+                <a:t>	</a:t>
+              </a:r>
+              <a:r>
+                <a:rPr b="0" lang="en-US" sz="3200" spc="-1" strike="noStrike">
+                  <a:solidFill>
+                    <a:srgbClr val="000000"/>
+                  </a:solidFill>
+                  <a:latin typeface="Arial"/>
+                  <a:ea typeface="ヒラギノ明朝 ProN W3"/>
+                </a:rPr>
+                <a:t>Using tax paid per industry, </a:t>
+              </a:r>
+              <a:r>
+                <a:rPr b="0" lang="en-US" sz="3200" spc="-1" strike="noStrike">
+                  <a:solidFill>
+                    <a:srgbClr val="000000"/>
+                  </a:solidFill>
+                  <a:latin typeface="Arial"/>
+                  <a:ea typeface="ヒラギノ明朝 ProN W3"/>
+                </a:rPr>
+                <a:t>compensation per industry, and </a:t>
+              </a:r>
+              <a:r>
+                <a:rPr b="0" lang="en-US" sz="3200" spc="-1" strike="noStrike">
+                  <a:solidFill>
+                    <a:srgbClr val="000000"/>
+                  </a:solidFill>
+                  <a:latin typeface="Arial"/>
+                  <a:ea typeface="ヒラギノ明朝 ProN W3"/>
+                </a:rPr>
+                <a:t>Undistributed Corporate Profits per Industry </a:t>
+              </a:r>
+              <a:r>
+                <a:rPr b="0" lang="en-US" sz="3200" spc="-1" strike="noStrike">
+                  <a:solidFill>
+                    <a:srgbClr val="000000"/>
+                  </a:solidFill>
+                  <a:latin typeface="Arial"/>
+                  <a:ea typeface="ヒラギノ明朝 ProN W3"/>
+                </a:rPr>
+                <a:t>as decision variables we construct a </a:t>
+              </a:r>
+              <a:r>
+                <a:rPr b="0" lang="en-US" sz="3200" spc="-1" strike="noStrike">
+                  <a:solidFill>
+                    <a:srgbClr val="000000"/>
+                  </a:solidFill>
+                  <a:latin typeface="Arial"/>
+                  <a:ea typeface="ヒラギノ明朝 ProN W3"/>
+                </a:rPr>
+                <a:t>regression tree with 10-fold validation with </a:t>
+              </a:r>
+              <a:r>
+                <a:rPr b="0" lang="en-US" sz="3200" spc="-1" strike="noStrike">
+                  <a:solidFill>
+                    <a:srgbClr val="000000"/>
+                  </a:solidFill>
+                  <a:latin typeface="Arial"/>
+                  <a:ea typeface="ヒラギノ明朝 ProN W3"/>
+                </a:rPr>
+                <a:t>the objective to predict dividend paid per </a:t>
+              </a:r>
+              <a:r>
+                <a:rPr b="0" lang="en-US" sz="3200" spc="-1" strike="noStrike">
+                  <a:solidFill>
+                    <a:srgbClr val="000000"/>
+                  </a:solidFill>
+                  <a:latin typeface="Arial"/>
+                  <a:ea typeface="ヒラギノ明朝 ProN W3"/>
+                </a:rPr>
+                <a:t>industry.</a:t>
+              </a:r>
+              <a:endParaRPr b="0" lang="en-US" sz="3200" spc="-1" strike="noStrike">
+                <a:latin typeface="Arial"/>
+              </a:endParaRPr>
+            </a:p>
+            <a:p>
+              <a:pPr>
+                <a:lnSpc>
+                  <a:spcPct val="100000"/>
+                </a:lnSpc>
+              </a:pPr>
+              <a:r>
+                <a:rPr b="0" lang="en-US" sz="3200" spc="-1" strike="noStrike">
+                  <a:solidFill>
+                    <a:srgbClr val="000000"/>
+                  </a:solidFill>
+                  <a:latin typeface="Arial"/>
+                  <a:ea typeface="ヒラギノ明朝 ProN W3"/>
+                </a:rPr>
+                <a:t>	</a:t>
+              </a:r>
+              <a:r>
+                <a:rPr b="0" lang="en-US" sz="3200" spc="-1" strike="noStrike">
+                  <a:solidFill>
+                    <a:srgbClr val="000000"/>
+                  </a:solidFill>
+                  <a:latin typeface="Arial"/>
+                  <a:ea typeface="ヒラギノ明朝 ProN W3"/>
+                </a:rPr>
+                <a:t>From the generated tree to the right, we </a:t>
+              </a:r>
+              <a:r>
+                <a:rPr b="0" lang="en-US" sz="3200" spc="-1" strike="noStrike">
+                  <a:solidFill>
+                    <a:srgbClr val="000000"/>
+                  </a:solidFill>
+                  <a:latin typeface="Arial"/>
+                  <a:ea typeface="ヒラギノ明朝 ProN W3"/>
+                </a:rPr>
+                <a:t>see that the biggest decision factor is </a:t>
+              </a:r>
+              <a:r>
+                <a:rPr b="0" lang="en-US" sz="3200" spc="-1" strike="noStrike">
+                  <a:solidFill>
+                    <a:srgbClr val="000000"/>
+                  </a:solidFill>
+                  <a:latin typeface="Arial"/>
+                  <a:ea typeface="ヒラギノ明朝 ProN W3"/>
+                </a:rPr>
+                <a:t>undistributed corporate profits,  with tax </a:t>
+              </a:r>
+              <a:r>
+                <a:rPr b="0" lang="en-US" sz="3200" spc="-1" strike="noStrike">
+                  <a:solidFill>
+                    <a:srgbClr val="000000"/>
+                  </a:solidFill>
+                  <a:latin typeface="Arial"/>
+                  <a:ea typeface="ヒラギノ明朝 ProN W3"/>
+                </a:rPr>
+                <a:t>paid per industry playing no role in the </a:t>
+              </a:r>
+              <a:r>
+                <a:rPr b="0" lang="en-US" sz="3200" spc="-1" strike="noStrike">
+                  <a:solidFill>
+                    <a:srgbClr val="000000"/>
+                  </a:solidFill>
+                  <a:latin typeface="Arial"/>
+                  <a:ea typeface="ヒラギノ明朝 ProN W3"/>
+                </a:rPr>
+                <a:t>decision tree. </a:t>
+              </a:r>
+              <a:endParaRPr b="0" lang="en-US" sz="3200" spc="-1" strike="noStrike">
+                <a:latin typeface="Arial"/>
+              </a:endParaRPr>
+            </a:p>
+            <a:p>
+              <a:pPr>
+                <a:lnSpc>
+                  <a:spcPct val="100000"/>
+                </a:lnSpc>
+              </a:pPr>
+              <a:r>
+                <a:rPr b="0" lang="en-US" sz="3200" spc="-1" strike="noStrike">
+                  <a:solidFill>
+                    <a:srgbClr val="000000"/>
+                  </a:solidFill>
+                  <a:latin typeface="Arial"/>
+                  <a:ea typeface="ヒラギノ明朝 ProN W3"/>
+                </a:rPr>
+                <a:t>	</a:t>
+              </a:r>
+              <a:r>
+                <a:rPr b="0" lang="en-US" sz="3200" spc="-1" strike="noStrike">
+                  <a:solidFill>
+                    <a:srgbClr val="000000"/>
+                  </a:solidFill>
+                  <a:latin typeface="Arial"/>
+                  <a:ea typeface="ヒラギノ明朝 ProN W3"/>
+                </a:rPr>
+                <a:t>With  the data split into 70/30 training </a:t>
+              </a:r>
+              <a:r>
+                <a:rPr b="0" lang="en-US" sz="3200" spc="-1" strike="noStrike">
+                  <a:solidFill>
+                    <a:srgbClr val="000000"/>
+                  </a:solidFill>
+                  <a:latin typeface="Arial"/>
+                  <a:ea typeface="ヒラギノ明朝 ProN W3"/>
+                </a:rPr>
+                <a:t>and testing data, the model returns a </a:t>
+              </a:r>
+              <a:r>
+                <a:rPr b="0" lang="en-US" sz="3200" spc="-1" strike="noStrike">
+                  <a:solidFill>
+                    <a:srgbClr val="000000"/>
+                  </a:solidFill>
+                  <a:latin typeface="Arial"/>
+                  <a:ea typeface="ヒラギノ明朝 ProN W3"/>
+                </a:rPr>
+                <a:t>30.82% accuracy level, which would </a:t>
+              </a:r>
+              <a:r>
+                <a:rPr b="0" lang="en-US" sz="3200" spc="-1" strike="noStrike">
+                  <a:solidFill>
+                    <a:srgbClr val="000000"/>
+                  </a:solidFill>
+                  <a:latin typeface="Arial"/>
+                  <a:ea typeface="ヒラギノ明朝 ProN W3"/>
+                </a:rPr>
+                <a:t>suggest that the factor used are not good </a:t>
+              </a:r>
+              <a:r>
+                <a:rPr b="0" lang="en-US" sz="3200" spc="-1" strike="noStrike">
+                  <a:solidFill>
+                    <a:srgbClr val="000000"/>
+                  </a:solidFill>
+                  <a:latin typeface="Arial"/>
+                  <a:ea typeface="ヒラギノ明朝 ProN W3"/>
+                </a:rPr>
+                <a:t>predictors for dividend paid per industry</a:t>
+              </a:r>
+              <a:endParaRPr b="0" lang="en-US" sz="3200" spc="-1" strike="noStrike">
+                <a:latin typeface="Arial"/>
+              </a:endParaRPr>
+            </a:p>
+          </p:txBody>
+        </p:sp>
+        <p:sp>
+          <p:nvSpPr>
+            <p:cNvPr id="94" name="TextShape 36"/>
+            <p:cNvSpPr txBox="1"/>
+            <p:nvPr/>
+          </p:nvSpPr>
+          <p:spPr>
+            <a:xfrm>
+              <a:off x="11092680" y="38002680"/>
+              <a:ext cx="8138160" cy="333360"/>
+            </a:xfrm>
+            <a:prstGeom prst="rect">
+              <a:avLst/>
+            </a:prstGeom>
+            <a:noFill/>
+            <a:ln>
+              <a:noFill/>
+            </a:ln>
+          </p:spPr>
+          <p:txBody>
+            <a:bodyPr lIns="90000" rIns="90000" tIns="45000" bIns="45000">
+              <a:spAutoFit/>
+            </a:bodyPr>
+            <a:p>
+              <a:r>
+                <a:rPr b="1" lang="en-US" sz="1500" spc="-1" strike="noStrike">
+                  <a:latin typeface="Arial"/>
+                </a:rPr>
+                <a:t>Figure 8. Regression tree to predict industry dividends</a:t>
+              </a:r>
+              <a:endParaRPr b="1" lang="en-US" sz="1500" spc="-1" strike="noStrike">
                 <a:latin typeface="Arial"/>
               </a:endParaRPr>
             </a:p>
           </p:txBody>
         </p:sp>
       </p:grpSp>
-      <p:pic>
-        <p:nvPicPr>
-          <p:cNvPr id="88" name="" descr=""/>
-          <p:cNvPicPr/>
-          <p:nvPr/>
-        </p:nvPicPr>
-        <p:blipFill>
-          <a:blip r:embed="rId14"/>
-          <a:stretch/>
-        </p:blipFill>
-        <p:spPr>
-          <a:xfrm>
-            <a:off x="11019600" y="21135240"/>
-            <a:ext cx="5713920" cy="4285080"/>
-          </a:xfrm>
-          <a:prstGeom prst="rect">
-            <a:avLst/>
-          </a:prstGeom>
-          <a:ln>
-            <a:noFill/>
-          </a:ln>
-        </p:spPr>
-      </p:pic>
-      <p:pic>
-        <p:nvPicPr>
-          <p:cNvPr id="89" name="" descr=""/>
-          <p:cNvPicPr/>
-          <p:nvPr/>
-        </p:nvPicPr>
-        <p:blipFill>
-          <a:blip r:embed="rId15"/>
-          <a:stretch/>
-        </p:blipFill>
-        <p:spPr>
-          <a:xfrm>
-            <a:off x="17603280" y="21115440"/>
-            <a:ext cx="5713920" cy="4285080"/>
-          </a:xfrm>
-          <a:prstGeom prst="rect">
-            <a:avLst/>
-          </a:prstGeom>
-          <a:ln>
-            <a:noFill/>
-          </a:ln>
-        </p:spPr>
-      </p:pic>
-      <p:pic>
-        <p:nvPicPr>
-          <p:cNvPr id="90" name="" descr=""/>
-          <p:cNvPicPr/>
-          <p:nvPr/>
-        </p:nvPicPr>
-        <p:blipFill>
-          <a:blip r:embed="rId16"/>
-          <a:stretch/>
-        </p:blipFill>
-        <p:spPr>
-          <a:xfrm>
-            <a:off x="24369840" y="21135240"/>
-            <a:ext cx="5713920" cy="4285080"/>
-          </a:xfrm>
-          <a:prstGeom prst="rect">
-            <a:avLst/>
-          </a:prstGeom>
-          <a:ln>
-            <a:noFill/>
-          </a:ln>
-        </p:spPr>
-      </p:pic>
       <p:sp>
         <p:nvSpPr>
-          <p:cNvPr id="91" name="TextShape 34"/>
+          <p:cNvPr id="95" name="TextShape 37"/>
           <p:cNvSpPr txBox="1"/>
           <p:nvPr/>
         </p:nvSpPr>
         <p:spPr>
           <a:xfrm>
-            <a:off x="10972800" y="25603200"/>
-            <a:ext cx="19202400" cy="5559480"/>
+            <a:off x="10956960" y="15974640"/>
+            <a:ext cx="8138160" cy="333360"/>
           </a:xfrm>
           <a:prstGeom prst="rect">
             <a:avLst/>
@@ -4483,151 +5027,1068 @@
           </a:bodyPr>
           <a:p>
             <a:r>
-              <a:rPr b="0" lang="en-US" sz="3200" spc="-1" strike="noStrike">
-                <a:solidFill>
-                  <a:srgbClr val="000000"/>
-                </a:solidFill>
-                <a:latin typeface="Arial"/>
-                <a:ea typeface="ヒラギノ明朝 ProN W3"/>
-              </a:rPr>
-              <a:t>	</a:t>
-            </a:r>
-            <a:r>
-              <a:rPr b="0" lang="en-US" sz="3200" spc="-1" strike="noStrike">
-                <a:solidFill>
-                  <a:srgbClr val="000000"/>
-                </a:solidFill>
-                <a:latin typeface="Arial"/>
-                <a:ea typeface="ヒラギノ明朝 ProN W3"/>
-              </a:rPr>
-              <a:t>The leftmost graph shows a scatter plot of the average tax rates and their corresponding wages, </a:t>
-            </a:r>
-            <a:r>
-              <a:rPr b="0" lang="en-US" sz="3200" spc="-1" strike="noStrike">
-                <a:solidFill>
-                  <a:srgbClr val="000000"/>
-                </a:solidFill>
-                <a:latin typeface="Arial"/>
-                <a:ea typeface="ヒラギノ明朝 ProN W3"/>
-              </a:rPr>
-              <a:t>besides a couple outliers, there does appear to be a strong linear relationship between the two factors, </a:t>
-            </a:r>
-            <a:r>
-              <a:rPr b="0" lang="en-US" sz="3200" spc="-1" strike="noStrike">
-                <a:solidFill>
-                  <a:srgbClr val="000000"/>
-                </a:solidFill>
-                <a:latin typeface="Arial"/>
-                <a:ea typeface="ヒラギノ明朝 ProN W3"/>
-              </a:rPr>
-              <a:t>this linear regression model has a small p-value of 8.11e-8 suggesting strong evidence to reject the null </a:t>
-            </a:r>
-            <a:r>
-              <a:rPr b="0" lang="en-US" sz="3200" spc="-1" strike="noStrike">
-                <a:solidFill>
-                  <a:srgbClr val="000000"/>
-                </a:solidFill>
-                <a:latin typeface="Arial"/>
-                <a:ea typeface="ヒラギノ明朝 ProN W3"/>
-              </a:rPr>
-              <a:t>hypothesis.</a:t>
-            </a:r>
-            <a:endParaRPr b="0" lang="en-US" sz="3200" spc="-1" strike="noStrike">
+              <a:rPr b="1" lang="en-US" sz="1500" spc="-1" strike="noStrike">
+                <a:latin typeface="Arial"/>
+              </a:rPr>
+              <a:t>Figure 3. Employee wages of various industry from 1929 to 2016</a:t>
+            </a:r>
+            <a:endParaRPr b="1" lang="en-US" sz="1500" spc="-1" strike="noStrike">
               <a:latin typeface="Arial"/>
             </a:endParaRPr>
           </a:p>
+        </p:txBody>
+      </p:sp>
+      <p:sp>
+        <p:nvSpPr>
+          <p:cNvPr id="96" name="TextShape 38"/>
+          <p:cNvSpPr txBox="1"/>
+          <p:nvPr/>
+        </p:nvSpPr>
+        <p:spPr>
+          <a:xfrm>
+            <a:off x="10958040" y="25356240"/>
+            <a:ext cx="6232680" cy="333360"/>
+          </a:xfrm>
+          <a:prstGeom prst="rect">
+            <a:avLst/>
+          </a:prstGeom>
+          <a:noFill/>
+          <a:ln>
+            <a:noFill/>
+          </a:ln>
+        </p:spPr>
+        <p:txBody>
+          <a:bodyPr lIns="90000" rIns="90000" tIns="45000" bIns="45000">
+            <a:spAutoFit/>
+          </a:bodyPr>
           <a:p>
             <a:r>
-              <a:rPr b="0" lang="en-US" sz="3200" spc="-1" strike="noStrike">
-                <a:solidFill>
-                  <a:srgbClr val="000000"/>
-                </a:solidFill>
-                <a:latin typeface="Arial"/>
-                <a:ea typeface="ヒラギノ明朝 ProN W3"/>
-              </a:rPr>
-              <a:t>	</a:t>
-            </a:r>
-            <a:r>
-              <a:rPr b="0" lang="en-US" sz="3200" spc="-1" strike="noStrike">
-                <a:solidFill>
-                  <a:srgbClr val="000000"/>
-                </a:solidFill>
-                <a:latin typeface="Arial"/>
-                <a:ea typeface="ヒラギノ明朝 ProN W3"/>
-              </a:rPr>
-              <a:t>The strength of the linear relationship described above vary across the industries, but there are some </a:t>
-            </a:r>
-            <a:r>
-              <a:rPr b="0" lang="en-US" sz="3200" spc="-1" strike="noStrike">
-                <a:solidFill>
-                  <a:srgbClr val="000000"/>
-                </a:solidFill>
-                <a:latin typeface="Arial"/>
-                <a:ea typeface="ヒラギノ明朝 ProN W3"/>
-              </a:rPr>
-              <a:t>outlier industries where this linear relationship breaks down.  For example the middle graph and right </a:t>
-            </a:r>
-            <a:r>
-              <a:rPr b="0" lang="en-US" sz="3200" spc="-1" strike="noStrike">
-                <a:solidFill>
-                  <a:srgbClr val="000000"/>
-                </a:solidFill>
-                <a:latin typeface="Arial"/>
-                <a:ea typeface="ヒラギノ明朝 ProN W3"/>
-              </a:rPr>
-              <a:t>graph shows the construction industry and security &amp; commodity industry, for these two industries it would </a:t>
-            </a:r>
-            <a:r>
-              <a:rPr b="0" lang="en-US" sz="3200" spc="-1" strike="noStrike">
-                <a:solidFill>
-                  <a:srgbClr val="000000"/>
-                </a:solidFill>
-                <a:latin typeface="Arial"/>
-                <a:ea typeface="ヒラギノ明朝 ProN W3"/>
-              </a:rPr>
-              <a:t>seem that wages are not affect as tax rates varies. The average wage for the construction industry hovers </a:t>
-            </a:r>
-            <a:r>
-              <a:rPr b="0" lang="en-US" sz="3200" spc="-1" strike="noStrike">
-                <a:solidFill>
-                  <a:srgbClr val="000000"/>
-                </a:solidFill>
-                <a:latin typeface="Arial"/>
-                <a:ea typeface="ヒラギノ明朝 ProN W3"/>
-              </a:rPr>
-              <a:t>around the 70 to 75k mark as tax rates increase and decrease. The security and commodity industry </a:t>
-            </a:r>
-            <a:r>
-              <a:rPr b="0" lang="en-US" sz="3200" spc="-1" strike="noStrike">
-                <a:solidFill>
-                  <a:srgbClr val="000000"/>
-                </a:solidFill>
-                <a:latin typeface="Arial"/>
-                <a:ea typeface="ヒラギノ明朝 ProN W3"/>
-              </a:rPr>
-              <a:t>displays consistent low tax rates and high variance in wages, this can possible be explained by being a </a:t>
-            </a:r>
-            <a:r>
-              <a:rPr b="0" lang="en-US" sz="3200" spc="-1" strike="noStrike">
-                <a:solidFill>
-                  <a:srgbClr val="000000"/>
-                </a:solidFill>
-                <a:latin typeface="Arial"/>
-                <a:ea typeface="ヒラギノ明朝 ProN W3"/>
-              </a:rPr>
-              <a:t>commission based industry and tax advantages such as carried-interest, where profits can be taxed as </a:t>
-            </a:r>
-            <a:r>
-              <a:rPr b="0" lang="en-US" sz="3200" spc="-1" strike="noStrike">
-                <a:solidFill>
-                  <a:srgbClr val="000000"/>
-                </a:solidFill>
-                <a:latin typeface="Arial"/>
-                <a:ea typeface="ヒラギノ明朝 ProN W3"/>
-              </a:rPr>
-              <a:t>capital gains instead.</a:t>
-            </a:r>
-            <a:endParaRPr b="0" lang="en-US" sz="3200" spc="-1" strike="noStrike">
+              <a:rPr b="1" lang="en-US" sz="1500" spc="-1" strike="noStrike">
+                <a:latin typeface="Arial"/>
+              </a:rPr>
+              <a:t>Figure 5. Linear regression for overall industry tax rate and wages</a:t>
+            </a:r>
+            <a:endParaRPr b="1" lang="en-US" sz="1500" spc="-1" strike="noStrike">
+              <a:latin typeface="Arial"/>
+            </a:endParaRPr>
+          </a:p>
+        </p:txBody>
+      </p:sp>
+      <p:sp>
+        <p:nvSpPr>
+          <p:cNvPr id="97" name="TextShape 39"/>
+          <p:cNvSpPr txBox="1"/>
+          <p:nvPr/>
+        </p:nvSpPr>
+        <p:spPr>
+          <a:xfrm>
+            <a:off x="10972800" y="20149200"/>
+            <a:ext cx="8138160" cy="333360"/>
+          </a:xfrm>
+          <a:prstGeom prst="rect">
+            <a:avLst/>
+          </a:prstGeom>
+          <a:noFill/>
+          <a:ln>
+            <a:noFill/>
+          </a:ln>
+        </p:spPr>
+        <p:txBody>
+          <a:bodyPr lIns="90000" rIns="90000" tIns="45000" bIns="45000">
+            <a:spAutoFit/>
+          </a:bodyPr>
+          <a:p>
+            <a:r>
+              <a:rPr b="1" lang="en-US" sz="1500" spc="-1" strike="noStrike">
+                <a:latin typeface="Arial"/>
+              </a:rPr>
+              <a:t>F</a:t>
+            </a:r>
+            <a:r>
+              <a:rPr b="1" lang="en-US" sz="1500" spc="-1" strike="noStrike">
+                <a:latin typeface="Arial"/>
+              </a:rPr>
+              <a:t>i</a:t>
+            </a:r>
+            <a:r>
+              <a:rPr b="1" lang="en-US" sz="1500" spc="-1" strike="noStrike">
+                <a:latin typeface="Arial"/>
+              </a:rPr>
+              <a:t>g</a:t>
+            </a:r>
+            <a:r>
+              <a:rPr b="1" lang="en-US" sz="1500" spc="-1" strike="noStrike">
+                <a:latin typeface="Arial"/>
+              </a:rPr>
+              <a:t>u</a:t>
+            </a:r>
+            <a:r>
+              <a:rPr b="1" lang="en-US" sz="1500" spc="-1" strike="noStrike">
+                <a:latin typeface="Arial"/>
+              </a:rPr>
+              <a:t>r</a:t>
+            </a:r>
+            <a:r>
+              <a:rPr b="1" lang="en-US" sz="1500" spc="-1" strike="noStrike">
+                <a:latin typeface="Arial"/>
+              </a:rPr>
+              <a:t>e</a:t>
+            </a:r>
+            <a:r>
+              <a:rPr b="1" lang="en-US" sz="1500" spc="-1" strike="noStrike">
+                <a:latin typeface="Arial"/>
+              </a:rPr>
+              <a:t> </a:t>
+            </a:r>
+            <a:r>
+              <a:rPr b="1" lang="en-US" sz="1500" spc="-1" strike="noStrike">
+                <a:latin typeface="Arial"/>
+              </a:rPr>
+              <a:t>4</a:t>
+            </a:r>
+            <a:r>
+              <a:rPr b="1" lang="en-US" sz="1500" spc="-1" strike="noStrike">
+                <a:latin typeface="Arial"/>
+              </a:rPr>
+              <a:t>.</a:t>
+            </a:r>
+            <a:r>
+              <a:rPr b="1" lang="en-US" sz="1500" spc="-1" strike="noStrike">
+                <a:latin typeface="Arial"/>
+              </a:rPr>
+              <a:t> </a:t>
+            </a:r>
+            <a:r>
+              <a:rPr b="1" lang="en-US" sz="1500" spc="-1" strike="noStrike">
+                <a:latin typeface="Arial"/>
+              </a:rPr>
+              <a:t>E</a:t>
+            </a:r>
+            <a:r>
+              <a:rPr b="1" lang="en-US" sz="1500" spc="-1" strike="noStrike">
+                <a:latin typeface="Arial"/>
+              </a:rPr>
+              <a:t>m</a:t>
+            </a:r>
+            <a:r>
+              <a:rPr b="1" lang="en-US" sz="1500" spc="-1" strike="noStrike">
+                <a:latin typeface="Arial"/>
+              </a:rPr>
+              <a:t>p</a:t>
+            </a:r>
+            <a:r>
+              <a:rPr b="1" lang="en-US" sz="1500" spc="-1" strike="noStrike">
+                <a:latin typeface="Arial"/>
+              </a:rPr>
+              <a:t>l</a:t>
+            </a:r>
+            <a:r>
+              <a:rPr b="1" lang="en-US" sz="1500" spc="-1" strike="noStrike">
+                <a:latin typeface="Arial"/>
+              </a:rPr>
+              <a:t>o</a:t>
+            </a:r>
+            <a:r>
+              <a:rPr b="1" lang="en-US" sz="1500" spc="-1" strike="noStrike">
+                <a:latin typeface="Arial"/>
+              </a:rPr>
+              <a:t>y</a:t>
+            </a:r>
+            <a:r>
+              <a:rPr b="1" lang="en-US" sz="1500" spc="-1" strike="noStrike">
+                <a:latin typeface="Arial"/>
+              </a:rPr>
+              <a:t>e</a:t>
+            </a:r>
+            <a:r>
+              <a:rPr b="1" lang="en-US" sz="1500" spc="-1" strike="noStrike">
+                <a:latin typeface="Arial"/>
+              </a:rPr>
+              <a:t>e</a:t>
+            </a:r>
+            <a:r>
+              <a:rPr b="1" lang="en-US" sz="1500" spc="-1" strike="noStrike">
+                <a:latin typeface="Arial"/>
+              </a:rPr>
+              <a:t> </a:t>
+            </a:r>
+            <a:r>
+              <a:rPr b="1" lang="en-US" sz="1500" spc="-1" strike="noStrike">
+                <a:latin typeface="Arial"/>
+              </a:rPr>
+              <a:t>w</a:t>
+            </a:r>
+            <a:r>
+              <a:rPr b="1" lang="en-US" sz="1500" spc="-1" strike="noStrike">
+                <a:latin typeface="Arial"/>
+              </a:rPr>
+              <a:t>a</a:t>
+            </a:r>
+            <a:r>
+              <a:rPr b="1" lang="en-US" sz="1500" spc="-1" strike="noStrike">
+                <a:latin typeface="Arial"/>
+              </a:rPr>
+              <a:t>g</a:t>
+            </a:r>
+            <a:r>
+              <a:rPr b="1" lang="en-US" sz="1500" spc="-1" strike="noStrike">
+                <a:latin typeface="Arial"/>
+              </a:rPr>
+              <a:t>e</a:t>
+            </a:r>
+            <a:r>
+              <a:rPr b="1" lang="en-US" sz="1500" spc="-1" strike="noStrike">
+                <a:latin typeface="Arial"/>
+              </a:rPr>
+              <a:t>s</a:t>
+            </a:r>
+            <a:r>
+              <a:rPr b="1" lang="en-US" sz="1500" spc="-1" strike="noStrike">
+                <a:latin typeface="Arial"/>
+              </a:rPr>
+              <a:t> </a:t>
+            </a:r>
+            <a:r>
+              <a:rPr b="1" lang="en-US" sz="1500" spc="-1" strike="noStrike">
+                <a:latin typeface="Arial"/>
+              </a:rPr>
+              <a:t>o</a:t>
+            </a:r>
+            <a:r>
+              <a:rPr b="1" lang="en-US" sz="1500" spc="-1" strike="noStrike">
+                <a:latin typeface="Arial"/>
+              </a:rPr>
+              <a:t>f</a:t>
+            </a:r>
+            <a:r>
+              <a:rPr b="1" lang="en-US" sz="1500" spc="-1" strike="noStrike">
+                <a:latin typeface="Arial"/>
+              </a:rPr>
+              <a:t> </a:t>
+            </a:r>
+            <a:r>
+              <a:rPr b="1" lang="en-US" sz="1500" spc="-1" strike="noStrike">
+                <a:latin typeface="Arial"/>
+              </a:rPr>
+              <a:t>v</a:t>
+            </a:r>
+            <a:r>
+              <a:rPr b="1" lang="en-US" sz="1500" spc="-1" strike="noStrike">
+                <a:latin typeface="Arial"/>
+              </a:rPr>
+              <a:t>a</a:t>
+            </a:r>
+            <a:r>
+              <a:rPr b="1" lang="en-US" sz="1500" spc="-1" strike="noStrike">
+                <a:latin typeface="Arial"/>
+              </a:rPr>
+              <a:t>r</a:t>
+            </a:r>
+            <a:r>
+              <a:rPr b="1" lang="en-US" sz="1500" spc="-1" strike="noStrike">
+                <a:latin typeface="Arial"/>
+              </a:rPr>
+              <a:t>i</a:t>
+            </a:r>
+            <a:r>
+              <a:rPr b="1" lang="en-US" sz="1500" spc="-1" strike="noStrike">
+                <a:latin typeface="Arial"/>
+              </a:rPr>
+              <a:t>o</a:t>
+            </a:r>
+            <a:r>
+              <a:rPr b="1" lang="en-US" sz="1500" spc="-1" strike="noStrike">
+                <a:latin typeface="Arial"/>
+              </a:rPr>
+              <a:t>u</a:t>
+            </a:r>
+            <a:r>
+              <a:rPr b="1" lang="en-US" sz="1500" spc="-1" strike="noStrike">
+                <a:latin typeface="Arial"/>
+              </a:rPr>
+              <a:t>s</a:t>
+            </a:r>
+            <a:r>
+              <a:rPr b="1" lang="en-US" sz="1500" spc="-1" strike="noStrike">
+                <a:latin typeface="Arial"/>
+              </a:rPr>
+              <a:t> </a:t>
+            </a:r>
+            <a:r>
+              <a:rPr b="1" lang="en-US" sz="1500" spc="-1" strike="noStrike">
+                <a:latin typeface="Arial"/>
+              </a:rPr>
+              <a:t>i</a:t>
+            </a:r>
+            <a:r>
+              <a:rPr b="1" lang="en-US" sz="1500" spc="-1" strike="noStrike">
+                <a:latin typeface="Arial"/>
+              </a:rPr>
+              <a:t>n</a:t>
+            </a:r>
+            <a:r>
+              <a:rPr b="1" lang="en-US" sz="1500" spc="-1" strike="noStrike">
+                <a:latin typeface="Arial"/>
+              </a:rPr>
+              <a:t>d</a:t>
+            </a:r>
+            <a:r>
+              <a:rPr b="1" lang="en-US" sz="1500" spc="-1" strike="noStrike">
+                <a:latin typeface="Arial"/>
+              </a:rPr>
+              <a:t>u</a:t>
+            </a:r>
+            <a:r>
+              <a:rPr b="1" lang="en-US" sz="1500" spc="-1" strike="noStrike">
+                <a:latin typeface="Arial"/>
+              </a:rPr>
+              <a:t>s</a:t>
+            </a:r>
+            <a:r>
+              <a:rPr b="1" lang="en-US" sz="1500" spc="-1" strike="noStrike">
+                <a:latin typeface="Arial"/>
+              </a:rPr>
+              <a:t>t</a:t>
+            </a:r>
+            <a:r>
+              <a:rPr b="1" lang="en-US" sz="1500" spc="-1" strike="noStrike">
+                <a:latin typeface="Arial"/>
+              </a:rPr>
+              <a:t>r</a:t>
+            </a:r>
+            <a:r>
+              <a:rPr b="1" lang="en-US" sz="1500" spc="-1" strike="noStrike">
+                <a:latin typeface="Arial"/>
+              </a:rPr>
+              <a:t>y</a:t>
+            </a:r>
+            <a:r>
+              <a:rPr b="1" lang="en-US" sz="1500" spc="-1" strike="noStrike">
+                <a:latin typeface="Arial"/>
+              </a:rPr>
+              <a:t> </a:t>
+            </a:r>
+            <a:r>
+              <a:rPr b="1" lang="en-US" sz="1500" spc="-1" strike="noStrike">
+                <a:latin typeface="Arial"/>
+              </a:rPr>
+              <a:t>f</a:t>
+            </a:r>
+            <a:r>
+              <a:rPr b="1" lang="en-US" sz="1500" spc="-1" strike="noStrike">
+                <a:latin typeface="Arial"/>
+              </a:rPr>
+              <a:t>r</a:t>
+            </a:r>
+            <a:r>
+              <a:rPr b="1" lang="en-US" sz="1500" spc="-1" strike="noStrike">
+                <a:latin typeface="Arial"/>
+              </a:rPr>
+              <a:t>o</a:t>
+            </a:r>
+            <a:r>
+              <a:rPr b="1" lang="en-US" sz="1500" spc="-1" strike="noStrike">
+                <a:latin typeface="Arial"/>
+              </a:rPr>
+              <a:t>m</a:t>
+            </a:r>
+            <a:r>
+              <a:rPr b="1" lang="en-US" sz="1500" spc="-1" strike="noStrike">
+                <a:latin typeface="Arial"/>
+              </a:rPr>
+              <a:t> </a:t>
+            </a:r>
+            <a:r>
+              <a:rPr b="1" lang="en-US" sz="1500" spc="-1" strike="noStrike">
+                <a:latin typeface="Arial"/>
+              </a:rPr>
+              <a:t>1</a:t>
+            </a:r>
+            <a:r>
+              <a:rPr b="1" lang="en-US" sz="1500" spc="-1" strike="noStrike">
+                <a:latin typeface="Arial"/>
+              </a:rPr>
+              <a:t>9</a:t>
+            </a:r>
+            <a:r>
+              <a:rPr b="1" lang="en-US" sz="1500" spc="-1" strike="noStrike">
+                <a:latin typeface="Arial"/>
+              </a:rPr>
+              <a:t>2</a:t>
+            </a:r>
+            <a:r>
+              <a:rPr b="1" lang="en-US" sz="1500" spc="-1" strike="noStrike">
+                <a:latin typeface="Arial"/>
+              </a:rPr>
+              <a:t>9</a:t>
+            </a:r>
+            <a:r>
+              <a:rPr b="1" lang="en-US" sz="1500" spc="-1" strike="noStrike">
+                <a:latin typeface="Arial"/>
+              </a:rPr>
+              <a:t> </a:t>
+            </a:r>
+            <a:r>
+              <a:rPr b="1" lang="en-US" sz="1500" spc="-1" strike="noStrike">
+                <a:latin typeface="Arial"/>
+              </a:rPr>
+              <a:t>t</a:t>
+            </a:r>
+            <a:r>
+              <a:rPr b="1" lang="en-US" sz="1500" spc="-1" strike="noStrike">
+                <a:latin typeface="Arial"/>
+              </a:rPr>
+              <a:t>o</a:t>
+            </a:r>
+            <a:r>
+              <a:rPr b="1" lang="en-US" sz="1500" spc="-1" strike="noStrike">
+                <a:latin typeface="Arial"/>
+              </a:rPr>
+              <a:t> </a:t>
+            </a:r>
+            <a:r>
+              <a:rPr b="1" lang="en-US" sz="1500" spc="-1" strike="noStrike">
+                <a:latin typeface="Arial"/>
+              </a:rPr>
+              <a:t>2</a:t>
+            </a:r>
+            <a:r>
+              <a:rPr b="1" lang="en-US" sz="1500" spc="-1" strike="noStrike">
+                <a:latin typeface="Arial"/>
+              </a:rPr>
+              <a:t>0</a:t>
+            </a:r>
+            <a:r>
+              <a:rPr b="1" lang="en-US" sz="1500" spc="-1" strike="noStrike">
+                <a:latin typeface="Arial"/>
+              </a:rPr>
+              <a:t>1</a:t>
+            </a:r>
+            <a:r>
+              <a:rPr b="1" lang="en-US" sz="1500" spc="-1" strike="noStrike">
+                <a:latin typeface="Arial"/>
+              </a:rPr>
+              <a:t>6</a:t>
+            </a:r>
+            <a:endParaRPr b="1" lang="en-US" sz="1500" spc="-1" strike="noStrike">
+              <a:latin typeface="Arial"/>
+            </a:endParaRPr>
+          </a:p>
+        </p:txBody>
+      </p:sp>
+      <p:sp>
+        <p:nvSpPr>
+          <p:cNvPr id="98" name="TextShape 40"/>
+          <p:cNvSpPr txBox="1"/>
+          <p:nvPr/>
+        </p:nvSpPr>
+        <p:spPr>
+          <a:xfrm>
+            <a:off x="24355080" y="25375680"/>
+            <a:ext cx="6551640" cy="513720"/>
+          </a:xfrm>
+          <a:prstGeom prst="rect">
+            <a:avLst/>
+          </a:prstGeom>
+          <a:noFill/>
+          <a:ln>
+            <a:noFill/>
+          </a:ln>
+        </p:spPr>
+        <p:txBody>
+          <a:bodyPr lIns="90000" rIns="90000" tIns="45000" bIns="45000">
+            <a:spAutoFit/>
+          </a:bodyPr>
+          <a:p>
+            <a:r>
+              <a:rPr b="1" lang="en-US" sz="1500" spc="-1" strike="noStrike">
+                <a:latin typeface="Arial"/>
+              </a:rPr>
+              <a:t>F</a:t>
+            </a:r>
+            <a:r>
+              <a:rPr b="1" lang="en-US" sz="1500" spc="-1" strike="noStrike">
+                <a:latin typeface="Arial"/>
+              </a:rPr>
+              <a:t>i</a:t>
+            </a:r>
+            <a:r>
+              <a:rPr b="1" lang="en-US" sz="1500" spc="-1" strike="noStrike">
+                <a:latin typeface="Arial"/>
+              </a:rPr>
+              <a:t>g</a:t>
+            </a:r>
+            <a:r>
+              <a:rPr b="1" lang="en-US" sz="1500" spc="-1" strike="noStrike">
+                <a:latin typeface="Arial"/>
+              </a:rPr>
+              <a:t>u</a:t>
+            </a:r>
+            <a:r>
+              <a:rPr b="1" lang="en-US" sz="1500" spc="-1" strike="noStrike">
+                <a:latin typeface="Arial"/>
+              </a:rPr>
+              <a:t>r</a:t>
+            </a:r>
+            <a:r>
+              <a:rPr b="1" lang="en-US" sz="1500" spc="-1" strike="noStrike">
+                <a:latin typeface="Arial"/>
+              </a:rPr>
+              <a:t>e</a:t>
+            </a:r>
+            <a:r>
+              <a:rPr b="1" lang="en-US" sz="1500" spc="-1" strike="noStrike">
+                <a:latin typeface="Arial"/>
+              </a:rPr>
+              <a:t> </a:t>
+            </a:r>
+            <a:r>
+              <a:rPr b="1" lang="en-US" sz="1500" spc="-1" strike="noStrike">
+                <a:latin typeface="Arial"/>
+              </a:rPr>
+              <a:t>7</a:t>
+            </a:r>
+            <a:r>
+              <a:rPr b="1" lang="en-US" sz="1500" spc="-1" strike="noStrike">
+                <a:latin typeface="Arial"/>
+              </a:rPr>
+              <a:t>.</a:t>
+            </a:r>
+            <a:r>
+              <a:rPr b="1" lang="en-US" sz="1500" spc="-1" strike="noStrike">
+                <a:latin typeface="Arial"/>
+              </a:rPr>
+              <a:t> </a:t>
+            </a:r>
+            <a:r>
+              <a:rPr b="1" lang="en-US" sz="1500" spc="-1" strike="noStrike">
+                <a:latin typeface="Arial"/>
+              </a:rPr>
+              <a:t>L</a:t>
+            </a:r>
+            <a:r>
+              <a:rPr b="1" lang="en-US" sz="1500" spc="-1" strike="noStrike">
+                <a:latin typeface="Arial"/>
+              </a:rPr>
+              <a:t>i</a:t>
+            </a:r>
+            <a:r>
+              <a:rPr b="1" lang="en-US" sz="1500" spc="-1" strike="noStrike">
+                <a:latin typeface="Arial"/>
+              </a:rPr>
+              <a:t>n</a:t>
+            </a:r>
+            <a:r>
+              <a:rPr b="1" lang="en-US" sz="1500" spc="-1" strike="noStrike">
+                <a:latin typeface="Arial"/>
+              </a:rPr>
+              <a:t>e</a:t>
+            </a:r>
+            <a:r>
+              <a:rPr b="1" lang="en-US" sz="1500" spc="-1" strike="noStrike">
+                <a:latin typeface="Arial"/>
+              </a:rPr>
+              <a:t>a</a:t>
+            </a:r>
+            <a:r>
+              <a:rPr b="1" lang="en-US" sz="1500" spc="-1" strike="noStrike">
+                <a:latin typeface="Arial"/>
+              </a:rPr>
+              <a:t>r</a:t>
+            </a:r>
+            <a:r>
+              <a:rPr b="1" lang="en-US" sz="1500" spc="-1" strike="noStrike">
+                <a:latin typeface="Arial"/>
+              </a:rPr>
+              <a:t> </a:t>
+            </a:r>
+            <a:r>
+              <a:rPr b="1" lang="en-US" sz="1500" spc="-1" strike="noStrike">
+                <a:latin typeface="Arial"/>
+              </a:rPr>
+              <a:t>r</a:t>
+            </a:r>
+            <a:r>
+              <a:rPr b="1" lang="en-US" sz="1500" spc="-1" strike="noStrike">
+                <a:latin typeface="Arial"/>
+              </a:rPr>
+              <a:t>e</a:t>
+            </a:r>
+            <a:r>
+              <a:rPr b="1" lang="en-US" sz="1500" spc="-1" strike="noStrike">
+                <a:latin typeface="Arial"/>
+              </a:rPr>
+              <a:t>g</a:t>
+            </a:r>
+            <a:r>
+              <a:rPr b="1" lang="en-US" sz="1500" spc="-1" strike="noStrike">
+                <a:latin typeface="Arial"/>
+              </a:rPr>
+              <a:t>r</a:t>
+            </a:r>
+            <a:r>
+              <a:rPr b="1" lang="en-US" sz="1500" spc="-1" strike="noStrike">
+                <a:latin typeface="Arial"/>
+              </a:rPr>
+              <a:t>e</a:t>
+            </a:r>
+            <a:r>
+              <a:rPr b="1" lang="en-US" sz="1500" spc="-1" strike="noStrike">
+                <a:latin typeface="Arial"/>
+              </a:rPr>
+              <a:t>s</a:t>
+            </a:r>
+            <a:r>
+              <a:rPr b="1" lang="en-US" sz="1500" spc="-1" strike="noStrike">
+                <a:latin typeface="Arial"/>
+              </a:rPr>
+              <a:t>s</a:t>
+            </a:r>
+            <a:r>
+              <a:rPr b="1" lang="en-US" sz="1500" spc="-1" strike="noStrike">
+                <a:latin typeface="Arial"/>
+              </a:rPr>
+              <a:t>i</a:t>
+            </a:r>
+            <a:r>
+              <a:rPr b="1" lang="en-US" sz="1500" spc="-1" strike="noStrike">
+                <a:latin typeface="Arial"/>
+              </a:rPr>
+              <a:t>o</a:t>
+            </a:r>
+            <a:r>
+              <a:rPr b="1" lang="en-US" sz="1500" spc="-1" strike="noStrike">
+                <a:latin typeface="Arial"/>
+              </a:rPr>
+              <a:t>n</a:t>
+            </a:r>
+            <a:r>
+              <a:rPr b="1" lang="en-US" sz="1500" spc="-1" strike="noStrike">
+                <a:latin typeface="Arial"/>
+              </a:rPr>
+              <a:t> </a:t>
+            </a:r>
+            <a:r>
+              <a:rPr b="1" lang="en-US" sz="1500" spc="-1" strike="noStrike">
+                <a:latin typeface="Arial"/>
+              </a:rPr>
+              <a:t>f</a:t>
+            </a:r>
+            <a:r>
+              <a:rPr b="1" lang="en-US" sz="1500" spc="-1" strike="noStrike">
+                <a:latin typeface="Arial"/>
+              </a:rPr>
+              <a:t>o</a:t>
+            </a:r>
+            <a:r>
+              <a:rPr b="1" lang="en-US" sz="1500" spc="-1" strike="noStrike">
+                <a:latin typeface="Arial"/>
+              </a:rPr>
+              <a:t>r</a:t>
+            </a:r>
+            <a:r>
+              <a:rPr b="1" lang="en-US" sz="1500" spc="-1" strike="noStrike">
+                <a:latin typeface="Arial"/>
+              </a:rPr>
+              <a:t> </a:t>
+            </a:r>
+            <a:r>
+              <a:rPr b="1" lang="en-US" sz="1500" spc="-1" strike="noStrike">
+                <a:latin typeface="Arial"/>
+              </a:rPr>
+              <a:t>S</a:t>
+            </a:r>
+            <a:r>
+              <a:rPr b="1" lang="en-US" sz="1500" spc="-1" strike="noStrike">
+                <a:latin typeface="Arial"/>
+              </a:rPr>
+              <a:t>e</a:t>
+            </a:r>
+            <a:r>
+              <a:rPr b="1" lang="en-US" sz="1500" spc="-1" strike="noStrike">
+                <a:latin typeface="Arial"/>
+              </a:rPr>
+              <a:t>c</a:t>
+            </a:r>
+            <a:r>
+              <a:rPr b="1" lang="en-US" sz="1500" spc="-1" strike="noStrike">
+                <a:latin typeface="Arial"/>
+              </a:rPr>
+              <a:t>u</a:t>
+            </a:r>
+            <a:r>
+              <a:rPr b="1" lang="en-US" sz="1500" spc="-1" strike="noStrike">
+                <a:latin typeface="Arial"/>
+              </a:rPr>
+              <a:t>r</a:t>
+            </a:r>
+            <a:r>
+              <a:rPr b="1" lang="en-US" sz="1500" spc="-1" strike="noStrike">
+                <a:latin typeface="Arial"/>
+              </a:rPr>
+              <a:t>i</a:t>
+            </a:r>
+            <a:r>
+              <a:rPr b="1" lang="en-US" sz="1500" spc="-1" strike="noStrike">
+                <a:latin typeface="Arial"/>
+              </a:rPr>
+              <a:t>t</a:t>
+            </a:r>
+            <a:r>
+              <a:rPr b="1" lang="en-US" sz="1500" spc="-1" strike="noStrike">
+                <a:latin typeface="Arial"/>
+              </a:rPr>
+              <a:t>y</a:t>
+            </a:r>
+            <a:r>
+              <a:rPr b="1" lang="en-US" sz="1500" spc="-1" strike="noStrike">
+                <a:latin typeface="Arial"/>
+              </a:rPr>
+              <a:t> </a:t>
+            </a:r>
+            <a:r>
+              <a:rPr b="1" lang="en-US" sz="1500" spc="-1" strike="noStrike">
+                <a:latin typeface="Arial"/>
+              </a:rPr>
+              <a:t>&amp;</a:t>
+            </a:r>
+            <a:r>
+              <a:rPr b="1" lang="en-US" sz="1500" spc="-1" strike="noStrike">
+                <a:latin typeface="Arial"/>
+              </a:rPr>
+              <a:t> </a:t>
+            </a:r>
+            <a:r>
+              <a:rPr b="1" lang="en-US" sz="1500" spc="-1" strike="noStrike">
+                <a:latin typeface="Arial"/>
+              </a:rPr>
+              <a:t>c</a:t>
+            </a:r>
+            <a:r>
+              <a:rPr b="1" lang="en-US" sz="1500" spc="-1" strike="noStrike">
+                <a:latin typeface="Arial"/>
+              </a:rPr>
+              <a:t>o</a:t>
+            </a:r>
+            <a:r>
+              <a:rPr b="1" lang="en-US" sz="1500" spc="-1" strike="noStrike">
+                <a:latin typeface="Arial"/>
+              </a:rPr>
+              <a:t>m</a:t>
+            </a:r>
+            <a:r>
+              <a:rPr b="1" lang="en-US" sz="1500" spc="-1" strike="noStrike">
+                <a:latin typeface="Arial"/>
+              </a:rPr>
+              <a:t>m</a:t>
+            </a:r>
+            <a:r>
+              <a:rPr b="1" lang="en-US" sz="1500" spc="-1" strike="noStrike">
+                <a:latin typeface="Arial"/>
+              </a:rPr>
+              <a:t>o</a:t>
+            </a:r>
+            <a:r>
+              <a:rPr b="1" lang="en-US" sz="1500" spc="-1" strike="noStrike">
+                <a:latin typeface="Arial"/>
+              </a:rPr>
+              <a:t>d</a:t>
+            </a:r>
+            <a:r>
+              <a:rPr b="1" lang="en-US" sz="1500" spc="-1" strike="noStrike">
+                <a:latin typeface="Arial"/>
+              </a:rPr>
+              <a:t>i</a:t>
+            </a:r>
+            <a:r>
+              <a:rPr b="1" lang="en-US" sz="1500" spc="-1" strike="noStrike">
+                <a:latin typeface="Arial"/>
+              </a:rPr>
+              <a:t>t</a:t>
+            </a:r>
+            <a:r>
+              <a:rPr b="1" lang="en-US" sz="1500" spc="-1" strike="noStrike">
+                <a:latin typeface="Arial"/>
+              </a:rPr>
+              <a:t>y</a:t>
+            </a:r>
+            <a:r>
+              <a:rPr b="1" lang="en-US" sz="1500" spc="-1" strike="noStrike">
+                <a:latin typeface="Arial"/>
+              </a:rPr>
+              <a:t> </a:t>
+            </a:r>
+            <a:r>
+              <a:rPr b="1" lang="en-US" sz="1500" spc="-1" strike="noStrike">
+                <a:latin typeface="Arial"/>
+              </a:rPr>
+              <a:t>i</a:t>
+            </a:r>
+            <a:r>
+              <a:rPr b="1" lang="en-US" sz="1500" spc="-1" strike="noStrike">
+                <a:latin typeface="Arial"/>
+              </a:rPr>
+              <a:t>n</a:t>
+            </a:r>
+            <a:r>
+              <a:rPr b="1" lang="en-US" sz="1500" spc="-1" strike="noStrike">
+                <a:latin typeface="Arial"/>
+              </a:rPr>
+              <a:t>d</a:t>
+            </a:r>
+            <a:r>
+              <a:rPr b="1" lang="en-US" sz="1500" spc="-1" strike="noStrike">
+                <a:latin typeface="Arial"/>
+              </a:rPr>
+              <a:t>u</a:t>
+            </a:r>
+            <a:r>
+              <a:rPr b="1" lang="en-US" sz="1500" spc="-1" strike="noStrike">
+                <a:latin typeface="Arial"/>
+              </a:rPr>
+              <a:t>s</a:t>
+            </a:r>
+            <a:r>
+              <a:rPr b="1" lang="en-US" sz="1500" spc="-1" strike="noStrike">
+                <a:latin typeface="Arial"/>
+              </a:rPr>
+              <a:t>t</a:t>
+            </a:r>
+            <a:r>
+              <a:rPr b="1" lang="en-US" sz="1500" spc="-1" strike="noStrike">
+                <a:latin typeface="Arial"/>
+              </a:rPr>
+              <a:t>r</a:t>
+            </a:r>
+            <a:r>
+              <a:rPr b="1" lang="en-US" sz="1500" spc="-1" strike="noStrike">
+                <a:latin typeface="Arial"/>
+              </a:rPr>
+              <a:t>y</a:t>
+            </a:r>
+            <a:r>
+              <a:rPr b="1" lang="en-US" sz="1500" spc="-1" strike="noStrike">
+                <a:latin typeface="Arial"/>
+              </a:rPr>
+              <a:t> </a:t>
+            </a:r>
+            <a:r>
+              <a:rPr b="1" lang="en-US" sz="1500" spc="-1" strike="noStrike">
+                <a:latin typeface="Arial"/>
+              </a:rPr>
+              <a:t>t</a:t>
+            </a:r>
+            <a:r>
+              <a:rPr b="1" lang="en-US" sz="1500" spc="-1" strike="noStrike">
+                <a:latin typeface="Arial"/>
+              </a:rPr>
+              <a:t>a</a:t>
+            </a:r>
+            <a:r>
+              <a:rPr b="1" lang="en-US" sz="1500" spc="-1" strike="noStrike">
+                <a:latin typeface="Arial"/>
+              </a:rPr>
+              <a:t>x</a:t>
+            </a:r>
+            <a:r>
+              <a:rPr b="1" lang="en-US" sz="1500" spc="-1" strike="noStrike">
+                <a:latin typeface="Arial"/>
+              </a:rPr>
+              <a:t> </a:t>
+            </a:r>
+            <a:r>
+              <a:rPr b="1" lang="en-US" sz="1500" spc="-1" strike="noStrike">
+                <a:latin typeface="Arial"/>
+              </a:rPr>
+              <a:t>r</a:t>
+            </a:r>
+            <a:r>
+              <a:rPr b="1" lang="en-US" sz="1500" spc="-1" strike="noStrike">
+                <a:latin typeface="Arial"/>
+              </a:rPr>
+              <a:t>a</a:t>
+            </a:r>
+            <a:r>
+              <a:rPr b="1" lang="en-US" sz="1500" spc="-1" strike="noStrike">
+                <a:latin typeface="Arial"/>
+              </a:rPr>
+              <a:t>t</a:t>
+            </a:r>
+            <a:r>
+              <a:rPr b="1" lang="en-US" sz="1500" spc="-1" strike="noStrike">
+                <a:latin typeface="Arial"/>
+              </a:rPr>
+              <a:t>e</a:t>
+            </a:r>
+            <a:r>
+              <a:rPr b="1" lang="en-US" sz="1500" spc="-1" strike="noStrike">
+                <a:latin typeface="Arial"/>
+              </a:rPr>
+              <a:t> </a:t>
+            </a:r>
+            <a:r>
+              <a:rPr b="1" lang="en-US" sz="1500" spc="-1" strike="noStrike">
+                <a:latin typeface="Arial"/>
+              </a:rPr>
+              <a:t>a</a:t>
+            </a:r>
+            <a:r>
+              <a:rPr b="1" lang="en-US" sz="1500" spc="-1" strike="noStrike">
+                <a:latin typeface="Arial"/>
+              </a:rPr>
+              <a:t>n</a:t>
+            </a:r>
+            <a:r>
+              <a:rPr b="1" lang="en-US" sz="1500" spc="-1" strike="noStrike">
+                <a:latin typeface="Arial"/>
+              </a:rPr>
+              <a:t>d</a:t>
+            </a:r>
+            <a:r>
+              <a:rPr b="1" lang="en-US" sz="1500" spc="-1" strike="noStrike">
+                <a:latin typeface="Arial"/>
+              </a:rPr>
+              <a:t> </a:t>
+            </a:r>
+            <a:r>
+              <a:rPr b="1" lang="en-US" sz="1500" spc="-1" strike="noStrike">
+                <a:latin typeface="Arial"/>
+              </a:rPr>
+              <a:t>w</a:t>
+            </a:r>
+            <a:r>
+              <a:rPr b="1" lang="en-US" sz="1500" spc="-1" strike="noStrike">
+                <a:latin typeface="Arial"/>
+              </a:rPr>
+              <a:t>a</a:t>
+            </a:r>
+            <a:r>
+              <a:rPr b="1" lang="en-US" sz="1500" spc="-1" strike="noStrike">
+                <a:latin typeface="Arial"/>
+              </a:rPr>
+              <a:t>g</a:t>
+            </a:r>
+            <a:r>
+              <a:rPr b="1" lang="en-US" sz="1500" spc="-1" strike="noStrike">
+                <a:latin typeface="Arial"/>
+              </a:rPr>
+              <a:t>e</a:t>
+            </a:r>
+            <a:r>
+              <a:rPr b="1" lang="en-US" sz="1500" spc="-1" strike="noStrike">
+                <a:latin typeface="Arial"/>
+              </a:rPr>
+              <a:t>s</a:t>
+            </a:r>
+            <a:endParaRPr b="1" lang="en-US" sz="1500" spc="-1" strike="noStrike">
+              <a:latin typeface="Arial"/>
+            </a:endParaRPr>
+          </a:p>
+        </p:txBody>
+      </p:sp>
+      <p:sp>
+        <p:nvSpPr>
+          <p:cNvPr id="99" name="TextShape 41"/>
+          <p:cNvSpPr txBox="1"/>
+          <p:nvPr/>
+        </p:nvSpPr>
+        <p:spPr>
+          <a:xfrm>
+            <a:off x="17373600" y="25361280"/>
+            <a:ext cx="6858000" cy="365760"/>
+          </a:xfrm>
+          <a:prstGeom prst="rect">
+            <a:avLst/>
+          </a:prstGeom>
+          <a:noFill/>
+          <a:ln>
+            <a:noFill/>
+          </a:ln>
+        </p:spPr>
+        <p:txBody>
+          <a:bodyPr lIns="90000" rIns="90000" tIns="45000" bIns="45000">
+            <a:spAutoFit/>
+          </a:bodyPr>
+          <a:p>
+            <a:r>
+              <a:rPr b="1" lang="en-US" sz="1500" spc="-1" strike="noStrike">
+                <a:latin typeface="Arial"/>
+              </a:rPr>
+              <a:t>Figure 6. Linear regression for construction industry tax rate and wages</a:t>
+            </a:r>
+            <a:endParaRPr b="1" lang="en-US" sz="1500" spc="-1" strike="noStrike">
+              <a:latin typeface="Arial"/>
+            </a:endParaRPr>
+          </a:p>
+        </p:txBody>
+      </p:sp>
+      <p:sp>
+        <p:nvSpPr>
+          <p:cNvPr id="100" name="TextShape 42"/>
+          <p:cNvSpPr txBox="1"/>
+          <p:nvPr/>
+        </p:nvSpPr>
+        <p:spPr>
+          <a:xfrm>
+            <a:off x="10972800" y="11615400"/>
+            <a:ext cx="8138160" cy="333360"/>
+          </a:xfrm>
+          <a:prstGeom prst="rect">
+            <a:avLst/>
+          </a:prstGeom>
+          <a:noFill/>
+          <a:ln>
+            <a:noFill/>
+          </a:ln>
+        </p:spPr>
+        <p:txBody>
+          <a:bodyPr lIns="90000" rIns="90000" tIns="45000" bIns="45000">
+            <a:spAutoFit/>
+          </a:bodyPr>
+          <a:p>
+            <a:r>
+              <a:rPr b="1" lang="en-US" sz="1500" spc="-1" strike="noStrike">
+                <a:latin typeface="Arial"/>
+              </a:rPr>
+              <a:t>Figure 2. Tax rate of various industry from 1929 to 2016</a:t>
+            </a:r>
+            <a:endParaRPr b="1" lang="en-US" sz="1500" spc="-1" strike="noStrike">
+              <a:latin typeface="Arial"/>
+            </a:endParaRPr>
+          </a:p>
+        </p:txBody>
+      </p:sp>
+      <p:sp>
+        <p:nvSpPr>
+          <p:cNvPr id="101" name="TextShape 43"/>
+          <p:cNvSpPr txBox="1"/>
+          <p:nvPr/>
+        </p:nvSpPr>
+        <p:spPr>
+          <a:xfrm>
+            <a:off x="10985400" y="8191440"/>
+            <a:ext cx="8138160" cy="333360"/>
+          </a:xfrm>
+          <a:prstGeom prst="rect">
+            <a:avLst/>
+          </a:prstGeom>
+          <a:noFill/>
+          <a:ln>
+            <a:noFill/>
+          </a:ln>
+        </p:spPr>
+        <p:txBody>
+          <a:bodyPr lIns="90000" rIns="90000" tIns="45000" bIns="45000">
+            <a:spAutoFit/>
+          </a:bodyPr>
+          <a:p>
+            <a:r>
+              <a:rPr b="1" lang="en-US" sz="1500" spc="-1" strike="noStrike">
+                <a:latin typeface="Arial"/>
+              </a:rPr>
+              <a:t>Figure 1. Tax rate of various industry from 1929 to 2016</a:t>
+            </a:r>
+            <a:endParaRPr b="1" lang="en-US" sz="1500" spc="-1" strike="noStrike">
               <a:latin typeface="Arial"/>
             </a:endParaRPr>
           </a:p>
@@ -4635,28 +6096,4999 @@
       </p:sp>
       <p:grpSp>
         <p:nvGrpSpPr>
-          <p:cNvPr id="92" name="Group 35"/>
+          <p:cNvPr id="102" name="Group 44"/>
           <p:cNvGrpSpPr/>
           <p:nvPr/>
         </p:nvGrpSpPr>
         <p:grpSpPr>
           <a:xfrm>
-            <a:off x="10972800" y="31162680"/>
-            <a:ext cx="19393920" cy="6856560"/>
-            <a:chOff x="10972800" y="31162680"/>
-            <a:chExt cx="19393920" cy="6856560"/>
+            <a:off x="732240" y="31481640"/>
+            <a:ext cx="9417600" cy="6974640"/>
+            <a:chOff x="732240" y="31481640"/>
+            <a:chExt cx="9417600" cy="6974640"/>
           </a:xfrm>
         </p:grpSpPr>
         <p:sp>
           <p:nvSpPr>
-            <p:cNvPr id="93" name="CustomShape 36"/>
+            <p:cNvPr id="103" name="CustomShape 45"/>
             <p:cNvSpPr/>
             <p:nvPr/>
           </p:nvSpPr>
           <p:spPr>
             <a:xfrm>
-              <a:off x="10972800" y="31162680"/>
-              <a:ext cx="19393920" cy="441000"/>
+              <a:off x="736560" y="32517360"/>
+              <a:ext cx="9413280" cy="5938920"/>
+            </a:xfrm>
+            <a:prstGeom prst="rect">
+              <a:avLst/>
+            </a:prstGeom>
+            <a:noFill/>
+            <a:ln>
+              <a:noFill/>
+            </a:ln>
+          </p:spPr>
+          <p:style>
+            <a:lnRef idx="0"/>
+            <a:fillRef idx="0"/>
+            <a:effectRef idx="0"/>
+            <a:fontRef idx="minor"/>
+          </p:style>
+          <p:txBody>
+            <a:bodyPr lIns="90000" rIns="90000" tIns="45000" bIns="45000">
+              <a:spAutoFit/>
+            </a:bodyPr>
+            <a:p>
+              <a:pPr marL="216000" indent="-216000">
+                <a:lnSpc>
+                  <a:spcPct val="100000"/>
+                </a:lnSpc>
+                <a:buClr>
+                  <a:srgbClr val="000000"/>
+                </a:buClr>
+                <a:buFont typeface="Wingdings" charset="2"/>
+                <a:buChar char=""/>
+              </a:pPr>
+              <a:r>
+                <a:rPr b="0" lang="en-US" sz="3200" spc="-1" strike="noStrike">
+                  <a:solidFill>
+                    <a:srgbClr val="000000"/>
+                  </a:solidFill>
+                  <a:latin typeface="Arial"/>
+                  <a:ea typeface="ヒラギノ明朝 ProN W3"/>
+                </a:rPr>
+                <a:t> </a:t>
+              </a:r>
+              <a:r>
+                <a:rPr b="0" lang="en-US" sz="3200" spc="-1" strike="noStrike">
+                  <a:solidFill>
+                    <a:srgbClr val="000000"/>
+                  </a:solidFill>
+                  <a:latin typeface="Arial"/>
+                  <a:ea typeface="ヒラギノ明朝 ProN W3"/>
+                </a:rPr>
+                <a:t>T</a:t>
+              </a:r>
+              <a:r>
+                <a:rPr b="0" lang="en-US" sz="3200" spc="-1" strike="noStrike">
+                  <a:solidFill>
+                    <a:srgbClr val="000000"/>
+                  </a:solidFill>
+                  <a:latin typeface="Arial"/>
+                  <a:ea typeface="ヒラギノ明朝 ProN W3"/>
+                </a:rPr>
+                <a:t>h</a:t>
+              </a:r>
+              <a:r>
+                <a:rPr b="0" lang="en-US" sz="3200" spc="-1" strike="noStrike">
+                  <a:solidFill>
+                    <a:srgbClr val="000000"/>
+                  </a:solidFill>
+                  <a:latin typeface="Arial"/>
+                  <a:ea typeface="ヒラギノ明朝 ProN W3"/>
+                </a:rPr>
+                <a:t>e</a:t>
+              </a:r>
+              <a:r>
+                <a:rPr b="0" lang="en-US" sz="3200" spc="-1" strike="noStrike">
+                  <a:solidFill>
+                    <a:srgbClr val="000000"/>
+                  </a:solidFill>
+                  <a:latin typeface="Arial"/>
+                  <a:ea typeface="ヒラギノ明朝 ProN W3"/>
+                </a:rPr>
+                <a:t> </a:t>
+              </a:r>
+              <a:r>
+                <a:rPr b="0" lang="en-US" sz="3200" spc="-1" strike="noStrike">
+                  <a:solidFill>
+                    <a:srgbClr val="000000"/>
+                  </a:solidFill>
+                  <a:latin typeface="Arial"/>
+                  <a:ea typeface="ヒラギノ明朝 ProN W3"/>
+                </a:rPr>
+                <a:t>r</a:t>
+              </a:r>
+              <a:r>
+                <a:rPr b="0" lang="en-US" sz="3200" spc="-1" strike="noStrike">
+                  <a:solidFill>
+                    <a:srgbClr val="000000"/>
+                  </a:solidFill>
+                  <a:latin typeface="Arial"/>
+                  <a:ea typeface="ヒラギノ明朝 ProN W3"/>
+                </a:rPr>
+                <a:t>e</a:t>
+              </a:r>
+              <a:r>
+                <a:rPr b="0" lang="en-US" sz="3200" spc="-1" strike="noStrike">
+                  <a:solidFill>
+                    <a:srgbClr val="000000"/>
+                  </a:solidFill>
+                  <a:latin typeface="Arial"/>
+                  <a:ea typeface="ヒラギノ明朝 ProN W3"/>
+                </a:rPr>
+                <a:t>s</a:t>
+              </a:r>
+              <a:r>
+                <a:rPr b="0" lang="en-US" sz="3200" spc="-1" strike="noStrike">
+                  <a:solidFill>
+                    <a:srgbClr val="000000"/>
+                  </a:solidFill>
+                  <a:latin typeface="Arial"/>
+                  <a:ea typeface="ヒラギノ明朝 ProN W3"/>
+                </a:rPr>
+                <a:t>u</a:t>
+              </a:r>
+              <a:r>
+                <a:rPr b="0" lang="en-US" sz="3200" spc="-1" strike="noStrike">
+                  <a:solidFill>
+                    <a:srgbClr val="000000"/>
+                  </a:solidFill>
+                  <a:latin typeface="Arial"/>
+                  <a:ea typeface="ヒラギノ明朝 ProN W3"/>
+                </a:rPr>
+                <a:t>l</a:t>
+              </a:r>
+              <a:r>
+                <a:rPr b="0" lang="en-US" sz="3200" spc="-1" strike="noStrike">
+                  <a:solidFill>
+                    <a:srgbClr val="000000"/>
+                  </a:solidFill>
+                  <a:latin typeface="Arial"/>
+                  <a:ea typeface="ヒラギノ明朝 ProN W3"/>
+                </a:rPr>
+                <a:t>t</a:t>
+              </a:r>
+              <a:r>
+                <a:rPr b="0" lang="en-US" sz="3200" spc="-1" strike="noStrike">
+                  <a:solidFill>
+                    <a:srgbClr val="000000"/>
+                  </a:solidFill>
+                  <a:latin typeface="Arial"/>
+                  <a:ea typeface="ヒラギノ明朝 ProN W3"/>
+                </a:rPr>
+                <a:t>s</a:t>
+              </a:r>
+              <a:r>
+                <a:rPr b="0" lang="en-US" sz="3200" spc="-1" strike="noStrike">
+                  <a:solidFill>
+                    <a:srgbClr val="000000"/>
+                  </a:solidFill>
+                  <a:latin typeface="Arial"/>
+                  <a:ea typeface="ヒラギノ明朝 ProN W3"/>
+                </a:rPr>
+                <a:t> </a:t>
+              </a:r>
+              <a:r>
+                <a:rPr b="0" lang="en-US" sz="3200" spc="-1" strike="noStrike">
+                  <a:solidFill>
+                    <a:srgbClr val="000000"/>
+                  </a:solidFill>
+                  <a:latin typeface="Arial"/>
+                  <a:ea typeface="ヒラギノ明朝 ProN W3"/>
+                </a:rPr>
+                <a:t>s</a:t>
+              </a:r>
+              <a:r>
+                <a:rPr b="0" lang="en-US" sz="3200" spc="-1" strike="noStrike">
+                  <a:solidFill>
+                    <a:srgbClr val="000000"/>
+                  </a:solidFill>
+                  <a:latin typeface="Arial"/>
+                  <a:ea typeface="ヒラギノ明朝 ProN W3"/>
+                </a:rPr>
+                <a:t>u</a:t>
+              </a:r>
+              <a:r>
+                <a:rPr b="0" lang="en-US" sz="3200" spc="-1" strike="noStrike">
+                  <a:solidFill>
+                    <a:srgbClr val="000000"/>
+                  </a:solidFill>
+                  <a:latin typeface="Arial"/>
+                  <a:ea typeface="ヒラギノ明朝 ProN W3"/>
+                </a:rPr>
+                <a:t>g</a:t>
+              </a:r>
+              <a:r>
+                <a:rPr b="0" lang="en-US" sz="3200" spc="-1" strike="noStrike">
+                  <a:solidFill>
+                    <a:srgbClr val="000000"/>
+                  </a:solidFill>
+                  <a:latin typeface="Arial"/>
+                  <a:ea typeface="ヒラギノ明朝 ProN W3"/>
+                </a:rPr>
+                <a:t>g</a:t>
+              </a:r>
+              <a:r>
+                <a:rPr b="0" lang="en-US" sz="3200" spc="-1" strike="noStrike">
+                  <a:solidFill>
+                    <a:srgbClr val="000000"/>
+                  </a:solidFill>
+                  <a:latin typeface="Arial"/>
+                  <a:ea typeface="ヒラギノ明朝 ProN W3"/>
+                </a:rPr>
+                <a:t>e</a:t>
+              </a:r>
+              <a:r>
+                <a:rPr b="0" lang="en-US" sz="3200" spc="-1" strike="noStrike">
+                  <a:solidFill>
+                    <a:srgbClr val="000000"/>
+                  </a:solidFill>
+                  <a:latin typeface="Arial"/>
+                  <a:ea typeface="ヒラギノ明朝 ProN W3"/>
+                </a:rPr>
+                <a:t>s</a:t>
+              </a:r>
+              <a:r>
+                <a:rPr b="0" lang="en-US" sz="3200" spc="-1" strike="noStrike">
+                  <a:solidFill>
+                    <a:srgbClr val="000000"/>
+                  </a:solidFill>
+                  <a:latin typeface="Arial"/>
+                  <a:ea typeface="ヒラギノ明朝 ProN W3"/>
+                </a:rPr>
+                <a:t>t</a:t>
+              </a:r>
+              <a:r>
+                <a:rPr b="0" lang="en-US" sz="3200" spc="-1" strike="noStrike">
+                  <a:solidFill>
+                    <a:srgbClr val="000000"/>
+                  </a:solidFill>
+                  <a:latin typeface="Arial"/>
+                  <a:ea typeface="ヒラギノ明朝 ProN W3"/>
+                </a:rPr>
+                <a:t> </a:t>
+              </a:r>
+              <a:r>
+                <a:rPr b="0" lang="en-US" sz="3200" spc="-1" strike="noStrike">
+                  <a:solidFill>
+                    <a:srgbClr val="000000"/>
+                  </a:solidFill>
+                  <a:latin typeface="Arial"/>
+                  <a:ea typeface="ヒラギノ明朝 ProN W3"/>
+                </a:rPr>
+                <a:t>t</a:t>
+              </a:r>
+              <a:r>
+                <a:rPr b="0" lang="en-US" sz="3200" spc="-1" strike="noStrike">
+                  <a:solidFill>
+                    <a:srgbClr val="000000"/>
+                  </a:solidFill>
+                  <a:latin typeface="Arial"/>
+                  <a:ea typeface="ヒラギノ明朝 ProN W3"/>
+                </a:rPr>
+                <a:t>h</a:t>
+              </a:r>
+              <a:r>
+                <a:rPr b="0" lang="en-US" sz="3200" spc="-1" strike="noStrike">
+                  <a:solidFill>
+                    <a:srgbClr val="000000"/>
+                  </a:solidFill>
+                  <a:latin typeface="Arial"/>
+                  <a:ea typeface="ヒラギノ明朝 ProN W3"/>
+                </a:rPr>
+                <a:t>a</a:t>
+              </a:r>
+              <a:r>
+                <a:rPr b="0" lang="en-US" sz="3200" spc="-1" strike="noStrike">
+                  <a:solidFill>
+                    <a:srgbClr val="000000"/>
+                  </a:solidFill>
+                  <a:latin typeface="Arial"/>
+                  <a:ea typeface="ヒラギノ明朝 ProN W3"/>
+                </a:rPr>
+                <a:t>t</a:t>
+              </a:r>
+              <a:r>
+                <a:rPr b="0" lang="en-US" sz="3200" spc="-1" strike="noStrike">
+                  <a:solidFill>
+                    <a:srgbClr val="000000"/>
+                  </a:solidFill>
+                  <a:latin typeface="Arial"/>
+                  <a:ea typeface="ヒラギノ明朝 ProN W3"/>
+                </a:rPr>
+                <a:t> </a:t>
+              </a:r>
+              <a:r>
+                <a:rPr b="0" lang="en-US" sz="3200" spc="-1" strike="noStrike">
+                  <a:solidFill>
+                    <a:srgbClr val="000000"/>
+                  </a:solidFill>
+                  <a:latin typeface="Arial"/>
+                  <a:ea typeface="ヒラギノ明朝 ProN W3"/>
+                </a:rPr>
+                <a:t>t</a:t>
+              </a:r>
+              <a:r>
+                <a:rPr b="0" lang="en-US" sz="3200" spc="-1" strike="noStrike">
+                  <a:solidFill>
+                    <a:srgbClr val="000000"/>
+                  </a:solidFill>
+                  <a:latin typeface="Arial"/>
+                  <a:ea typeface="ヒラギノ明朝 ProN W3"/>
+                </a:rPr>
+                <a:t>h</a:t>
+              </a:r>
+              <a:r>
+                <a:rPr b="0" lang="en-US" sz="3200" spc="-1" strike="noStrike">
+                  <a:solidFill>
+                    <a:srgbClr val="000000"/>
+                  </a:solidFill>
+                  <a:latin typeface="Arial"/>
+                  <a:ea typeface="ヒラギノ明朝 ProN W3"/>
+                </a:rPr>
+                <a:t>e</a:t>
+              </a:r>
+              <a:r>
+                <a:rPr b="0" lang="en-US" sz="3200" spc="-1" strike="noStrike">
+                  <a:solidFill>
+                    <a:srgbClr val="000000"/>
+                  </a:solidFill>
+                  <a:latin typeface="Arial"/>
+                  <a:ea typeface="ヒラギノ明朝 ProN W3"/>
+                </a:rPr>
+                <a:t>r</a:t>
+              </a:r>
+              <a:r>
+                <a:rPr b="0" lang="en-US" sz="3200" spc="-1" strike="noStrike">
+                  <a:solidFill>
+                    <a:srgbClr val="000000"/>
+                  </a:solidFill>
+                  <a:latin typeface="Arial"/>
+                  <a:ea typeface="ヒラギノ明朝 ProN W3"/>
+                </a:rPr>
+                <a:t>e</a:t>
+              </a:r>
+              <a:r>
+                <a:rPr b="0" lang="en-US" sz="3200" spc="-1" strike="noStrike">
+                  <a:solidFill>
+                    <a:srgbClr val="000000"/>
+                  </a:solidFill>
+                  <a:latin typeface="Arial"/>
+                  <a:ea typeface="ヒラギノ明朝 ProN W3"/>
+                </a:rPr>
+                <a:t> </a:t>
+              </a:r>
+              <a:r>
+                <a:rPr b="0" lang="en-US" sz="3200" spc="-1" strike="noStrike">
+                  <a:solidFill>
+                    <a:srgbClr val="000000"/>
+                  </a:solidFill>
+                  <a:latin typeface="Arial"/>
+                  <a:ea typeface="ヒラギノ明朝 ProN W3"/>
+                </a:rPr>
+                <a:t>i</a:t>
+              </a:r>
+              <a:r>
+                <a:rPr b="0" lang="en-US" sz="3200" spc="-1" strike="noStrike">
+                  <a:solidFill>
+                    <a:srgbClr val="000000"/>
+                  </a:solidFill>
+                  <a:latin typeface="Arial"/>
+                  <a:ea typeface="ヒラギノ明朝 ProN W3"/>
+                </a:rPr>
+                <a:t>s</a:t>
+              </a:r>
+              <a:r>
+                <a:rPr b="0" lang="en-US" sz="3200" spc="-1" strike="noStrike">
+                  <a:solidFill>
+                    <a:srgbClr val="000000"/>
+                  </a:solidFill>
+                  <a:latin typeface="Arial"/>
+                  <a:ea typeface="ヒラギノ明朝 ProN W3"/>
+                </a:rPr>
+                <a:t> </a:t>
+              </a:r>
+              <a:r>
+                <a:rPr b="0" lang="en-US" sz="3200" spc="-1" strike="noStrike">
+                  <a:solidFill>
+                    <a:srgbClr val="000000"/>
+                  </a:solidFill>
+                  <a:latin typeface="Arial"/>
+                  <a:ea typeface="ヒラギノ明朝 ProN W3"/>
+                </a:rPr>
+                <a:t>a</a:t>
+              </a:r>
+              <a:r>
+                <a:rPr b="0" lang="en-US" sz="3200" spc="-1" strike="noStrike">
+                  <a:solidFill>
+                    <a:srgbClr val="000000"/>
+                  </a:solidFill>
+                  <a:latin typeface="Arial"/>
+                  <a:ea typeface="ヒラギノ明朝 ProN W3"/>
+                </a:rPr>
+                <a:t> </a:t>
+              </a:r>
+              <a:r>
+                <a:rPr b="0" lang="en-US" sz="3200" spc="-1" strike="noStrike">
+                  <a:solidFill>
+                    <a:srgbClr val="000000"/>
+                  </a:solidFill>
+                  <a:latin typeface="Arial"/>
+                  <a:ea typeface="ヒラギノ明朝 ProN W3"/>
+                </a:rPr>
+                <a:t>s</a:t>
+              </a:r>
+              <a:r>
+                <a:rPr b="0" lang="en-US" sz="3200" spc="-1" strike="noStrike">
+                  <a:solidFill>
+                    <a:srgbClr val="000000"/>
+                  </a:solidFill>
+                  <a:latin typeface="Arial"/>
+                  <a:ea typeface="ヒラギノ明朝 ProN W3"/>
+                </a:rPr>
+                <a:t>t</a:t>
+              </a:r>
+              <a:r>
+                <a:rPr b="0" lang="en-US" sz="3200" spc="-1" strike="noStrike">
+                  <a:solidFill>
+                    <a:srgbClr val="000000"/>
+                  </a:solidFill>
+                  <a:latin typeface="Arial"/>
+                  <a:ea typeface="ヒラギノ明朝 ProN W3"/>
+                </a:rPr>
+                <a:t>r</a:t>
+              </a:r>
+              <a:r>
+                <a:rPr b="0" lang="en-US" sz="3200" spc="-1" strike="noStrike">
+                  <a:solidFill>
+                    <a:srgbClr val="000000"/>
+                  </a:solidFill>
+                  <a:latin typeface="Arial"/>
+                  <a:ea typeface="ヒラギノ明朝 ProN W3"/>
+                </a:rPr>
+                <a:t>o</a:t>
+              </a:r>
+              <a:r>
+                <a:rPr b="0" lang="en-US" sz="3200" spc="-1" strike="noStrike">
+                  <a:solidFill>
+                    <a:srgbClr val="000000"/>
+                  </a:solidFill>
+                  <a:latin typeface="Arial"/>
+                  <a:ea typeface="ヒラギノ明朝 ProN W3"/>
+                </a:rPr>
+                <a:t>n</a:t>
+              </a:r>
+              <a:r>
+                <a:rPr b="0" lang="en-US" sz="3200" spc="-1" strike="noStrike">
+                  <a:solidFill>
+                    <a:srgbClr val="000000"/>
+                  </a:solidFill>
+                  <a:latin typeface="Arial"/>
+                  <a:ea typeface="ヒラギノ明朝 ProN W3"/>
+                </a:rPr>
+                <a:t>g</a:t>
+              </a:r>
+              <a:r>
+                <a:rPr b="0" lang="en-US" sz="3200" spc="-1" strike="noStrike">
+                  <a:solidFill>
+                    <a:srgbClr val="000000"/>
+                  </a:solidFill>
+                  <a:latin typeface="Arial"/>
+                  <a:ea typeface="ヒラギノ明朝 ProN W3"/>
+                </a:rPr>
+                <a:t> </a:t>
+              </a:r>
+              <a:r>
+                <a:rPr b="0" lang="en-US" sz="3200" spc="-1" strike="noStrike">
+                  <a:solidFill>
+                    <a:srgbClr val="000000"/>
+                  </a:solidFill>
+                  <a:latin typeface="Arial"/>
+                  <a:ea typeface="ヒラギノ明朝 ProN W3"/>
+                </a:rPr>
+                <a:t>i</a:t>
+              </a:r>
+              <a:r>
+                <a:rPr b="0" lang="en-US" sz="3200" spc="-1" strike="noStrike">
+                  <a:solidFill>
+                    <a:srgbClr val="000000"/>
+                  </a:solidFill>
+                  <a:latin typeface="Arial"/>
+                  <a:ea typeface="ヒラギノ明朝 ProN W3"/>
+                </a:rPr>
+                <a:t>n</a:t>
+              </a:r>
+              <a:r>
+                <a:rPr b="0" lang="en-US" sz="3200" spc="-1" strike="noStrike">
+                  <a:solidFill>
+                    <a:srgbClr val="000000"/>
+                  </a:solidFill>
+                  <a:latin typeface="Arial"/>
+                  <a:ea typeface="ヒラギノ明朝 ProN W3"/>
+                </a:rPr>
+                <a:t>v</a:t>
+              </a:r>
+              <a:r>
+                <a:rPr b="0" lang="en-US" sz="3200" spc="-1" strike="noStrike">
+                  <a:solidFill>
+                    <a:srgbClr val="000000"/>
+                  </a:solidFill>
+                  <a:latin typeface="Arial"/>
+                  <a:ea typeface="ヒラギノ明朝 ProN W3"/>
+                </a:rPr>
+                <a:t>e</a:t>
+              </a:r>
+              <a:r>
+                <a:rPr b="0" lang="en-US" sz="3200" spc="-1" strike="noStrike">
+                  <a:solidFill>
+                    <a:srgbClr val="000000"/>
+                  </a:solidFill>
+                  <a:latin typeface="Arial"/>
+                  <a:ea typeface="ヒラギノ明朝 ProN W3"/>
+                </a:rPr>
+                <a:t>r</a:t>
+              </a:r>
+              <a:r>
+                <a:rPr b="0" lang="en-US" sz="3200" spc="-1" strike="noStrike">
+                  <a:solidFill>
+                    <a:srgbClr val="000000"/>
+                  </a:solidFill>
+                  <a:latin typeface="Arial"/>
+                  <a:ea typeface="ヒラギノ明朝 ProN W3"/>
+                </a:rPr>
+                <a:t>s</a:t>
+              </a:r>
+              <a:r>
+                <a:rPr b="0" lang="en-US" sz="3200" spc="-1" strike="noStrike">
+                  <a:solidFill>
+                    <a:srgbClr val="000000"/>
+                  </a:solidFill>
+                  <a:latin typeface="Arial"/>
+                  <a:ea typeface="ヒラギノ明朝 ProN W3"/>
+                </a:rPr>
+                <a:t>e</a:t>
+              </a:r>
+              <a:r>
+                <a:rPr b="0" lang="en-US" sz="3200" spc="-1" strike="noStrike">
+                  <a:solidFill>
+                    <a:srgbClr val="000000"/>
+                  </a:solidFill>
+                  <a:latin typeface="Arial"/>
+                  <a:ea typeface="ヒラギノ明朝 ProN W3"/>
+                </a:rPr>
+                <a:t> </a:t>
+              </a:r>
+              <a:r>
+                <a:rPr b="0" lang="en-US" sz="3200" spc="-1" strike="noStrike">
+                  <a:solidFill>
+                    <a:srgbClr val="000000"/>
+                  </a:solidFill>
+                  <a:latin typeface="Arial"/>
+                  <a:ea typeface="ヒラギノ明朝 ProN W3"/>
+                </a:rPr>
+                <a:t>r</a:t>
+              </a:r>
+              <a:r>
+                <a:rPr b="0" lang="en-US" sz="3200" spc="-1" strike="noStrike">
+                  <a:solidFill>
+                    <a:srgbClr val="000000"/>
+                  </a:solidFill>
+                  <a:latin typeface="Arial"/>
+                  <a:ea typeface="ヒラギノ明朝 ProN W3"/>
+                </a:rPr>
+                <a:t>e</a:t>
+              </a:r>
+              <a:r>
+                <a:rPr b="0" lang="en-US" sz="3200" spc="-1" strike="noStrike">
+                  <a:solidFill>
+                    <a:srgbClr val="000000"/>
+                  </a:solidFill>
+                  <a:latin typeface="Arial"/>
+                  <a:ea typeface="ヒラギノ明朝 ProN W3"/>
+                </a:rPr>
+                <a:t>l</a:t>
+              </a:r>
+              <a:r>
+                <a:rPr b="0" lang="en-US" sz="3200" spc="-1" strike="noStrike">
+                  <a:solidFill>
+                    <a:srgbClr val="000000"/>
+                  </a:solidFill>
+                  <a:latin typeface="Arial"/>
+                  <a:ea typeface="ヒラギノ明朝 ProN W3"/>
+                </a:rPr>
+                <a:t>a</a:t>
+              </a:r>
+              <a:r>
+                <a:rPr b="0" lang="en-US" sz="3200" spc="-1" strike="noStrike">
+                  <a:solidFill>
+                    <a:srgbClr val="000000"/>
+                  </a:solidFill>
+                  <a:latin typeface="Arial"/>
+                  <a:ea typeface="ヒラギノ明朝 ProN W3"/>
+                </a:rPr>
+                <a:t>t</a:t>
+              </a:r>
+              <a:r>
+                <a:rPr b="0" lang="en-US" sz="3200" spc="-1" strike="noStrike">
+                  <a:solidFill>
+                    <a:srgbClr val="000000"/>
+                  </a:solidFill>
+                  <a:latin typeface="Arial"/>
+                  <a:ea typeface="ヒラギノ明朝 ProN W3"/>
+                </a:rPr>
+                <a:t>i</a:t>
+              </a:r>
+              <a:r>
+                <a:rPr b="0" lang="en-US" sz="3200" spc="-1" strike="noStrike">
+                  <a:solidFill>
+                    <a:srgbClr val="000000"/>
+                  </a:solidFill>
+                  <a:latin typeface="Arial"/>
+                  <a:ea typeface="ヒラギノ明朝 ProN W3"/>
+                </a:rPr>
+                <a:t>o</a:t>
+              </a:r>
+              <a:r>
+                <a:rPr b="0" lang="en-US" sz="3200" spc="-1" strike="noStrike">
+                  <a:solidFill>
+                    <a:srgbClr val="000000"/>
+                  </a:solidFill>
+                  <a:latin typeface="Arial"/>
+                  <a:ea typeface="ヒラギノ明朝 ProN W3"/>
+                </a:rPr>
+                <a:t>n</a:t>
+              </a:r>
+              <a:r>
+                <a:rPr b="0" lang="en-US" sz="3200" spc="-1" strike="noStrike">
+                  <a:solidFill>
+                    <a:srgbClr val="000000"/>
+                  </a:solidFill>
+                  <a:latin typeface="Arial"/>
+                  <a:ea typeface="ヒラギノ明朝 ProN W3"/>
+                </a:rPr>
+                <a:t>s</a:t>
+              </a:r>
+              <a:r>
+                <a:rPr b="0" lang="en-US" sz="3200" spc="-1" strike="noStrike">
+                  <a:solidFill>
+                    <a:srgbClr val="000000"/>
+                  </a:solidFill>
+                  <a:latin typeface="Arial"/>
+                  <a:ea typeface="ヒラギノ明朝 ProN W3"/>
+                </a:rPr>
+                <a:t>h</a:t>
+              </a:r>
+              <a:r>
+                <a:rPr b="0" lang="en-US" sz="3200" spc="-1" strike="noStrike">
+                  <a:solidFill>
+                    <a:srgbClr val="000000"/>
+                  </a:solidFill>
+                  <a:latin typeface="Arial"/>
+                  <a:ea typeface="ヒラギノ明朝 ProN W3"/>
+                </a:rPr>
+                <a:t>i</a:t>
+              </a:r>
+              <a:r>
+                <a:rPr b="0" lang="en-US" sz="3200" spc="-1" strike="noStrike">
+                  <a:solidFill>
+                    <a:srgbClr val="000000"/>
+                  </a:solidFill>
+                  <a:latin typeface="Arial"/>
+                  <a:ea typeface="ヒラギノ明朝 ProN W3"/>
+                </a:rPr>
+                <a:t>p</a:t>
+              </a:r>
+              <a:r>
+                <a:rPr b="0" lang="en-US" sz="3200" spc="-1" strike="noStrike">
+                  <a:solidFill>
+                    <a:srgbClr val="000000"/>
+                  </a:solidFill>
+                  <a:latin typeface="Arial"/>
+                  <a:ea typeface="ヒラギノ明朝 ProN W3"/>
+                </a:rPr>
+                <a:t> </a:t>
+              </a:r>
+              <a:r>
+                <a:rPr b="0" lang="en-US" sz="3200" spc="-1" strike="noStrike">
+                  <a:solidFill>
+                    <a:srgbClr val="000000"/>
+                  </a:solidFill>
+                  <a:latin typeface="Arial"/>
+                  <a:ea typeface="ヒラギノ明朝 ProN W3"/>
+                </a:rPr>
+                <a:t>b</a:t>
+              </a:r>
+              <a:r>
+                <a:rPr b="0" lang="en-US" sz="3200" spc="-1" strike="noStrike">
+                  <a:solidFill>
+                    <a:srgbClr val="000000"/>
+                  </a:solidFill>
+                  <a:latin typeface="Arial"/>
+                  <a:ea typeface="ヒラギノ明朝 ProN W3"/>
+                </a:rPr>
+                <a:t>e</a:t>
+              </a:r>
+              <a:r>
+                <a:rPr b="0" lang="en-US" sz="3200" spc="-1" strike="noStrike">
+                  <a:solidFill>
+                    <a:srgbClr val="000000"/>
+                  </a:solidFill>
+                  <a:latin typeface="Arial"/>
+                  <a:ea typeface="ヒラギノ明朝 ProN W3"/>
+                </a:rPr>
+                <a:t>t</a:t>
+              </a:r>
+              <a:r>
+                <a:rPr b="0" lang="en-US" sz="3200" spc="-1" strike="noStrike">
+                  <a:solidFill>
+                    <a:srgbClr val="000000"/>
+                  </a:solidFill>
+                  <a:latin typeface="Arial"/>
+                  <a:ea typeface="ヒラギノ明朝 ProN W3"/>
+                </a:rPr>
+                <a:t>w</a:t>
+              </a:r>
+              <a:r>
+                <a:rPr b="0" lang="en-US" sz="3200" spc="-1" strike="noStrike">
+                  <a:solidFill>
+                    <a:srgbClr val="000000"/>
+                  </a:solidFill>
+                  <a:latin typeface="Arial"/>
+                  <a:ea typeface="ヒラギノ明朝 ProN W3"/>
+                </a:rPr>
+                <a:t>e</a:t>
+              </a:r>
+              <a:r>
+                <a:rPr b="0" lang="en-US" sz="3200" spc="-1" strike="noStrike">
+                  <a:solidFill>
+                    <a:srgbClr val="000000"/>
+                  </a:solidFill>
+                  <a:latin typeface="Arial"/>
+                  <a:ea typeface="ヒラギノ明朝 ProN W3"/>
+                </a:rPr>
+                <a:t>e</a:t>
+              </a:r>
+              <a:r>
+                <a:rPr b="0" lang="en-US" sz="3200" spc="-1" strike="noStrike">
+                  <a:solidFill>
+                    <a:srgbClr val="000000"/>
+                  </a:solidFill>
+                  <a:latin typeface="Arial"/>
+                  <a:ea typeface="ヒラギノ明朝 ProN W3"/>
+                </a:rPr>
+                <a:t>n</a:t>
+              </a:r>
+              <a:r>
+                <a:rPr b="0" lang="en-US" sz="3200" spc="-1" strike="noStrike">
+                  <a:solidFill>
+                    <a:srgbClr val="000000"/>
+                  </a:solidFill>
+                  <a:latin typeface="Arial"/>
+                  <a:ea typeface="ヒラギノ明朝 ProN W3"/>
+                </a:rPr>
+                <a:t> </a:t>
+              </a:r>
+              <a:r>
+                <a:rPr b="0" lang="en-US" sz="3200" spc="-1" strike="noStrike">
+                  <a:solidFill>
+                    <a:srgbClr val="000000"/>
+                  </a:solidFill>
+                  <a:latin typeface="Arial"/>
+                  <a:ea typeface="ヒラギノ明朝 ProN W3"/>
+                </a:rPr>
+                <a:t>i</a:t>
+              </a:r>
+              <a:r>
+                <a:rPr b="0" lang="en-US" sz="3200" spc="-1" strike="noStrike">
+                  <a:solidFill>
+                    <a:srgbClr val="000000"/>
+                  </a:solidFill>
+                  <a:latin typeface="Arial"/>
+                  <a:ea typeface="ヒラギノ明朝 ProN W3"/>
+                </a:rPr>
+                <a:t>n</a:t>
+              </a:r>
+              <a:r>
+                <a:rPr b="0" lang="en-US" sz="3200" spc="-1" strike="noStrike">
+                  <a:solidFill>
+                    <a:srgbClr val="000000"/>
+                  </a:solidFill>
+                  <a:latin typeface="Arial"/>
+                  <a:ea typeface="ヒラギノ明朝 ProN W3"/>
+                </a:rPr>
+                <a:t>d</a:t>
+              </a:r>
+              <a:r>
+                <a:rPr b="0" lang="en-US" sz="3200" spc="-1" strike="noStrike">
+                  <a:solidFill>
+                    <a:srgbClr val="000000"/>
+                  </a:solidFill>
+                  <a:latin typeface="Arial"/>
+                  <a:ea typeface="ヒラギノ明朝 ProN W3"/>
+                </a:rPr>
+                <a:t>u</a:t>
+              </a:r>
+              <a:r>
+                <a:rPr b="0" lang="en-US" sz="3200" spc="-1" strike="noStrike">
+                  <a:solidFill>
+                    <a:srgbClr val="000000"/>
+                  </a:solidFill>
+                  <a:latin typeface="Arial"/>
+                  <a:ea typeface="ヒラギノ明朝 ProN W3"/>
+                </a:rPr>
+                <a:t>s</a:t>
+              </a:r>
+              <a:r>
+                <a:rPr b="0" lang="en-US" sz="3200" spc="-1" strike="noStrike">
+                  <a:solidFill>
+                    <a:srgbClr val="000000"/>
+                  </a:solidFill>
+                  <a:latin typeface="Arial"/>
+                  <a:ea typeface="ヒラギノ明朝 ProN W3"/>
+                </a:rPr>
+                <a:t>t</a:t>
+              </a:r>
+              <a:r>
+                <a:rPr b="0" lang="en-US" sz="3200" spc="-1" strike="noStrike">
+                  <a:solidFill>
+                    <a:srgbClr val="000000"/>
+                  </a:solidFill>
+                  <a:latin typeface="Arial"/>
+                  <a:ea typeface="ヒラギノ明朝 ProN W3"/>
+                </a:rPr>
+                <a:t>r</a:t>
+              </a:r>
+              <a:r>
+                <a:rPr b="0" lang="en-US" sz="3200" spc="-1" strike="noStrike">
+                  <a:solidFill>
+                    <a:srgbClr val="000000"/>
+                  </a:solidFill>
+                  <a:latin typeface="Arial"/>
+                  <a:ea typeface="ヒラギノ明朝 ProN W3"/>
+                </a:rPr>
+                <a:t>y</a:t>
+              </a:r>
+              <a:r>
+                <a:rPr b="0" lang="en-US" sz="3200" spc="-1" strike="noStrike">
+                  <a:solidFill>
+                    <a:srgbClr val="000000"/>
+                  </a:solidFill>
+                  <a:latin typeface="Arial"/>
+                  <a:ea typeface="ヒラギノ明朝 ProN W3"/>
+                </a:rPr>
+                <a:t> </a:t>
+              </a:r>
+              <a:r>
+                <a:rPr b="0" lang="en-US" sz="3200" spc="-1" strike="noStrike">
+                  <a:solidFill>
+                    <a:srgbClr val="000000"/>
+                  </a:solidFill>
+                  <a:latin typeface="Arial"/>
+                  <a:ea typeface="ヒラギノ明朝 ProN W3"/>
+                </a:rPr>
+                <a:t>t</a:t>
+              </a:r>
+              <a:r>
+                <a:rPr b="0" lang="en-US" sz="3200" spc="-1" strike="noStrike">
+                  <a:solidFill>
+                    <a:srgbClr val="000000"/>
+                  </a:solidFill>
+                  <a:latin typeface="Arial"/>
+                  <a:ea typeface="ヒラギノ明朝 ProN W3"/>
+                </a:rPr>
+                <a:t>a</a:t>
+              </a:r>
+              <a:r>
+                <a:rPr b="0" lang="en-US" sz="3200" spc="-1" strike="noStrike">
+                  <a:solidFill>
+                    <a:srgbClr val="000000"/>
+                  </a:solidFill>
+                  <a:latin typeface="Arial"/>
+                  <a:ea typeface="ヒラギノ明朝 ProN W3"/>
+                </a:rPr>
+                <a:t>x</a:t>
+              </a:r>
+              <a:r>
+                <a:rPr b="0" lang="en-US" sz="3200" spc="-1" strike="noStrike">
+                  <a:solidFill>
+                    <a:srgbClr val="000000"/>
+                  </a:solidFill>
+                  <a:latin typeface="Arial"/>
+                  <a:ea typeface="ヒラギノ明朝 ProN W3"/>
+                </a:rPr>
+                <a:t> </a:t>
+              </a:r>
+              <a:r>
+                <a:rPr b="0" lang="en-US" sz="3200" spc="-1" strike="noStrike">
+                  <a:solidFill>
+                    <a:srgbClr val="000000"/>
+                  </a:solidFill>
+                  <a:latin typeface="Arial"/>
+                  <a:ea typeface="ヒラギノ明朝 ProN W3"/>
+                </a:rPr>
+                <a:t>r</a:t>
+              </a:r>
+              <a:r>
+                <a:rPr b="0" lang="en-US" sz="3200" spc="-1" strike="noStrike">
+                  <a:solidFill>
+                    <a:srgbClr val="000000"/>
+                  </a:solidFill>
+                  <a:latin typeface="Arial"/>
+                  <a:ea typeface="ヒラギノ明朝 ProN W3"/>
+                </a:rPr>
+                <a:t>a</a:t>
+              </a:r>
+              <a:r>
+                <a:rPr b="0" lang="en-US" sz="3200" spc="-1" strike="noStrike">
+                  <a:solidFill>
+                    <a:srgbClr val="000000"/>
+                  </a:solidFill>
+                  <a:latin typeface="Arial"/>
+                  <a:ea typeface="ヒラギノ明朝 ProN W3"/>
+                </a:rPr>
+                <a:t>t</a:t>
+              </a:r>
+              <a:r>
+                <a:rPr b="0" lang="en-US" sz="3200" spc="-1" strike="noStrike">
+                  <a:solidFill>
+                    <a:srgbClr val="000000"/>
+                  </a:solidFill>
+                  <a:latin typeface="Arial"/>
+                  <a:ea typeface="ヒラギノ明朝 ProN W3"/>
+                </a:rPr>
+                <a:t>e</a:t>
+              </a:r>
+              <a:r>
+                <a:rPr b="0" lang="en-US" sz="3200" spc="-1" strike="noStrike">
+                  <a:solidFill>
+                    <a:srgbClr val="000000"/>
+                  </a:solidFill>
+                  <a:latin typeface="Arial"/>
+                  <a:ea typeface="ヒラギノ明朝 ProN W3"/>
+                </a:rPr>
+                <a:t> </a:t>
+              </a:r>
+              <a:r>
+                <a:rPr b="0" lang="en-US" sz="3200" spc="-1" strike="noStrike">
+                  <a:solidFill>
+                    <a:srgbClr val="000000"/>
+                  </a:solidFill>
+                  <a:latin typeface="Arial"/>
+                  <a:ea typeface="ヒラギノ明朝 ProN W3"/>
+                </a:rPr>
+                <a:t>a</a:t>
+              </a:r>
+              <a:r>
+                <a:rPr b="0" lang="en-US" sz="3200" spc="-1" strike="noStrike">
+                  <a:solidFill>
+                    <a:srgbClr val="000000"/>
+                  </a:solidFill>
+                  <a:latin typeface="Arial"/>
+                  <a:ea typeface="ヒラギノ明朝 ProN W3"/>
+                </a:rPr>
+                <a:t>n</a:t>
+              </a:r>
+              <a:r>
+                <a:rPr b="0" lang="en-US" sz="3200" spc="-1" strike="noStrike">
+                  <a:solidFill>
+                    <a:srgbClr val="000000"/>
+                  </a:solidFill>
+                  <a:latin typeface="Arial"/>
+                  <a:ea typeface="ヒラギノ明朝 ProN W3"/>
+                </a:rPr>
+                <a:t>d</a:t>
+              </a:r>
+              <a:r>
+                <a:rPr b="0" lang="en-US" sz="3200" spc="-1" strike="noStrike">
+                  <a:solidFill>
+                    <a:srgbClr val="000000"/>
+                  </a:solidFill>
+                  <a:latin typeface="Arial"/>
+                  <a:ea typeface="ヒラギノ明朝 ProN W3"/>
+                </a:rPr>
+                <a:t> </a:t>
+              </a:r>
+              <a:r>
+                <a:rPr b="0" lang="en-US" sz="3200" spc="-1" strike="noStrike">
+                  <a:solidFill>
+                    <a:srgbClr val="000000"/>
+                  </a:solidFill>
+                  <a:latin typeface="Arial"/>
+                  <a:ea typeface="ヒラギノ明朝 ProN W3"/>
+                </a:rPr>
+                <a:t>a</a:t>
+              </a:r>
+              <a:r>
+                <a:rPr b="0" lang="en-US" sz="3200" spc="-1" strike="noStrike">
+                  <a:solidFill>
+                    <a:srgbClr val="000000"/>
+                  </a:solidFill>
+                  <a:latin typeface="Arial"/>
+                  <a:ea typeface="ヒラギノ明朝 ProN W3"/>
+                </a:rPr>
+                <a:t>v</a:t>
+              </a:r>
+              <a:r>
+                <a:rPr b="0" lang="en-US" sz="3200" spc="-1" strike="noStrike">
+                  <a:solidFill>
+                    <a:srgbClr val="000000"/>
+                  </a:solidFill>
+                  <a:latin typeface="Arial"/>
+                  <a:ea typeface="ヒラギノ明朝 ProN W3"/>
+                </a:rPr>
+                <a:t>e</a:t>
+              </a:r>
+              <a:r>
+                <a:rPr b="0" lang="en-US" sz="3200" spc="-1" strike="noStrike">
+                  <a:solidFill>
+                    <a:srgbClr val="000000"/>
+                  </a:solidFill>
+                  <a:latin typeface="Arial"/>
+                  <a:ea typeface="ヒラギノ明朝 ProN W3"/>
+                </a:rPr>
+                <a:t>r</a:t>
+              </a:r>
+              <a:r>
+                <a:rPr b="0" lang="en-US" sz="3200" spc="-1" strike="noStrike">
+                  <a:solidFill>
+                    <a:srgbClr val="000000"/>
+                  </a:solidFill>
+                  <a:latin typeface="Arial"/>
+                  <a:ea typeface="ヒラギノ明朝 ProN W3"/>
+                </a:rPr>
+                <a:t>a</a:t>
+              </a:r>
+              <a:r>
+                <a:rPr b="0" lang="en-US" sz="3200" spc="-1" strike="noStrike">
+                  <a:solidFill>
+                    <a:srgbClr val="000000"/>
+                  </a:solidFill>
+                  <a:latin typeface="Arial"/>
+                  <a:ea typeface="ヒラギノ明朝 ProN W3"/>
+                </a:rPr>
+                <a:t>g</a:t>
+              </a:r>
+              <a:r>
+                <a:rPr b="0" lang="en-US" sz="3200" spc="-1" strike="noStrike">
+                  <a:solidFill>
+                    <a:srgbClr val="000000"/>
+                  </a:solidFill>
+                  <a:latin typeface="Arial"/>
+                  <a:ea typeface="ヒラギノ明朝 ProN W3"/>
+                </a:rPr>
+                <a:t>e</a:t>
+              </a:r>
+              <a:r>
+                <a:rPr b="0" lang="en-US" sz="3200" spc="-1" strike="noStrike">
+                  <a:solidFill>
+                    <a:srgbClr val="000000"/>
+                  </a:solidFill>
+                  <a:latin typeface="Arial"/>
+                  <a:ea typeface="ヒラギノ明朝 ProN W3"/>
+                </a:rPr>
+                <a:t> </a:t>
+              </a:r>
+              <a:r>
+                <a:rPr b="0" lang="en-US" sz="3200" spc="-1" strike="noStrike">
+                  <a:solidFill>
+                    <a:srgbClr val="000000"/>
+                  </a:solidFill>
+                  <a:latin typeface="Arial"/>
+                  <a:ea typeface="ヒラギノ明朝 ProN W3"/>
+                </a:rPr>
+                <a:t>i</a:t>
+              </a:r>
+              <a:r>
+                <a:rPr b="0" lang="en-US" sz="3200" spc="-1" strike="noStrike">
+                  <a:solidFill>
+                    <a:srgbClr val="000000"/>
+                  </a:solidFill>
+                  <a:latin typeface="Arial"/>
+                  <a:ea typeface="ヒラギノ明朝 ProN W3"/>
+                </a:rPr>
+                <a:t>n</a:t>
+              </a:r>
+              <a:r>
+                <a:rPr b="0" lang="en-US" sz="3200" spc="-1" strike="noStrike">
+                  <a:solidFill>
+                    <a:srgbClr val="000000"/>
+                  </a:solidFill>
+                  <a:latin typeface="Arial"/>
+                  <a:ea typeface="ヒラギノ明朝 ProN W3"/>
+                </a:rPr>
+                <a:t>d</a:t>
+              </a:r>
+              <a:r>
+                <a:rPr b="0" lang="en-US" sz="3200" spc="-1" strike="noStrike">
+                  <a:solidFill>
+                    <a:srgbClr val="000000"/>
+                  </a:solidFill>
+                  <a:latin typeface="Arial"/>
+                  <a:ea typeface="ヒラギノ明朝 ProN W3"/>
+                </a:rPr>
+                <a:t>u</a:t>
+              </a:r>
+              <a:r>
+                <a:rPr b="0" lang="en-US" sz="3200" spc="-1" strike="noStrike">
+                  <a:solidFill>
+                    <a:srgbClr val="000000"/>
+                  </a:solidFill>
+                  <a:latin typeface="Arial"/>
+                  <a:ea typeface="ヒラギノ明朝 ProN W3"/>
+                </a:rPr>
+                <a:t>s</a:t>
+              </a:r>
+              <a:r>
+                <a:rPr b="0" lang="en-US" sz="3200" spc="-1" strike="noStrike">
+                  <a:solidFill>
+                    <a:srgbClr val="000000"/>
+                  </a:solidFill>
+                  <a:latin typeface="Arial"/>
+                  <a:ea typeface="ヒラギノ明朝 ProN W3"/>
+                </a:rPr>
+                <a:t>t</a:t>
+              </a:r>
+              <a:r>
+                <a:rPr b="0" lang="en-US" sz="3200" spc="-1" strike="noStrike">
+                  <a:solidFill>
+                    <a:srgbClr val="000000"/>
+                  </a:solidFill>
+                  <a:latin typeface="Arial"/>
+                  <a:ea typeface="ヒラギノ明朝 ProN W3"/>
+                </a:rPr>
+                <a:t>r</a:t>
+              </a:r>
+              <a:r>
+                <a:rPr b="0" lang="en-US" sz="3200" spc="-1" strike="noStrike">
+                  <a:solidFill>
+                    <a:srgbClr val="000000"/>
+                  </a:solidFill>
+                  <a:latin typeface="Arial"/>
+                  <a:ea typeface="ヒラギノ明朝 ProN W3"/>
+                </a:rPr>
+                <a:t>y</a:t>
+              </a:r>
+              <a:r>
+                <a:rPr b="0" lang="en-US" sz="3200" spc="-1" strike="noStrike">
+                  <a:solidFill>
+                    <a:srgbClr val="000000"/>
+                  </a:solidFill>
+                  <a:latin typeface="Arial"/>
+                  <a:ea typeface="ヒラギノ明朝 ProN W3"/>
+                </a:rPr>
+                <a:t> </a:t>
+              </a:r>
+              <a:r>
+                <a:rPr b="0" lang="en-US" sz="3200" spc="-1" strike="noStrike">
+                  <a:solidFill>
+                    <a:srgbClr val="000000"/>
+                  </a:solidFill>
+                  <a:latin typeface="Arial"/>
+                  <a:ea typeface="ヒラギノ明朝 ProN W3"/>
+                </a:rPr>
+                <a:t>w</a:t>
+              </a:r>
+              <a:r>
+                <a:rPr b="0" lang="en-US" sz="3200" spc="-1" strike="noStrike">
+                  <a:solidFill>
+                    <a:srgbClr val="000000"/>
+                  </a:solidFill>
+                  <a:latin typeface="Arial"/>
+                  <a:ea typeface="ヒラギノ明朝 ProN W3"/>
+                </a:rPr>
+                <a:t>a</a:t>
+              </a:r>
+              <a:r>
+                <a:rPr b="0" lang="en-US" sz="3200" spc="-1" strike="noStrike">
+                  <a:solidFill>
+                    <a:srgbClr val="000000"/>
+                  </a:solidFill>
+                  <a:latin typeface="Arial"/>
+                  <a:ea typeface="ヒラギノ明朝 ProN W3"/>
+                </a:rPr>
+                <a:t>g</a:t>
+              </a:r>
+              <a:r>
+                <a:rPr b="0" lang="en-US" sz="3200" spc="-1" strike="noStrike">
+                  <a:solidFill>
+                    <a:srgbClr val="000000"/>
+                  </a:solidFill>
+                  <a:latin typeface="Arial"/>
+                  <a:ea typeface="ヒラギノ明朝 ProN W3"/>
+                </a:rPr>
+                <a:t>e</a:t>
+              </a:r>
+              <a:r>
+                <a:rPr b="0" lang="en-US" sz="3200" spc="-1" strike="noStrike">
+                  <a:solidFill>
+                    <a:srgbClr val="000000"/>
+                  </a:solidFill>
+                  <a:latin typeface="Arial"/>
+                  <a:ea typeface="ヒラギノ明朝 ProN W3"/>
+                </a:rPr>
+                <a:t>s</a:t>
+              </a:r>
+              <a:r>
+                <a:rPr b="0" lang="en-US" sz="3200" spc="-1" strike="noStrike">
+                  <a:solidFill>
+                    <a:srgbClr val="000000"/>
+                  </a:solidFill>
+                  <a:latin typeface="Arial"/>
+                  <a:ea typeface="ヒラギノ明朝 ProN W3"/>
+                </a:rPr>
+                <a:t>.</a:t>
+              </a:r>
+              <a:endParaRPr b="0" lang="en-US" sz="3200" spc="-1" strike="noStrike">
+                <a:latin typeface="Arial"/>
+              </a:endParaRPr>
+            </a:p>
+            <a:p>
+              <a:pPr marL="216000" indent="-216000">
+                <a:lnSpc>
+                  <a:spcPct val="100000"/>
+                </a:lnSpc>
+                <a:buClr>
+                  <a:srgbClr val="000000"/>
+                </a:buClr>
+                <a:buFont typeface="Wingdings" charset="2"/>
+                <a:buChar char=""/>
+              </a:pPr>
+              <a:r>
+                <a:rPr b="0" lang="en-US" sz="3200" spc="-1" strike="noStrike">
+                  <a:solidFill>
+                    <a:srgbClr val="000000"/>
+                  </a:solidFill>
+                  <a:latin typeface="Arial"/>
+                  <a:ea typeface="ヒラギノ明朝 ProN W3"/>
+                </a:rPr>
+                <a:t> </a:t>
+              </a:r>
+              <a:r>
+                <a:rPr b="0" lang="en-US" sz="3200" spc="-1" strike="noStrike">
+                  <a:solidFill>
+                    <a:srgbClr val="000000"/>
+                  </a:solidFill>
+                  <a:latin typeface="Arial"/>
+                  <a:ea typeface="ヒラギノ明朝 ProN W3"/>
+                </a:rPr>
+                <a:t>T</a:t>
+              </a:r>
+              <a:r>
+                <a:rPr b="0" lang="en-US" sz="3200" spc="-1" strike="noStrike">
+                  <a:solidFill>
+                    <a:srgbClr val="000000"/>
+                  </a:solidFill>
+                  <a:latin typeface="Arial"/>
+                  <a:ea typeface="ヒラギノ明朝 ProN W3"/>
+                </a:rPr>
+                <a:t>h</a:t>
+              </a:r>
+              <a:r>
+                <a:rPr b="0" lang="en-US" sz="3200" spc="-1" strike="noStrike">
+                  <a:solidFill>
+                    <a:srgbClr val="000000"/>
+                  </a:solidFill>
+                  <a:latin typeface="Arial"/>
+                  <a:ea typeface="ヒラギノ明朝 ProN W3"/>
+                </a:rPr>
+                <a:t>e</a:t>
+              </a:r>
+              <a:r>
+                <a:rPr b="0" lang="en-US" sz="3200" spc="-1" strike="noStrike">
+                  <a:solidFill>
+                    <a:srgbClr val="000000"/>
+                  </a:solidFill>
+                  <a:latin typeface="Arial"/>
+                  <a:ea typeface="ヒラギノ明朝 ProN W3"/>
+                </a:rPr>
+                <a:t>r</a:t>
+              </a:r>
+              <a:r>
+                <a:rPr b="0" lang="en-US" sz="3200" spc="-1" strike="noStrike">
+                  <a:solidFill>
+                    <a:srgbClr val="000000"/>
+                  </a:solidFill>
+                  <a:latin typeface="Arial"/>
+                  <a:ea typeface="ヒラギノ明朝 ProN W3"/>
+                </a:rPr>
+                <a:t>e</a:t>
+              </a:r>
+              <a:r>
+                <a:rPr b="0" lang="en-US" sz="3200" spc="-1" strike="noStrike">
+                  <a:solidFill>
+                    <a:srgbClr val="000000"/>
+                  </a:solidFill>
+                  <a:latin typeface="Arial"/>
+                  <a:ea typeface="ヒラギノ明朝 ProN W3"/>
+                </a:rPr>
+                <a:t> </a:t>
+              </a:r>
+              <a:r>
+                <a:rPr b="0" lang="en-US" sz="3200" spc="-1" strike="noStrike">
+                  <a:solidFill>
+                    <a:srgbClr val="000000"/>
+                  </a:solidFill>
+                  <a:latin typeface="Arial"/>
+                  <a:ea typeface="ヒラギノ明朝 ProN W3"/>
+                </a:rPr>
+                <a:t>e</a:t>
+              </a:r>
+              <a:r>
+                <a:rPr b="0" lang="en-US" sz="3200" spc="-1" strike="noStrike">
+                  <a:solidFill>
+                    <a:srgbClr val="000000"/>
+                  </a:solidFill>
+                  <a:latin typeface="Arial"/>
+                  <a:ea typeface="ヒラギノ明朝 ProN W3"/>
+                </a:rPr>
+                <a:t>x</a:t>
+              </a:r>
+              <a:r>
+                <a:rPr b="0" lang="en-US" sz="3200" spc="-1" strike="noStrike">
+                  <a:solidFill>
+                    <a:srgbClr val="000000"/>
+                  </a:solidFill>
+                  <a:latin typeface="Arial"/>
+                  <a:ea typeface="ヒラギノ明朝 ProN W3"/>
+                </a:rPr>
+                <a:t>i</a:t>
+              </a:r>
+              <a:r>
+                <a:rPr b="0" lang="en-US" sz="3200" spc="-1" strike="noStrike">
+                  <a:solidFill>
+                    <a:srgbClr val="000000"/>
+                  </a:solidFill>
+                  <a:latin typeface="Arial"/>
+                  <a:ea typeface="ヒラギノ明朝 ProN W3"/>
+                </a:rPr>
+                <a:t>s</a:t>
+              </a:r>
+              <a:r>
+                <a:rPr b="0" lang="en-US" sz="3200" spc="-1" strike="noStrike">
+                  <a:solidFill>
+                    <a:srgbClr val="000000"/>
+                  </a:solidFill>
+                  <a:latin typeface="Arial"/>
+                  <a:ea typeface="ヒラギノ明朝 ProN W3"/>
+                </a:rPr>
+                <a:t>t</a:t>
+              </a:r>
+              <a:r>
+                <a:rPr b="0" lang="en-US" sz="3200" spc="-1" strike="noStrike">
+                  <a:solidFill>
+                    <a:srgbClr val="000000"/>
+                  </a:solidFill>
+                  <a:latin typeface="Arial"/>
+                  <a:ea typeface="ヒラギノ明朝 ProN W3"/>
+                </a:rPr>
+                <a:t>s</a:t>
+              </a:r>
+              <a:r>
+                <a:rPr b="0" lang="en-US" sz="3200" spc="-1" strike="noStrike">
+                  <a:solidFill>
+                    <a:srgbClr val="000000"/>
+                  </a:solidFill>
+                  <a:latin typeface="Arial"/>
+                  <a:ea typeface="ヒラギノ明朝 ProN W3"/>
+                </a:rPr>
+                <a:t> </a:t>
+              </a:r>
+              <a:r>
+                <a:rPr b="0" lang="en-US" sz="3200" spc="-1" strike="noStrike">
+                  <a:solidFill>
+                    <a:srgbClr val="000000"/>
+                  </a:solidFill>
+                  <a:latin typeface="Arial"/>
+                  <a:ea typeface="ヒラギノ明朝 ProN W3"/>
+                </a:rPr>
+                <a:t>a</a:t>
+              </a:r>
+              <a:r>
+                <a:rPr b="0" lang="en-US" sz="3200" spc="-1" strike="noStrike">
+                  <a:solidFill>
+                    <a:srgbClr val="000000"/>
+                  </a:solidFill>
+                  <a:latin typeface="Arial"/>
+                  <a:ea typeface="ヒラギノ明朝 ProN W3"/>
+                </a:rPr>
+                <a:t> </a:t>
+              </a:r>
+              <a:r>
+                <a:rPr b="0" lang="en-US" sz="3200" spc="-1" strike="noStrike">
+                  <a:solidFill>
+                    <a:srgbClr val="000000"/>
+                  </a:solidFill>
+                  <a:latin typeface="Arial"/>
+                  <a:ea typeface="ヒラギノ明朝 ProN W3"/>
+                </a:rPr>
+                <a:t>s</a:t>
+              </a:r>
+              <a:r>
+                <a:rPr b="0" lang="en-US" sz="3200" spc="-1" strike="noStrike">
+                  <a:solidFill>
+                    <a:srgbClr val="000000"/>
+                  </a:solidFill>
+                  <a:latin typeface="Arial"/>
+                  <a:ea typeface="ヒラギノ明朝 ProN W3"/>
+                </a:rPr>
+                <a:t>m</a:t>
+              </a:r>
+              <a:r>
+                <a:rPr b="0" lang="en-US" sz="3200" spc="-1" strike="noStrike">
+                  <a:solidFill>
+                    <a:srgbClr val="000000"/>
+                  </a:solidFill>
+                  <a:latin typeface="Arial"/>
+                  <a:ea typeface="ヒラギノ明朝 ProN W3"/>
+                </a:rPr>
+                <a:t>a</a:t>
+              </a:r>
+              <a:r>
+                <a:rPr b="0" lang="en-US" sz="3200" spc="-1" strike="noStrike">
+                  <a:solidFill>
+                    <a:srgbClr val="000000"/>
+                  </a:solidFill>
+                  <a:latin typeface="Arial"/>
+                  <a:ea typeface="ヒラギノ明朝 ProN W3"/>
+                </a:rPr>
+                <a:t>l</a:t>
+              </a:r>
+              <a:r>
+                <a:rPr b="0" lang="en-US" sz="3200" spc="-1" strike="noStrike">
+                  <a:solidFill>
+                    <a:srgbClr val="000000"/>
+                  </a:solidFill>
+                  <a:latin typeface="Arial"/>
+                  <a:ea typeface="ヒラギノ明朝 ProN W3"/>
+                </a:rPr>
+                <a:t>l</a:t>
+              </a:r>
+              <a:r>
+                <a:rPr b="0" lang="en-US" sz="3200" spc="-1" strike="noStrike">
+                  <a:solidFill>
+                    <a:srgbClr val="000000"/>
+                  </a:solidFill>
+                  <a:latin typeface="Arial"/>
+                  <a:ea typeface="ヒラギノ明朝 ProN W3"/>
+                </a:rPr>
+                <a:t> </a:t>
+              </a:r>
+              <a:r>
+                <a:rPr b="0" lang="en-US" sz="3200" spc="-1" strike="noStrike">
+                  <a:solidFill>
+                    <a:srgbClr val="000000"/>
+                  </a:solidFill>
+                  <a:latin typeface="Arial"/>
+                  <a:ea typeface="ヒラギノ明朝 ProN W3"/>
+                </a:rPr>
+                <a:t>s</a:t>
+              </a:r>
+              <a:r>
+                <a:rPr b="0" lang="en-US" sz="3200" spc="-1" strike="noStrike">
+                  <a:solidFill>
+                    <a:srgbClr val="000000"/>
+                  </a:solidFill>
+                  <a:latin typeface="Arial"/>
+                  <a:ea typeface="ヒラギノ明朝 ProN W3"/>
+                </a:rPr>
+                <a:t>e</a:t>
+              </a:r>
+              <a:r>
+                <a:rPr b="0" lang="en-US" sz="3200" spc="-1" strike="noStrike">
+                  <a:solidFill>
+                    <a:srgbClr val="000000"/>
+                  </a:solidFill>
+                  <a:latin typeface="Arial"/>
+                  <a:ea typeface="ヒラギノ明朝 ProN W3"/>
+                </a:rPr>
+                <a:t>t</a:t>
+              </a:r>
+              <a:r>
+                <a:rPr b="0" lang="en-US" sz="3200" spc="-1" strike="noStrike">
+                  <a:solidFill>
+                    <a:srgbClr val="000000"/>
+                  </a:solidFill>
+                  <a:latin typeface="Arial"/>
+                  <a:ea typeface="ヒラギノ明朝 ProN W3"/>
+                </a:rPr>
+                <a:t> </a:t>
+              </a:r>
+              <a:r>
+                <a:rPr b="0" lang="en-US" sz="3200" spc="-1" strike="noStrike">
+                  <a:solidFill>
+                    <a:srgbClr val="000000"/>
+                  </a:solidFill>
+                  <a:latin typeface="Arial"/>
+                  <a:ea typeface="ヒラギノ明朝 ProN W3"/>
+                </a:rPr>
+                <a:t>o</a:t>
+              </a:r>
+              <a:r>
+                <a:rPr b="0" lang="en-US" sz="3200" spc="-1" strike="noStrike">
+                  <a:solidFill>
+                    <a:srgbClr val="000000"/>
+                  </a:solidFill>
+                  <a:latin typeface="Arial"/>
+                  <a:ea typeface="ヒラギノ明朝 ProN W3"/>
+                </a:rPr>
+                <a:t>f</a:t>
+              </a:r>
+              <a:r>
+                <a:rPr b="0" lang="en-US" sz="3200" spc="-1" strike="noStrike">
+                  <a:solidFill>
+                    <a:srgbClr val="000000"/>
+                  </a:solidFill>
+                  <a:latin typeface="Arial"/>
+                  <a:ea typeface="ヒラギノ明朝 ProN W3"/>
+                </a:rPr>
+                <a:t> </a:t>
+              </a:r>
+              <a:r>
+                <a:rPr b="0" lang="en-US" sz="3200" spc="-1" strike="noStrike">
+                  <a:solidFill>
+                    <a:srgbClr val="000000"/>
+                  </a:solidFill>
+                  <a:latin typeface="Arial"/>
+                  <a:ea typeface="ヒラギノ明朝 ProN W3"/>
+                </a:rPr>
+                <a:t>o</a:t>
+              </a:r>
+              <a:r>
+                <a:rPr b="0" lang="en-US" sz="3200" spc="-1" strike="noStrike">
+                  <a:solidFill>
+                    <a:srgbClr val="000000"/>
+                  </a:solidFill>
+                  <a:latin typeface="Arial"/>
+                  <a:ea typeface="ヒラギノ明朝 ProN W3"/>
+                </a:rPr>
+                <a:t>u</a:t>
+              </a:r>
+              <a:r>
+                <a:rPr b="0" lang="en-US" sz="3200" spc="-1" strike="noStrike">
+                  <a:solidFill>
+                    <a:srgbClr val="000000"/>
+                  </a:solidFill>
+                  <a:latin typeface="Arial"/>
+                  <a:ea typeface="ヒラギノ明朝 ProN W3"/>
+                </a:rPr>
+                <a:t>t</a:t>
+              </a:r>
+              <a:r>
+                <a:rPr b="0" lang="en-US" sz="3200" spc="-1" strike="noStrike">
+                  <a:solidFill>
+                    <a:srgbClr val="000000"/>
+                  </a:solidFill>
+                  <a:latin typeface="Arial"/>
+                  <a:ea typeface="ヒラギノ明朝 ProN W3"/>
+                </a:rPr>
+                <a:t>l</a:t>
+              </a:r>
+              <a:r>
+                <a:rPr b="0" lang="en-US" sz="3200" spc="-1" strike="noStrike">
+                  <a:solidFill>
+                    <a:srgbClr val="000000"/>
+                  </a:solidFill>
+                  <a:latin typeface="Arial"/>
+                  <a:ea typeface="ヒラギノ明朝 ProN W3"/>
+                </a:rPr>
+                <a:t>i</a:t>
+              </a:r>
+              <a:r>
+                <a:rPr b="0" lang="en-US" sz="3200" spc="-1" strike="noStrike">
+                  <a:solidFill>
+                    <a:srgbClr val="000000"/>
+                  </a:solidFill>
+                  <a:latin typeface="Arial"/>
+                  <a:ea typeface="ヒラギノ明朝 ProN W3"/>
+                </a:rPr>
+                <a:t>e</a:t>
+              </a:r>
+              <a:r>
+                <a:rPr b="0" lang="en-US" sz="3200" spc="-1" strike="noStrike">
+                  <a:solidFill>
+                    <a:srgbClr val="000000"/>
+                  </a:solidFill>
+                  <a:latin typeface="Arial"/>
+                  <a:ea typeface="ヒラギノ明朝 ProN W3"/>
+                </a:rPr>
+                <a:t>r</a:t>
+              </a:r>
+              <a:r>
+                <a:rPr b="0" lang="en-US" sz="3200" spc="-1" strike="noStrike">
+                  <a:solidFill>
+                    <a:srgbClr val="000000"/>
+                  </a:solidFill>
+                  <a:latin typeface="Arial"/>
+                  <a:ea typeface="ヒラギノ明朝 ProN W3"/>
+                </a:rPr>
+                <a:t> </a:t>
+              </a:r>
+              <a:r>
+                <a:rPr b="0" lang="en-US" sz="3200" spc="-1" strike="noStrike">
+                  <a:solidFill>
+                    <a:srgbClr val="000000"/>
+                  </a:solidFill>
+                  <a:latin typeface="Arial"/>
+                  <a:ea typeface="ヒラギノ明朝 ProN W3"/>
+                </a:rPr>
+                <a:t>i</a:t>
+              </a:r>
+              <a:r>
+                <a:rPr b="0" lang="en-US" sz="3200" spc="-1" strike="noStrike">
+                  <a:solidFill>
+                    <a:srgbClr val="000000"/>
+                  </a:solidFill>
+                  <a:latin typeface="Arial"/>
+                  <a:ea typeface="ヒラギノ明朝 ProN W3"/>
+                </a:rPr>
+                <a:t>n</a:t>
+              </a:r>
+              <a:r>
+                <a:rPr b="0" lang="en-US" sz="3200" spc="-1" strike="noStrike">
+                  <a:solidFill>
+                    <a:srgbClr val="000000"/>
+                  </a:solidFill>
+                  <a:latin typeface="Arial"/>
+                  <a:ea typeface="ヒラギノ明朝 ProN W3"/>
+                </a:rPr>
+                <a:t>d</a:t>
+              </a:r>
+              <a:r>
+                <a:rPr b="0" lang="en-US" sz="3200" spc="-1" strike="noStrike">
+                  <a:solidFill>
+                    <a:srgbClr val="000000"/>
+                  </a:solidFill>
+                  <a:latin typeface="Arial"/>
+                  <a:ea typeface="ヒラギノ明朝 ProN W3"/>
+                </a:rPr>
+                <a:t>u</a:t>
+              </a:r>
+              <a:r>
+                <a:rPr b="0" lang="en-US" sz="3200" spc="-1" strike="noStrike">
+                  <a:solidFill>
+                    <a:srgbClr val="000000"/>
+                  </a:solidFill>
+                  <a:latin typeface="Arial"/>
+                  <a:ea typeface="ヒラギノ明朝 ProN W3"/>
+                </a:rPr>
+                <a:t>s</a:t>
+              </a:r>
+              <a:r>
+                <a:rPr b="0" lang="en-US" sz="3200" spc="-1" strike="noStrike">
+                  <a:solidFill>
+                    <a:srgbClr val="000000"/>
+                  </a:solidFill>
+                  <a:latin typeface="Arial"/>
+                  <a:ea typeface="ヒラギノ明朝 ProN W3"/>
+                </a:rPr>
+                <a:t>t</a:t>
+              </a:r>
+              <a:r>
+                <a:rPr b="0" lang="en-US" sz="3200" spc="-1" strike="noStrike">
+                  <a:solidFill>
+                    <a:srgbClr val="000000"/>
+                  </a:solidFill>
+                  <a:latin typeface="Arial"/>
+                  <a:ea typeface="ヒラギノ明朝 ProN W3"/>
+                </a:rPr>
+                <a:t>r</a:t>
+              </a:r>
+              <a:r>
+                <a:rPr b="0" lang="en-US" sz="3200" spc="-1" strike="noStrike">
+                  <a:solidFill>
+                    <a:srgbClr val="000000"/>
+                  </a:solidFill>
+                  <a:latin typeface="Arial"/>
+                  <a:ea typeface="ヒラギノ明朝 ProN W3"/>
+                </a:rPr>
+                <a:t>i</a:t>
+              </a:r>
+              <a:r>
+                <a:rPr b="0" lang="en-US" sz="3200" spc="-1" strike="noStrike">
+                  <a:solidFill>
+                    <a:srgbClr val="000000"/>
+                  </a:solidFill>
+                  <a:latin typeface="Arial"/>
+                  <a:ea typeface="ヒラギノ明朝 ProN W3"/>
+                </a:rPr>
+                <a:t>e</a:t>
+              </a:r>
+              <a:r>
+                <a:rPr b="0" lang="en-US" sz="3200" spc="-1" strike="noStrike">
+                  <a:solidFill>
+                    <a:srgbClr val="000000"/>
+                  </a:solidFill>
+                  <a:latin typeface="Arial"/>
+                  <a:ea typeface="ヒラギノ明朝 ProN W3"/>
+                </a:rPr>
+                <a:t>s</a:t>
+              </a:r>
+              <a:r>
+                <a:rPr b="0" lang="en-US" sz="3200" spc="-1" strike="noStrike">
+                  <a:solidFill>
+                    <a:srgbClr val="000000"/>
+                  </a:solidFill>
+                  <a:latin typeface="Arial"/>
+                  <a:ea typeface="ヒラギノ明朝 ProN W3"/>
+                </a:rPr>
+                <a:t> </a:t>
+              </a:r>
+              <a:r>
+                <a:rPr b="0" lang="en-US" sz="3200" spc="-1" strike="noStrike">
+                  <a:solidFill>
+                    <a:srgbClr val="000000"/>
+                  </a:solidFill>
+                  <a:latin typeface="Arial"/>
+                  <a:ea typeface="ヒラギノ明朝 ProN W3"/>
+                </a:rPr>
+                <a:t>w</a:t>
+              </a:r>
+              <a:r>
+                <a:rPr b="0" lang="en-US" sz="3200" spc="-1" strike="noStrike">
+                  <a:solidFill>
+                    <a:srgbClr val="000000"/>
+                  </a:solidFill>
+                  <a:latin typeface="Arial"/>
+                  <a:ea typeface="ヒラギノ明朝 ProN W3"/>
+                </a:rPr>
+                <a:t>h</a:t>
+              </a:r>
+              <a:r>
+                <a:rPr b="0" lang="en-US" sz="3200" spc="-1" strike="noStrike">
+                  <a:solidFill>
+                    <a:srgbClr val="000000"/>
+                  </a:solidFill>
+                  <a:latin typeface="Arial"/>
+                  <a:ea typeface="ヒラギノ明朝 ProN W3"/>
+                </a:rPr>
+                <a:t>e</a:t>
+              </a:r>
+              <a:r>
+                <a:rPr b="0" lang="en-US" sz="3200" spc="-1" strike="noStrike">
+                  <a:solidFill>
+                    <a:srgbClr val="000000"/>
+                  </a:solidFill>
+                  <a:latin typeface="Arial"/>
+                  <a:ea typeface="ヒラギノ明朝 ProN W3"/>
+                </a:rPr>
+                <a:t>r</a:t>
+              </a:r>
+              <a:r>
+                <a:rPr b="0" lang="en-US" sz="3200" spc="-1" strike="noStrike">
+                  <a:solidFill>
+                    <a:srgbClr val="000000"/>
+                  </a:solidFill>
+                  <a:latin typeface="Arial"/>
+                  <a:ea typeface="ヒラギノ明朝 ProN W3"/>
+                </a:rPr>
+                <a:t>e</a:t>
+              </a:r>
+              <a:r>
+                <a:rPr b="0" lang="en-US" sz="3200" spc="-1" strike="noStrike">
+                  <a:solidFill>
+                    <a:srgbClr val="000000"/>
+                  </a:solidFill>
+                  <a:latin typeface="Arial"/>
+                  <a:ea typeface="ヒラギノ明朝 ProN W3"/>
+                </a:rPr>
+                <a:t> </a:t>
+              </a:r>
+              <a:r>
+                <a:rPr b="0" lang="en-US" sz="3200" spc="-1" strike="noStrike">
+                  <a:solidFill>
+                    <a:srgbClr val="000000"/>
+                  </a:solidFill>
+                  <a:latin typeface="Arial"/>
+                  <a:ea typeface="ヒラギノ明朝 ProN W3"/>
+                </a:rPr>
+                <a:t>t</a:t>
+              </a:r>
+              <a:r>
+                <a:rPr b="0" lang="en-US" sz="3200" spc="-1" strike="noStrike">
+                  <a:solidFill>
+                    <a:srgbClr val="000000"/>
+                  </a:solidFill>
+                  <a:latin typeface="Arial"/>
+                  <a:ea typeface="ヒラギノ明朝 ProN W3"/>
+                </a:rPr>
+                <a:t>h</a:t>
+              </a:r>
+              <a:r>
+                <a:rPr b="0" lang="en-US" sz="3200" spc="-1" strike="noStrike">
+                  <a:solidFill>
+                    <a:srgbClr val="000000"/>
+                  </a:solidFill>
+                  <a:latin typeface="Arial"/>
+                  <a:ea typeface="ヒラギノ明朝 ProN W3"/>
+                </a:rPr>
+                <a:t>i</a:t>
+              </a:r>
+              <a:r>
+                <a:rPr b="0" lang="en-US" sz="3200" spc="-1" strike="noStrike">
+                  <a:solidFill>
+                    <a:srgbClr val="000000"/>
+                  </a:solidFill>
+                  <a:latin typeface="Arial"/>
+                  <a:ea typeface="ヒラギノ明朝 ProN W3"/>
+                </a:rPr>
+                <a:t>s</a:t>
+              </a:r>
+              <a:r>
+                <a:rPr b="0" lang="en-US" sz="3200" spc="-1" strike="noStrike">
+                  <a:solidFill>
+                    <a:srgbClr val="000000"/>
+                  </a:solidFill>
+                  <a:latin typeface="Arial"/>
+                  <a:ea typeface="ヒラギノ明朝 ProN W3"/>
+                </a:rPr>
+                <a:t> </a:t>
+              </a:r>
+              <a:r>
+                <a:rPr b="0" lang="en-US" sz="3200" spc="-1" strike="noStrike">
+                  <a:solidFill>
+                    <a:srgbClr val="000000"/>
+                  </a:solidFill>
+                  <a:latin typeface="Arial"/>
+                  <a:ea typeface="ヒラギノ明朝 ProN W3"/>
+                </a:rPr>
+                <a:t>r</a:t>
+              </a:r>
+              <a:r>
+                <a:rPr b="0" lang="en-US" sz="3200" spc="-1" strike="noStrike">
+                  <a:solidFill>
+                    <a:srgbClr val="000000"/>
+                  </a:solidFill>
+                  <a:latin typeface="Arial"/>
+                  <a:ea typeface="ヒラギノ明朝 ProN W3"/>
+                </a:rPr>
+                <a:t>e</a:t>
+              </a:r>
+              <a:r>
+                <a:rPr b="0" lang="en-US" sz="3200" spc="-1" strike="noStrike">
+                  <a:solidFill>
+                    <a:srgbClr val="000000"/>
+                  </a:solidFill>
+                  <a:latin typeface="Arial"/>
+                  <a:ea typeface="ヒラギノ明朝 ProN W3"/>
+                </a:rPr>
+                <a:t>l</a:t>
+              </a:r>
+              <a:r>
+                <a:rPr b="0" lang="en-US" sz="3200" spc="-1" strike="noStrike">
+                  <a:solidFill>
+                    <a:srgbClr val="000000"/>
+                  </a:solidFill>
+                  <a:latin typeface="Arial"/>
+                  <a:ea typeface="ヒラギノ明朝 ProN W3"/>
+                </a:rPr>
+                <a:t>a</a:t>
+              </a:r>
+              <a:r>
+                <a:rPr b="0" lang="en-US" sz="3200" spc="-1" strike="noStrike">
+                  <a:solidFill>
+                    <a:srgbClr val="000000"/>
+                  </a:solidFill>
+                  <a:latin typeface="Arial"/>
+                  <a:ea typeface="ヒラギノ明朝 ProN W3"/>
+                </a:rPr>
+                <a:t>t</a:t>
+              </a:r>
+              <a:r>
+                <a:rPr b="0" lang="en-US" sz="3200" spc="-1" strike="noStrike">
+                  <a:solidFill>
+                    <a:srgbClr val="000000"/>
+                  </a:solidFill>
+                  <a:latin typeface="Arial"/>
+                  <a:ea typeface="ヒラギノ明朝 ProN W3"/>
+                </a:rPr>
+                <a:t>i</a:t>
+              </a:r>
+              <a:r>
+                <a:rPr b="0" lang="en-US" sz="3200" spc="-1" strike="noStrike">
+                  <a:solidFill>
+                    <a:srgbClr val="000000"/>
+                  </a:solidFill>
+                  <a:latin typeface="Arial"/>
+                  <a:ea typeface="ヒラギノ明朝 ProN W3"/>
+                </a:rPr>
+                <a:t>o</a:t>
+              </a:r>
+              <a:r>
+                <a:rPr b="0" lang="en-US" sz="3200" spc="-1" strike="noStrike">
+                  <a:solidFill>
+                    <a:srgbClr val="000000"/>
+                  </a:solidFill>
+                  <a:latin typeface="Arial"/>
+                  <a:ea typeface="ヒラギノ明朝 ProN W3"/>
+                </a:rPr>
+                <a:t>n</a:t>
+              </a:r>
+              <a:r>
+                <a:rPr b="0" lang="en-US" sz="3200" spc="-1" strike="noStrike">
+                  <a:solidFill>
+                    <a:srgbClr val="000000"/>
+                  </a:solidFill>
+                  <a:latin typeface="Arial"/>
+                  <a:ea typeface="ヒラギノ明朝 ProN W3"/>
+                </a:rPr>
+                <a:t>s</a:t>
+              </a:r>
+              <a:r>
+                <a:rPr b="0" lang="en-US" sz="3200" spc="-1" strike="noStrike">
+                  <a:solidFill>
+                    <a:srgbClr val="000000"/>
+                  </a:solidFill>
+                  <a:latin typeface="Arial"/>
+                  <a:ea typeface="ヒラギノ明朝 ProN W3"/>
+                </a:rPr>
+                <a:t>h</a:t>
+              </a:r>
+              <a:r>
+                <a:rPr b="0" lang="en-US" sz="3200" spc="-1" strike="noStrike">
+                  <a:solidFill>
+                    <a:srgbClr val="000000"/>
+                  </a:solidFill>
+                  <a:latin typeface="Arial"/>
+                  <a:ea typeface="ヒラギノ明朝 ProN W3"/>
+                </a:rPr>
+                <a:t>i</a:t>
+              </a:r>
+              <a:r>
+                <a:rPr b="0" lang="en-US" sz="3200" spc="-1" strike="noStrike">
+                  <a:solidFill>
+                    <a:srgbClr val="000000"/>
+                  </a:solidFill>
+                  <a:latin typeface="Arial"/>
+                  <a:ea typeface="ヒラギノ明朝 ProN W3"/>
+                </a:rPr>
+                <a:t>p</a:t>
+              </a:r>
+              <a:r>
+                <a:rPr b="0" lang="en-US" sz="3200" spc="-1" strike="noStrike">
+                  <a:solidFill>
+                    <a:srgbClr val="000000"/>
+                  </a:solidFill>
+                  <a:latin typeface="Arial"/>
+                  <a:ea typeface="ヒラギノ明朝 ProN W3"/>
+                </a:rPr>
+                <a:t> </a:t>
+              </a:r>
+              <a:r>
+                <a:rPr b="0" lang="en-US" sz="3200" spc="-1" strike="noStrike">
+                  <a:solidFill>
+                    <a:srgbClr val="000000"/>
+                  </a:solidFill>
+                  <a:latin typeface="Arial"/>
+                  <a:ea typeface="ヒラギノ明朝 ProN W3"/>
+                </a:rPr>
+                <a:t>b</a:t>
+              </a:r>
+              <a:r>
+                <a:rPr b="0" lang="en-US" sz="3200" spc="-1" strike="noStrike">
+                  <a:solidFill>
+                    <a:srgbClr val="000000"/>
+                  </a:solidFill>
+                  <a:latin typeface="Arial"/>
+                  <a:ea typeface="ヒラギノ明朝 ProN W3"/>
+                </a:rPr>
+                <a:t>r</a:t>
+              </a:r>
+              <a:r>
+                <a:rPr b="0" lang="en-US" sz="3200" spc="-1" strike="noStrike">
+                  <a:solidFill>
+                    <a:srgbClr val="000000"/>
+                  </a:solidFill>
+                  <a:latin typeface="Arial"/>
+                  <a:ea typeface="ヒラギノ明朝 ProN W3"/>
+                </a:rPr>
+                <a:t>e</a:t>
+              </a:r>
+              <a:r>
+                <a:rPr b="0" lang="en-US" sz="3200" spc="-1" strike="noStrike">
+                  <a:solidFill>
+                    <a:srgbClr val="000000"/>
+                  </a:solidFill>
+                  <a:latin typeface="Arial"/>
+                  <a:ea typeface="ヒラギノ明朝 ProN W3"/>
+                </a:rPr>
+                <a:t>a</a:t>
+              </a:r>
+              <a:r>
+                <a:rPr b="0" lang="en-US" sz="3200" spc="-1" strike="noStrike">
+                  <a:solidFill>
+                    <a:srgbClr val="000000"/>
+                  </a:solidFill>
+                  <a:latin typeface="Arial"/>
+                  <a:ea typeface="ヒラギノ明朝 ProN W3"/>
+                </a:rPr>
+                <a:t>k</a:t>
+              </a:r>
+              <a:r>
+                <a:rPr b="0" lang="en-US" sz="3200" spc="-1" strike="noStrike">
+                  <a:solidFill>
+                    <a:srgbClr val="000000"/>
+                  </a:solidFill>
+                  <a:latin typeface="Arial"/>
+                  <a:ea typeface="ヒラギノ明朝 ProN W3"/>
+                </a:rPr>
+                <a:t>s</a:t>
+              </a:r>
+              <a:r>
+                <a:rPr b="0" lang="en-US" sz="3200" spc="-1" strike="noStrike">
+                  <a:solidFill>
+                    <a:srgbClr val="000000"/>
+                  </a:solidFill>
+                  <a:latin typeface="Arial"/>
+                  <a:ea typeface="ヒラギノ明朝 ProN W3"/>
+                </a:rPr>
+                <a:t> </a:t>
+              </a:r>
+              <a:r>
+                <a:rPr b="0" lang="en-US" sz="3200" spc="-1" strike="noStrike">
+                  <a:solidFill>
+                    <a:srgbClr val="000000"/>
+                  </a:solidFill>
+                  <a:latin typeface="Arial"/>
+                  <a:ea typeface="ヒラギノ明朝 ProN W3"/>
+                </a:rPr>
+                <a:t>d</a:t>
+              </a:r>
+              <a:r>
+                <a:rPr b="0" lang="en-US" sz="3200" spc="-1" strike="noStrike">
+                  <a:solidFill>
+                    <a:srgbClr val="000000"/>
+                  </a:solidFill>
+                  <a:latin typeface="Arial"/>
+                  <a:ea typeface="ヒラギノ明朝 ProN W3"/>
+                </a:rPr>
+                <a:t>o</a:t>
+              </a:r>
+              <a:r>
+                <a:rPr b="0" lang="en-US" sz="3200" spc="-1" strike="noStrike">
+                  <a:solidFill>
+                    <a:srgbClr val="000000"/>
+                  </a:solidFill>
+                  <a:latin typeface="Arial"/>
+                  <a:ea typeface="ヒラギノ明朝 ProN W3"/>
+                </a:rPr>
+                <a:t>w</a:t>
+              </a:r>
+              <a:r>
+                <a:rPr b="0" lang="en-US" sz="3200" spc="-1" strike="noStrike">
+                  <a:solidFill>
+                    <a:srgbClr val="000000"/>
+                  </a:solidFill>
+                  <a:latin typeface="Arial"/>
+                  <a:ea typeface="ヒラギノ明朝 ProN W3"/>
+                </a:rPr>
+                <a:t>n</a:t>
+              </a:r>
+              <a:endParaRPr b="0" lang="en-US" sz="3200" spc="-1" strike="noStrike">
+                <a:latin typeface="Arial"/>
+              </a:endParaRPr>
+            </a:p>
+            <a:p>
+              <a:pPr marL="216000" indent="-216000">
+                <a:lnSpc>
+                  <a:spcPct val="100000"/>
+                </a:lnSpc>
+                <a:buClr>
+                  <a:srgbClr val="000000"/>
+                </a:buClr>
+                <a:buFont typeface="Wingdings" charset="2"/>
+                <a:buChar char=""/>
+              </a:pPr>
+              <a:r>
+                <a:rPr b="0" lang="en-US" sz="3200" spc="-1" strike="noStrike">
+                  <a:solidFill>
+                    <a:srgbClr val="000000"/>
+                  </a:solidFill>
+                  <a:latin typeface="Arial"/>
+                  <a:ea typeface="ヒラギノ明朝 ProN W3"/>
+                </a:rPr>
+                <a:t> </a:t>
+              </a:r>
+              <a:r>
+                <a:rPr b="0" lang="en-US" sz="3200" spc="-1" strike="noStrike">
+                  <a:solidFill>
+                    <a:srgbClr val="000000"/>
+                  </a:solidFill>
+                  <a:latin typeface="Arial"/>
+                  <a:ea typeface="ヒラギノ明朝 ProN W3"/>
+                </a:rPr>
+                <a:t>T</a:t>
+              </a:r>
+              <a:r>
+                <a:rPr b="0" lang="en-US" sz="3200" spc="-1" strike="noStrike">
+                  <a:solidFill>
+                    <a:srgbClr val="000000"/>
+                  </a:solidFill>
+                  <a:latin typeface="Arial"/>
+                  <a:ea typeface="ヒラギノ明朝 ProN W3"/>
+                </a:rPr>
+                <a:t>h</a:t>
+              </a:r>
+              <a:r>
+                <a:rPr b="0" lang="en-US" sz="3200" spc="-1" strike="noStrike">
+                  <a:solidFill>
+                    <a:srgbClr val="000000"/>
+                  </a:solidFill>
+                  <a:latin typeface="Arial"/>
+                  <a:ea typeface="ヒラギノ明朝 ProN W3"/>
+                </a:rPr>
+                <a:t>e</a:t>
+              </a:r>
+              <a:r>
+                <a:rPr b="0" lang="en-US" sz="3200" spc="-1" strike="noStrike">
+                  <a:solidFill>
+                    <a:srgbClr val="000000"/>
+                  </a:solidFill>
+                  <a:latin typeface="Arial"/>
+                  <a:ea typeface="ヒラギノ明朝 ProN W3"/>
+                </a:rPr>
+                <a:t> </a:t>
+              </a:r>
+              <a:r>
+                <a:rPr b="0" lang="en-US" sz="3200" spc="-1" strike="noStrike">
+                  <a:solidFill>
+                    <a:srgbClr val="000000"/>
+                  </a:solidFill>
+                  <a:latin typeface="Arial"/>
+                  <a:ea typeface="ヒラギノ明朝 ProN W3"/>
+                </a:rPr>
+                <a:t>r</a:t>
+              </a:r>
+              <a:r>
+                <a:rPr b="0" lang="en-US" sz="3200" spc="-1" strike="noStrike">
+                  <a:solidFill>
+                    <a:srgbClr val="000000"/>
+                  </a:solidFill>
+                  <a:latin typeface="Arial"/>
+                  <a:ea typeface="ヒラギノ明朝 ProN W3"/>
+                </a:rPr>
+                <a:t>e</a:t>
+              </a:r>
+              <a:r>
+                <a:rPr b="0" lang="en-US" sz="3200" spc="-1" strike="noStrike">
+                  <a:solidFill>
+                    <a:srgbClr val="000000"/>
+                  </a:solidFill>
+                  <a:latin typeface="Arial"/>
+                  <a:ea typeface="ヒラギノ明朝 ProN W3"/>
+                </a:rPr>
+                <a:t>g</a:t>
+              </a:r>
+              <a:r>
+                <a:rPr b="0" lang="en-US" sz="3200" spc="-1" strike="noStrike">
+                  <a:solidFill>
+                    <a:srgbClr val="000000"/>
+                  </a:solidFill>
+                  <a:latin typeface="Arial"/>
+                  <a:ea typeface="ヒラギノ明朝 ProN W3"/>
+                </a:rPr>
+                <a:t>r</a:t>
+              </a:r>
+              <a:r>
+                <a:rPr b="0" lang="en-US" sz="3200" spc="-1" strike="noStrike">
+                  <a:solidFill>
+                    <a:srgbClr val="000000"/>
+                  </a:solidFill>
+                  <a:latin typeface="Arial"/>
+                  <a:ea typeface="ヒラギノ明朝 ProN W3"/>
+                </a:rPr>
+                <a:t>e</a:t>
+              </a:r>
+              <a:r>
+                <a:rPr b="0" lang="en-US" sz="3200" spc="-1" strike="noStrike">
+                  <a:solidFill>
+                    <a:srgbClr val="000000"/>
+                  </a:solidFill>
+                  <a:latin typeface="Arial"/>
+                  <a:ea typeface="ヒラギノ明朝 ProN W3"/>
+                </a:rPr>
+                <a:t>s</a:t>
+              </a:r>
+              <a:r>
+                <a:rPr b="0" lang="en-US" sz="3200" spc="-1" strike="noStrike">
+                  <a:solidFill>
+                    <a:srgbClr val="000000"/>
+                  </a:solidFill>
+                  <a:latin typeface="Arial"/>
+                  <a:ea typeface="ヒラギノ明朝 ProN W3"/>
+                </a:rPr>
+                <a:t>s</a:t>
+              </a:r>
+              <a:r>
+                <a:rPr b="0" lang="en-US" sz="3200" spc="-1" strike="noStrike">
+                  <a:solidFill>
+                    <a:srgbClr val="000000"/>
+                  </a:solidFill>
+                  <a:latin typeface="Arial"/>
+                  <a:ea typeface="ヒラギノ明朝 ProN W3"/>
+                </a:rPr>
+                <a:t>i</a:t>
+              </a:r>
+              <a:r>
+                <a:rPr b="0" lang="en-US" sz="3200" spc="-1" strike="noStrike">
+                  <a:solidFill>
+                    <a:srgbClr val="000000"/>
+                  </a:solidFill>
+                  <a:latin typeface="Arial"/>
+                  <a:ea typeface="ヒラギノ明朝 ProN W3"/>
+                </a:rPr>
+                <a:t>o</a:t>
+              </a:r>
+              <a:r>
+                <a:rPr b="0" lang="en-US" sz="3200" spc="-1" strike="noStrike">
+                  <a:solidFill>
+                    <a:srgbClr val="000000"/>
+                  </a:solidFill>
+                  <a:latin typeface="Arial"/>
+                  <a:ea typeface="ヒラギノ明朝 ProN W3"/>
+                </a:rPr>
+                <a:t>n</a:t>
+              </a:r>
+              <a:r>
+                <a:rPr b="0" lang="en-US" sz="3200" spc="-1" strike="noStrike">
+                  <a:solidFill>
+                    <a:srgbClr val="000000"/>
+                  </a:solidFill>
+                  <a:latin typeface="Arial"/>
+                  <a:ea typeface="ヒラギノ明朝 ProN W3"/>
+                </a:rPr>
+                <a:t> </a:t>
+              </a:r>
+              <a:r>
+                <a:rPr b="0" lang="en-US" sz="3200" spc="-1" strike="noStrike">
+                  <a:solidFill>
+                    <a:srgbClr val="000000"/>
+                  </a:solidFill>
+                  <a:latin typeface="Arial"/>
+                  <a:ea typeface="ヒラギノ明朝 ProN W3"/>
+                </a:rPr>
+                <a:t>t</a:t>
+              </a:r>
+              <a:r>
+                <a:rPr b="0" lang="en-US" sz="3200" spc="-1" strike="noStrike">
+                  <a:solidFill>
+                    <a:srgbClr val="000000"/>
+                  </a:solidFill>
+                  <a:latin typeface="Arial"/>
+                  <a:ea typeface="ヒラギノ明朝 ProN W3"/>
+                </a:rPr>
+                <a:t>r</a:t>
+              </a:r>
+              <a:r>
+                <a:rPr b="0" lang="en-US" sz="3200" spc="-1" strike="noStrike">
+                  <a:solidFill>
+                    <a:srgbClr val="000000"/>
+                  </a:solidFill>
+                  <a:latin typeface="Arial"/>
+                  <a:ea typeface="ヒラギノ明朝 ProN W3"/>
+                </a:rPr>
+                <a:t>e</a:t>
+              </a:r>
+              <a:r>
+                <a:rPr b="0" lang="en-US" sz="3200" spc="-1" strike="noStrike">
+                  <a:solidFill>
+                    <a:srgbClr val="000000"/>
+                  </a:solidFill>
+                  <a:latin typeface="Arial"/>
+                  <a:ea typeface="ヒラギノ明朝 ProN W3"/>
+                </a:rPr>
+                <a:t>e</a:t>
+              </a:r>
+              <a:r>
+                <a:rPr b="0" lang="en-US" sz="3200" spc="-1" strike="noStrike">
+                  <a:solidFill>
+                    <a:srgbClr val="000000"/>
+                  </a:solidFill>
+                  <a:latin typeface="Arial"/>
+                  <a:ea typeface="ヒラギノ明朝 ProN W3"/>
+                </a:rPr>
+                <a:t> </a:t>
+              </a:r>
+              <a:r>
+                <a:rPr b="0" lang="en-US" sz="3200" spc="-1" strike="noStrike">
+                  <a:solidFill>
+                    <a:srgbClr val="000000"/>
+                  </a:solidFill>
+                  <a:latin typeface="Arial"/>
+                  <a:ea typeface="ヒラギノ明朝 ProN W3"/>
+                </a:rPr>
+                <a:t>s</a:t>
+              </a:r>
+              <a:r>
+                <a:rPr b="0" lang="en-US" sz="3200" spc="-1" strike="noStrike">
+                  <a:solidFill>
+                    <a:srgbClr val="000000"/>
+                  </a:solidFill>
+                  <a:latin typeface="Arial"/>
+                  <a:ea typeface="ヒラギノ明朝 ProN W3"/>
+                </a:rPr>
+                <a:t>u</a:t>
+              </a:r>
+              <a:r>
+                <a:rPr b="0" lang="en-US" sz="3200" spc="-1" strike="noStrike">
+                  <a:solidFill>
+                    <a:srgbClr val="000000"/>
+                  </a:solidFill>
+                  <a:latin typeface="Arial"/>
+                  <a:ea typeface="ヒラギノ明朝 ProN W3"/>
+                </a:rPr>
+                <a:t>g</a:t>
+              </a:r>
+              <a:r>
+                <a:rPr b="0" lang="en-US" sz="3200" spc="-1" strike="noStrike">
+                  <a:solidFill>
+                    <a:srgbClr val="000000"/>
+                  </a:solidFill>
+                  <a:latin typeface="Arial"/>
+                  <a:ea typeface="ヒラギノ明朝 ProN W3"/>
+                </a:rPr>
+                <a:t>g</a:t>
+              </a:r>
+              <a:r>
+                <a:rPr b="0" lang="en-US" sz="3200" spc="-1" strike="noStrike">
+                  <a:solidFill>
+                    <a:srgbClr val="000000"/>
+                  </a:solidFill>
+                  <a:latin typeface="Arial"/>
+                  <a:ea typeface="ヒラギノ明朝 ProN W3"/>
+                </a:rPr>
+                <a:t>e</a:t>
+              </a:r>
+              <a:r>
+                <a:rPr b="0" lang="en-US" sz="3200" spc="-1" strike="noStrike">
+                  <a:solidFill>
+                    <a:srgbClr val="000000"/>
+                  </a:solidFill>
+                  <a:latin typeface="Arial"/>
+                  <a:ea typeface="ヒラギノ明朝 ProN W3"/>
+                </a:rPr>
+                <a:t>s</a:t>
+              </a:r>
+              <a:r>
+                <a:rPr b="0" lang="en-US" sz="3200" spc="-1" strike="noStrike">
+                  <a:solidFill>
+                    <a:srgbClr val="000000"/>
+                  </a:solidFill>
+                  <a:latin typeface="Arial"/>
+                  <a:ea typeface="ヒラギノ明朝 ProN W3"/>
+                </a:rPr>
+                <a:t>t</a:t>
+              </a:r>
+              <a:r>
+                <a:rPr b="0" lang="en-US" sz="3200" spc="-1" strike="noStrike">
+                  <a:solidFill>
+                    <a:srgbClr val="000000"/>
+                  </a:solidFill>
+                  <a:latin typeface="Arial"/>
+                  <a:ea typeface="ヒラギノ明朝 ProN W3"/>
+                </a:rPr>
+                <a:t> </a:t>
+              </a:r>
+              <a:r>
+                <a:rPr b="0" lang="en-US" sz="3200" spc="-1" strike="noStrike">
+                  <a:solidFill>
+                    <a:srgbClr val="000000"/>
+                  </a:solidFill>
+                  <a:latin typeface="Arial"/>
+                  <a:ea typeface="ヒラギノ明朝 ProN W3"/>
+                </a:rPr>
+                <a:t>t</a:t>
+              </a:r>
+              <a:r>
+                <a:rPr b="0" lang="en-US" sz="3200" spc="-1" strike="noStrike">
+                  <a:solidFill>
+                    <a:srgbClr val="000000"/>
+                  </a:solidFill>
+                  <a:latin typeface="Arial"/>
+                  <a:ea typeface="ヒラギノ明朝 ProN W3"/>
+                </a:rPr>
+                <a:t>h</a:t>
+              </a:r>
+              <a:r>
+                <a:rPr b="0" lang="en-US" sz="3200" spc="-1" strike="noStrike">
+                  <a:solidFill>
+                    <a:srgbClr val="000000"/>
+                  </a:solidFill>
+                  <a:latin typeface="Arial"/>
+                  <a:ea typeface="ヒラギノ明朝 ProN W3"/>
+                </a:rPr>
+                <a:t>a</a:t>
+              </a:r>
+              <a:r>
+                <a:rPr b="0" lang="en-US" sz="3200" spc="-1" strike="noStrike">
+                  <a:solidFill>
+                    <a:srgbClr val="000000"/>
+                  </a:solidFill>
+                  <a:latin typeface="Arial"/>
+                  <a:ea typeface="ヒラギノ明朝 ProN W3"/>
+                </a:rPr>
+                <a:t>t</a:t>
+              </a:r>
+              <a:r>
+                <a:rPr b="0" lang="en-US" sz="3200" spc="-1" strike="noStrike">
+                  <a:solidFill>
+                    <a:srgbClr val="000000"/>
+                  </a:solidFill>
+                  <a:latin typeface="Arial"/>
+                  <a:ea typeface="ヒラギノ明朝 ProN W3"/>
+                </a:rPr>
+                <a:t> </a:t>
+              </a:r>
+              <a:r>
+                <a:rPr b="0" lang="en-US" sz="3200" spc="-1" strike="noStrike">
+                  <a:solidFill>
+                    <a:srgbClr val="000000"/>
+                  </a:solidFill>
+                  <a:latin typeface="Arial"/>
+                  <a:ea typeface="ヒラギノ明朝 ProN W3"/>
+                </a:rPr>
+                <a:t>o</a:t>
+              </a:r>
+              <a:r>
+                <a:rPr b="0" lang="en-US" sz="3200" spc="-1" strike="noStrike">
+                  <a:solidFill>
+                    <a:srgbClr val="000000"/>
+                  </a:solidFill>
+                  <a:latin typeface="Arial"/>
+                  <a:ea typeface="ヒラギノ明朝 ProN W3"/>
+                </a:rPr>
+                <a:t>u</a:t>
+              </a:r>
+              <a:r>
+                <a:rPr b="0" lang="en-US" sz="3200" spc="-1" strike="noStrike">
+                  <a:solidFill>
+                    <a:srgbClr val="000000"/>
+                  </a:solidFill>
+                  <a:latin typeface="Arial"/>
+                  <a:ea typeface="ヒラギノ明朝 ProN W3"/>
+                </a:rPr>
+                <a:t>t</a:t>
+              </a:r>
+              <a:r>
+                <a:rPr b="0" lang="en-US" sz="3200" spc="-1" strike="noStrike">
+                  <a:solidFill>
+                    <a:srgbClr val="000000"/>
+                  </a:solidFill>
+                  <a:latin typeface="Arial"/>
+                  <a:ea typeface="ヒラギノ明朝 ProN W3"/>
+                </a:rPr>
+                <a:t> </a:t>
+              </a:r>
+              <a:r>
+                <a:rPr b="0" lang="en-US" sz="3200" spc="-1" strike="noStrike">
+                  <a:solidFill>
+                    <a:srgbClr val="000000"/>
+                  </a:solidFill>
+                  <a:latin typeface="Arial"/>
+                  <a:ea typeface="ヒラギノ明朝 ProN W3"/>
+                </a:rPr>
+                <a:t>o</a:t>
+              </a:r>
+              <a:r>
+                <a:rPr b="0" lang="en-US" sz="3200" spc="-1" strike="noStrike">
+                  <a:solidFill>
+                    <a:srgbClr val="000000"/>
+                  </a:solidFill>
+                  <a:latin typeface="Arial"/>
+                  <a:ea typeface="ヒラギノ明朝 ProN W3"/>
+                </a:rPr>
+                <a:t>f</a:t>
+              </a:r>
+              <a:r>
+                <a:rPr b="0" lang="en-US" sz="3200" spc="-1" strike="noStrike">
+                  <a:solidFill>
+                    <a:srgbClr val="000000"/>
+                  </a:solidFill>
+                  <a:latin typeface="Arial"/>
+                  <a:ea typeface="ヒラギノ明朝 ProN W3"/>
+                </a:rPr>
+                <a:t> </a:t>
+              </a:r>
+              <a:r>
+                <a:rPr b="0" lang="en-US" sz="3200" spc="-1" strike="noStrike">
+                  <a:solidFill>
+                    <a:srgbClr val="000000"/>
+                  </a:solidFill>
+                  <a:latin typeface="Arial"/>
+                  <a:ea typeface="ヒラギノ明朝 ProN W3"/>
+                </a:rPr>
+                <a:t>t</a:t>
+              </a:r>
+              <a:r>
+                <a:rPr b="0" lang="en-US" sz="3200" spc="-1" strike="noStrike">
+                  <a:solidFill>
+                    <a:srgbClr val="000000"/>
+                  </a:solidFill>
+                  <a:latin typeface="Arial"/>
+                  <a:ea typeface="ヒラギノ明朝 ProN W3"/>
+                </a:rPr>
+                <a:t>h</a:t>
+              </a:r>
+              <a:r>
+                <a:rPr b="0" lang="en-US" sz="3200" spc="-1" strike="noStrike">
+                  <a:solidFill>
+                    <a:srgbClr val="000000"/>
+                  </a:solidFill>
+                  <a:latin typeface="Arial"/>
+                  <a:ea typeface="ヒラギノ明朝 ProN W3"/>
+                </a:rPr>
+                <a:t>e</a:t>
+              </a:r>
+              <a:r>
+                <a:rPr b="0" lang="en-US" sz="3200" spc="-1" strike="noStrike">
+                  <a:solidFill>
+                    <a:srgbClr val="000000"/>
+                  </a:solidFill>
+                  <a:latin typeface="Arial"/>
+                  <a:ea typeface="ヒラギノ明朝 ProN W3"/>
+                </a:rPr>
+                <a:t> </a:t>
+              </a:r>
+              <a:r>
+                <a:rPr b="0" lang="en-US" sz="3200" spc="-1" strike="noStrike">
+                  <a:solidFill>
+                    <a:srgbClr val="000000"/>
+                  </a:solidFill>
+                  <a:latin typeface="Arial"/>
+                  <a:ea typeface="ヒラギノ明朝 ProN W3"/>
+                </a:rPr>
+                <a:t>t</a:t>
+              </a:r>
+              <a:r>
+                <a:rPr b="0" lang="en-US" sz="3200" spc="-1" strike="noStrike">
+                  <a:solidFill>
+                    <a:srgbClr val="000000"/>
+                  </a:solidFill>
+                  <a:latin typeface="Arial"/>
+                  <a:ea typeface="ヒラギノ明朝 ProN W3"/>
+                </a:rPr>
+                <a:t>h</a:t>
+              </a:r>
+              <a:r>
+                <a:rPr b="0" lang="en-US" sz="3200" spc="-1" strike="noStrike">
+                  <a:solidFill>
+                    <a:srgbClr val="000000"/>
+                  </a:solidFill>
+                  <a:latin typeface="Arial"/>
+                  <a:ea typeface="ヒラギノ明朝 ProN W3"/>
+                </a:rPr>
+                <a:t>r</a:t>
+              </a:r>
+              <a:r>
+                <a:rPr b="0" lang="en-US" sz="3200" spc="-1" strike="noStrike">
+                  <a:solidFill>
+                    <a:srgbClr val="000000"/>
+                  </a:solidFill>
+                  <a:latin typeface="Arial"/>
+                  <a:ea typeface="ヒラギノ明朝 ProN W3"/>
+                </a:rPr>
+                <a:t>e</a:t>
+              </a:r>
+              <a:r>
+                <a:rPr b="0" lang="en-US" sz="3200" spc="-1" strike="noStrike">
+                  <a:solidFill>
+                    <a:srgbClr val="000000"/>
+                  </a:solidFill>
+                  <a:latin typeface="Arial"/>
+                  <a:ea typeface="ヒラギノ明朝 ProN W3"/>
+                </a:rPr>
+                <a:t>e</a:t>
+              </a:r>
+              <a:r>
+                <a:rPr b="0" lang="en-US" sz="3200" spc="-1" strike="noStrike">
+                  <a:solidFill>
+                    <a:srgbClr val="000000"/>
+                  </a:solidFill>
+                  <a:latin typeface="Arial"/>
+                  <a:ea typeface="ヒラギノ明朝 ProN W3"/>
+                </a:rPr>
+                <a:t> </a:t>
+              </a:r>
+              <a:r>
+                <a:rPr b="0" lang="en-US" sz="3200" spc="-1" strike="noStrike">
+                  <a:solidFill>
+                    <a:srgbClr val="000000"/>
+                  </a:solidFill>
+                  <a:latin typeface="Arial"/>
+                  <a:ea typeface="ヒラギノ明朝 ProN W3"/>
+                </a:rPr>
+                <a:t>v</a:t>
+              </a:r>
+              <a:r>
+                <a:rPr b="0" lang="en-US" sz="3200" spc="-1" strike="noStrike">
+                  <a:solidFill>
+                    <a:srgbClr val="000000"/>
+                  </a:solidFill>
+                  <a:latin typeface="Arial"/>
+                  <a:ea typeface="ヒラギノ明朝 ProN W3"/>
+                </a:rPr>
+                <a:t>a</a:t>
+              </a:r>
+              <a:r>
+                <a:rPr b="0" lang="en-US" sz="3200" spc="-1" strike="noStrike">
+                  <a:solidFill>
+                    <a:srgbClr val="000000"/>
+                  </a:solidFill>
+                  <a:latin typeface="Arial"/>
+                  <a:ea typeface="ヒラギノ明朝 ProN W3"/>
+                </a:rPr>
+                <a:t>r</a:t>
+              </a:r>
+              <a:r>
+                <a:rPr b="0" lang="en-US" sz="3200" spc="-1" strike="noStrike">
+                  <a:solidFill>
+                    <a:srgbClr val="000000"/>
+                  </a:solidFill>
+                  <a:latin typeface="Arial"/>
+                  <a:ea typeface="ヒラギノ明朝 ProN W3"/>
+                </a:rPr>
+                <a:t>i</a:t>
+              </a:r>
+              <a:r>
+                <a:rPr b="0" lang="en-US" sz="3200" spc="-1" strike="noStrike">
+                  <a:solidFill>
+                    <a:srgbClr val="000000"/>
+                  </a:solidFill>
+                  <a:latin typeface="Arial"/>
+                  <a:ea typeface="ヒラギノ明朝 ProN W3"/>
+                </a:rPr>
+                <a:t>a</a:t>
+              </a:r>
+              <a:r>
+                <a:rPr b="0" lang="en-US" sz="3200" spc="-1" strike="noStrike">
+                  <a:solidFill>
+                    <a:srgbClr val="000000"/>
+                  </a:solidFill>
+                  <a:latin typeface="Arial"/>
+                  <a:ea typeface="ヒラギノ明朝 ProN W3"/>
+                </a:rPr>
+                <a:t>b</a:t>
+              </a:r>
+              <a:r>
+                <a:rPr b="0" lang="en-US" sz="3200" spc="-1" strike="noStrike">
+                  <a:solidFill>
+                    <a:srgbClr val="000000"/>
+                  </a:solidFill>
+                  <a:latin typeface="Arial"/>
+                  <a:ea typeface="ヒラギノ明朝 ProN W3"/>
+                </a:rPr>
+                <a:t>l</a:t>
+              </a:r>
+              <a:r>
+                <a:rPr b="0" lang="en-US" sz="3200" spc="-1" strike="noStrike">
+                  <a:solidFill>
+                    <a:srgbClr val="000000"/>
+                  </a:solidFill>
+                  <a:latin typeface="Arial"/>
+                  <a:ea typeface="ヒラギノ明朝 ProN W3"/>
+                </a:rPr>
+                <a:t>e</a:t>
+              </a:r>
+              <a:r>
+                <a:rPr b="0" lang="en-US" sz="3200" spc="-1" strike="noStrike">
+                  <a:solidFill>
+                    <a:srgbClr val="000000"/>
+                  </a:solidFill>
+                  <a:latin typeface="Arial"/>
+                  <a:ea typeface="ヒラギノ明朝 ProN W3"/>
+                </a:rPr>
+                <a:t>s</a:t>
+              </a:r>
+              <a:r>
+                <a:rPr b="0" lang="en-US" sz="3200" spc="-1" strike="noStrike">
+                  <a:solidFill>
+                    <a:srgbClr val="000000"/>
+                  </a:solidFill>
+                  <a:latin typeface="Arial"/>
+                  <a:ea typeface="ヒラギノ明朝 ProN W3"/>
+                </a:rPr>
+                <a:t> </a:t>
+              </a:r>
+              <a:r>
+                <a:rPr b="0" lang="en-US" sz="3200" spc="-1" strike="noStrike">
+                  <a:solidFill>
+                    <a:srgbClr val="000000"/>
+                  </a:solidFill>
+                  <a:latin typeface="Arial"/>
+                  <a:ea typeface="ヒラギノ明朝 ProN W3"/>
+                </a:rPr>
+                <a:t>u</a:t>
+              </a:r>
+              <a:r>
+                <a:rPr b="0" lang="en-US" sz="3200" spc="-1" strike="noStrike">
+                  <a:solidFill>
+                    <a:srgbClr val="000000"/>
+                  </a:solidFill>
+                  <a:latin typeface="Arial"/>
+                  <a:ea typeface="ヒラギノ明朝 ProN W3"/>
+                </a:rPr>
+                <a:t>s</a:t>
+              </a:r>
+              <a:r>
+                <a:rPr b="0" lang="en-US" sz="3200" spc="-1" strike="noStrike">
+                  <a:solidFill>
+                    <a:srgbClr val="000000"/>
+                  </a:solidFill>
+                  <a:latin typeface="Arial"/>
+                  <a:ea typeface="ヒラギノ明朝 ProN W3"/>
+                </a:rPr>
+                <a:t>e</a:t>
+              </a:r>
+              <a:r>
+                <a:rPr b="0" lang="en-US" sz="3200" spc="-1" strike="noStrike">
+                  <a:solidFill>
+                    <a:srgbClr val="000000"/>
+                  </a:solidFill>
+                  <a:latin typeface="Arial"/>
+                  <a:ea typeface="ヒラギノ明朝 ProN W3"/>
+                </a:rPr>
+                <a:t>d</a:t>
+              </a:r>
+              <a:r>
+                <a:rPr b="0" lang="en-US" sz="3200" spc="-1" strike="noStrike">
+                  <a:solidFill>
+                    <a:srgbClr val="000000"/>
+                  </a:solidFill>
+                  <a:latin typeface="Arial"/>
+                  <a:ea typeface="ヒラギノ明朝 ProN W3"/>
+                </a:rPr>
+                <a:t>,</a:t>
+              </a:r>
+              <a:r>
+                <a:rPr b="0" lang="en-US" sz="3200" spc="-1" strike="noStrike">
+                  <a:solidFill>
+                    <a:srgbClr val="000000"/>
+                  </a:solidFill>
+                  <a:latin typeface="Arial"/>
+                  <a:ea typeface="ヒラギノ明朝 ProN W3"/>
+                </a:rPr>
+                <a:t> </a:t>
+              </a:r>
+              <a:r>
+                <a:rPr b="0" lang="en-US" sz="3200" spc="-1" strike="noStrike">
+                  <a:solidFill>
+                    <a:srgbClr val="000000"/>
+                  </a:solidFill>
+                  <a:latin typeface="Arial"/>
+                  <a:ea typeface="ヒラギノ明朝 ProN W3"/>
+                </a:rPr>
+                <a:t>u</a:t>
+              </a:r>
+              <a:r>
+                <a:rPr b="0" lang="en-US" sz="3200" spc="-1" strike="noStrike">
+                  <a:solidFill>
+                    <a:srgbClr val="000000"/>
+                  </a:solidFill>
+                  <a:latin typeface="Arial"/>
+                  <a:ea typeface="ヒラギノ明朝 ProN W3"/>
+                </a:rPr>
+                <a:t>n</a:t>
+              </a:r>
+              <a:r>
+                <a:rPr b="0" lang="en-US" sz="3200" spc="-1" strike="noStrike">
+                  <a:solidFill>
+                    <a:srgbClr val="000000"/>
+                  </a:solidFill>
+                  <a:latin typeface="Arial"/>
+                  <a:ea typeface="ヒラギノ明朝 ProN W3"/>
+                </a:rPr>
+                <a:t>d</a:t>
+              </a:r>
+              <a:r>
+                <a:rPr b="0" lang="en-US" sz="3200" spc="-1" strike="noStrike">
+                  <a:solidFill>
+                    <a:srgbClr val="000000"/>
+                  </a:solidFill>
+                  <a:latin typeface="Arial"/>
+                  <a:ea typeface="ヒラギノ明朝 ProN W3"/>
+                </a:rPr>
+                <a:t>i</a:t>
+              </a:r>
+              <a:r>
+                <a:rPr b="0" lang="en-US" sz="3200" spc="-1" strike="noStrike">
+                  <a:solidFill>
+                    <a:srgbClr val="000000"/>
+                  </a:solidFill>
+                  <a:latin typeface="Arial"/>
+                  <a:ea typeface="ヒラギノ明朝 ProN W3"/>
+                </a:rPr>
+                <a:t>s</a:t>
+              </a:r>
+              <a:r>
+                <a:rPr b="0" lang="en-US" sz="3200" spc="-1" strike="noStrike">
+                  <a:solidFill>
+                    <a:srgbClr val="000000"/>
+                  </a:solidFill>
+                  <a:latin typeface="Arial"/>
+                  <a:ea typeface="ヒラギノ明朝 ProN W3"/>
+                </a:rPr>
+                <a:t>t</a:t>
+              </a:r>
+              <a:r>
+                <a:rPr b="0" lang="en-US" sz="3200" spc="-1" strike="noStrike">
+                  <a:solidFill>
+                    <a:srgbClr val="000000"/>
+                  </a:solidFill>
+                  <a:latin typeface="Arial"/>
+                  <a:ea typeface="ヒラギノ明朝 ProN W3"/>
+                </a:rPr>
+                <a:t>r</a:t>
+              </a:r>
+              <a:r>
+                <a:rPr b="0" lang="en-US" sz="3200" spc="-1" strike="noStrike">
+                  <a:solidFill>
+                    <a:srgbClr val="000000"/>
+                  </a:solidFill>
+                  <a:latin typeface="Arial"/>
+                  <a:ea typeface="ヒラギノ明朝 ProN W3"/>
+                </a:rPr>
+                <a:t>i</a:t>
+              </a:r>
+              <a:r>
+                <a:rPr b="0" lang="en-US" sz="3200" spc="-1" strike="noStrike">
+                  <a:solidFill>
+                    <a:srgbClr val="000000"/>
+                  </a:solidFill>
+                  <a:latin typeface="Arial"/>
+                  <a:ea typeface="ヒラギノ明朝 ProN W3"/>
+                </a:rPr>
+                <a:t>b</a:t>
+              </a:r>
+              <a:r>
+                <a:rPr b="0" lang="en-US" sz="3200" spc="-1" strike="noStrike">
+                  <a:solidFill>
+                    <a:srgbClr val="000000"/>
+                  </a:solidFill>
+                  <a:latin typeface="Arial"/>
+                  <a:ea typeface="ヒラギノ明朝 ProN W3"/>
+                </a:rPr>
+                <a:t>u</a:t>
+              </a:r>
+              <a:r>
+                <a:rPr b="0" lang="en-US" sz="3200" spc="-1" strike="noStrike">
+                  <a:solidFill>
+                    <a:srgbClr val="000000"/>
+                  </a:solidFill>
+                  <a:latin typeface="Arial"/>
+                  <a:ea typeface="ヒラギノ明朝 ProN W3"/>
+                </a:rPr>
+                <a:t>t</a:t>
+              </a:r>
+              <a:r>
+                <a:rPr b="0" lang="en-US" sz="3200" spc="-1" strike="noStrike">
+                  <a:solidFill>
+                    <a:srgbClr val="000000"/>
+                  </a:solidFill>
+                  <a:latin typeface="Arial"/>
+                  <a:ea typeface="ヒラギノ明朝 ProN W3"/>
+                </a:rPr>
+                <a:t>e</a:t>
+              </a:r>
+              <a:r>
+                <a:rPr b="0" lang="en-US" sz="3200" spc="-1" strike="noStrike">
+                  <a:solidFill>
+                    <a:srgbClr val="000000"/>
+                  </a:solidFill>
+                  <a:latin typeface="Arial"/>
+                  <a:ea typeface="ヒラギノ明朝 ProN W3"/>
+                </a:rPr>
+                <a:t>d</a:t>
+              </a:r>
+              <a:r>
+                <a:rPr b="0" lang="en-US" sz="3200" spc="-1" strike="noStrike">
+                  <a:solidFill>
+                    <a:srgbClr val="000000"/>
+                  </a:solidFill>
+                  <a:latin typeface="Arial"/>
+                  <a:ea typeface="ヒラギノ明朝 ProN W3"/>
+                </a:rPr>
+                <a:t> </a:t>
+              </a:r>
+              <a:r>
+                <a:rPr b="0" lang="en-US" sz="3200" spc="-1" strike="noStrike">
+                  <a:solidFill>
+                    <a:srgbClr val="000000"/>
+                  </a:solidFill>
+                  <a:latin typeface="Arial"/>
+                  <a:ea typeface="ヒラギノ明朝 ProN W3"/>
+                </a:rPr>
+                <a:t>p</a:t>
+              </a:r>
+              <a:r>
+                <a:rPr b="0" lang="en-US" sz="3200" spc="-1" strike="noStrike">
+                  <a:solidFill>
+                    <a:srgbClr val="000000"/>
+                  </a:solidFill>
+                  <a:latin typeface="Arial"/>
+                  <a:ea typeface="ヒラギノ明朝 ProN W3"/>
+                </a:rPr>
+                <a:t>r</a:t>
+              </a:r>
+              <a:r>
+                <a:rPr b="0" lang="en-US" sz="3200" spc="-1" strike="noStrike">
+                  <a:solidFill>
+                    <a:srgbClr val="000000"/>
+                  </a:solidFill>
+                  <a:latin typeface="Arial"/>
+                  <a:ea typeface="ヒラギノ明朝 ProN W3"/>
+                </a:rPr>
+                <a:t>o</a:t>
+              </a:r>
+              <a:r>
+                <a:rPr b="0" lang="en-US" sz="3200" spc="-1" strike="noStrike">
+                  <a:solidFill>
+                    <a:srgbClr val="000000"/>
+                  </a:solidFill>
+                  <a:latin typeface="Arial"/>
+                  <a:ea typeface="ヒラギノ明朝 ProN W3"/>
+                </a:rPr>
+                <a:t>f</a:t>
+              </a:r>
+              <a:r>
+                <a:rPr b="0" lang="en-US" sz="3200" spc="-1" strike="noStrike">
+                  <a:solidFill>
+                    <a:srgbClr val="000000"/>
+                  </a:solidFill>
+                  <a:latin typeface="Arial"/>
+                  <a:ea typeface="ヒラギノ明朝 ProN W3"/>
+                </a:rPr>
+                <a:t>i</a:t>
+              </a:r>
+              <a:r>
+                <a:rPr b="0" lang="en-US" sz="3200" spc="-1" strike="noStrike">
+                  <a:solidFill>
+                    <a:srgbClr val="000000"/>
+                  </a:solidFill>
+                  <a:latin typeface="Arial"/>
+                  <a:ea typeface="ヒラギノ明朝 ProN W3"/>
+                </a:rPr>
+                <a:t>t</a:t>
+              </a:r>
+              <a:r>
+                <a:rPr b="0" lang="en-US" sz="3200" spc="-1" strike="noStrike">
+                  <a:solidFill>
+                    <a:srgbClr val="000000"/>
+                  </a:solidFill>
+                  <a:latin typeface="Arial"/>
+                  <a:ea typeface="ヒラギノ明朝 ProN W3"/>
+                </a:rPr>
+                <a:t>s</a:t>
+              </a:r>
+              <a:r>
+                <a:rPr b="0" lang="en-US" sz="3200" spc="-1" strike="noStrike">
+                  <a:solidFill>
+                    <a:srgbClr val="000000"/>
+                  </a:solidFill>
+                  <a:latin typeface="Arial"/>
+                  <a:ea typeface="ヒラギノ明朝 ProN W3"/>
+                </a:rPr>
+                <a:t> </a:t>
+              </a:r>
+              <a:r>
+                <a:rPr b="0" lang="en-US" sz="3200" spc="-1" strike="noStrike">
+                  <a:solidFill>
+                    <a:srgbClr val="000000"/>
+                  </a:solidFill>
+                  <a:latin typeface="Arial"/>
+                  <a:ea typeface="ヒラギノ明朝 ProN W3"/>
+                </a:rPr>
+                <a:t>p</a:t>
+              </a:r>
+              <a:r>
+                <a:rPr b="0" lang="en-US" sz="3200" spc="-1" strike="noStrike">
+                  <a:solidFill>
+                    <a:srgbClr val="000000"/>
+                  </a:solidFill>
+                  <a:latin typeface="Arial"/>
+                  <a:ea typeface="ヒラギノ明朝 ProN W3"/>
+                </a:rPr>
+                <a:t>l</a:t>
+              </a:r>
+              <a:r>
+                <a:rPr b="0" lang="en-US" sz="3200" spc="-1" strike="noStrike">
+                  <a:solidFill>
+                    <a:srgbClr val="000000"/>
+                  </a:solidFill>
+                  <a:latin typeface="Arial"/>
+                  <a:ea typeface="ヒラギノ明朝 ProN W3"/>
+                </a:rPr>
+                <a:t>a</a:t>
+              </a:r>
+              <a:r>
+                <a:rPr b="0" lang="en-US" sz="3200" spc="-1" strike="noStrike">
+                  <a:solidFill>
+                    <a:srgbClr val="000000"/>
+                  </a:solidFill>
+                  <a:latin typeface="Arial"/>
+                  <a:ea typeface="ヒラギノ明朝 ProN W3"/>
+                </a:rPr>
+                <a:t>y</a:t>
+              </a:r>
+              <a:r>
+                <a:rPr b="0" lang="en-US" sz="3200" spc="-1" strike="noStrike">
+                  <a:solidFill>
+                    <a:srgbClr val="000000"/>
+                  </a:solidFill>
+                  <a:latin typeface="Arial"/>
+                  <a:ea typeface="ヒラギノ明朝 ProN W3"/>
+                </a:rPr>
+                <a:t>e</a:t>
+              </a:r>
+              <a:r>
+                <a:rPr b="0" lang="en-US" sz="3200" spc="-1" strike="noStrike">
+                  <a:solidFill>
+                    <a:srgbClr val="000000"/>
+                  </a:solidFill>
+                  <a:latin typeface="Arial"/>
+                  <a:ea typeface="ヒラギノ明朝 ProN W3"/>
+                </a:rPr>
+                <a:t>d</a:t>
+              </a:r>
+              <a:r>
+                <a:rPr b="0" lang="en-US" sz="3200" spc="-1" strike="noStrike">
+                  <a:solidFill>
+                    <a:srgbClr val="000000"/>
+                  </a:solidFill>
+                  <a:latin typeface="Arial"/>
+                  <a:ea typeface="ヒラギノ明朝 ProN W3"/>
+                </a:rPr>
+                <a:t> </a:t>
+              </a:r>
+              <a:r>
+                <a:rPr b="0" lang="en-US" sz="3200" spc="-1" strike="noStrike">
+                  <a:solidFill>
+                    <a:srgbClr val="000000"/>
+                  </a:solidFill>
+                  <a:latin typeface="Arial"/>
+                  <a:ea typeface="ヒラギノ明朝 ProN W3"/>
+                </a:rPr>
+                <a:t>t</a:t>
+              </a:r>
+              <a:r>
+                <a:rPr b="0" lang="en-US" sz="3200" spc="-1" strike="noStrike">
+                  <a:solidFill>
+                    <a:srgbClr val="000000"/>
+                  </a:solidFill>
+                  <a:latin typeface="Arial"/>
+                  <a:ea typeface="ヒラギノ明朝 ProN W3"/>
+                </a:rPr>
+                <a:t>h</a:t>
+              </a:r>
+              <a:r>
+                <a:rPr b="0" lang="en-US" sz="3200" spc="-1" strike="noStrike">
+                  <a:solidFill>
+                    <a:srgbClr val="000000"/>
+                  </a:solidFill>
+                  <a:latin typeface="Arial"/>
+                  <a:ea typeface="ヒラギノ明朝 ProN W3"/>
+                </a:rPr>
+                <a:t>e</a:t>
+              </a:r>
+              <a:r>
+                <a:rPr b="0" lang="en-US" sz="3200" spc="-1" strike="noStrike">
+                  <a:solidFill>
+                    <a:srgbClr val="000000"/>
+                  </a:solidFill>
+                  <a:latin typeface="Arial"/>
+                  <a:ea typeface="ヒラギノ明朝 ProN W3"/>
+                </a:rPr>
+                <a:t> </a:t>
+              </a:r>
+              <a:r>
+                <a:rPr b="0" lang="en-US" sz="3200" spc="-1" strike="noStrike">
+                  <a:solidFill>
+                    <a:srgbClr val="000000"/>
+                  </a:solidFill>
+                  <a:latin typeface="Arial"/>
+                  <a:ea typeface="ヒラギノ明朝 ProN W3"/>
+                </a:rPr>
+                <a:t>b</a:t>
+              </a:r>
+              <a:r>
+                <a:rPr b="0" lang="en-US" sz="3200" spc="-1" strike="noStrike">
+                  <a:solidFill>
+                    <a:srgbClr val="000000"/>
+                  </a:solidFill>
+                  <a:latin typeface="Arial"/>
+                  <a:ea typeface="ヒラギノ明朝 ProN W3"/>
+                </a:rPr>
+                <a:t>i</a:t>
+              </a:r>
+              <a:r>
+                <a:rPr b="0" lang="en-US" sz="3200" spc="-1" strike="noStrike">
+                  <a:solidFill>
+                    <a:srgbClr val="000000"/>
+                  </a:solidFill>
+                  <a:latin typeface="Arial"/>
+                  <a:ea typeface="ヒラギノ明朝 ProN W3"/>
+                </a:rPr>
+                <a:t>g</a:t>
+              </a:r>
+              <a:r>
+                <a:rPr b="0" lang="en-US" sz="3200" spc="-1" strike="noStrike">
+                  <a:solidFill>
+                    <a:srgbClr val="000000"/>
+                  </a:solidFill>
+                  <a:latin typeface="Arial"/>
+                  <a:ea typeface="ヒラギノ明朝 ProN W3"/>
+                </a:rPr>
+                <a:t>g</a:t>
+              </a:r>
+              <a:r>
+                <a:rPr b="0" lang="en-US" sz="3200" spc="-1" strike="noStrike">
+                  <a:solidFill>
+                    <a:srgbClr val="000000"/>
+                  </a:solidFill>
+                  <a:latin typeface="Arial"/>
+                  <a:ea typeface="ヒラギノ明朝 ProN W3"/>
+                </a:rPr>
+                <a:t>e</a:t>
+              </a:r>
+              <a:r>
+                <a:rPr b="0" lang="en-US" sz="3200" spc="-1" strike="noStrike">
+                  <a:solidFill>
+                    <a:srgbClr val="000000"/>
+                  </a:solidFill>
+                  <a:latin typeface="Arial"/>
+                  <a:ea typeface="ヒラギノ明朝 ProN W3"/>
+                </a:rPr>
+                <a:t>s</a:t>
+              </a:r>
+              <a:r>
+                <a:rPr b="0" lang="en-US" sz="3200" spc="-1" strike="noStrike">
+                  <a:solidFill>
+                    <a:srgbClr val="000000"/>
+                  </a:solidFill>
+                  <a:latin typeface="Arial"/>
+                  <a:ea typeface="ヒラギノ明朝 ProN W3"/>
+                </a:rPr>
+                <a:t>t</a:t>
+              </a:r>
+              <a:r>
+                <a:rPr b="0" lang="en-US" sz="3200" spc="-1" strike="noStrike">
+                  <a:solidFill>
+                    <a:srgbClr val="000000"/>
+                  </a:solidFill>
+                  <a:latin typeface="Arial"/>
+                  <a:ea typeface="ヒラギノ明朝 ProN W3"/>
+                </a:rPr>
+                <a:t> </a:t>
+              </a:r>
+              <a:r>
+                <a:rPr b="0" lang="en-US" sz="3200" spc="-1" strike="noStrike">
+                  <a:solidFill>
+                    <a:srgbClr val="000000"/>
+                  </a:solidFill>
+                  <a:latin typeface="Arial"/>
+                  <a:ea typeface="ヒラギノ明朝 ProN W3"/>
+                </a:rPr>
+                <a:t>r</a:t>
+              </a:r>
+              <a:r>
+                <a:rPr b="0" lang="en-US" sz="3200" spc="-1" strike="noStrike">
+                  <a:solidFill>
+                    <a:srgbClr val="000000"/>
+                  </a:solidFill>
+                  <a:latin typeface="Arial"/>
+                  <a:ea typeface="ヒラギノ明朝 ProN W3"/>
+                </a:rPr>
+                <a:t>o</a:t>
+              </a:r>
+              <a:r>
+                <a:rPr b="0" lang="en-US" sz="3200" spc="-1" strike="noStrike">
+                  <a:solidFill>
+                    <a:srgbClr val="000000"/>
+                  </a:solidFill>
+                  <a:latin typeface="Arial"/>
+                  <a:ea typeface="ヒラギノ明朝 ProN W3"/>
+                </a:rPr>
+                <a:t>l</a:t>
+              </a:r>
+              <a:r>
+                <a:rPr b="0" lang="en-US" sz="3200" spc="-1" strike="noStrike">
+                  <a:solidFill>
+                    <a:srgbClr val="000000"/>
+                  </a:solidFill>
+                  <a:latin typeface="Arial"/>
+                  <a:ea typeface="ヒラギノ明朝 ProN W3"/>
+                </a:rPr>
+                <a:t>e</a:t>
+              </a:r>
+              <a:r>
+                <a:rPr b="0" lang="en-US" sz="3200" spc="-1" strike="noStrike">
+                  <a:solidFill>
+                    <a:srgbClr val="000000"/>
+                  </a:solidFill>
+                  <a:latin typeface="Arial"/>
+                  <a:ea typeface="ヒラギノ明朝 ProN W3"/>
+                </a:rPr>
+                <a:t> </a:t>
+              </a:r>
+              <a:r>
+                <a:rPr b="0" lang="en-US" sz="3200" spc="-1" strike="noStrike">
+                  <a:solidFill>
+                    <a:srgbClr val="000000"/>
+                  </a:solidFill>
+                  <a:latin typeface="Arial"/>
+                  <a:ea typeface="ヒラギノ明朝 ProN W3"/>
+                </a:rPr>
+                <a:t>i</a:t>
+              </a:r>
+              <a:r>
+                <a:rPr b="0" lang="en-US" sz="3200" spc="-1" strike="noStrike">
+                  <a:solidFill>
+                    <a:srgbClr val="000000"/>
+                  </a:solidFill>
+                  <a:latin typeface="Arial"/>
+                  <a:ea typeface="ヒラギノ明朝 ProN W3"/>
+                </a:rPr>
+                <a:t>n</a:t>
+              </a:r>
+              <a:r>
+                <a:rPr b="0" lang="en-US" sz="3200" spc="-1" strike="noStrike">
+                  <a:solidFill>
+                    <a:srgbClr val="000000"/>
+                  </a:solidFill>
+                  <a:latin typeface="Arial"/>
+                  <a:ea typeface="ヒラギノ明朝 ProN W3"/>
+                </a:rPr>
+                <a:t> </a:t>
+              </a:r>
+              <a:r>
+                <a:rPr b="0" lang="en-US" sz="3200" spc="-1" strike="noStrike">
+                  <a:solidFill>
+                    <a:srgbClr val="000000"/>
+                  </a:solidFill>
+                  <a:latin typeface="Arial"/>
+                  <a:ea typeface="ヒラギノ明朝 ProN W3"/>
+                </a:rPr>
+                <a:t>t</a:t>
+              </a:r>
+              <a:r>
+                <a:rPr b="0" lang="en-US" sz="3200" spc="-1" strike="noStrike">
+                  <a:solidFill>
+                    <a:srgbClr val="000000"/>
+                  </a:solidFill>
+                  <a:latin typeface="Arial"/>
+                  <a:ea typeface="ヒラギノ明朝 ProN W3"/>
+                </a:rPr>
+                <a:t>h</a:t>
+              </a:r>
+              <a:r>
+                <a:rPr b="0" lang="en-US" sz="3200" spc="-1" strike="noStrike">
+                  <a:solidFill>
+                    <a:srgbClr val="000000"/>
+                  </a:solidFill>
+                  <a:latin typeface="Arial"/>
+                  <a:ea typeface="ヒラギノ明朝 ProN W3"/>
+                </a:rPr>
+                <a:t>e</a:t>
+              </a:r>
+              <a:r>
+                <a:rPr b="0" lang="en-US" sz="3200" spc="-1" strike="noStrike">
+                  <a:solidFill>
+                    <a:srgbClr val="000000"/>
+                  </a:solidFill>
+                  <a:latin typeface="Arial"/>
+                  <a:ea typeface="ヒラギノ明朝 ProN W3"/>
+                </a:rPr>
+                <a:t> </a:t>
+              </a:r>
+              <a:r>
+                <a:rPr b="0" lang="en-US" sz="3200" spc="-1" strike="noStrike">
+                  <a:solidFill>
+                    <a:srgbClr val="000000"/>
+                  </a:solidFill>
+                  <a:latin typeface="Arial"/>
+                  <a:ea typeface="ヒラギノ明朝 ProN W3"/>
+                </a:rPr>
+                <a:t>p</a:t>
+              </a:r>
+              <a:r>
+                <a:rPr b="0" lang="en-US" sz="3200" spc="-1" strike="noStrike">
+                  <a:solidFill>
+                    <a:srgbClr val="000000"/>
+                  </a:solidFill>
+                  <a:latin typeface="Arial"/>
+                  <a:ea typeface="ヒラギノ明朝 ProN W3"/>
+                </a:rPr>
+                <a:t>r</a:t>
+              </a:r>
+              <a:r>
+                <a:rPr b="0" lang="en-US" sz="3200" spc="-1" strike="noStrike">
+                  <a:solidFill>
+                    <a:srgbClr val="000000"/>
+                  </a:solidFill>
+                  <a:latin typeface="Arial"/>
+                  <a:ea typeface="ヒラギノ明朝 ProN W3"/>
+                </a:rPr>
+                <a:t>e</a:t>
+              </a:r>
+              <a:r>
+                <a:rPr b="0" lang="en-US" sz="3200" spc="-1" strike="noStrike">
+                  <a:solidFill>
+                    <a:srgbClr val="000000"/>
+                  </a:solidFill>
+                  <a:latin typeface="Arial"/>
+                  <a:ea typeface="ヒラギノ明朝 ProN W3"/>
+                </a:rPr>
+                <a:t>d</a:t>
+              </a:r>
+              <a:r>
+                <a:rPr b="0" lang="en-US" sz="3200" spc="-1" strike="noStrike">
+                  <a:solidFill>
+                    <a:srgbClr val="000000"/>
+                  </a:solidFill>
+                  <a:latin typeface="Arial"/>
+                  <a:ea typeface="ヒラギノ明朝 ProN W3"/>
+                </a:rPr>
+                <a:t>i</a:t>
+              </a:r>
+              <a:r>
+                <a:rPr b="0" lang="en-US" sz="3200" spc="-1" strike="noStrike">
+                  <a:solidFill>
+                    <a:srgbClr val="000000"/>
+                  </a:solidFill>
+                  <a:latin typeface="Arial"/>
+                  <a:ea typeface="ヒラギノ明朝 ProN W3"/>
+                </a:rPr>
+                <a:t>c</a:t>
+              </a:r>
+              <a:r>
+                <a:rPr b="0" lang="en-US" sz="3200" spc="-1" strike="noStrike">
+                  <a:solidFill>
+                    <a:srgbClr val="000000"/>
+                  </a:solidFill>
+                  <a:latin typeface="Arial"/>
+                  <a:ea typeface="ヒラギノ明朝 ProN W3"/>
+                </a:rPr>
+                <a:t>t</a:t>
+              </a:r>
+              <a:r>
+                <a:rPr b="0" lang="en-US" sz="3200" spc="-1" strike="noStrike">
+                  <a:solidFill>
+                    <a:srgbClr val="000000"/>
+                  </a:solidFill>
+                  <a:latin typeface="Arial"/>
+                  <a:ea typeface="ヒラギノ明朝 ProN W3"/>
+                </a:rPr>
+                <a:t>i</a:t>
+              </a:r>
+              <a:r>
+                <a:rPr b="0" lang="en-US" sz="3200" spc="-1" strike="noStrike">
+                  <a:solidFill>
+                    <a:srgbClr val="000000"/>
+                  </a:solidFill>
+                  <a:latin typeface="Arial"/>
+                  <a:ea typeface="ヒラギノ明朝 ProN W3"/>
+                </a:rPr>
+                <a:t>n</a:t>
+              </a:r>
+              <a:r>
+                <a:rPr b="0" lang="en-US" sz="3200" spc="-1" strike="noStrike">
+                  <a:solidFill>
+                    <a:srgbClr val="000000"/>
+                  </a:solidFill>
+                  <a:latin typeface="Arial"/>
+                  <a:ea typeface="ヒラギノ明朝 ProN W3"/>
+                </a:rPr>
+                <a:t>g</a:t>
+              </a:r>
+              <a:r>
+                <a:rPr b="0" lang="en-US" sz="3200" spc="-1" strike="noStrike">
+                  <a:solidFill>
+                    <a:srgbClr val="000000"/>
+                  </a:solidFill>
+                  <a:latin typeface="Arial"/>
+                  <a:ea typeface="ヒラギノ明朝 ProN W3"/>
+                </a:rPr>
+                <a:t> </a:t>
+              </a:r>
+              <a:r>
+                <a:rPr b="0" lang="en-US" sz="3200" spc="-1" strike="noStrike">
+                  <a:solidFill>
+                    <a:srgbClr val="000000"/>
+                  </a:solidFill>
+                  <a:latin typeface="Arial"/>
+                  <a:ea typeface="ヒラギノ明朝 ProN W3"/>
+                </a:rPr>
+                <a:t>d</a:t>
+              </a:r>
+              <a:r>
+                <a:rPr b="0" lang="en-US" sz="3200" spc="-1" strike="noStrike">
+                  <a:solidFill>
+                    <a:srgbClr val="000000"/>
+                  </a:solidFill>
+                  <a:latin typeface="Arial"/>
+                  <a:ea typeface="ヒラギノ明朝 ProN W3"/>
+                </a:rPr>
+                <a:t>i</a:t>
+              </a:r>
+              <a:r>
+                <a:rPr b="0" lang="en-US" sz="3200" spc="-1" strike="noStrike">
+                  <a:solidFill>
+                    <a:srgbClr val="000000"/>
+                  </a:solidFill>
+                  <a:latin typeface="Arial"/>
+                  <a:ea typeface="ヒラギノ明朝 ProN W3"/>
+                </a:rPr>
+                <a:t>v</a:t>
+              </a:r>
+              <a:r>
+                <a:rPr b="0" lang="en-US" sz="3200" spc="-1" strike="noStrike">
+                  <a:solidFill>
+                    <a:srgbClr val="000000"/>
+                  </a:solidFill>
+                  <a:latin typeface="Arial"/>
+                  <a:ea typeface="ヒラギノ明朝 ProN W3"/>
+                </a:rPr>
+                <a:t>i</a:t>
+              </a:r>
+              <a:r>
+                <a:rPr b="0" lang="en-US" sz="3200" spc="-1" strike="noStrike">
+                  <a:solidFill>
+                    <a:srgbClr val="000000"/>
+                  </a:solidFill>
+                  <a:latin typeface="Arial"/>
+                  <a:ea typeface="ヒラギノ明朝 ProN W3"/>
+                </a:rPr>
+                <a:t>d</a:t>
+              </a:r>
+              <a:r>
+                <a:rPr b="0" lang="en-US" sz="3200" spc="-1" strike="noStrike">
+                  <a:solidFill>
+                    <a:srgbClr val="000000"/>
+                  </a:solidFill>
+                  <a:latin typeface="Arial"/>
+                  <a:ea typeface="ヒラギノ明朝 ProN W3"/>
+                </a:rPr>
+                <a:t>e</a:t>
+              </a:r>
+              <a:r>
+                <a:rPr b="0" lang="en-US" sz="3200" spc="-1" strike="noStrike">
+                  <a:solidFill>
+                    <a:srgbClr val="000000"/>
+                  </a:solidFill>
+                  <a:latin typeface="Arial"/>
+                  <a:ea typeface="ヒラギノ明朝 ProN W3"/>
+                </a:rPr>
+                <a:t>n</a:t>
+              </a:r>
+              <a:r>
+                <a:rPr b="0" lang="en-US" sz="3200" spc="-1" strike="noStrike">
+                  <a:solidFill>
+                    <a:srgbClr val="000000"/>
+                  </a:solidFill>
+                  <a:latin typeface="Arial"/>
+                  <a:ea typeface="ヒラギノ明朝 ProN W3"/>
+                </a:rPr>
+                <a:t>d</a:t>
+              </a:r>
+              <a:r>
+                <a:rPr b="0" lang="en-US" sz="3200" spc="-1" strike="noStrike">
+                  <a:solidFill>
+                    <a:srgbClr val="000000"/>
+                  </a:solidFill>
+                  <a:latin typeface="Arial"/>
+                  <a:ea typeface="ヒラギノ明朝 ProN W3"/>
+                </a:rPr>
+                <a:t>s</a:t>
+              </a:r>
+              <a:r>
+                <a:rPr b="0" lang="en-US" sz="3200" spc="-1" strike="noStrike">
+                  <a:solidFill>
+                    <a:srgbClr val="000000"/>
+                  </a:solidFill>
+                  <a:latin typeface="Arial"/>
+                  <a:ea typeface="ヒラギノ明朝 ProN W3"/>
+                </a:rPr>
+                <a:t> </a:t>
+              </a:r>
+              <a:r>
+                <a:rPr b="0" lang="en-US" sz="3200" spc="-1" strike="noStrike">
+                  <a:solidFill>
+                    <a:srgbClr val="000000"/>
+                  </a:solidFill>
+                  <a:latin typeface="Arial"/>
+                  <a:ea typeface="ヒラギノ明朝 ProN W3"/>
+                </a:rPr>
+                <a:t>p</a:t>
+              </a:r>
+              <a:r>
+                <a:rPr b="0" lang="en-US" sz="3200" spc="-1" strike="noStrike">
+                  <a:solidFill>
+                    <a:srgbClr val="000000"/>
+                  </a:solidFill>
+                  <a:latin typeface="Arial"/>
+                  <a:ea typeface="ヒラギノ明朝 ProN W3"/>
+                </a:rPr>
+                <a:t>a</a:t>
+              </a:r>
+              <a:r>
+                <a:rPr b="0" lang="en-US" sz="3200" spc="-1" strike="noStrike">
+                  <a:solidFill>
+                    <a:srgbClr val="000000"/>
+                  </a:solidFill>
+                  <a:latin typeface="Arial"/>
+                  <a:ea typeface="ヒラギノ明朝 ProN W3"/>
+                </a:rPr>
+                <a:t>i</a:t>
+              </a:r>
+              <a:r>
+                <a:rPr b="0" lang="en-US" sz="3200" spc="-1" strike="noStrike">
+                  <a:solidFill>
+                    <a:srgbClr val="000000"/>
+                  </a:solidFill>
+                  <a:latin typeface="Arial"/>
+                  <a:ea typeface="ヒラギノ明朝 ProN W3"/>
+                </a:rPr>
+                <a:t>d</a:t>
+              </a:r>
+              <a:r>
+                <a:rPr b="0" lang="en-US" sz="3200" spc="-1" strike="noStrike">
+                  <a:solidFill>
+                    <a:srgbClr val="000000"/>
+                  </a:solidFill>
+                  <a:latin typeface="Arial"/>
+                  <a:ea typeface="ヒラギノ明朝 ProN W3"/>
+                </a:rPr>
+                <a:t> </a:t>
+              </a:r>
+              <a:r>
+                <a:rPr b="0" lang="en-US" sz="3200" spc="-1" strike="noStrike">
+                  <a:solidFill>
+                    <a:srgbClr val="000000"/>
+                  </a:solidFill>
+                  <a:latin typeface="Arial"/>
+                  <a:ea typeface="ヒラギノ明朝 ProN W3"/>
+                </a:rPr>
+                <a:t>o</a:t>
+              </a:r>
+              <a:r>
+                <a:rPr b="0" lang="en-US" sz="3200" spc="-1" strike="noStrike">
+                  <a:solidFill>
+                    <a:srgbClr val="000000"/>
+                  </a:solidFill>
+                  <a:latin typeface="Arial"/>
+                  <a:ea typeface="ヒラギノ明朝 ProN W3"/>
+                </a:rPr>
+                <a:t>u</a:t>
+              </a:r>
+              <a:r>
+                <a:rPr b="0" lang="en-US" sz="3200" spc="-1" strike="noStrike">
+                  <a:solidFill>
+                    <a:srgbClr val="000000"/>
+                  </a:solidFill>
+                  <a:latin typeface="Arial"/>
+                  <a:ea typeface="ヒラギノ明朝 ProN W3"/>
+                </a:rPr>
+                <a:t>t</a:t>
+              </a:r>
+              <a:r>
+                <a:rPr b="0" lang="en-US" sz="3200" spc="-1" strike="noStrike">
+                  <a:solidFill>
+                    <a:srgbClr val="000000"/>
+                  </a:solidFill>
+                  <a:latin typeface="Arial"/>
+                  <a:ea typeface="ヒラギノ明朝 ProN W3"/>
+                </a:rPr>
+                <a:t>,</a:t>
+              </a:r>
+              <a:r>
+                <a:rPr b="0" lang="en-US" sz="3200" spc="-1" strike="noStrike">
+                  <a:solidFill>
+                    <a:srgbClr val="000000"/>
+                  </a:solidFill>
+                  <a:latin typeface="Arial"/>
+                  <a:ea typeface="ヒラギノ明朝 ProN W3"/>
+                </a:rPr>
+                <a:t> </a:t>
+              </a:r>
+              <a:r>
+                <a:rPr b="0" lang="en-US" sz="3200" spc="-1" strike="noStrike">
+                  <a:solidFill>
+                    <a:srgbClr val="000000"/>
+                  </a:solidFill>
+                  <a:latin typeface="Arial"/>
+                  <a:ea typeface="ヒラギノ明朝 ProN W3"/>
+                </a:rPr>
+                <a:t>t</a:t>
+              </a:r>
+              <a:r>
+                <a:rPr b="0" lang="en-US" sz="3200" spc="-1" strike="noStrike">
+                  <a:solidFill>
+                    <a:srgbClr val="000000"/>
+                  </a:solidFill>
+                  <a:latin typeface="Arial"/>
+                  <a:ea typeface="ヒラギノ明朝 ProN W3"/>
+                </a:rPr>
+                <a:t>h</a:t>
+              </a:r>
+              <a:r>
+                <a:rPr b="0" lang="en-US" sz="3200" spc="-1" strike="noStrike">
+                  <a:solidFill>
+                    <a:srgbClr val="000000"/>
+                  </a:solidFill>
+                  <a:latin typeface="Arial"/>
+                  <a:ea typeface="ヒラギノ明朝 ProN W3"/>
+                </a:rPr>
+                <a:t>i</a:t>
+              </a:r>
+              <a:r>
+                <a:rPr b="0" lang="en-US" sz="3200" spc="-1" strike="noStrike">
+                  <a:solidFill>
+                    <a:srgbClr val="000000"/>
+                  </a:solidFill>
+                  <a:latin typeface="Arial"/>
+                  <a:ea typeface="ヒラギノ明朝 ProN W3"/>
+                </a:rPr>
+                <a:t>s</a:t>
+              </a:r>
+              <a:r>
+                <a:rPr b="0" lang="en-US" sz="3200" spc="-1" strike="noStrike">
+                  <a:solidFill>
+                    <a:srgbClr val="000000"/>
+                  </a:solidFill>
+                  <a:latin typeface="Arial"/>
+                  <a:ea typeface="ヒラギノ明朝 ProN W3"/>
+                </a:rPr>
+                <a:t> </a:t>
+              </a:r>
+              <a:r>
+                <a:rPr b="0" lang="en-US" sz="3200" spc="-1" strike="noStrike">
+                  <a:solidFill>
+                    <a:srgbClr val="000000"/>
+                  </a:solidFill>
+                  <a:latin typeface="Arial"/>
+                  <a:ea typeface="ヒラギノ明朝 ProN W3"/>
+                </a:rPr>
+                <a:t>r</a:t>
+              </a:r>
+              <a:r>
+                <a:rPr b="0" lang="en-US" sz="3200" spc="-1" strike="noStrike">
+                  <a:solidFill>
+                    <a:srgbClr val="000000"/>
+                  </a:solidFill>
+                  <a:latin typeface="Arial"/>
+                  <a:ea typeface="ヒラギノ明朝 ProN W3"/>
+                </a:rPr>
+                <a:t>e</a:t>
+              </a:r>
+              <a:r>
+                <a:rPr b="0" lang="en-US" sz="3200" spc="-1" strike="noStrike">
+                  <a:solidFill>
+                    <a:srgbClr val="000000"/>
+                  </a:solidFill>
+                  <a:latin typeface="Arial"/>
+                  <a:ea typeface="ヒラギノ明朝 ProN W3"/>
+                </a:rPr>
+                <a:t>s</a:t>
+              </a:r>
+              <a:r>
+                <a:rPr b="0" lang="en-US" sz="3200" spc="-1" strike="noStrike">
+                  <a:solidFill>
+                    <a:srgbClr val="000000"/>
+                  </a:solidFill>
+                  <a:latin typeface="Arial"/>
+                  <a:ea typeface="ヒラギノ明朝 ProN W3"/>
+                </a:rPr>
+                <a:t>u</a:t>
+              </a:r>
+              <a:r>
+                <a:rPr b="0" lang="en-US" sz="3200" spc="-1" strike="noStrike">
+                  <a:solidFill>
+                    <a:srgbClr val="000000"/>
+                  </a:solidFill>
+                  <a:latin typeface="Arial"/>
+                  <a:ea typeface="ヒラギノ明朝 ProN W3"/>
+                </a:rPr>
+                <a:t>l</a:t>
+              </a:r>
+              <a:r>
+                <a:rPr b="0" lang="en-US" sz="3200" spc="-1" strike="noStrike">
+                  <a:solidFill>
+                    <a:srgbClr val="000000"/>
+                  </a:solidFill>
+                  <a:latin typeface="Arial"/>
+                  <a:ea typeface="ヒラギノ明朝 ProN W3"/>
+                </a:rPr>
+                <a:t>t</a:t>
+              </a:r>
+              <a:r>
+                <a:rPr b="0" lang="en-US" sz="3200" spc="-1" strike="noStrike">
+                  <a:solidFill>
+                    <a:srgbClr val="000000"/>
+                  </a:solidFill>
+                  <a:latin typeface="Arial"/>
+                  <a:ea typeface="ヒラギノ明朝 ProN W3"/>
+                </a:rPr>
+                <a:t> </a:t>
+              </a:r>
+              <a:r>
+                <a:rPr b="0" lang="en-US" sz="3200" spc="-1" strike="noStrike">
+                  <a:solidFill>
+                    <a:srgbClr val="000000"/>
+                  </a:solidFill>
+                  <a:latin typeface="Arial"/>
+                  <a:ea typeface="ヒラギノ明朝 ProN W3"/>
+                </a:rPr>
+                <a:t>w</a:t>
+              </a:r>
+              <a:r>
+                <a:rPr b="0" lang="en-US" sz="3200" spc="-1" strike="noStrike">
+                  <a:solidFill>
+                    <a:srgbClr val="000000"/>
+                  </a:solidFill>
+                  <a:latin typeface="Arial"/>
+                  <a:ea typeface="ヒラギノ明朝 ProN W3"/>
+                </a:rPr>
+                <a:t>a</a:t>
+              </a:r>
+              <a:r>
+                <a:rPr b="0" lang="en-US" sz="3200" spc="-1" strike="noStrike">
+                  <a:solidFill>
+                    <a:srgbClr val="000000"/>
+                  </a:solidFill>
+                  <a:latin typeface="Arial"/>
+                  <a:ea typeface="ヒラギノ明朝 ProN W3"/>
+                </a:rPr>
+                <a:t>s</a:t>
+              </a:r>
+              <a:r>
+                <a:rPr b="0" lang="en-US" sz="3200" spc="-1" strike="noStrike">
+                  <a:solidFill>
+                    <a:srgbClr val="000000"/>
+                  </a:solidFill>
+                  <a:latin typeface="Arial"/>
+                  <a:ea typeface="ヒラギノ明朝 ProN W3"/>
+                </a:rPr>
+                <a:t> </a:t>
+              </a:r>
+              <a:r>
+                <a:rPr b="0" lang="en-US" sz="3200" spc="-1" strike="noStrike">
+                  <a:solidFill>
+                    <a:srgbClr val="000000"/>
+                  </a:solidFill>
+                  <a:latin typeface="Arial"/>
+                  <a:ea typeface="ヒラギノ明朝 ProN W3"/>
+                </a:rPr>
+                <a:t>e</a:t>
+              </a:r>
+              <a:r>
+                <a:rPr b="0" lang="en-US" sz="3200" spc="-1" strike="noStrike">
+                  <a:solidFill>
+                    <a:srgbClr val="000000"/>
+                  </a:solidFill>
+                  <a:latin typeface="Arial"/>
+                  <a:ea typeface="ヒラギノ明朝 ProN W3"/>
+                </a:rPr>
+                <a:t>x</a:t>
+              </a:r>
+              <a:r>
+                <a:rPr b="0" lang="en-US" sz="3200" spc="-1" strike="noStrike">
+                  <a:solidFill>
+                    <a:srgbClr val="000000"/>
+                  </a:solidFill>
+                  <a:latin typeface="Arial"/>
+                  <a:ea typeface="ヒラギノ明朝 ProN W3"/>
+                </a:rPr>
+                <a:t>p</a:t>
+              </a:r>
+              <a:r>
+                <a:rPr b="0" lang="en-US" sz="3200" spc="-1" strike="noStrike">
+                  <a:solidFill>
+                    <a:srgbClr val="000000"/>
+                  </a:solidFill>
+                  <a:latin typeface="Arial"/>
+                  <a:ea typeface="ヒラギノ明朝 ProN W3"/>
+                </a:rPr>
+                <a:t>e</a:t>
+              </a:r>
+              <a:r>
+                <a:rPr b="0" lang="en-US" sz="3200" spc="-1" strike="noStrike">
+                  <a:solidFill>
+                    <a:srgbClr val="000000"/>
+                  </a:solidFill>
+                  <a:latin typeface="Arial"/>
+                  <a:ea typeface="ヒラギノ明朝 ProN W3"/>
+                </a:rPr>
+                <a:t>c</a:t>
+              </a:r>
+              <a:r>
+                <a:rPr b="0" lang="en-US" sz="3200" spc="-1" strike="noStrike">
+                  <a:solidFill>
+                    <a:srgbClr val="000000"/>
+                  </a:solidFill>
+                  <a:latin typeface="Arial"/>
+                  <a:ea typeface="ヒラギノ明朝 ProN W3"/>
+                </a:rPr>
+                <a:t>t</a:t>
+              </a:r>
+              <a:r>
+                <a:rPr b="0" lang="en-US" sz="3200" spc="-1" strike="noStrike">
+                  <a:solidFill>
+                    <a:srgbClr val="000000"/>
+                  </a:solidFill>
+                  <a:latin typeface="Arial"/>
+                  <a:ea typeface="ヒラギノ明朝 ProN W3"/>
+                </a:rPr>
+                <a:t>e</a:t>
+              </a:r>
+              <a:r>
+                <a:rPr b="0" lang="en-US" sz="3200" spc="-1" strike="noStrike">
+                  <a:solidFill>
+                    <a:srgbClr val="000000"/>
+                  </a:solidFill>
+                  <a:latin typeface="Arial"/>
+                  <a:ea typeface="ヒラギノ明朝 ProN W3"/>
+                </a:rPr>
+                <a:t>d</a:t>
+              </a:r>
+              <a:r>
+                <a:rPr b="0" lang="en-US" sz="3200" spc="-1" strike="noStrike">
+                  <a:solidFill>
+                    <a:srgbClr val="000000"/>
+                  </a:solidFill>
+                  <a:latin typeface="Arial"/>
+                  <a:ea typeface="ヒラギノ明朝 ProN W3"/>
+                </a:rPr>
+                <a:t>.</a:t>
+              </a:r>
+              <a:endParaRPr b="0" lang="en-US" sz="3200" spc="-1" strike="noStrike">
+                <a:latin typeface="Arial"/>
+              </a:endParaRPr>
+            </a:p>
+            <a:p>
+              <a:pPr marL="216000" indent="-216000">
+                <a:lnSpc>
+                  <a:spcPct val="100000"/>
+                </a:lnSpc>
+                <a:buClr>
+                  <a:srgbClr val="000000"/>
+                </a:buClr>
+                <a:buFont typeface="Wingdings" charset="2"/>
+                <a:buChar char=""/>
+              </a:pPr>
+              <a:r>
+                <a:rPr b="0" lang="en-US" sz="3200" spc="-1" strike="noStrike">
+                  <a:solidFill>
+                    <a:srgbClr val="000000"/>
+                  </a:solidFill>
+                  <a:latin typeface="Arial"/>
+                  <a:ea typeface="ヒラギノ明朝 ProN W3"/>
+                </a:rPr>
+                <a:t>T</a:t>
+              </a:r>
+              <a:r>
+                <a:rPr b="0" lang="en-US" sz="3200" spc="-1" strike="noStrike">
+                  <a:solidFill>
+                    <a:srgbClr val="000000"/>
+                  </a:solidFill>
+                  <a:latin typeface="Arial"/>
+                  <a:ea typeface="ヒラギノ明朝 ProN W3"/>
+                </a:rPr>
+                <a:t>h</a:t>
+              </a:r>
+              <a:r>
+                <a:rPr b="0" lang="en-US" sz="3200" spc="-1" strike="noStrike">
+                  <a:solidFill>
+                    <a:srgbClr val="000000"/>
+                  </a:solidFill>
+                  <a:latin typeface="Arial"/>
+                  <a:ea typeface="ヒラギノ明朝 ProN W3"/>
+                </a:rPr>
+                <a:t>e</a:t>
+              </a:r>
+              <a:r>
+                <a:rPr b="0" lang="en-US" sz="3200" spc="-1" strike="noStrike">
+                  <a:solidFill>
+                    <a:srgbClr val="000000"/>
+                  </a:solidFill>
+                  <a:latin typeface="Arial"/>
+                  <a:ea typeface="ヒラギノ明朝 ProN W3"/>
+                </a:rPr>
+                <a:t> </a:t>
+              </a:r>
+              <a:r>
+                <a:rPr b="0" lang="en-US" sz="3200" spc="-1" strike="noStrike">
+                  <a:solidFill>
+                    <a:srgbClr val="000000"/>
+                  </a:solidFill>
+                  <a:latin typeface="Arial"/>
+                  <a:ea typeface="ヒラギノ明朝 ProN W3"/>
+                </a:rPr>
+                <a:t>p</a:t>
+              </a:r>
+              <a:r>
+                <a:rPr b="0" lang="en-US" sz="3200" spc="-1" strike="noStrike">
+                  <a:solidFill>
+                    <a:srgbClr val="000000"/>
+                  </a:solidFill>
+                  <a:latin typeface="Arial"/>
+                  <a:ea typeface="ヒラギノ明朝 ProN W3"/>
+                </a:rPr>
+                <a:t>o</a:t>
+              </a:r>
+              <a:r>
+                <a:rPr b="0" lang="en-US" sz="3200" spc="-1" strike="noStrike">
+                  <a:solidFill>
+                    <a:srgbClr val="000000"/>
+                  </a:solidFill>
+                  <a:latin typeface="Arial"/>
+                  <a:ea typeface="ヒラギノ明朝 ProN W3"/>
+                </a:rPr>
+                <a:t>o</a:t>
+              </a:r>
+              <a:r>
+                <a:rPr b="0" lang="en-US" sz="3200" spc="-1" strike="noStrike">
+                  <a:solidFill>
+                    <a:srgbClr val="000000"/>
+                  </a:solidFill>
+                  <a:latin typeface="Arial"/>
+                  <a:ea typeface="ヒラギノ明朝 ProN W3"/>
+                </a:rPr>
+                <a:t>r</a:t>
+              </a:r>
+              <a:r>
+                <a:rPr b="0" lang="en-US" sz="3200" spc="-1" strike="noStrike">
+                  <a:solidFill>
+                    <a:srgbClr val="000000"/>
+                  </a:solidFill>
+                  <a:latin typeface="Arial"/>
+                  <a:ea typeface="ヒラギノ明朝 ProN W3"/>
+                </a:rPr>
+                <a:t> </a:t>
+              </a:r>
+              <a:r>
+                <a:rPr b="0" lang="en-US" sz="3200" spc="-1" strike="noStrike">
+                  <a:solidFill>
+                    <a:srgbClr val="000000"/>
+                  </a:solidFill>
+                  <a:latin typeface="Arial"/>
+                  <a:ea typeface="ヒラギノ明朝 ProN W3"/>
+                </a:rPr>
+                <a:t>p</a:t>
+              </a:r>
+              <a:r>
+                <a:rPr b="0" lang="en-US" sz="3200" spc="-1" strike="noStrike">
+                  <a:solidFill>
+                    <a:srgbClr val="000000"/>
+                  </a:solidFill>
+                  <a:latin typeface="Arial"/>
+                  <a:ea typeface="ヒラギノ明朝 ProN W3"/>
+                </a:rPr>
+                <a:t>e</a:t>
+              </a:r>
+              <a:r>
+                <a:rPr b="0" lang="en-US" sz="3200" spc="-1" strike="noStrike">
+                  <a:solidFill>
+                    <a:srgbClr val="000000"/>
+                  </a:solidFill>
+                  <a:latin typeface="Arial"/>
+                  <a:ea typeface="ヒラギノ明朝 ProN W3"/>
+                </a:rPr>
+                <a:t>r</a:t>
+              </a:r>
+              <a:r>
+                <a:rPr b="0" lang="en-US" sz="3200" spc="-1" strike="noStrike">
+                  <a:solidFill>
+                    <a:srgbClr val="000000"/>
+                  </a:solidFill>
+                  <a:latin typeface="Arial"/>
+                  <a:ea typeface="ヒラギノ明朝 ProN W3"/>
+                </a:rPr>
+                <a:t>f</a:t>
+              </a:r>
+              <a:r>
+                <a:rPr b="0" lang="en-US" sz="3200" spc="-1" strike="noStrike">
+                  <a:solidFill>
+                    <a:srgbClr val="000000"/>
+                  </a:solidFill>
+                  <a:latin typeface="Arial"/>
+                  <a:ea typeface="ヒラギノ明朝 ProN W3"/>
+                </a:rPr>
+                <a:t>o</a:t>
+              </a:r>
+              <a:r>
+                <a:rPr b="0" lang="en-US" sz="3200" spc="-1" strike="noStrike">
+                  <a:solidFill>
+                    <a:srgbClr val="000000"/>
+                  </a:solidFill>
+                  <a:latin typeface="Arial"/>
+                  <a:ea typeface="ヒラギノ明朝 ProN W3"/>
+                </a:rPr>
+                <a:t>r</a:t>
+              </a:r>
+              <a:r>
+                <a:rPr b="0" lang="en-US" sz="3200" spc="-1" strike="noStrike">
+                  <a:solidFill>
+                    <a:srgbClr val="000000"/>
+                  </a:solidFill>
+                  <a:latin typeface="Arial"/>
+                  <a:ea typeface="ヒラギノ明朝 ProN W3"/>
+                </a:rPr>
+                <a:t>m</a:t>
+              </a:r>
+              <a:r>
+                <a:rPr b="0" lang="en-US" sz="3200" spc="-1" strike="noStrike">
+                  <a:solidFill>
+                    <a:srgbClr val="000000"/>
+                  </a:solidFill>
+                  <a:latin typeface="Arial"/>
+                  <a:ea typeface="ヒラギノ明朝 ProN W3"/>
+                </a:rPr>
+                <a:t>a</a:t>
+              </a:r>
+              <a:r>
+                <a:rPr b="0" lang="en-US" sz="3200" spc="-1" strike="noStrike">
+                  <a:solidFill>
+                    <a:srgbClr val="000000"/>
+                  </a:solidFill>
+                  <a:latin typeface="Arial"/>
+                  <a:ea typeface="ヒラギノ明朝 ProN W3"/>
+                </a:rPr>
+                <a:t>n</a:t>
+              </a:r>
+              <a:r>
+                <a:rPr b="0" lang="en-US" sz="3200" spc="-1" strike="noStrike">
+                  <a:solidFill>
+                    <a:srgbClr val="000000"/>
+                  </a:solidFill>
+                  <a:latin typeface="Arial"/>
+                  <a:ea typeface="ヒラギノ明朝 ProN W3"/>
+                </a:rPr>
+                <a:t>c</a:t>
+              </a:r>
+              <a:r>
+                <a:rPr b="0" lang="en-US" sz="3200" spc="-1" strike="noStrike">
+                  <a:solidFill>
+                    <a:srgbClr val="000000"/>
+                  </a:solidFill>
+                  <a:latin typeface="Arial"/>
+                  <a:ea typeface="ヒラギノ明朝 ProN W3"/>
+                </a:rPr>
+                <a:t>e</a:t>
+              </a:r>
+              <a:r>
+                <a:rPr b="0" lang="en-US" sz="3200" spc="-1" strike="noStrike">
+                  <a:solidFill>
+                    <a:srgbClr val="000000"/>
+                  </a:solidFill>
+                  <a:latin typeface="Arial"/>
+                  <a:ea typeface="ヒラギノ明朝 ProN W3"/>
+                </a:rPr>
+                <a:t> </a:t>
+              </a:r>
+              <a:r>
+                <a:rPr b="0" lang="en-US" sz="3200" spc="-1" strike="noStrike">
+                  <a:solidFill>
+                    <a:srgbClr val="000000"/>
+                  </a:solidFill>
+                  <a:latin typeface="Arial"/>
+                  <a:ea typeface="ヒラギノ明朝 ProN W3"/>
+                </a:rPr>
+                <a:t>o</a:t>
+              </a:r>
+              <a:r>
+                <a:rPr b="0" lang="en-US" sz="3200" spc="-1" strike="noStrike">
+                  <a:solidFill>
+                    <a:srgbClr val="000000"/>
+                  </a:solidFill>
+                  <a:latin typeface="Arial"/>
+                  <a:ea typeface="ヒラギノ明朝 ProN W3"/>
+                </a:rPr>
+                <a:t>f</a:t>
+              </a:r>
+              <a:r>
+                <a:rPr b="0" lang="en-US" sz="3200" spc="-1" strike="noStrike">
+                  <a:solidFill>
+                    <a:srgbClr val="000000"/>
+                  </a:solidFill>
+                  <a:latin typeface="Arial"/>
+                  <a:ea typeface="ヒラギノ明朝 ProN W3"/>
+                </a:rPr>
+                <a:t> </a:t>
+              </a:r>
+              <a:r>
+                <a:rPr b="0" lang="en-US" sz="3200" spc="-1" strike="noStrike">
+                  <a:solidFill>
+                    <a:srgbClr val="000000"/>
+                  </a:solidFill>
+                  <a:latin typeface="Arial"/>
+                  <a:ea typeface="ヒラギノ明朝 ProN W3"/>
+                </a:rPr>
+                <a:t>t</a:t>
+              </a:r>
+              <a:r>
+                <a:rPr b="0" lang="en-US" sz="3200" spc="-1" strike="noStrike">
+                  <a:solidFill>
+                    <a:srgbClr val="000000"/>
+                  </a:solidFill>
+                  <a:latin typeface="Arial"/>
+                  <a:ea typeface="ヒラギノ明朝 ProN W3"/>
+                </a:rPr>
+                <a:t>h</a:t>
+              </a:r>
+              <a:r>
+                <a:rPr b="0" lang="en-US" sz="3200" spc="-1" strike="noStrike">
+                  <a:solidFill>
+                    <a:srgbClr val="000000"/>
+                  </a:solidFill>
+                  <a:latin typeface="Arial"/>
+                  <a:ea typeface="ヒラギノ明朝 ProN W3"/>
+                </a:rPr>
+                <a:t>e</a:t>
+              </a:r>
+              <a:r>
+                <a:rPr b="0" lang="en-US" sz="3200" spc="-1" strike="noStrike">
+                  <a:solidFill>
+                    <a:srgbClr val="000000"/>
+                  </a:solidFill>
+                  <a:latin typeface="Arial"/>
+                  <a:ea typeface="ヒラギノ明朝 ProN W3"/>
+                </a:rPr>
+                <a:t> </a:t>
+              </a:r>
+              <a:r>
+                <a:rPr b="0" lang="en-US" sz="3200" spc="-1" strike="noStrike">
+                  <a:solidFill>
+                    <a:srgbClr val="000000"/>
+                  </a:solidFill>
+                  <a:latin typeface="Arial"/>
+                  <a:ea typeface="ヒラギノ明朝 ProN W3"/>
+                </a:rPr>
+                <a:t>r</a:t>
+              </a:r>
+              <a:r>
+                <a:rPr b="0" lang="en-US" sz="3200" spc="-1" strike="noStrike">
+                  <a:solidFill>
+                    <a:srgbClr val="000000"/>
+                  </a:solidFill>
+                  <a:latin typeface="Arial"/>
+                  <a:ea typeface="ヒラギノ明朝 ProN W3"/>
+                </a:rPr>
+                <a:t>e</a:t>
+              </a:r>
+              <a:r>
+                <a:rPr b="0" lang="en-US" sz="3200" spc="-1" strike="noStrike">
+                  <a:solidFill>
+                    <a:srgbClr val="000000"/>
+                  </a:solidFill>
+                  <a:latin typeface="Arial"/>
+                  <a:ea typeface="ヒラギノ明朝 ProN W3"/>
+                </a:rPr>
+                <a:t>g</a:t>
+              </a:r>
+              <a:r>
+                <a:rPr b="0" lang="en-US" sz="3200" spc="-1" strike="noStrike">
+                  <a:solidFill>
+                    <a:srgbClr val="000000"/>
+                  </a:solidFill>
+                  <a:latin typeface="Arial"/>
+                  <a:ea typeface="ヒラギノ明朝 ProN W3"/>
+                </a:rPr>
+                <a:t>r</a:t>
+              </a:r>
+              <a:r>
+                <a:rPr b="0" lang="en-US" sz="3200" spc="-1" strike="noStrike">
+                  <a:solidFill>
+                    <a:srgbClr val="000000"/>
+                  </a:solidFill>
+                  <a:latin typeface="Arial"/>
+                  <a:ea typeface="ヒラギノ明朝 ProN W3"/>
+                </a:rPr>
+                <a:t>e</a:t>
+              </a:r>
+              <a:r>
+                <a:rPr b="0" lang="en-US" sz="3200" spc="-1" strike="noStrike">
+                  <a:solidFill>
+                    <a:srgbClr val="000000"/>
+                  </a:solidFill>
+                  <a:latin typeface="Arial"/>
+                  <a:ea typeface="ヒラギノ明朝 ProN W3"/>
+                </a:rPr>
+                <a:t>s</a:t>
+              </a:r>
+              <a:r>
+                <a:rPr b="0" lang="en-US" sz="3200" spc="-1" strike="noStrike">
+                  <a:solidFill>
+                    <a:srgbClr val="000000"/>
+                  </a:solidFill>
+                  <a:latin typeface="Arial"/>
+                  <a:ea typeface="ヒラギノ明朝 ProN W3"/>
+                </a:rPr>
+                <a:t>s</a:t>
+              </a:r>
+              <a:r>
+                <a:rPr b="0" lang="en-US" sz="3200" spc="-1" strike="noStrike">
+                  <a:solidFill>
+                    <a:srgbClr val="000000"/>
+                  </a:solidFill>
+                  <a:latin typeface="Arial"/>
+                  <a:ea typeface="ヒラギノ明朝 ProN W3"/>
+                </a:rPr>
+                <a:t>i</a:t>
+              </a:r>
+              <a:r>
+                <a:rPr b="0" lang="en-US" sz="3200" spc="-1" strike="noStrike">
+                  <a:solidFill>
+                    <a:srgbClr val="000000"/>
+                  </a:solidFill>
+                  <a:latin typeface="Arial"/>
+                  <a:ea typeface="ヒラギノ明朝 ProN W3"/>
+                </a:rPr>
+                <a:t>o</a:t>
+              </a:r>
+              <a:r>
+                <a:rPr b="0" lang="en-US" sz="3200" spc="-1" strike="noStrike">
+                  <a:solidFill>
+                    <a:srgbClr val="000000"/>
+                  </a:solidFill>
+                  <a:latin typeface="Arial"/>
+                  <a:ea typeface="ヒラギノ明朝 ProN W3"/>
+                </a:rPr>
+                <a:t>n</a:t>
+              </a:r>
+              <a:r>
+                <a:rPr b="0" lang="en-US" sz="3200" spc="-1" strike="noStrike">
+                  <a:solidFill>
+                    <a:srgbClr val="000000"/>
+                  </a:solidFill>
+                  <a:latin typeface="Arial"/>
+                  <a:ea typeface="ヒラギノ明朝 ProN W3"/>
+                </a:rPr>
+                <a:t> </a:t>
+              </a:r>
+              <a:r>
+                <a:rPr b="0" lang="en-US" sz="3200" spc="-1" strike="noStrike">
+                  <a:solidFill>
+                    <a:srgbClr val="000000"/>
+                  </a:solidFill>
+                  <a:latin typeface="Arial"/>
+                  <a:ea typeface="ヒラギノ明朝 ProN W3"/>
+                </a:rPr>
+                <a:t>t</a:t>
+              </a:r>
+              <a:r>
+                <a:rPr b="0" lang="en-US" sz="3200" spc="-1" strike="noStrike">
+                  <a:solidFill>
+                    <a:srgbClr val="000000"/>
+                  </a:solidFill>
+                  <a:latin typeface="Arial"/>
+                  <a:ea typeface="ヒラギノ明朝 ProN W3"/>
+                </a:rPr>
+                <a:t>r</a:t>
+              </a:r>
+              <a:r>
+                <a:rPr b="0" lang="en-US" sz="3200" spc="-1" strike="noStrike">
+                  <a:solidFill>
+                    <a:srgbClr val="000000"/>
+                  </a:solidFill>
+                  <a:latin typeface="Arial"/>
+                  <a:ea typeface="ヒラギノ明朝 ProN W3"/>
+                </a:rPr>
+                <a:t>e</a:t>
+              </a:r>
+              <a:r>
+                <a:rPr b="0" lang="en-US" sz="3200" spc="-1" strike="noStrike">
+                  <a:solidFill>
+                    <a:srgbClr val="000000"/>
+                  </a:solidFill>
+                  <a:latin typeface="Arial"/>
+                  <a:ea typeface="ヒラギノ明朝 ProN W3"/>
+                </a:rPr>
+                <a:t>e</a:t>
+              </a:r>
+              <a:r>
+                <a:rPr b="0" lang="en-US" sz="3200" spc="-1" strike="noStrike">
+                  <a:solidFill>
+                    <a:srgbClr val="000000"/>
+                  </a:solidFill>
+                  <a:latin typeface="Arial"/>
+                  <a:ea typeface="ヒラギノ明朝 ProN W3"/>
+                </a:rPr>
+                <a:t> </a:t>
+              </a:r>
+              <a:r>
+                <a:rPr b="0" lang="en-US" sz="3200" spc="-1" strike="noStrike">
+                  <a:solidFill>
+                    <a:srgbClr val="000000"/>
+                  </a:solidFill>
+                  <a:latin typeface="Arial"/>
+                  <a:ea typeface="ヒラギノ明朝 ProN W3"/>
+                </a:rPr>
+                <a:t>s</a:t>
+              </a:r>
+              <a:r>
+                <a:rPr b="0" lang="en-US" sz="3200" spc="-1" strike="noStrike">
+                  <a:solidFill>
+                    <a:srgbClr val="000000"/>
+                  </a:solidFill>
+                  <a:latin typeface="Arial"/>
+                  <a:ea typeface="ヒラギノ明朝 ProN W3"/>
+                </a:rPr>
+                <a:t>u</a:t>
+              </a:r>
+              <a:r>
+                <a:rPr b="0" lang="en-US" sz="3200" spc="-1" strike="noStrike">
+                  <a:solidFill>
+                    <a:srgbClr val="000000"/>
+                  </a:solidFill>
+                  <a:latin typeface="Arial"/>
+                  <a:ea typeface="ヒラギノ明朝 ProN W3"/>
+                </a:rPr>
+                <a:t>g</a:t>
+              </a:r>
+              <a:r>
+                <a:rPr b="0" lang="en-US" sz="3200" spc="-1" strike="noStrike">
+                  <a:solidFill>
+                    <a:srgbClr val="000000"/>
+                  </a:solidFill>
+                  <a:latin typeface="Arial"/>
+                  <a:ea typeface="ヒラギノ明朝 ProN W3"/>
+                </a:rPr>
+                <a:t>g</a:t>
+              </a:r>
+              <a:r>
+                <a:rPr b="0" lang="en-US" sz="3200" spc="-1" strike="noStrike">
+                  <a:solidFill>
+                    <a:srgbClr val="000000"/>
+                  </a:solidFill>
+                  <a:latin typeface="Arial"/>
+                  <a:ea typeface="ヒラギノ明朝 ProN W3"/>
+                </a:rPr>
+                <a:t>e</a:t>
+              </a:r>
+              <a:r>
+                <a:rPr b="0" lang="en-US" sz="3200" spc="-1" strike="noStrike">
+                  <a:solidFill>
+                    <a:srgbClr val="000000"/>
+                  </a:solidFill>
+                  <a:latin typeface="Arial"/>
+                  <a:ea typeface="ヒラギノ明朝 ProN W3"/>
+                </a:rPr>
+                <a:t>s</a:t>
+              </a:r>
+              <a:r>
+                <a:rPr b="0" lang="en-US" sz="3200" spc="-1" strike="noStrike">
+                  <a:solidFill>
+                    <a:srgbClr val="000000"/>
+                  </a:solidFill>
+                  <a:latin typeface="Arial"/>
+                  <a:ea typeface="ヒラギノ明朝 ProN W3"/>
+                </a:rPr>
+                <a:t>t</a:t>
+              </a:r>
+              <a:r>
+                <a:rPr b="0" lang="en-US" sz="3200" spc="-1" strike="noStrike">
+                  <a:solidFill>
+                    <a:srgbClr val="000000"/>
+                  </a:solidFill>
+                  <a:latin typeface="Arial"/>
+                  <a:ea typeface="ヒラギノ明朝 ProN W3"/>
+                </a:rPr>
+                <a:t> </a:t>
+              </a:r>
+              <a:r>
+                <a:rPr b="0" lang="en-US" sz="3200" spc="-1" strike="noStrike">
+                  <a:solidFill>
+                    <a:srgbClr val="000000"/>
+                  </a:solidFill>
+                  <a:latin typeface="Arial"/>
+                  <a:ea typeface="ヒラギノ明朝 ProN W3"/>
+                </a:rPr>
+                <a:t>t</a:t>
+              </a:r>
+              <a:r>
+                <a:rPr b="0" lang="en-US" sz="3200" spc="-1" strike="noStrike">
+                  <a:solidFill>
+                    <a:srgbClr val="000000"/>
+                  </a:solidFill>
+                  <a:latin typeface="Arial"/>
+                  <a:ea typeface="ヒラギノ明朝 ProN W3"/>
+                </a:rPr>
+                <a:t>h</a:t>
+              </a:r>
+              <a:r>
+                <a:rPr b="0" lang="en-US" sz="3200" spc="-1" strike="noStrike">
+                  <a:solidFill>
+                    <a:srgbClr val="000000"/>
+                  </a:solidFill>
+                  <a:latin typeface="Arial"/>
+                  <a:ea typeface="ヒラギノ明朝 ProN W3"/>
+                </a:rPr>
+                <a:t>a</a:t>
+              </a:r>
+              <a:r>
+                <a:rPr b="0" lang="en-US" sz="3200" spc="-1" strike="noStrike">
+                  <a:solidFill>
+                    <a:srgbClr val="000000"/>
+                  </a:solidFill>
+                  <a:latin typeface="Arial"/>
+                  <a:ea typeface="ヒラギノ明朝 ProN W3"/>
+                </a:rPr>
+                <a:t>t</a:t>
+              </a:r>
+              <a:r>
+                <a:rPr b="0" lang="en-US" sz="3200" spc="-1" strike="noStrike">
+                  <a:solidFill>
+                    <a:srgbClr val="000000"/>
+                  </a:solidFill>
+                  <a:latin typeface="Arial"/>
+                  <a:ea typeface="ヒラギノ明朝 ProN W3"/>
+                </a:rPr>
+                <a:t> </a:t>
+              </a:r>
+              <a:r>
+                <a:rPr b="0" lang="en-US" sz="3200" spc="-1" strike="noStrike">
+                  <a:solidFill>
+                    <a:srgbClr val="000000"/>
+                  </a:solidFill>
+                  <a:latin typeface="Arial"/>
+                  <a:ea typeface="ヒラギノ明朝 ProN W3"/>
+                </a:rPr>
+                <a:t>t</a:t>
+              </a:r>
+              <a:r>
+                <a:rPr b="0" lang="en-US" sz="3200" spc="-1" strike="noStrike">
+                  <a:solidFill>
+                    <a:srgbClr val="000000"/>
+                  </a:solidFill>
+                  <a:latin typeface="Arial"/>
+                  <a:ea typeface="ヒラギノ明朝 ProN W3"/>
+                </a:rPr>
+                <a:t>h</a:t>
+              </a:r>
+              <a:r>
+                <a:rPr b="0" lang="en-US" sz="3200" spc="-1" strike="noStrike">
+                  <a:solidFill>
+                    <a:srgbClr val="000000"/>
+                  </a:solidFill>
+                  <a:latin typeface="Arial"/>
+                  <a:ea typeface="ヒラギノ明朝 ProN W3"/>
+                </a:rPr>
+                <a:t>e</a:t>
+              </a:r>
+              <a:r>
+                <a:rPr b="0" lang="en-US" sz="3200" spc="-1" strike="noStrike">
+                  <a:solidFill>
+                    <a:srgbClr val="000000"/>
+                  </a:solidFill>
+                  <a:latin typeface="Arial"/>
+                  <a:ea typeface="ヒラギノ明朝 ProN W3"/>
+                </a:rPr>
+                <a:t>r</a:t>
+              </a:r>
+              <a:r>
+                <a:rPr b="0" lang="en-US" sz="3200" spc="-1" strike="noStrike">
+                  <a:solidFill>
+                    <a:srgbClr val="000000"/>
+                  </a:solidFill>
+                  <a:latin typeface="Arial"/>
+                  <a:ea typeface="ヒラギノ明朝 ProN W3"/>
+                </a:rPr>
+                <a:t>e</a:t>
+              </a:r>
+              <a:r>
+                <a:rPr b="0" lang="en-US" sz="3200" spc="-1" strike="noStrike">
+                  <a:solidFill>
+                    <a:srgbClr val="000000"/>
+                  </a:solidFill>
+                  <a:latin typeface="Arial"/>
+                  <a:ea typeface="ヒラギノ明朝 ProN W3"/>
+                </a:rPr>
+                <a:t> </a:t>
+              </a:r>
+              <a:r>
+                <a:rPr b="0" lang="en-US" sz="3200" spc="-1" strike="noStrike">
+                  <a:solidFill>
+                    <a:srgbClr val="000000"/>
+                  </a:solidFill>
+                  <a:latin typeface="Arial"/>
+                  <a:ea typeface="ヒラギノ明朝 ProN W3"/>
+                </a:rPr>
+                <a:t>a</a:t>
+              </a:r>
+              <a:r>
+                <a:rPr b="0" lang="en-US" sz="3200" spc="-1" strike="noStrike">
+                  <a:solidFill>
+                    <a:srgbClr val="000000"/>
+                  </a:solidFill>
+                  <a:latin typeface="Arial"/>
+                  <a:ea typeface="ヒラギノ明朝 ProN W3"/>
+                </a:rPr>
+                <a:t>r</a:t>
+              </a:r>
+              <a:r>
+                <a:rPr b="0" lang="en-US" sz="3200" spc="-1" strike="noStrike">
+                  <a:solidFill>
+                    <a:srgbClr val="000000"/>
+                  </a:solidFill>
+                  <a:latin typeface="Arial"/>
+                  <a:ea typeface="ヒラギノ明朝 ProN W3"/>
+                </a:rPr>
+                <a:t>e</a:t>
+              </a:r>
+              <a:r>
+                <a:rPr b="0" lang="en-US" sz="3200" spc="-1" strike="noStrike">
+                  <a:solidFill>
+                    <a:srgbClr val="000000"/>
+                  </a:solidFill>
+                  <a:latin typeface="Arial"/>
+                  <a:ea typeface="ヒラギノ明朝 ProN W3"/>
+                </a:rPr>
+                <a:t> </a:t>
+              </a:r>
+              <a:r>
+                <a:rPr b="0" lang="en-US" sz="3200" spc="-1" strike="noStrike">
+                  <a:solidFill>
+                    <a:srgbClr val="000000"/>
+                  </a:solidFill>
+                  <a:latin typeface="Arial"/>
+                  <a:ea typeface="ヒラギノ明朝 ProN W3"/>
+                </a:rPr>
+                <a:t>m</a:t>
+              </a:r>
+              <a:r>
+                <a:rPr b="0" lang="en-US" sz="3200" spc="-1" strike="noStrike">
+                  <a:solidFill>
+                    <a:srgbClr val="000000"/>
+                  </a:solidFill>
+                  <a:latin typeface="Arial"/>
+                  <a:ea typeface="ヒラギノ明朝 ProN W3"/>
+                </a:rPr>
+                <a:t>i</a:t>
+              </a:r>
+              <a:r>
+                <a:rPr b="0" lang="en-US" sz="3200" spc="-1" strike="noStrike">
+                  <a:solidFill>
+                    <a:srgbClr val="000000"/>
+                  </a:solidFill>
+                  <a:latin typeface="Arial"/>
+                  <a:ea typeface="ヒラギノ明朝 ProN W3"/>
+                </a:rPr>
+                <a:t>s</a:t>
+              </a:r>
+              <a:r>
+                <a:rPr b="0" lang="en-US" sz="3200" spc="-1" strike="noStrike">
+                  <a:solidFill>
+                    <a:srgbClr val="000000"/>
+                  </a:solidFill>
+                  <a:latin typeface="Arial"/>
+                  <a:ea typeface="ヒラギノ明朝 ProN W3"/>
+                </a:rPr>
+                <a:t>s</a:t>
+              </a:r>
+              <a:r>
+                <a:rPr b="0" lang="en-US" sz="3200" spc="-1" strike="noStrike">
+                  <a:solidFill>
+                    <a:srgbClr val="000000"/>
+                  </a:solidFill>
+                  <a:latin typeface="Arial"/>
+                  <a:ea typeface="ヒラギノ明朝 ProN W3"/>
+                </a:rPr>
+                <a:t>i</a:t>
+              </a:r>
+              <a:r>
+                <a:rPr b="0" lang="en-US" sz="3200" spc="-1" strike="noStrike">
+                  <a:solidFill>
+                    <a:srgbClr val="000000"/>
+                  </a:solidFill>
+                  <a:latin typeface="Arial"/>
+                  <a:ea typeface="ヒラギノ明朝 ProN W3"/>
+                </a:rPr>
+                <a:t>n</a:t>
+              </a:r>
+              <a:r>
+                <a:rPr b="0" lang="en-US" sz="3200" spc="-1" strike="noStrike">
+                  <a:solidFill>
+                    <a:srgbClr val="000000"/>
+                  </a:solidFill>
+                  <a:latin typeface="Arial"/>
+                  <a:ea typeface="ヒラギノ明朝 ProN W3"/>
+                </a:rPr>
+                <a:t>g</a:t>
+              </a:r>
+              <a:r>
+                <a:rPr b="0" lang="en-US" sz="3200" spc="-1" strike="noStrike">
+                  <a:solidFill>
+                    <a:srgbClr val="000000"/>
+                  </a:solidFill>
+                  <a:latin typeface="Arial"/>
+                  <a:ea typeface="ヒラギノ明朝 ProN W3"/>
+                </a:rPr>
+                <a:t> </a:t>
+              </a:r>
+              <a:r>
+                <a:rPr b="0" lang="en-US" sz="3200" spc="-1" strike="noStrike">
+                  <a:solidFill>
+                    <a:srgbClr val="000000"/>
+                  </a:solidFill>
+                  <a:latin typeface="Arial"/>
+                  <a:ea typeface="ヒラギノ明朝 ProN W3"/>
+                </a:rPr>
+                <a:t>v</a:t>
+              </a:r>
+              <a:r>
+                <a:rPr b="0" lang="en-US" sz="3200" spc="-1" strike="noStrike">
+                  <a:solidFill>
+                    <a:srgbClr val="000000"/>
+                  </a:solidFill>
+                  <a:latin typeface="Arial"/>
+                  <a:ea typeface="ヒラギノ明朝 ProN W3"/>
+                </a:rPr>
+                <a:t>a</a:t>
+              </a:r>
+              <a:r>
+                <a:rPr b="0" lang="en-US" sz="3200" spc="-1" strike="noStrike">
+                  <a:solidFill>
+                    <a:srgbClr val="000000"/>
+                  </a:solidFill>
+                  <a:latin typeface="Arial"/>
+                  <a:ea typeface="ヒラギノ明朝 ProN W3"/>
+                </a:rPr>
+                <a:t>r</a:t>
+              </a:r>
+              <a:r>
+                <a:rPr b="0" lang="en-US" sz="3200" spc="-1" strike="noStrike">
+                  <a:solidFill>
+                    <a:srgbClr val="000000"/>
+                  </a:solidFill>
+                  <a:latin typeface="Arial"/>
+                  <a:ea typeface="ヒラギノ明朝 ProN W3"/>
+                </a:rPr>
+                <a:t>i</a:t>
+              </a:r>
+              <a:r>
+                <a:rPr b="0" lang="en-US" sz="3200" spc="-1" strike="noStrike">
+                  <a:solidFill>
+                    <a:srgbClr val="000000"/>
+                  </a:solidFill>
+                  <a:latin typeface="Arial"/>
+                  <a:ea typeface="ヒラギノ明朝 ProN W3"/>
+                </a:rPr>
+                <a:t>a</a:t>
+              </a:r>
+              <a:r>
+                <a:rPr b="0" lang="en-US" sz="3200" spc="-1" strike="noStrike">
+                  <a:solidFill>
+                    <a:srgbClr val="000000"/>
+                  </a:solidFill>
+                  <a:latin typeface="Arial"/>
+                  <a:ea typeface="ヒラギノ明朝 ProN W3"/>
+                </a:rPr>
+                <a:t>b</a:t>
+              </a:r>
+              <a:r>
+                <a:rPr b="0" lang="en-US" sz="3200" spc="-1" strike="noStrike">
+                  <a:solidFill>
+                    <a:srgbClr val="000000"/>
+                  </a:solidFill>
+                  <a:latin typeface="Arial"/>
+                  <a:ea typeface="ヒラギノ明朝 ProN W3"/>
+                </a:rPr>
+                <a:t>l</a:t>
+              </a:r>
+              <a:r>
+                <a:rPr b="0" lang="en-US" sz="3200" spc="-1" strike="noStrike">
+                  <a:solidFill>
+                    <a:srgbClr val="000000"/>
+                  </a:solidFill>
+                  <a:latin typeface="Arial"/>
+                  <a:ea typeface="ヒラギノ明朝 ProN W3"/>
+                </a:rPr>
+                <a:t>e</a:t>
+              </a:r>
+              <a:r>
+                <a:rPr b="0" lang="en-US" sz="3200" spc="-1" strike="noStrike">
+                  <a:solidFill>
+                    <a:srgbClr val="000000"/>
+                  </a:solidFill>
+                  <a:latin typeface="Arial"/>
+                  <a:ea typeface="ヒラギノ明朝 ProN W3"/>
+                </a:rPr>
+                <a:t>s</a:t>
+              </a:r>
+              <a:r>
+                <a:rPr b="0" lang="en-US" sz="3200" spc="-1" strike="noStrike">
+                  <a:solidFill>
+                    <a:srgbClr val="000000"/>
+                  </a:solidFill>
+                  <a:latin typeface="Arial"/>
+                  <a:ea typeface="ヒラギノ明朝 ProN W3"/>
+                </a:rPr>
+                <a:t> </a:t>
+              </a:r>
+              <a:r>
+                <a:rPr b="0" lang="en-US" sz="3200" spc="-1" strike="noStrike">
+                  <a:solidFill>
+                    <a:srgbClr val="000000"/>
+                  </a:solidFill>
+                  <a:latin typeface="Arial"/>
+                  <a:ea typeface="ヒラギノ明朝 ProN W3"/>
+                </a:rPr>
+                <a:t>n</a:t>
+              </a:r>
+              <a:r>
+                <a:rPr b="0" lang="en-US" sz="3200" spc="-1" strike="noStrike">
+                  <a:solidFill>
+                    <a:srgbClr val="000000"/>
+                  </a:solidFill>
+                  <a:latin typeface="Arial"/>
+                  <a:ea typeface="ヒラギノ明朝 ProN W3"/>
+                </a:rPr>
+                <a:t>o</a:t>
+              </a:r>
+              <a:r>
+                <a:rPr b="0" lang="en-US" sz="3200" spc="-1" strike="noStrike">
+                  <a:solidFill>
+                    <a:srgbClr val="000000"/>
+                  </a:solidFill>
+                  <a:latin typeface="Arial"/>
+                  <a:ea typeface="ヒラギノ明朝 ProN W3"/>
+                </a:rPr>
+                <a:t>t</a:t>
+              </a:r>
+              <a:r>
+                <a:rPr b="0" lang="en-US" sz="3200" spc="-1" strike="noStrike">
+                  <a:solidFill>
+                    <a:srgbClr val="000000"/>
+                  </a:solidFill>
+                  <a:latin typeface="Arial"/>
+                  <a:ea typeface="ヒラギノ明朝 ProN W3"/>
+                </a:rPr>
+                <a:t> </a:t>
+              </a:r>
+              <a:r>
+                <a:rPr b="0" lang="en-US" sz="3200" spc="-1" strike="noStrike">
+                  <a:solidFill>
+                    <a:srgbClr val="000000"/>
+                  </a:solidFill>
+                  <a:latin typeface="Arial"/>
+                  <a:ea typeface="ヒラギノ明朝 ProN W3"/>
+                </a:rPr>
+                <a:t>c</a:t>
+              </a:r>
+              <a:r>
+                <a:rPr b="0" lang="en-US" sz="3200" spc="-1" strike="noStrike">
+                  <a:solidFill>
+                    <a:srgbClr val="000000"/>
+                  </a:solidFill>
+                  <a:latin typeface="Arial"/>
+                  <a:ea typeface="ヒラギノ明朝 ProN W3"/>
+                </a:rPr>
+                <a:t>a</a:t>
+              </a:r>
+              <a:r>
+                <a:rPr b="0" lang="en-US" sz="3200" spc="-1" strike="noStrike">
+                  <a:solidFill>
+                    <a:srgbClr val="000000"/>
+                  </a:solidFill>
+                  <a:latin typeface="Arial"/>
+                  <a:ea typeface="ヒラギノ明朝 ProN W3"/>
+                </a:rPr>
+                <a:t>p</a:t>
+              </a:r>
+              <a:r>
+                <a:rPr b="0" lang="en-US" sz="3200" spc="-1" strike="noStrike">
+                  <a:solidFill>
+                    <a:srgbClr val="000000"/>
+                  </a:solidFill>
+                  <a:latin typeface="Arial"/>
+                  <a:ea typeface="ヒラギノ明朝 ProN W3"/>
+                </a:rPr>
+                <a:t>t</a:t>
+              </a:r>
+              <a:r>
+                <a:rPr b="0" lang="en-US" sz="3200" spc="-1" strike="noStrike">
+                  <a:solidFill>
+                    <a:srgbClr val="000000"/>
+                  </a:solidFill>
+                  <a:latin typeface="Arial"/>
+                  <a:ea typeface="ヒラギノ明朝 ProN W3"/>
+                </a:rPr>
+                <a:t>u</a:t>
+              </a:r>
+              <a:r>
+                <a:rPr b="0" lang="en-US" sz="3200" spc="-1" strike="noStrike">
+                  <a:solidFill>
+                    <a:srgbClr val="000000"/>
+                  </a:solidFill>
+                  <a:latin typeface="Arial"/>
+                  <a:ea typeface="ヒラギノ明朝 ProN W3"/>
+                </a:rPr>
+                <a:t>r</a:t>
+              </a:r>
+              <a:r>
+                <a:rPr b="0" lang="en-US" sz="3200" spc="-1" strike="noStrike">
+                  <a:solidFill>
+                    <a:srgbClr val="000000"/>
+                  </a:solidFill>
+                  <a:latin typeface="Arial"/>
+                  <a:ea typeface="ヒラギノ明朝 ProN W3"/>
+                </a:rPr>
+                <a:t>e</a:t>
+              </a:r>
+              <a:r>
+                <a:rPr b="0" lang="en-US" sz="3200" spc="-1" strike="noStrike">
+                  <a:solidFill>
+                    <a:srgbClr val="000000"/>
+                  </a:solidFill>
+                  <a:latin typeface="Arial"/>
+                  <a:ea typeface="ヒラギノ明朝 ProN W3"/>
+                </a:rPr>
+                <a:t>d</a:t>
+              </a:r>
+              <a:r>
+                <a:rPr b="0" lang="en-US" sz="3200" spc="-1" strike="noStrike">
+                  <a:solidFill>
+                    <a:srgbClr val="000000"/>
+                  </a:solidFill>
+                  <a:latin typeface="Arial"/>
+                  <a:ea typeface="ヒラギノ明朝 ProN W3"/>
+                </a:rPr>
+                <a:t> </a:t>
+              </a:r>
+              <a:r>
+                <a:rPr b="0" lang="en-US" sz="3200" spc="-1" strike="noStrike">
+                  <a:solidFill>
+                    <a:srgbClr val="000000"/>
+                  </a:solidFill>
+                  <a:latin typeface="Arial"/>
+                  <a:ea typeface="ヒラギノ明朝 ProN W3"/>
+                </a:rPr>
+                <a:t>b</a:t>
+              </a:r>
+              <a:r>
+                <a:rPr b="0" lang="en-US" sz="3200" spc="-1" strike="noStrike">
+                  <a:solidFill>
+                    <a:srgbClr val="000000"/>
+                  </a:solidFill>
+                  <a:latin typeface="Arial"/>
+                  <a:ea typeface="ヒラギノ明朝 ProN W3"/>
+                </a:rPr>
+                <a:t>y</a:t>
+              </a:r>
+              <a:r>
+                <a:rPr b="0" lang="en-US" sz="3200" spc="-1" strike="noStrike">
+                  <a:solidFill>
+                    <a:srgbClr val="000000"/>
+                  </a:solidFill>
+                  <a:latin typeface="Arial"/>
+                  <a:ea typeface="ヒラギノ明朝 ProN W3"/>
+                </a:rPr>
+                <a:t> </a:t>
+              </a:r>
+              <a:r>
+                <a:rPr b="0" lang="en-US" sz="3200" spc="-1" strike="noStrike">
+                  <a:solidFill>
+                    <a:srgbClr val="000000"/>
+                  </a:solidFill>
+                  <a:latin typeface="Arial"/>
+                  <a:ea typeface="ヒラギノ明朝 ProN W3"/>
+                </a:rPr>
+                <a:t>t</a:t>
+              </a:r>
+              <a:r>
+                <a:rPr b="0" lang="en-US" sz="3200" spc="-1" strike="noStrike">
+                  <a:solidFill>
+                    <a:srgbClr val="000000"/>
+                  </a:solidFill>
+                  <a:latin typeface="Arial"/>
+                  <a:ea typeface="ヒラギノ明朝 ProN W3"/>
+                </a:rPr>
+                <a:t>h</a:t>
+              </a:r>
+              <a:r>
+                <a:rPr b="0" lang="en-US" sz="3200" spc="-1" strike="noStrike">
+                  <a:solidFill>
+                    <a:srgbClr val="000000"/>
+                  </a:solidFill>
+                  <a:latin typeface="Arial"/>
+                  <a:ea typeface="ヒラギノ明朝 ProN W3"/>
+                </a:rPr>
+                <a:t>e</a:t>
+              </a:r>
+              <a:r>
+                <a:rPr b="0" lang="en-US" sz="3200" spc="-1" strike="noStrike">
+                  <a:solidFill>
+                    <a:srgbClr val="000000"/>
+                  </a:solidFill>
+                  <a:latin typeface="Arial"/>
+                  <a:ea typeface="ヒラギノ明朝 ProN W3"/>
+                </a:rPr>
+                <a:t> </a:t>
+              </a:r>
+              <a:r>
+                <a:rPr b="0" lang="en-US" sz="3200" spc="-1" strike="noStrike">
+                  <a:solidFill>
+                    <a:srgbClr val="000000"/>
+                  </a:solidFill>
+                  <a:latin typeface="Arial"/>
+                  <a:ea typeface="ヒラギノ明朝 ProN W3"/>
+                </a:rPr>
+                <a:t>m</a:t>
+              </a:r>
+              <a:r>
+                <a:rPr b="0" lang="en-US" sz="3200" spc="-1" strike="noStrike">
+                  <a:solidFill>
+                    <a:srgbClr val="000000"/>
+                  </a:solidFill>
+                  <a:latin typeface="Arial"/>
+                  <a:ea typeface="ヒラギノ明朝 ProN W3"/>
+                </a:rPr>
+                <a:t>o</a:t>
+              </a:r>
+              <a:r>
+                <a:rPr b="0" lang="en-US" sz="3200" spc="-1" strike="noStrike">
+                  <a:solidFill>
+                    <a:srgbClr val="000000"/>
+                  </a:solidFill>
+                  <a:latin typeface="Arial"/>
+                  <a:ea typeface="ヒラギノ明朝 ProN W3"/>
+                </a:rPr>
+                <a:t>d</a:t>
+              </a:r>
+              <a:r>
+                <a:rPr b="0" lang="en-US" sz="3200" spc="-1" strike="noStrike">
+                  <a:solidFill>
+                    <a:srgbClr val="000000"/>
+                  </a:solidFill>
+                  <a:latin typeface="Arial"/>
+                  <a:ea typeface="ヒラギノ明朝 ProN W3"/>
+                </a:rPr>
+                <a:t>e</a:t>
+              </a:r>
+              <a:r>
+                <a:rPr b="0" lang="en-US" sz="3200" spc="-1" strike="noStrike">
+                  <a:solidFill>
+                    <a:srgbClr val="000000"/>
+                  </a:solidFill>
+                  <a:latin typeface="Arial"/>
+                  <a:ea typeface="ヒラギノ明朝 ProN W3"/>
+                </a:rPr>
+                <a:t>l</a:t>
+              </a:r>
+              <a:r>
+                <a:rPr b="0" lang="en-US" sz="3200" spc="-1" strike="noStrike">
+                  <a:solidFill>
+                    <a:srgbClr val="000000"/>
+                  </a:solidFill>
+                  <a:latin typeface="Arial"/>
+                  <a:ea typeface="ヒラギノ明朝 ProN W3"/>
+                </a:rPr>
+                <a:t>.</a:t>
+              </a:r>
+              <a:endParaRPr b="0" lang="en-US" sz="3200" spc="-1" strike="noStrike">
+                <a:latin typeface="Arial"/>
+              </a:endParaRPr>
+            </a:p>
+          </p:txBody>
+        </p:sp>
+        <p:sp>
+          <p:nvSpPr>
+            <p:cNvPr id="104" name="CustomShape 46"/>
+            <p:cNvSpPr/>
+            <p:nvPr/>
+          </p:nvSpPr>
+          <p:spPr>
+            <a:xfrm>
+              <a:off x="732240" y="31481640"/>
+              <a:ext cx="9413280" cy="1088280"/>
             </a:xfrm>
             <a:prstGeom prst="rect">
               <a:avLst/>
@@ -4685,139 +11117,16 @@
                 </a:lnSpc>
               </a:pPr>
               <a:r>
-                <a:rPr b="1" lang="en-US" sz="2600" spc="-1" strike="noStrike">
+                <a:rPr b="1" lang="en-US" sz="4000" spc="-1" strike="noStrike">
                   <a:solidFill>
                     <a:srgbClr val="000000"/>
                   </a:solidFill>
                   <a:latin typeface="Verdana"/>
                   <a:ea typeface="Verdana"/>
                 </a:rPr>
-                <a:t>Regression Tree</a:t>
-              </a:r>
-              <a:endParaRPr b="0" lang="en-US" sz="2600" spc="-1" strike="noStrike">
-                <a:latin typeface="Arial"/>
-              </a:endParaRPr>
-            </a:p>
-          </p:txBody>
-        </p:sp>
-        <p:pic>
-          <p:nvPicPr>
-            <p:cNvPr id="94" name="" descr=""/>
-            <p:cNvPicPr/>
-            <p:nvPr/>
-          </p:nvPicPr>
-          <p:blipFill>
-            <a:blip r:embed="rId17"/>
-            <a:stretch/>
-          </p:blipFill>
-          <p:spPr>
-            <a:xfrm>
-              <a:off x="10981440" y="32051520"/>
-              <a:ext cx="8427960" cy="5713200"/>
-            </a:xfrm>
-            <a:prstGeom prst="rect">
-              <a:avLst/>
-            </a:prstGeom>
-            <a:ln>
-              <a:noFill/>
-            </a:ln>
-          </p:spPr>
-        </p:pic>
-        <p:sp>
-          <p:nvSpPr>
-            <p:cNvPr id="95" name="TextShape 37"/>
-            <p:cNvSpPr txBox="1"/>
-            <p:nvPr/>
-          </p:nvSpPr>
-          <p:spPr>
-            <a:xfrm>
-              <a:off x="20574000" y="32004000"/>
-              <a:ext cx="9509760" cy="6015240"/>
-            </a:xfrm>
-            <a:prstGeom prst="rect">
-              <a:avLst/>
-            </a:prstGeom>
-            <a:noFill/>
-            <a:ln>
-              <a:noFill/>
-            </a:ln>
-          </p:spPr>
-          <p:txBody>
-            <a:bodyPr lIns="90000" rIns="90000" tIns="45000" bIns="45000">
-              <a:spAutoFit/>
-            </a:bodyPr>
-            <a:p>
-              <a:r>
-                <a:rPr b="0" lang="en-US" sz="3200" spc="-1" strike="noStrike">
-                  <a:solidFill>
-                    <a:srgbClr val="000000"/>
-                  </a:solidFill>
-                  <a:latin typeface="Arial"/>
-                  <a:ea typeface="ヒラギノ明朝 ProN W3"/>
-                </a:rPr>
-                <a:t>	</a:t>
-              </a:r>
-              <a:r>
-                <a:rPr b="0" lang="en-US" sz="3200" spc="-1" strike="noStrike">
-                  <a:solidFill>
-                    <a:srgbClr val="000000"/>
-                  </a:solidFill>
-                  <a:latin typeface="Arial"/>
-                  <a:ea typeface="ヒラギノ明朝 ProN W3"/>
-                </a:rPr>
-                <a:t>Using tax paid per industry, compensation per industry, and Undistributed Corporate Profits per Industry as decision variables we construct a regression tree with 10-fold validation with the objective to predict dividend paid per industry.</a:t>
-              </a:r>
-              <a:endParaRPr b="0" lang="en-US" sz="3200" spc="-1" strike="noStrike">
-                <a:latin typeface="Arial"/>
-              </a:endParaRPr>
-            </a:p>
-            <a:p>
-              <a:r>
-                <a:rPr b="0" lang="en-US" sz="3200" spc="-1" strike="noStrike">
-                  <a:solidFill>
-                    <a:srgbClr val="000000"/>
-                  </a:solidFill>
-                  <a:latin typeface="Arial"/>
-                  <a:ea typeface="ヒラギノ明朝 ProN W3"/>
-                </a:rPr>
-                <a:t>	</a:t>
-              </a:r>
-              <a:r>
-                <a:rPr b="0" lang="en-US" sz="3200" spc="-1" strike="noStrike">
-                  <a:solidFill>
-                    <a:srgbClr val="000000"/>
-                  </a:solidFill>
-                  <a:latin typeface="Arial"/>
-                  <a:ea typeface="ヒラギノ明朝 ProN W3"/>
-                </a:rPr>
-                <a:t>From the generated tree to the right, we see that the biggest decision factor is undistributed corporate profits,  with tax paid per industry playing no role in the decision tree. </a:t>
-              </a:r>
-              <a:endParaRPr b="0" lang="en-US" sz="3200" spc="-1" strike="noStrike">
-                <a:latin typeface="Arial"/>
-              </a:endParaRPr>
-            </a:p>
-            <a:p>
-              <a:r>
-                <a:rPr b="0" lang="en-US" sz="3200" spc="-1" strike="noStrike">
-                  <a:solidFill>
-                    <a:srgbClr val="000000"/>
-                  </a:solidFill>
-                  <a:latin typeface="Arial"/>
-                  <a:ea typeface="ヒラギノ明朝 ProN W3"/>
-                </a:rPr>
-                <a:t>	</a:t>
-              </a:r>
-              <a:r>
-                <a:rPr b="0" lang="en-US" sz="3200" spc="-1" strike="noStrike">
-                  <a:solidFill>
-                    <a:srgbClr val="000000"/>
-                  </a:solidFill>
-                  <a:latin typeface="Arial"/>
-                  <a:ea typeface="ヒラギノ明朝 ProN W3"/>
-                </a:rPr>
-                <a:t>With  the data split into 70/30 training and testing data, the model returns a 30.82% accuracy level, which would suggest that the factor used are not good predictors for dividend paid per industry</a:t>
-              </a:r>
-              <a:endParaRPr b="0" lang="en-US" sz="3200" spc="-1" strike="noStrike">
+                <a:t>Conclusions</a:t>
+              </a:r>
+              <a:endParaRPr b="0" lang="en-US" sz="4000" spc="-1" strike="noStrike">
                 <a:latin typeface="Arial"/>
               </a:endParaRPr>
             </a:p>
